--- a/assets/Diagram.pptx
+++ b/assets/Diagram.pptx
@@ -2,18 +2,21 @@
 <file path=ppt/presentation.xml><?xml version="1.0" encoding="utf-8"?>
 <p:presentation xmlns:a="http://schemas.openxmlformats.org/drawingml/2006/main" xmlns:r="http://schemas.openxmlformats.org/officeDocument/2006/relationships" xmlns:p="http://schemas.openxmlformats.org/presentationml/2006/main" saveSubsetFonts="1">
   <p:sldMasterIdLst>
-    <p:sldMasterId id="2147483648" r:id="rId1"/>
+    <p:sldMasterId id="2147483672" r:id="rId1"/>
   </p:sldMasterIdLst>
+  <p:notesMasterIdLst>
+    <p:notesMasterId r:id="rId3"/>
+  </p:notesMasterIdLst>
   <p:sldIdLst>
     <p:sldId id="256" r:id="rId2"/>
   </p:sldIdLst>
-  <p:sldSz cx="12192000" cy="6858000"/>
+  <p:sldSz cx="14630400" cy="8229600"/>
   <p:notesSz cx="6858000" cy="9144000"/>
   <p:defaultTextStyle>
     <a:defPPr>
       <a:defRPr lang="en-US"/>
     </a:defPPr>
-    <a:lvl1pPr marL="0" algn="l" defTabSz="914400" rtl="0" eaLnBrk="1" latinLnBrk="0" hangingPunct="1">
+    <a:lvl1pPr marL="0" algn="l" defTabSz="457200" rtl="0" eaLnBrk="1" latinLnBrk="0" hangingPunct="1">
       <a:defRPr sz="1800" kern="1200">
         <a:solidFill>
           <a:schemeClr val="tx1"/>
@@ -23,7 +26,7 @@
         <a:cs typeface="+mn-cs"/>
       </a:defRPr>
     </a:lvl1pPr>
-    <a:lvl2pPr marL="457200" algn="l" defTabSz="914400" rtl="0" eaLnBrk="1" latinLnBrk="0" hangingPunct="1">
+    <a:lvl2pPr marL="457200" algn="l" defTabSz="457200" rtl="0" eaLnBrk="1" latinLnBrk="0" hangingPunct="1">
       <a:defRPr sz="1800" kern="1200">
         <a:solidFill>
           <a:schemeClr val="tx1"/>
@@ -33,7 +36,7 @@
         <a:cs typeface="+mn-cs"/>
       </a:defRPr>
     </a:lvl2pPr>
-    <a:lvl3pPr marL="914400" algn="l" defTabSz="914400" rtl="0" eaLnBrk="1" latinLnBrk="0" hangingPunct="1">
+    <a:lvl3pPr marL="914400" algn="l" defTabSz="457200" rtl="0" eaLnBrk="1" latinLnBrk="0" hangingPunct="1">
       <a:defRPr sz="1800" kern="1200">
         <a:solidFill>
           <a:schemeClr val="tx1"/>
@@ -43,7 +46,7 @@
         <a:cs typeface="+mn-cs"/>
       </a:defRPr>
     </a:lvl3pPr>
-    <a:lvl4pPr marL="1371600" algn="l" defTabSz="914400" rtl="0" eaLnBrk="1" latinLnBrk="0" hangingPunct="1">
+    <a:lvl4pPr marL="1371600" algn="l" defTabSz="457200" rtl="0" eaLnBrk="1" latinLnBrk="0" hangingPunct="1">
       <a:defRPr sz="1800" kern="1200">
         <a:solidFill>
           <a:schemeClr val="tx1"/>
@@ -53,7 +56,7 @@
         <a:cs typeface="+mn-cs"/>
       </a:defRPr>
     </a:lvl4pPr>
-    <a:lvl5pPr marL="1828800" algn="l" defTabSz="914400" rtl="0" eaLnBrk="1" latinLnBrk="0" hangingPunct="1">
+    <a:lvl5pPr marL="1828800" algn="l" defTabSz="457200" rtl="0" eaLnBrk="1" latinLnBrk="0" hangingPunct="1">
       <a:defRPr sz="1800" kern="1200">
         <a:solidFill>
           <a:schemeClr val="tx1"/>
@@ -63,7 +66,7 @@
         <a:cs typeface="+mn-cs"/>
       </a:defRPr>
     </a:lvl5pPr>
-    <a:lvl6pPr marL="2286000" algn="l" defTabSz="914400" rtl="0" eaLnBrk="1" latinLnBrk="0" hangingPunct="1">
+    <a:lvl6pPr marL="2286000" algn="l" defTabSz="457200" rtl="0" eaLnBrk="1" latinLnBrk="0" hangingPunct="1">
       <a:defRPr sz="1800" kern="1200">
         <a:solidFill>
           <a:schemeClr val="tx1"/>
@@ -73,7 +76,7 @@
         <a:cs typeface="+mn-cs"/>
       </a:defRPr>
     </a:lvl6pPr>
-    <a:lvl7pPr marL="2743200" algn="l" defTabSz="914400" rtl="0" eaLnBrk="1" latinLnBrk="0" hangingPunct="1">
+    <a:lvl7pPr marL="2743200" algn="l" defTabSz="457200" rtl="0" eaLnBrk="1" latinLnBrk="0" hangingPunct="1">
       <a:defRPr sz="1800" kern="1200">
         <a:solidFill>
           <a:schemeClr val="tx1"/>
@@ -83,7 +86,7 @@
         <a:cs typeface="+mn-cs"/>
       </a:defRPr>
     </a:lvl7pPr>
-    <a:lvl8pPr marL="3200400" algn="l" defTabSz="914400" rtl="0" eaLnBrk="1" latinLnBrk="0" hangingPunct="1">
+    <a:lvl8pPr marL="3200400" algn="l" defTabSz="457200" rtl="0" eaLnBrk="1" latinLnBrk="0" hangingPunct="1">
       <a:defRPr sz="1800" kern="1200">
         <a:solidFill>
           <a:schemeClr val="tx1"/>
@@ -93,7 +96,7 @@
         <a:cs typeface="+mn-cs"/>
       </a:defRPr>
     </a:lvl8pPr>
-    <a:lvl9pPr marL="3657600" algn="l" defTabSz="914400" rtl="0" eaLnBrk="1" latinLnBrk="0" hangingPunct="1">
+    <a:lvl9pPr marL="3657600" algn="l" defTabSz="457200" rtl="0" eaLnBrk="1" latinLnBrk="0" hangingPunct="1">
       <a:defRPr sz="1800" kern="1200">
         <a:solidFill>
           <a:schemeClr val="tx1"/>
@@ -104,7 +107,456 @@
       </a:defRPr>
     </a:lvl9pPr>
   </p:defaultTextStyle>
+  <p:extLst>
+    <p:ext uri="{EFAFB233-063F-42B5-8137-9DF3F51BA10A}">
+      <p15:sldGuideLst xmlns:p15="http://schemas.microsoft.com/office/powerpoint/2012/main">
+        <p15:guide id="1" orient="horz" pos="2592" userDrawn="1">
+          <p15:clr>
+            <a:srgbClr val="A4A3A4"/>
+          </p15:clr>
+        </p15:guide>
+        <p15:guide id="2" pos="4608" userDrawn="1">
+          <p15:clr>
+            <a:srgbClr val="A4A3A4"/>
+          </p15:clr>
+        </p15:guide>
+      </p15:sldGuideLst>
+    </p:ext>
+  </p:extLst>
 </p:presentation>
+</file>
+
+<file path=ppt/notesMasters/notesMaster1.xml><?xml version="1.0" encoding="utf-8"?>
+<p:notesMaster xmlns:a="http://schemas.openxmlformats.org/drawingml/2006/main" xmlns:r="http://schemas.openxmlformats.org/officeDocument/2006/relationships" xmlns:p="http://schemas.openxmlformats.org/presentationml/2006/main">
+  <p:cSld>
+    <p:bg>
+      <p:bgRef idx="1001">
+        <a:schemeClr val="bg1"/>
+      </p:bgRef>
+    </p:bg>
+    <p:spTree>
+      <p:nvGrpSpPr>
+        <p:cNvPr id="1" name=""/>
+        <p:cNvGrpSpPr/>
+        <p:nvPr/>
+      </p:nvGrpSpPr>
+      <p:grpSpPr>
+        <a:xfrm>
+          <a:off x="0" y="0"/>
+          <a:ext cx="0" cy="0"/>
+          <a:chOff x="0" y="0"/>
+          <a:chExt cx="0" cy="0"/>
+        </a:xfrm>
+      </p:grpSpPr>
+      <p:sp>
+        <p:nvSpPr>
+          <p:cNvPr id="2" name="Header Placeholder 1"/>
+          <p:cNvSpPr>
+            <a:spLocks noGrp="1"/>
+          </p:cNvSpPr>
+          <p:nvPr>
+            <p:ph type="hdr" sz="quarter"/>
+          </p:nvPr>
+        </p:nvSpPr>
+        <p:spPr>
+          <a:xfrm>
+            <a:off x="0" y="0"/>
+            <a:ext cx="2971800" cy="458788"/>
+          </a:xfrm>
+          <a:prstGeom prst="rect">
+            <a:avLst/>
+          </a:prstGeom>
+        </p:spPr>
+        <p:txBody>
+          <a:bodyPr vert="horz" lIns="91440" tIns="45720" rIns="91440" bIns="45720" rtlCol="0"/>
+          <a:lstStyle>
+            <a:lvl1pPr algn="l">
+              <a:defRPr sz="1200"/>
+            </a:lvl1pPr>
+          </a:lstStyle>
+          <a:p>
+            <a:endParaRPr lang="en-US"/>
+          </a:p>
+        </p:txBody>
+      </p:sp>
+      <p:sp>
+        <p:nvSpPr>
+          <p:cNvPr id="3" name="Date Placeholder 2"/>
+          <p:cNvSpPr>
+            <a:spLocks noGrp="1"/>
+          </p:cNvSpPr>
+          <p:nvPr>
+            <p:ph type="dt" idx="1"/>
+          </p:nvPr>
+        </p:nvSpPr>
+        <p:spPr>
+          <a:xfrm>
+            <a:off x="3884613" y="0"/>
+            <a:ext cx="2971800" cy="458788"/>
+          </a:xfrm>
+          <a:prstGeom prst="rect">
+            <a:avLst/>
+          </a:prstGeom>
+        </p:spPr>
+        <p:txBody>
+          <a:bodyPr vert="horz" lIns="91440" tIns="45720" rIns="91440" bIns="45720" rtlCol="0"/>
+          <a:lstStyle>
+            <a:lvl1pPr algn="r">
+              <a:defRPr sz="1200"/>
+            </a:lvl1pPr>
+          </a:lstStyle>
+          <a:p>
+            <a:fld id="{5F4790EC-F85E-4BC9-9E2D-31011507022E}" type="datetimeFigureOut">
+              <a:rPr lang="en-US" smtClean="0"/>
+              <a:t>5/26/2025</a:t>
+            </a:fld>
+            <a:endParaRPr lang="en-US"/>
+          </a:p>
+        </p:txBody>
+      </p:sp>
+      <p:sp>
+        <p:nvSpPr>
+          <p:cNvPr id="4" name="Slide Image Placeholder 3"/>
+          <p:cNvSpPr>
+            <a:spLocks noGrp="1" noRot="1" noChangeAspect="1"/>
+          </p:cNvSpPr>
+          <p:nvPr>
+            <p:ph type="sldImg" idx="2"/>
+          </p:nvPr>
+        </p:nvSpPr>
+        <p:spPr>
+          <a:xfrm>
+            <a:off x="685800" y="1143000"/>
+            <a:ext cx="5486400" cy="3086100"/>
+          </a:xfrm>
+          <a:prstGeom prst="rect">
+            <a:avLst/>
+          </a:prstGeom>
+          <a:noFill/>
+          <a:ln w="12700">
+            <a:solidFill>
+              <a:prstClr val="black"/>
+            </a:solidFill>
+          </a:ln>
+        </p:spPr>
+        <p:txBody>
+          <a:bodyPr vert="horz" lIns="91440" tIns="45720" rIns="91440" bIns="45720" rtlCol="0" anchor="ctr"/>
+          <a:lstStyle/>
+          <a:p>
+            <a:endParaRPr lang="en-US"/>
+          </a:p>
+        </p:txBody>
+      </p:sp>
+      <p:sp>
+        <p:nvSpPr>
+          <p:cNvPr id="5" name="Notes Placeholder 4"/>
+          <p:cNvSpPr>
+            <a:spLocks noGrp="1"/>
+          </p:cNvSpPr>
+          <p:nvPr>
+            <p:ph type="body" sz="quarter" idx="3"/>
+          </p:nvPr>
+        </p:nvSpPr>
+        <p:spPr>
+          <a:xfrm>
+            <a:off x="685800" y="4400550"/>
+            <a:ext cx="5486400" cy="3600450"/>
+          </a:xfrm>
+          <a:prstGeom prst="rect">
+            <a:avLst/>
+          </a:prstGeom>
+        </p:spPr>
+        <p:txBody>
+          <a:bodyPr vert="horz" lIns="91440" tIns="45720" rIns="91440" bIns="45720" rtlCol="0"/>
+          <a:lstStyle/>
+          <a:p>
+            <a:pPr lvl="0"/>
+            <a:r>
+              <a:rPr lang="en-US"/>
+              <a:t>Click to edit Master text styles</a:t>
+            </a:r>
+          </a:p>
+          <a:p>
+            <a:pPr lvl="1"/>
+            <a:r>
+              <a:rPr lang="en-US"/>
+              <a:t>Second level</a:t>
+            </a:r>
+          </a:p>
+          <a:p>
+            <a:pPr lvl="2"/>
+            <a:r>
+              <a:rPr lang="en-US"/>
+              <a:t>Third level</a:t>
+            </a:r>
+          </a:p>
+          <a:p>
+            <a:pPr lvl="3"/>
+            <a:r>
+              <a:rPr lang="en-US"/>
+              <a:t>Fourth level</a:t>
+            </a:r>
+          </a:p>
+          <a:p>
+            <a:pPr lvl="4"/>
+            <a:r>
+              <a:rPr lang="en-US"/>
+              <a:t>Fifth level</a:t>
+            </a:r>
+          </a:p>
+        </p:txBody>
+      </p:sp>
+      <p:sp>
+        <p:nvSpPr>
+          <p:cNvPr id="6" name="Footer Placeholder 5"/>
+          <p:cNvSpPr>
+            <a:spLocks noGrp="1"/>
+          </p:cNvSpPr>
+          <p:nvPr>
+            <p:ph type="ftr" sz="quarter" idx="4"/>
+          </p:nvPr>
+        </p:nvSpPr>
+        <p:spPr>
+          <a:xfrm>
+            <a:off x="0" y="8685213"/>
+            <a:ext cx="2971800" cy="458787"/>
+          </a:xfrm>
+          <a:prstGeom prst="rect">
+            <a:avLst/>
+          </a:prstGeom>
+        </p:spPr>
+        <p:txBody>
+          <a:bodyPr vert="horz" lIns="91440" tIns="45720" rIns="91440" bIns="45720" rtlCol="0" anchor="b"/>
+          <a:lstStyle>
+            <a:lvl1pPr algn="l">
+              <a:defRPr sz="1200"/>
+            </a:lvl1pPr>
+          </a:lstStyle>
+          <a:p>
+            <a:endParaRPr lang="en-US"/>
+          </a:p>
+        </p:txBody>
+      </p:sp>
+      <p:sp>
+        <p:nvSpPr>
+          <p:cNvPr id="7" name="Slide Number Placeholder 6"/>
+          <p:cNvSpPr>
+            <a:spLocks noGrp="1"/>
+          </p:cNvSpPr>
+          <p:nvPr>
+            <p:ph type="sldNum" sz="quarter" idx="5"/>
+          </p:nvPr>
+        </p:nvSpPr>
+        <p:spPr>
+          <a:xfrm>
+            <a:off x="3884613" y="8685213"/>
+            <a:ext cx="2971800" cy="458787"/>
+          </a:xfrm>
+          <a:prstGeom prst="rect">
+            <a:avLst/>
+          </a:prstGeom>
+        </p:spPr>
+        <p:txBody>
+          <a:bodyPr vert="horz" lIns="91440" tIns="45720" rIns="91440" bIns="45720" rtlCol="0" anchor="b"/>
+          <a:lstStyle>
+            <a:lvl1pPr algn="r">
+              <a:defRPr sz="1200"/>
+            </a:lvl1pPr>
+          </a:lstStyle>
+          <a:p>
+            <a:fld id="{94D4E508-CF10-4439-9580-29653DAE6EAB}" type="slidenum">
+              <a:rPr lang="en-US" smtClean="0"/>
+              <a:t>‹#›</a:t>
+            </a:fld>
+            <a:endParaRPr lang="en-US"/>
+          </a:p>
+        </p:txBody>
+      </p:sp>
+    </p:spTree>
+    <p:extLst>
+      <p:ext uri="{BB962C8B-B14F-4D97-AF65-F5344CB8AC3E}">
+        <p14:creationId xmlns:p14="http://schemas.microsoft.com/office/powerpoint/2010/main" val="2356510244"/>
+      </p:ext>
+    </p:extLst>
+  </p:cSld>
+  <p:clrMap bg1="lt1" tx1="dk1" bg2="lt2" tx2="dk2" accent1="accent1" accent2="accent2" accent3="accent3" accent4="accent4" accent5="accent5" accent6="accent6" hlink="hlink" folHlink="folHlink"/>
+  <p:notesStyle>
+    <a:lvl1pPr marL="0" algn="l" defTabSz="914400" rtl="0" eaLnBrk="1" latinLnBrk="0" hangingPunct="1">
+      <a:defRPr sz="1200" kern="1200">
+        <a:solidFill>
+          <a:schemeClr val="tx1"/>
+        </a:solidFill>
+        <a:latin typeface="+mn-lt"/>
+        <a:ea typeface="+mn-ea"/>
+        <a:cs typeface="+mn-cs"/>
+      </a:defRPr>
+    </a:lvl1pPr>
+    <a:lvl2pPr marL="457200" algn="l" defTabSz="914400" rtl="0" eaLnBrk="1" latinLnBrk="0" hangingPunct="1">
+      <a:defRPr sz="1200" kern="1200">
+        <a:solidFill>
+          <a:schemeClr val="tx1"/>
+        </a:solidFill>
+        <a:latin typeface="+mn-lt"/>
+        <a:ea typeface="+mn-ea"/>
+        <a:cs typeface="+mn-cs"/>
+      </a:defRPr>
+    </a:lvl2pPr>
+    <a:lvl3pPr marL="914400" algn="l" defTabSz="914400" rtl="0" eaLnBrk="1" latinLnBrk="0" hangingPunct="1">
+      <a:defRPr sz="1200" kern="1200">
+        <a:solidFill>
+          <a:schemeClr val="tx1"/>
+        </a:solidFill>
+        <a:latin typeface="+mn-lt"/>
+        <a:ea typeface="+mn-ea"/>
+        <a:cs typeface="+mn-cs"/>
+      </a:defRPr>
+    </a:lvl3pPr>
+    <a:lvl4pPr marL="1371600" algn="l" defTabSz="914400" rtl="0" eaLnBrk="1" latinLnBrk="0" hangingPunct="1">
+      <a:defRPr sz="1200" kern="1200">
+        <a:solidFill>
+          <a:schemeClr val="tx1"/>
+        </a:solidFill>
+        <a:latin typeface="+mn-lt"/>
+        <a:ea typeface="+mn-ea"/>
+        <a:cs typeface="+mn-cs"/>
+      </a:defRPr>
+    </a:lvl4pPr>
+    <a:lvl5pPr marL="1828800" algn="l" defTabSz="914400" rtl="0" eaLnBrk="1" latinLnBrk="0" hangingPunct="1">
+      <a:defRPr sz="1200" kern="1200">
+        <a:solidFill>
+          <a:schemeClr val="tx1"/>
+        </a:solidFill>
+        <a:latin typeface="+mn-lt"/>
+        <a:ea typeface="+mn-ea"/>
+        <a:cs typeface="+mn-cs"/>
+      </a:defRPr>
+    </a:lvl5pPr>
+    <a:lvl6pPr marL="2286000" algn="l" defTabSz="914400" rtl="0" eaLnBrk="1" latinLnBrk="0" hangingPunct="1">
+      <a:defRPr sz="1200" kern="1200">
+        <a:solidFill>
+          <a:schemeClr val="tx1"/>
+        </a:solidFill>
+        <a:latin typeface="+mn-lt"/>
+        <a:ea typeface="+mn-ea"/>
+        <a:cs typeface="+mn-cs"/>
+      </a:defRPr>
+    </a:lvl6pPr>
+    <a:lvl7pPr marL="2743200" algn="l" defTabSz="914400" rtl="0" eaLnBrk="1" latinLnBrk="0" hangingPunct="1">
+      <a:defRPr sz="1200" kern="1200">
+        <a:solidFill>
+          <a:schemeClr val="tx1"/>
+        </a:solidFill>
+        <a:latin typeface="+mn-lt"/>
+        <a:ea typeface="+mn-ea"/>
+        <a:cs typeface="+mn-cs"/>
+      </a:defRPr>
+    </a:lvl7pPr>
+    <a:lvl8pPr marL="3200400" algn="l" defTabSz="914400" rtl="0" eaLnBrk="1" latinLnBrk="0" hangingPunct="1">
+      <a:defRPr sz="1200" kern="1200">
+        <a:solidFill>
+          <a:schemeClr val="tx1"/>
+        </a:solidFill>
+        <a:latin typeface="+mn-lt"/>
+        <a:ea typeface="+mn-ea"/>
+        <a:cs typeface="+mn-cs"/>
+      </a:defRPr>
+    </a:lvl8pPr>
+    <a:lvl9pPr marL="3657600" algn="l" defTabSz="914400" rtl="0" eaLnBrk="1" latinLnBrk="0" hangingPunct="1">
+      <a:defRPr sz="1200" kern="1200">
+        <a:solidFill>
+          <a:schemeClr val="tx1"/>
+        </a:solidFill>
+        <a:latin typeface="+mn-lt"/>
+        <a:ea typeface="+mn-ea"/>
+        <a:cs typeface="+mn-cs"/>
+      </a:defRPr>
+    </a:lvl9pPr>
+  </p:notesStyle>
+</p:notesMaster>
+</file>
+
+<file path=ppt/notesSlides/notesSlide1.xml><?xml version="1.0" encoding="utf-8"?>
+<p:notes xmlns:a="http://schemas.openxmlformats.org/drawingml/2006/main" xmlns:r="http://schemas.openxmlformats.org/officeDocument/2006/relationships" xmlns:p="http://schemas.openxmlformats.org/presentationml/2006/main">
+  <p:cSld>
+    <p:spTree>
+      <p:nvGrpSpPr>
+        <p:cNvPr id="1" name=""/>
+        <p:cNvGrpSpPr/>
+        <p:nvPr/>
+      </p:nvGrpSpPr>
+      <p:grpSpPr>
+        <a:xfrm>
+          <a:off x="0" y="0"/>
+          <a:ext cx="0" cy="0"/>
+          <a:chOff x="0" y="0"/>
+          <a:chExt cx="0" cy="0"/>
+        </a:xfrm>
+      </p:grpSpPr>
+      <p:sp>
+        <p:nvSpPr>
+          <p:cNvPr id="2" name="Slide Image Placeholder 1"/>
+          <p:cNvSpPr>
+            <a:spLocks noGrp="1" noRot="1" noChangeAspect="1"/>
+          </p:cNvSpPr>
+          <p:nvPr>
+            <p:ph type="sldImg"/>
+          </p:nvPr>
+        </p:nvSpPr>
+        <p:spPr/>
+      </p:sp>
+      <p:sp>
+        <p:nvSpPr>
+          <p:cNvPr id="3" name="Notes Placeholder 2"/>
+          <p:cNvSpPr>
+            <a:spLocks noGrp="1"/>
+          </p:cNvSpPr>
+          <p:nvPr>
+            <p:ph type="body" idx="1"/>
+          </p:nvPr>
+        </p:nvSpPr>
+        <p:spPr/>
+        <p:txBody>
+          <a:bodyPr/>
+          <a:lstStyle/>
+          <a:p>
+            <a:endParaRPr lang="en-US" dirty="0"/>
+          </a:p>
+        </p:txBody>
+      </p:sp>
+      <p:sp>
+        <p:nvSpPr>
+          <p:cNvPr id="4" name="Slide Number Placeholder 3"/>
+          <p:cNvSpPr>
+            <a:spLocks noGrp="1"/>
+          </p:cNvSpPr>
+          <p:nvPr>
+            <p:ph type="sldNum" sz="quarter" idx="5"/>
+          </p:nvPr>
+        </p:nvSpPr>
+        <p:spPr/>
+        <p:txBody>
+          <a:bodyPr/>
+          <a:lstStyle/>
+          <a:p>
+            <a:fld id="{94D4E508-CF10-4439-9580-29653DAE6EAB}" type="slidenum">
+              <a:rPr lang="en-US" smtClean="0"/>
+              <a:t>1</a:t>
+            </a:fld>
+            <a:endParaRPr lang="en-US"/>
+          </a:p>
+        </p:txBody>
+      </p:sp>
+    </p:spTree>
+    <p:extLst>
+      <p:ext uri="{BB962C8B-B14F-4D97-AF65-F5344CB8AC3E}">
+        <p14:creationId xmlns:p14="http://schemas.microsoft.com/office/powerpoint/2010/main" val="395906891"/>
+      </p:ext>
+    </p:extLst>
+  </p:cSld>
+  <p:clrMapOvr>
+    <a:masterClrMapping/>
+  </p:clrMapOvr>
+</p:notes>
 </file>
 
 <file path=ppt/slideLayouts/slideLayout1.xml><?xml version="1.0" encoding="utf-8"?>
@@ -126,13 +578,7 @@
       </p:grpSpPr>
       <p:sp>
         <p:nvSpPr>
-          <p:cNvPr id="2" name="Title 1">
-            <a:extLst>
-              <a:ext uri="{FF2B5EF4-FFF2-40B4-BE49-F238E27FC236}">
-                <a16:creationId xmlns:a16="http://schemas.microsoft.com/office/drawing/2014/main" id="{D6F966FF-2F4D-ACF8-5ED7-658F0FAD1DF3}"/>
-              </a:ext>
-            </a:extLst>
-          </p:cNvPr>
+          <p:cNvPr id="2" name="Title 1"/>
           <p:cNvSpPr>
             <a:spLocks noGrp="1"/>
           </p:cNvSpPr>
@@ -142,15 +588,15 @@
         </p:nvSpPr>
         <p:spPr>
           <a:xfrm>
-            <a:off x="1524000" y="1122363"/>
-            <a:ext cx="9144000" cy="2387600"/>
+            <a:off x="1828800" y="1346836"/>
+            <a:ext cx="10972800" cy="2865120"/>
           </a:xfrm>
         </p:spPr>
         <p:txBody>
           <a:bodyPr anchor="b"/>
           <a:lstStyle>
             <a:lvl1pPr algn="ctr">
-              <a:defRPr sz="6000"/>
+              <a:defRPr sz="7200"/>
             </a:lvl1pPr>
           </a:lstStyle>
           <a:p>
@@ -158,18 +604,13 @@
               <a:rPr lang="en-US"/>
               <a:t>Click to edit Master title style</a:t>
             </a:r>
-          </a:p>
-        </p:txBody>
-      </p:sp>
-      <p:sp>
-        <p:nvSpPr>
-          <p:cNvPr id="3" name="Subtitle 2">
-            <a:extLst>
-              <a:ext uri="{FF2B5EF4-FFF2-40B4-BE49-F238E27FC236}">
-                <a16:creationId xmlns:a16="http://schemas.microsoft.com/office/drawing/2014/main" id="{3AEF2F35-F99D-97A8-A13A-6BF8BEF09256}"/>
-              </a:ext>
-            </a:extLst>
-          </p:cNvPr>
+            <a:endParaRPr lang="en-US" dirty="0"/>
+          </a:p>
+        </p:txBody>
+      </p:sp>
+      <p:sp>
+        <p:nvSpPr>
+          <p:cNvPr id="3" name="Subtitle 2"/>
           <p:cNvSpPr>
             <a:spLocks noGrp="1"/>
           </p:cNvSpPr>
@@ -179,8 +620,8 @@
         </p:nvSpPr>
         <p:spPr>
           <a:xfrm>
-            <a:off x="1524000" y="3602038"/>
-            <a:ext cx="9144000" cy="1655762"/>
+            <a:off x="1828800" y="4322446"/>
+            <a:ext cx="10972800" cy="1986914"/>
           </a:xfrm>
         </p:spPr>
         <p:txBody>
@@ -188,39 +629,39 @@
           <a:lstStyle>
             <a:lvl1pPr marL="0" indent="0" algn="ctr">
               <a:buNone/>
+              <a:defRPr sz="2880"/>
+            </a:lvl1pPr>
+            <a:lvl2pPr marL="548640" indent="0" algn="ctr">
+              <a:buNone/>
               <a:defRPr sz="2400"/>
-            </a:lvl1pPr>
-            <a:lvl2pPr marL="457200" indent="0" algn="ctr">
+            </a:lvl2pPr>
+            <a:lvl3pPr marL="1097280" indent="0" algn="ctr">
               <a:buNone/>
-              <a:defRPr sz="2000"/>
-            </a:lvl2pPr>
-            <a:lvl3pPr marL="914400" indent="0" algn="ctr">
+              <a:defRPr sz="2160"/>
+            </a:lvl3pPr>
+            <a:lvl4pPr marL="1645920" indent="0" algn="ctr">
               <a:buNone/>
-              <a:defRPr sz="1800"/>
-            </a:lvl3pPr>
-            <a:lvl4pPr marL="1371600" indent="0" algn="ctr">
+              <a:defRPr sz="1920"/>
+            </a:lvl4pPr>
+            <a:lvl5pPr marL="2194560" indent="0" algn="ctr">
               <a:buNone/>
-              <a:defRPr sz="1600"/>
-            </a:lvl4pPr>
-            <a:lvl5pPr marL="1828800" indent="0" algn="ctr">
+              <a:defRPr sz="1920"/>
+            </a:lvl5pPr>
+            <a:lvl6pPr marL="2743200" indent="0" algn="ctr">
               <a:buNone/>
-              <a:defRPr sz="1600"/>
-            </a:lvl5pPr>
-            <a:lvl6pPr marL="2286000" indent="0" algn="ctr">
+              <a:defRPr sz="1920"/>
+            </a:lvl6pPr>
+            <a:lvl7pPr marL="3291840" indent="0" algn="ctr">
               <a:buNone/>
-              <a:defRPr sz="1600"/>
-            </a:lvl6pPr>
-            <a:lvl7pPr marL="2743200" indent="0" algn="ctr">
+              <a:defRPr sz="1920"/>
+            </a:lvl7pPr>
+            <a:lvl8pPr marL="3840480" indent="0" algn="ctr">
               <a:buNone/>
-              <a:defRPr sz="1600"/>
-            </a:lvl7pPr>
-            <a:lvl8pPr marL="3200400" indent="0" algn="ctr">
+              <a:defRPr sz="1920"/>
+            </a:lvl8pPr>
+            <a:lvl9pPr marL="4389120" indent="0" algn="ctr">
               <a:buNone/>
-              <a:defRPr sz="1600"/>
-            </a:lvl8pPr>
-            <a:lvl9pPr marL="3657600" indent="0" algn="ctr">
-              <a:buNone/>
-              <a:defRPr sz="1600"/>
+              <a:defRPr sz="1920"/>
             </a:lvl9pPr>
           </a:lstStyle>
           <a:p>
@@ -228,18 +669,13 @@
               <a:rPr lang="en-US"/>
               <a:t>Click to edit Master subtitle style</a:t>
             </a:r>
-          </a:p>
-        </p:txBody>
-      </p:sp>
-      <p:sp>
-        <p:nvSpPr>
-          <p:cNvPr id="4" name="Date Placeholder 3">
-            <a:extLst>
-              <a:ext uri="{FF2B5EF4-FFF2-40B4-BE49-F238E27FC236}">
-                <a16:creationId xmlns:a16="http://schemas.microsoft.com/office/drawing/2014/main" id="{4F671826-4A0D-0418-4074-1122ACCE54F6}"/>
-              </a:ext>
-            </a:extLst>
-          </p:cNvPr>
+            <a:endParaRPr lang="en-US" dirty="0"/>
+          </a:p>
+        </p:txBody>
+      </p:sp>
+      <p:sp>
+        <p:nvSpPr>
+          <p:cNvPr id="4" name="Date Placeholder 3"/>
           <p:cNvSpPr>
             <a:spLocks noGrp="1"/>
           </p:cNvSpPr>
@@ -254,7 +690,7 @@
           <a:p>
             <a:fld id="{7F5102BF-3E1C-4FEC-B8AE-4CD23D8F5F17}" type="datetimeFigureOut">
               <a:rPr lang="en-US" smtClean="0"/>
-              <a:t>4/20/2025</a:t>
+              <a:t>5/25/2025</a:t>
             </a:fld>
             <a:endParaRPr lang="en-US"/>
           </a:p>
@@ -262,13 +698,7 @@
       </p:sp>
       <p:sp>
         <p:nvSpPr>
-          <p:cNvPr id="5" name="Footer Placeholder 4">
-            <a:extLst>
-              <a:ext uri="{FF2B5EF4-FFF2-40B4-BE49-F238E27FC236}">
-                <a16:creationId xmlns:a16="http://schemas.microsoft.com/office/drawing/2014/main" id="{D93BFB72-ECAD-8592-6BF3-4803715BC6EA}"/>
-              </a:ext>
-            </a:extLst>
-          </p:cNvPr>
+          <p:cNvPr id="5" name="Footer Placeholder 4"/>
           <p:cNvSpPr>
             <a:spLocks noGrp="1"/>
           </p:cNvSpPr>
@@ -287,13 +717,7 @@
       </p:sp>
       <p:sp>
         <p:nvSpPr>
-          <p:cNvPr id="6" name="Slide Number Placeholder 5">
-            <a:extLst>
-              <a:ext uri="{FF2B5EF4-FFF2-40B4-BE49-F238E27FC236}">
-                <a16:creationId xmlns:a16="http://schemas.microsoft.com/office/drawing/2014/main" id="{D568A62F-B122-9604-FBA5-4D58C3ABAF10}"/>
-              </a:ext>
-            </a:extLst>
-          </p:cNvPr>
+          <p:cNvPr id="6" name="Slide Number Placeholder 5"/>
           <p:cNvSpPr>
             <a:spLocks noGrp="1"/>
           </p:cNvSpPr>
@@ -317,7 +741,7 @@
     </p:spTree>
     <p:extLst>
       <p:ext uri="{BB962C8B-B14F-4D97-AF65-F5344CB8AC3E}">
-        <p14:creationId xmlns:p14="http://schemas.microsoft.com/office/powerpoint/2010/main" val="590603994"/>
+        <p14:creationId xmlns:p14="http://schemas.microsoft.com/office/powerpoint/2010/main" val="554408758"/>
       </p:ext>
     </p:extLst>
   </p:cSld>
@@ -346,13 +770,7 @@
       </p:grpSpPr>
       <p:sp>
         <p:nvSpPr>
-          <p:cNvPr id="2" name="Title 1">
-            <a:extLst>
-              <a:ext uri="{FF2B5EF4-FFF2-40B4-BE49-F238E27FC236}">
-                <a16:creationId xmlns:a16="http://schemas.microsoft.com/office/drawing/2014/main" id="{5180426B-96B6-0663-7543-464548052102}"/>
-              </a:ext>
-            </a:extLst>
-          </p:cNvPr>
+          <p:cNvPr id="2" name="Title 1"/>
           <p:cNvSpPr>
             <a:spLocks noGrp="1"/>
           </p:cNvSpPr>
@@ -369,18 +787,13 @@
               <a:rPr lang="en-US"/>
               <a:t>Click to edit Master title style</a:t>
             </a:r>
-          </a:p>
-        </p:txBody>
-      </p:sp>
-      <p:sp>
-        <p:nvSpPr>
-          <p:cNvPr id="3" name="Vertical Text Placeholder 2">
-            <a:extLst>
-              <a:ext uri="{FF2B5EF4-FFF2-40B4-BE49-F238E27FC236}">
-                <a16:creationId xmlns:a16="http://schemas.microsoft.com/office/drawing/2014/main" id="{CD475D3B-DC89-F9C1-9CF3-33A540325B82}"/>
-              </a:ext>
-            </a:extLst>
-          </p:cNvPr>
+            <a:endParaRPr lang="en-US" dirty="0"/>
+          </a:p>
+        </p:txBody>
+      </p:sp>
+      <p:sp>
+        <p:nvSpPr>
+          <p:cNvPr id="3" name="Vertical Text Placeholder 2"/>
           <p:cNvSpPr>
             <a:spLocks noGrp="1"/>
           </p:cNvSpPr>
@@ -426,18 +839,13 @@
               <a:rPr lang="en-US"/>
               <a:t>Fifth level</a:t>
             </a:r>
-          </a:p>
-        </p:txBody>
-      </p:sp>
-      <p:sp>
-        <p:nvSpPr>
-          <p:cNvPr id="4" name="Date Placeholder 3">
-            <a:extLst>
-              <a:ext uri="{FF2B5EF4-FFF2-40B4-BE49-F238E27FC236}">
-                <a16:creationId xmlns:a16="http://schemas.microsoft.com/office/drawing/2014/main" id="{48A68582-3D30-B015-BE94-768944FA9AED}"/>
-              </a:ext>
-            </a:extLst>
-          </p:cNvPr>
+            <a:endParaRPr lang="en-US" dirty="0"/>
+          </a:p>
+        </p:txBody>
+      </p:sp>
+      <p:sp>
+        <p:nvSpPr>
+          <p:cNvPr id="4" name="Date Placeholder 3"/>
           <p:cNvSpPr>
             <a:spLocks noGrp="1"/>
           </p:cNvSpPr>
@@ -452,7 +860,7 @@
           <a:p>
             <a:fld id="{7F5102BF-3E1C-4FEC-B8AE-4CD23D8F5F17}" type="datetimeFigureOut">
               <a:rPr lang="en-US" smtClean="0"/>
-              <a:t>4/20/2025</a:t>
+              <a:t>5/25/2025</a:t>
             </a:fld>
             <a:endParaRPr lang="en-US"/>
           </a:p>
@@ -460,13 +868,7 @@
       </p:sp>
       <p:sp>
         <p:nvSpPr>
-          <p:cNvPr id="5" name="Footer Placeholder 4">
-            <a:extLst>
-              <a:ext uri="{FF2B5EF4-FFF2-40B4-BE49-F238E27FC236}">
-                <a16:creationId xmlns:a16="http://schemas.microsoft.com/office/drawing/2014/main" id="{9B0ED68A-5D04-EAC4-DE7A-A42C4706A3B7}"/>
-              </a:ext>
-            </a:extLst>
-          </p:cNvPr>
+          <p:cNvPr id="5" name="Footer Placeholder 4"/>
           <p:cNvSpPr>
             <a:spLocks noGrp="1"/>
           </p:cNvSpPr>
@@ -485,13 +887,7 @@
       </p:sp>
       <p:sp>
         <p:nvSpPr>
-          <p:cNvPr id="6" name="Slide Number Placeholder 5">
-            <a:extLst>
-              <a:ext uri="{FF2B5EF4-FFF2-40B4-BE49-F238E27FC236}">
-                <a16:creationId xmlns:a16="http://schemas.microsoft.com/office/drawing/2014/main" id="{F1802812-8B62-04EF-513F-C2D2EB274806}"/>
-              </a:ext>
-            </a:extLst>
-          </p:cNvPr>
+          <p:cNvPr id="6" name="Slide Number Placeholder 5"/>
           <p:cNvSpPr>
             <a:spLocks noGrp="1"/>
           </p:cNvSpPr>
@@ -515,7 +911,7 @@
     </p:spTree>
     <p:extLst>
       <p:ext uri="{BB962C8B-B14F-4D97-AF65-F5344CB8AC3E}">
-        <p14:creationId xmlns:p14="http://schemas.microsoft.com/office/powerpoint/2010/main" val="3912241015"/>
+        <p14:creationId xmlns:p14="http://schemas.microsoft.com/office/powerpoint/2010/main" val="2966232849"/>
       </p:ext>
     </p:extLst>
   </p:cSld>
@@ -544,13 +940,7 @@
       </p:grpSpPr>
       <p:sp>
         <p:nvSpPr>
-          <p:cNvPr id="2" name="Vertical Title 1">
-            <a:extLst>
-              <a:ext uri="{FF2B5EF4-FFF2-40B4-BE49-F238E27FC236}">
-                <a16:creationId xmlns:a16="http://schemas.microsoft.com/office/drawing/2014/main" id="{FD505C47-667E-D933-3F1D-4747D31DC56C}"/>
-              </a:ext>
-            </a:extLst>
-          </p:cNvPr>
+          <p:cNvPr id="2" name="Vertical Title 1"/>
           <p:cNvSpPr>
             <a:spLocks noGrp="1"/>
           </p:cNvSpPr>
@@ -560,8 +950,8 @@
         </p:nvSpPr>
         <p:spPr>
           <a:xfrm>
-            <a:off x="8724900" y="365125"/>
-            <a:ext cx="2628900" cy="5811838"/>
+            <a:off x="10469880" y="438150"/>
+            <a:ext cx="3154680" cy="6974206"/>
           </a:xfrm>
         </p:spPr>
         <p:txBody>
@@ -572,18 +962,13 @@
               <a:rPr lang="en-US"/>
               <a:t>Click to edit Master title style</a:t>
             </a:r>
-          </a:p>
-        </p:txBody>
-      </p:sp>
-      <p:sp>
-        <p:nvSpPr>
-          <p:cNvPr id="3" name="Vertical Text Placeholder 2">
-            <a:extLst>
-              <a:ext uri="{FF2B5EF4-FFF2-40B4-BE49-F238E27FC236}">
-                <a16:creationId xmlns:a16="http://schemas.microsoft.com/office/drawing/2014/main" id="{708B0AA7-8509-CF7F-D007-489786E5C649}"/>
-              </a:ext>
-            </a:extLst>
-          </p:cNvPr>
+            <a:endParaRPr lang="en-US" dirty="0"/>
+          </a:p>
+        </p:txBody>
+      </p:sp>
+      <p:sp>
+        <p:nvSpPr>
+          <p:cNvPr id="3" name="Vertical Text Placeholder 2"/>
           <p:cNvSpPr>
             <a:spLocks noGrp="1"/>
           </p:cNvSpPr>
@@ -593,8 +978,8 @@
         </p:nvSpPr>
         <p:spPr>
           <a:xfrm>
-            <a:off x="838200" y="365125"/>
-            <a:ext cx="7734300" cy="5811838"/>
+            <a:off x="1005840" y="438150"/>
+            <a:ext cx="9281160" cy="6974206"/>
           </a:xfrm>
         </p:spPr>
         <p:txBody>
@@ -634,18 +1019,13 @@
               <a:rPr lang="en-US"/>
               <a:t>Fifth level</a:t>
             </a:r>
-          </a:p>
-        </p:txBody>
-      </p:sp>
-      <p:sp>
-        <p:nvSpPr>
-          <p:cNvPr id="4" name="Date Placeholder 3">
-            <a:extLst>
-              <a:ext uri="{FF2B5EF4-FFF2-40B4-BE49-F238E27FC236}">
-                <a16:creationId xmlns:a16="http://schemas.microsoft.com/office/drawing/2014/main" id="{700FC4D5-9B8B-62E6-CB87-6588B23454CA}"/>
-              </a:ext>
-            </a:extLst>
-          </p:cNvPr>
+            <a:endParaRPr lang="en-US" dirty="0"/>
+          </a:p>
+        </p:txBody>
+      </p:sp>
+      <p:sp>
+        <p:nvSpPr>
+          <p:cNvPr id="4" name="Date Placeholder 3"/>
           <p:cNvSpPr>
             <a:spLocks noGrp="1"/>
           </p:cNvSpPr>
@@ -660,7 +1040,7 @@
           <a:p>
             <a:fld id="{7F5102BF-3E1C-4FEC-B8AE-4CD23D8F5F17}" type="datetimeFigureOut">
               <a:rPr lang="en-US" smtClean="0"/>
-              <a:t>4/20/2025</a:t>
+              <a:t>5/25/2025</a:t>
             </a:fld>
             <a:endParaRPr lang="en-US"/>
           </a:p>
@@ -668,13 +1048,7 @@
       </p:sp>
       <p:sp>
         <p:nvSpPr>
-          <p:cNvPr id="5" name="Footer Placeholder 4">
-            <a:extLst>
-              <a:ext uri="{FF2B5EF4-FFF2-40B4-BE49-F238E27FC236}">
-                <a16:creationId xmlns:a16="http://schemas.microsoft.com/office/drawing/2014/main" id="{610B12DA-A6CB-7B23-9353-8D8FE3110079}"/>
-              </a:ext>
-            </a:extLst>
-          </p:cNvPr>
+          <p:cNvPr id="5" name="Footer Placeholder 4"/>
           <p:cNvSpPr>
             <a:spLocks noGrp="1"/>
           </p:cNvSpPr>
@@ -693,13 +1067,7 @@
       </p:sp>
       <p:sp>
         <p:nvSpPr>
-          <p:cNvPr id="6" name="Slide Number Placeholder 5">
-            <a:extLst>
-              <a:ext uri="{FF2B5EF4-FFF2-40B4-BE49-F238E27FC236}">
-                <a16:creationId xmlns:a16="http://schemas.microsoft.com/office/drawing/2014/main" id="{EB74A610-0A9C-8E89-46C8-B96BE5CCA4C5}"/>
-              </a:ext>
-            </a:extLst>
-          </p:cNvPr>
+          <p:cNvPr id="6" name="Slide Number Placeholder 5"/>
           <p:cNvSpPr>
             <a:spLocks noGrp="1"/>
           </p:cNvSpPr>
@@ -723,7 +1091,7 @@
     </p:spTree>
     <p:extLst>
       <p:ext uri="{BB962C8B-B14F-4D97-AF65-F5344CB8AC3E}">
-        <p14:creationId xmlns:p14="http://schemas.microsoft.com/office/powerpoint/2010/main" val="3824676007"/>
+        <p14:creationId xmlns:p14="http://schemas.microsoft.com/office/powerpoint/2010/main" val="4077192897"/>
       </p:ext>
     </p:extLst>
   </p:cSld>
@@ -752,13 +1120,7 @@
       </p:grpSpPr>
       <p:sp>
         <p:nvSpPr>
-          <p:cNvPr id="2" name="Title 1">
-            <a:extLst>
-              <a:ext uri="{FF2B5EF4-FFF2-40B4-BE49-F238E27FC236}">
-                <a16:creationId xmlns:a16="http://schemas.microsoft.com/office/drawing/2014/main" id="{FBE85C25-F940-A55E-F969-669F1E317DDB}"/>
-              </a:ext>
-            </a:extLst>
-          </p:cNvPr>
+          <p:cNvPr id="2" name="Title 1"/>
           <p:cNvSpPr>
             <a:spLocks noGrp="1"/>
           </p:cNvSpPr>
@@ -775,18 +1137,13 @@
               <a:rPr lang="en-US"/>
               <a:t>Click to edit Master title style</a:t>
             </a:r>
-          </a:p>
-        </p:txBody>
-      </p:sp>
-      <p:sp>
-        <p:nvSpPr>
-          <p:cNvPr id="3" name="Content Placeholder 2">
-            <a:extLst>
-              <a:ext uri="{FF2B5EF4-FFF2-40B4-BE49-F238E27FC236}">
-                <a16:creationId xmlns:a16="http://schemas.microsoft.com/office/drawing/2014/main" id="{57472437-9834-D8BB-2347-7A909281767C}"/>
-              </a:ext>
-            </a:extLst>
-          </p:cNvPr>
+            <a:endParaRPr lang="en-US" dirty="0"/>
+          </a:p>
+        </p:txBody>
+      </p:sp>
+      <p:sp>
+        <p:nvSpPr>
+          <p:cNvPr id="3" name="Content Placeholder 2"/>
           <p:cNvSpPr>
             <a:spLocks noGrp="1"/>
           </p:cNvSpPr>
@@ -832,18 +1189,13 @@
               <a:rPr lang="en-US"/>
               <a:t>Fifth level</a:t>
             </a:r>
-          </a:p>
-        </p:txBody>
-      </p:sp>
-      <p:sp>
-        <p:nvSpPr>
-          <p:cNvPr id="4" name="Date Placeholder 3">
-            <a:extLst>
-              <a:ext uri="{FF2B5EF4-FFF2-40B4-BE49-F238E27FC236}">
-                <a16:creationId xmlns:a16="http://schemas.microsoft.com/office/drawing/2014/main" id="{D2C1B452-70E7-CA40-DEE2-4BBFFC69B53C}"/>
-              </a:ext>
-            </a:extLst>
-          </p:cNvPr>
+            <a:endParaRPr lang="en-US" dirty="0"/>
+          </a:p>
+        </p:txBody>
+      </p:sp>
+      <p:sp>
+        <p:nvSpPr>
+          <p:cNvPr id="4" name="Date Placeholder 3"/>
           <p:cNvSpPr>
             <a:spLocks noGrp="1"/>
           </p:cNvSpPr>
@@ -858,7 +1210,7 @@
           <a:p>
             <a:fld id="{7F5102BF-3E1C-4FEC-B8AE-4CD23D8F5F17}" type="datetimeFigureOut">
               <a:rPr lang="en-US" smtClean="0"/>
-              <a:t>4/20/2025</a:t>
+              <a:t>5/25/2025</a:t>
             </a:fld>
             <a:endParaRPr lang="en-US"/>
           </a:p>
@@ -866,13 +1218,7 @@
       </p:sp>
       <p:sp>
         <p:nvSpPr>
-          <p:cNvPr id="5" name="Footer Placeholder 4">
-            <a:extLst>
-              <a:ext uri="{FF2B5EF4-FFF2-40B4-BE49-F238E27FC236}">
-                <a16:creationId xmlns:a16="http://schemas.microsoft.com/office/drawing/2014/main" id="{1BB28C32-1296-5BFB-4B6C-52D11000F8F4}"/>
-              </a:ext>
-            </a:extLst>
-          </p:cNvPr>
+          <p:cNvPr id="5" name="Footer Placeholder 4"/>
           <p:cNvSpPr>
             <a:spLocks noGrp="1"/>
           </p:cNvSpPr>
@@ -891,13 +1237,7 @@
       </p:sp>
       <p:sp>
         <p:nvSpPr>
-          <p:cNvPr id="6" name="Slide Number Placeholder 5">
-            <a:extLst>
-              <a:ext uri="{FF2B5EF4-FFF2-40B4-BE49-F238E27FC236}">
-                <a16:creationId xmlns:a16="http://schemas.microsoft.com/office/drawing/2014/main" id="{610AA434-B11C-02C3-520A-4C9C35162637}"/>
-              </a:ext>
-            </a:extLst>
-          </p:cNvPr>
+          <p:cNvPr id="6" name="Slide Number Placeholder 5"/>
           <p:cNvSpPr>
             <a:spLocks noGrp="1"/>
           </p:cNvSpPr>
@@ -921,7 +1261,7 @@
     </p:spTree>
     <p:extLst>
       <p:ext uri="{BB962C8B-B14F-4D97-AF65-F5344CB8AC3E}">
-        <p14:creationId xmlns:p14="http://schemas.microsoft.com/office/powerpoint/2010/main" val="1951936837"/>
+        <p14:creationId xmlns:p14="http://schemas.microsoft.com/office/powerpoint/2010/main" val="2002880677"/>
       </p:ext>
     </p:extLst>
   </p:cSld>
@@ -950,13 +1290,7 @@
       </p:grpSpPr>
       <p:sp>
         <p:nvSpPr>
-          <p:cNvPr id="2" name="Title 1">
-            <a:extLst>
-              <a:ext uri="{FF2B5EF4-FFF2-40B4-BE49-F238E27FC236}">
-                <a16:creationId xmlns:a16="http://schemas.microsoft.com/office/drawing/2014/main" id="{242D5D4F-B995-6878-C22E-B713405AD349}"/>
-              </a:ext>
-            </a:extLst>
-          </p:cNvPr>
+          <p:cNvPr id="2" name="Title 1"/>
           <p:cNvSpPr>
             <a:spLocks noGrp="1"/>
           </p:cNvSpPr>
@@ -966,15 +1300,15 @@
         </p:nvSpPr>
         <p:spPr>
           <a:xfrm>
-            <a:off x="831850" y="1709738"/>
-            <a:ext cx="10515600" cy="2852737"/>
+            <a:off x="998220" y="2051686"/>
+            <a:ext cx="12618720" cy="3423284"/>
           </a:xfrm>
         </p:spPr>
         <p:txBody>
           <a:bodyPr anchor="b"/>
           <a:lstStyle>
             <a:lvl1pPr>
-              <a:defRPr sz="6000"/>
+              <a:defRPr sz="7200"/>
             </a:lvl1pPr>
           </a:lstStyle>
           <a:p>
@@ -982,18 +1316,13 @@
               <a:rPr lang="en-US"/>
               <a:t>Click to edit Master title style</a:t>
             </a:r>
-          </a:p>
-        </p:txBody>
-      </p:sp>
-      <p:sp>
-        <p:nvSpPr>
-          <p:cNvPr id="3" name="Text Placeholder 2">
-            <a:extLst>
-              <a:ext uri="{FF2B5EF4-FFF2-40B4-BE49-F238E27FC236}">
-                <a16:creationId xmlns:a16="http://schemas.microsoft.com/office/drawing/2014/main" id="{7229F5A1-536A-37E2-23B3-DFDBFCA77B35}"/>
-              </a:ext>
-            </a:extLst>
-          </p:cNvPr>
+            <a:endParaRPr lang="en-US" dirty="0"/>
+          </a:p>
+        </p:txBody>
+      </p:sp>
+      <p:sp>
+        <p:nvSpPr>
+          <p:cNvPr id="3" name="Text Placeholder 2"/>
           <p:cNvSpPr>
             <a:spLocks noGrp="1"/>
           </p:cNvSpPr>
@@ -1003,14 +1332,24 @@
         </p:nvSpPr>
         <p:spPr>
           <a:xfrm>
-            <a:off x="831850" y="4589463"/>
-            <a:ext cx="10515600" cy="1500187"/>
+            <a:off x="998220" y="5507356"/>
+            <a:ext cx="12618720" cy="1800224"/>
           </a:xfrm>
         </p:spPr>
         <p:txBody>
           <a:bodyPr/>
           <a:lstStyle>
             <a:lvl1pPr marL="0" indent="0">
+              <a:buNone/>
+              <a:defRPr sz="2880">
+                <a:solidFill>
+                  <a:schemeClr val="tx1">
+                    <a:tint val="82000"/>
+                  </a:schemeClr>
+                </a:solidFill>
+              </a:defRPr>
+            </a:lvl1pPr>
+            <a:lvl2pPr marL="548640" indent="0">
               <a:buNone/>
               <a:defRPr sz="2400">
                 <a:solidFill>
@@ -1019,20 +1358,10 @@
                   </a:schemeClr>
                 </a:solidFill>
               </a:defRPr>
-            </a:lvl1pPr>
-            <a:lvl2pPr marL="457200" indent="0">
+            </a:lvl2pPr>
+            <a:lvl3pPr marL="1097280" indent="0">
               <a:buNone/>
-              <a:defRPr sz="2000">
-                <a:solidFill>
-                  <a:schemeClr val="tx1">
-                    <a:tint val="82000"/>
-                  </a:schemeClr>
-                </a:solidFill>
-              </a:defRPr>
-            </a:lvl2pPr>
-            <a:lvl3pPr marL="914400" indent="0">
-              <a:buNone/>
-              <a:defRPr sz="1800">
+              <a:defRPr sz="2160">
                 <a:solidFill>
                   <a:schemeClr val="tx1">
                     <a:tint val="82000"/>
@@ -1040,9 +1369,9 @@
                 </a:solidFill>
               </a:defRPr>
             </a:lvl3pPr>
-            <a:lvl4pPr marL="1371600" indent="0">
+            <a:lvl4pPr marL="1645920" indent="0">
               <a:buNone/>
-              <a:defRPr sz="1600">
+              <a:defRPr sz="1920">
                 <a:solidFill>
                   <a:schemeClr val="tx1">
                     <a:tint val="82000"/>
@@ -1050,9 +1379,9 @@
                 </a:solidFill>
               </a:defRPr>
             </a:lvl4pPr>
-            <a:lvl5pPr marL="1828800" indent="0">
+            <a:lvl5pPr marL="2194560" indent="0">
               <a:buNone/>
-              <a:defRPr sz="1600">
+              <a:defRPr sz="1920">
                 <a:solidFill>
                   <a:schemeClr val="tx1">
                     <a:tint val="82000"/>
@@ -1060,9 +1389,9 @@
                 </a:solidFill>
               </a:defRPr>
             </a:lvl5pPr>
-            <a:lvl6pPr marL="2286000" indent="0">
+            <a:lvl6pPr marL="2743200" indent="0">
               <a:buNone/>
-              <a:defRPr sz="1600">
+              <a:defRPr sz="1920">
                 <a:solidFill>
                   <a:schemeClr val="tx1">
                     <a:tint val="82000"/>
@@ -1070,9 +1399,9 @@
                 </a:solidFill>
               </a:defRPr>
             </a:lvl6pPr>
-            <a:lvl7pPr marL="2743200" indent="0">
+            <a:lvl7pPr marL="3291840" indent="0">
               <a:buNone/>
-              <a:defRPr sz="1600">
+              <a:defRPr sz="1920">
                 <a:solidFill>
                   <a:schemeClr val="tx1">
                     <a:tint val="82000"/>
@@ -1080,9 +1409,9 @@
                 </a:solidFill>
               </a:defRPr>
             </a:lvl7pPr>
-            <a:lvl8pPr marL="3200400" indent="0">
+            <a:lvl8pPr marL="3840480" indent="0">
               <a:buNone/>
-              <a:defRPr sz="1600">
+              <a:defRPr sz="1920">
                 <a:solidFill>
                   <a:schemeClr val="tx1">
                     <a:tint val="82000"/>
@@ -1090,9 +1419,9 @@
                 </a:solidFill>
               </a:defRPr>
             </a:lvl8pPr>
-            <a:lvl9pPr marL="3657600" indent="0">
+            <a:lvl9pPr marL="4389120" indent="0">
               <a:buNone/>
-              <a:defRPr sz="1600">
+              <a:defRPr sz="1920">
                 <a:solidFill>
                   <a:schemeClr val="tx1">
                     <a:tint val="82000"/>
@@ -1112,13 +1441,7 @@
       </p:sp>
       <p:sp>
         <p:nvSpPr>
-          <p:cNvPr id="4" name="Date Placeholder 3">
-            <a:extLst>
-              <a:ext uri="{FF2B5EF4-FFF2-40B4-BE49-F238E27FC236}">
-                <a16:creationId xmlns:a16="http://schemas.microsoft.com/office/drawing/2014/main" id="{10C2EAB5-695E-775D-0D61-BA437853C952}"/>
-              </a:ext>
-            </a:extLst>
-          </p:cNvPr>
+          <p:cNvPr id="4" name="Date Placeholder 3"/>
           <p:cNvSpPr>
             <a:spLocks noGrp="1"/>
           </p:cNvSpPr>
@@ -1133,7 +1456,7 @@
           <a:p>
             <a:fld id="{7F5102BF-3E1C-4FEC-B8AE-4CD23D8F5F17}" type="datetimeFigureOut">
               <a:rPr lang="en-US" smtClean="0"/>
-              <a:t>4/20/2025</a:t>
+              <a:t>5/25/2025</a:t>
             </a:fld>
             <a:endParaRPr lang="en-US"/>
           </a:p>
@@ -1141,13 +1464,7 @@
       </p:sp>
       <p:sp>
         <p:nvSpPr>
-          <p:cNvPr id="5" name="Footer Placeholder 4">
-            <a:extLst>
-              <a:ext uri="{FF2B5EF4-FFF2-40B4-BE49-F238E27FC236}">
-                <a16:creationId xmlns:a16="http://schemas.microsoft.com/office/drawing/2014/main" id="{E1626948-162E-CB65-9776-CDB54DD53CCF}"/>
-              </a:ext>
-            </a:extLst>
-          </p:cNvPr>
+          <p:cNvPr id="5" name="Footer Placeholder 4"/>
           <p:cNvSpPr>
             <a:spLocks noGrp="1"/>
           </p:cNvSpPr>
@@ -1166,13 +1483,7 @@
       </p:sp>
       <p:sp>
         <p:nvSpPr>
-          <p:cNvPr id="6" name="Slide Number Placeholder 5">
-            <a:extLst>
-              <a:ext uri="{FF2B5EF4-FFF2-40B4-BE49-F238E27FC236}">
-                <a16:creationId xmlns:a16="http://schemas.microsoft.com/office/drawing/2014/main" id="{B14AC0EB-1C25-31F8-1734-5F3467278FAB}"/>
-              </a:ext>
-            </a:extLst>
-          </p:cNvPr>
+          <p:cNvPr id="6" name="Slide Number Placeholder 5"/>
           <p:cNvSpPr>
             <a:spLocks noGrp="1"/>
           </p:cNvSpPr>
@@ -1196,7 +1507,7 @@
     </p:spTree>
     <p:extLst>
       <p:ext uri="{BB962C8B-B14F-4D97-AF65-F5344CB8AC3E}">
-        <p14:creationId xmlns:p14="http://schemas.microsoft.com/office/powerpoint/2010/main" val="986066843"/>
+        <p14:creationId xmlns:p14="http://schemas.microsoft.com/office/powerpoint/2010/main" val="4233509225"/>
       </p:ext>
     </p:extLst>
   </p:cSld>
@@ -1225,13 +1536,7 @@
       </p:grpSpPr>
       <p:sp>
         <p:nvSpPr>
-          <p:cNvPr id="2" name="Title 1">
-            <a:extLst>
-              <a:ext uri="{FF2B5EF4-FFF2-40B4-BE49-F238E27FC236}">
-                <a16:creationId xmlns:a16="http://schemas.microsoft.com/office/drawing/2014/main" id="{04B67579-53F7-09D3-84D6-78B71042E0A0}"/>
-              </a:ext>
-            </a:extLst>
-          </p:cNvPr>
+          <p:cNvPr id="2" name="Title 1"/>
           <p:cNvSpPr>
             <a:spLocks noGrp="1"/>
           </p:cNvSpPr>
@@ -1248,18 +1553,13 @@
               <a:rPr lang="en-US"/>
               <a:t>Click to edit Master title style</a:t>
             </a:r>
-          </a:p>
-        </p:txBody>
-      </p:sp>
-      <p:sp>
-        <p:nvSpPr>
-          <p:cNvPr id="3" name="Content Placeholder 2">
-            <a:extLst>
-              <a:ext uri="{FF2B5EF4-FFF2-40B4-BE49-F238E27FC236}">
-                <a16:creationId xmlns:a16="http://schemas.microsoft.com/office/drawing/2014/main" id="{498B74E8-00BE-D8B8-0C3B-3F19D88E49C3}"/>
-              </a:ext>
-            </a:extLst>
-          </p:cNvPr>
+            <a:endParaRPr lang="en-US" dirty="0"/>
+          </a:p>
+        </p:txBody>
+      </p:sp>
+      <p:sp>
+        <p:nvSpPr>
+          <p:cNvPr id="3" name="Content Placeholder 2"/>
           <p:cNvSpPr>
             <a:spLocks noGrp="1"/>
           </p:cNvSpPr>
@@ -1269,8 +1569,8 @@
         </p:nvSpPr>
         <p:spPr>
           <a:xfrm>
-            <a:off x="838200" y="1825625"/>
-            <a:ext cx="5181600" cy="4351338"/>
+            <a:off x="1005840" y="2190750"/>
+            <a:ext cx="6217920" cy="5221606"/>
           </a:xfrm>
         </p:spPr>
         <p:txBody>
@@ -1310,18 +1610,13 @@
               <a:rPr lang="en-US"/>
               <a:t>Fifth level</a:t>
             </a:r>
-          </a:p>
-        </p:txBody>
-      </p:sp>
-      <p:sp>
-        <p:nvSpPr>
-          <p:cNvPr id="4" name="Content Placeholder 3">
-            <a:extLst>
-              <a:ext uri="{FF2B5EF4-FFF2-40B4-BE49-F238E27FC236}">
-                <a16:creationId xmlns:a16="http://schemas.microsoft.com/office/drawing/2014/main" id="{CA4E9361-2A6F-9D7F-5F08-E7FBA2321B0D}"/>
-              </a:ext>
-            </a:extLst>
-          </p:cNvPr>
+            <a:endParaRPr lang="en-US" dirty="0"/>
+          </a:p>
+        </p:txBody>
+      </p:sp>
+      <p:sp>
+        <p:nvSpPr>
+          <p:cNvPr id="4" name="Content Placeholder 3"/>
           <p:cNvSpPr>
             <a:spLocks noGrp="1"/>
           </p:cNvSpPr>
@@ -1331,8 +1626,8 @@
         </p:nvSpPr>
         <p:spPr>
           <a:xfrm>
-            <a:off x="6172200" y="1825625"/>
-            <a:ext cx="5181600" cy="4351338"/>
+            <a:off x="7406640" y="2190750"/>
+            <a:ext cx="6217920" cy="5221606"/>
           </a:xfrm>
         </p:spPr>
         <p:txBody>
@@ -1372,18 +1667,13 @@
               <a:rPr lang="en-US"/>
               <a:t>Fifth level</a:t>
             </a:r>
-          </a:p>
-        </p:txBody>
-      </p:sp>
-      <p:sp>
-        <p:nvSpPr>
-          <p:cNvPr id="5" name="Date Placeholder 4">
-            <a:extLst>
-              <a:ext uri="{FF2B5EF4-FFF2-40B4-BE49-F238E27FC236}">
-                <a16:creationId xmlns:a16="http://schemas.microsoft.com/office/drawing/2014/main" id="{FE9B5330-8A91-D270-86C8-8E9C9A038F3A}"/>
-              </a:ext>
-            </a:extLst>
-          </p:cNvPr>
+            <a:endParaRPr lang="en-US" dirty="0"/>
+          </a:p>
+        </p:txBody>
+      </p:sp>
+      <p:sp>
+        <p:nvSpPr>
+          <p:cNvPr id="5" name="Date Placeholder 4"/>
           <p:cNvSpPr>
             <a:spLocks noGrp="1"/>
           </p:cNvSpPr>
@@ -1398,7 +1688,7 @@
           <a:p>
             <a:fld id="{7F5102BF-3E1C-4FEC-B8AE-4CD23D8F5F17}" type="datetimeFigureOut">
               <a:rPr lang="en-US" smtClean="0"/>
-              <a:t>4/20/2025</a:t>
+              <a:t>5/25/2025</a:t>
             </a:fld>
             <a:endParaRPr lang="en-US"/>
           </a:p>
@@ -1406,13 +1696,7 @@
       </p:sp>
       <p:sp>
         <p:nvSpPr>
-          <p:cNvPr id="6" name="Footer Placeholder 5">
-            <a:extLst>
-              <a:ext uri="{FF2B5EF4-FFF2-40B4-BE49-F238E27FC236}">
-                <a16:creationId xmlns:a16="http://schemas.microsoft.com/office/drawing/2014/main" id="{8EE5F048-9443-DD09-4250-3B01ADB0902F}"/>
-              </a:ext>
-            </a:extLst>
-          </p:cNvPr>
+          <p:cNvPr id="6" name="Footer Placeholder 5"/>
           <p:cNvSpPr>
             <a:spLocks noGrp="1"/>
           </p:cNvSpPr>
@@ -1431,13 +1715,7 @@
       </p:sp>
       <p:sp>
         <p:nvSpPr>
-          <p:cNvPr id="7" name="Slide Number Placeholder 6">
-            <a:extLst>
-              <a:ext uri="{FF2B5EF4-FFF2-40B4-BE49-F238E27FC236}">
-                <a16:creationId xmlns:a16="http://schemas.microsoft.com/office/drawing/2014/main" id="{82D133D4-8C4B-AB8C-D05F-278ECFB15C4E}"/>
-              </a:ext>
-            </a:extLst>
-          </p:cNvPr>
+          <p:cNvPr id="7" name="Slide Number Placeholder 6"/>
           <p:cNvSpPr>
             <a:spLocks noGrp="1"/>
           </p:cNvSpPr>
@@ -1461,7 +1739,7 @@
     </p:spTree>
     <p:extLst>
       <p:ext uri="{BB962C8B-B14F-4D97-AF65-F5344CB8AC3E}">
-        <p14:creationId xmlns:p14="http://schemas.microsoft.com/office/powerpoint/2010/main" val="2660189483"/>
+        <p14:creationId xmlns:p14="http://schemas.microsoft.com/office/powerpoint/2010/main" val="2546829387"/>
       </p:ext>
     </p:extLst>
   </p:cSld>
@@ -1490,13 +1768,7 @@
       </p:grpSpPr>
       <p:sp>
         <p:nvSpPr>
-          <p:cNvPr id="2" name="Title 1">
-            <a:extLst>
-              <a:ext uri="{FF2B5EF4-FFF2-40B4-BE49-F238E27FC236}">
-                <a16:creationId xmlns:a16="http://schemas.microsoft.com/office/drawing/2014/main" id="{43D24FE0-CF8D-9541-9C91-2FCF3BA35ABE}"/>
-              </a:ext>
-            </a:extLst>
-          </p:cNvPr>
+          <p:cNvPr id="2" name="Title 1"/>
           <p:cNvSpPr>
             <a:spLocks noGrp="1"/>
           </p:cNvSpPr>
@@ -1506,8 +1778,8 @@
         </p:nvSpPr>
         <p:spPr>
           <a:xfrm>
-            <a:off x="839788" y="365125"/>
-            <a:ext cx="10515600" cy="1325563"/>
+            <a:off x="1007746" y="438150"/>
+            <a:ext cx="12618720" cy="1590676"/>
           </a:xfrm>
         </p:spPr>
         <p:txBody>
@@ -1518,18 +1790,13 @@
               <a:rPr lang="en-US"/>
               <a:t>Click to edit Master title style</a:t>
             </a:r>
-          </a:p>
-        </p:txBody>
-      </p:sp>
-      <p:sp>
-        <p:nvSpPr>
-          <p:cNvPr id="3" name="Text Placeholder 2">
-            <a:extLst>
-              <a:ext uri="{FF2B5EF4-FFF2-40B4-BE49-F238E27FC236}">
-                <a16:creationId xmlns:a16="http://schemas.microsoft.com/office/drawing/2014/main" id="{2FB5AAAB-F757-1234-0CC1-7CC869A79FEF}"/>
-              </a:ext>
-            </a:extLst>
-          </p:cNvPr>
+            <a:endParaRPr lang="en-US" dirty="0"/>
+          </a:p>
+        </p:txBody>
+      </p:sp>
+      <p:sp>
+        <p:nvSpPr>
+          <p:cNvPr id="3" name="Text Placeholder 2"/>
           <p:cNvSpPr>
             <a:spLocks noGrp="1"/>
           </p:cNvSpPr>
@@ -1539,8 +1806,8 @@
         </p:nvSpPr>
         <p:spPr>
           <a:xfrm>
-            <a:off x="839788" y="1681163"/>
-            <a:ext cx="5157787" cy="823912"/>
+            <a:off x="1007746" y="2017396"/>
+            <a:ext cx="6189344" cy="988694"/>
           </a:xfrm>
         </p:spPr>
         <p:txBody>
@@ -1548,39 +1815,39 @@
           <a:lstStyle>
             <a:lvl1pPr marL="0" indent="0">
               <a:buNone/>
+              <a:defRPr sz="2880" b="1"/>
+            </a:lvl1pPr>
+            <a:lvl2pPr marL="548640" indent="0">
+              <a:buNone/>
               <a:defRPr sz="2400" b="1"/>
-            </a:lvl1pPr>
-            <a:lvl2pPr marL="457200" indent="0">
+            </a:lvl2pPr>
+            <a:lvl3pPr marL="1097280" indent="0">
               <a:buNone/>
-              <a:defRPr sz="2000" b="1"/>
-            </a:lvl2pPr>
-            <a:lvl3pPr marL="914400" indent="0">
+              <a:defRPr sz="2160" b="1"/>
+            </a:lvl3pPr>
+            <a:lvl4pPr marL="1645920" indent="0">
               <a:buNone/>
-              <a:defRPr sz="1800" b="1"/>
-            </a:lvl3pPr>
-            <a:lvl4pPr marL="1371600" indent="0">
+              <a:defRPr sz="1920" b="1"/>
+            </a:lvl4pPr>
+            <a:lvl5pPr marL="2194560" indent="0">
               <a:buNone/>
-              <a:defRPr sz="1600" b="1"/>
-            </a:lvl4pPr>
-            <a:lvl5pPr marL="1828800" indent="0">
+              <a:defRPr sz="1920" b="1"/>
+            </a:lvl5pPr>
+            <a:lvl6pPr marL="2743200" indent="0">
               <a:buNone/>
-              <a:defRPr sz="1600" b="1"/>
-            </a:lvl5pPr>
-            <a:lvl6pPr marL="2286000" indent="0">
+              <a:defRPr sz="1920" b="1"/>
+            </a:lvl6pPr>
+            <a:lvl7pPr marL="3291840" indent="0">
               <a:buNone/>
-              <a:defRPr sz="1600" b="1"/>
-            </a:lvl6pPr>
-            <a:lvl7pPr marL="2743200" indent="0">
+              <a:defRPr sz="1920" b="1"/>
+            </a:lvl7pPr>
+            <a:lvl8pPr marL="3840480" indent="0">
               <a:buNone/>
-              <a:defRPr sz="1600" b="1"/>
-            </a:lvl7pPr>
-            <a:lvl8pPr marL="3200400" indent="0">
+              <a:defRPr sz="1920" b="1"/>
+            </a:lvl8pPr>
+            <a:lvl9pPr marL="4389120" indent="0">
               <a:buNone/>
-              <a:defRPr sz="1600" b="1"/>
-            </a:lvl8pPr>
-            <a:lvl9pPr marL="3657600" indent="0">
-              <a:buNone/>
-              <a:defRPr sz="1600" b="1"/>
+              <a:defRPr sz="1920" b="1"/>
             </a:lvl9pPr>
           </a:lstStyle>
           <a:p>
@@ -1594,13 +1861,7 @@
       </p:sp>
       <p:sp>
         <p:nvSpPr>
-          <p:cNvPr id="4" name="Content Placeholder 3">
-            <a:extLst>
-              <a:ext uri="{FF2B5EF4-FFF2-40B4-BE49-F238E27FC236}">
-                <a16:creationId xmlns:a16="http://schemas.microsoft.com/office/drawing/2014/main" id="{3438DB73-6D09-3243-675B-A4CF2275C276}"/>
-              </a:ext>
-            </a:extLst>
-          </p:cNvPr>
+          <p:cNvPr id="4" name="Content Placeholder 3"/>
           <p:cNvSpPr>
             <a:spLocks noGrp="1"/>
           </p:cNvSpPr>
@@ -1610,8 +1871,8 @@
         </p:nvSpPr>
         <p:spPr>
           <a:xfrm>
-            <a:off x="839788" y="2505075"/>
-            <a:ext cx="5157787" cy="3684588"/>
+            <a:off x="1007746" y="3006090"/>
+            <a:ext cx="6189344" cy="4421506"/>
           </a:xfrm>
         </p:spPr>
         <p:txBody>
@@ -1651,18 +1912,13 @@
               <a:rPr lang="en-US"/>
               <a:t>Fifth level</a:t>
             </a:r>
-          </a:p>
-        </p:txBody>
-      </p:sp>
-      <p:sp>
-        <p:nvSpPr>
-          <p:cNvPr id="5" name="Text Placeholder 4">
-            <a:extLst>
-              <a:ext uri="{FF2B5EF4-FFF2-40B4-BE49-F238E27FC236}">
-                <a16:creationId xmlns:a16="http://schemas.microsoft.com/office/drawing/2014/main" id="{2410722B-94F7-B368-4963-E9FDAD6C970C}"/>
-              </a:ext>
-            </a:extLst>
-          </p:cNvPr>
+            <a:endParaRPr lang="en-US" dirty="0"/>
+          </a:p>
+        </p:txBody>
+      </p:sp>
+      <p:sp>
+        <p:nvSpPr>
+          <p:cNvPr id="5" name="Text Placeholder 4"/>
           <p:cNvSpPr>
             <a:spLocks noGrp="1"/>
           </p:cNvSpPr>
@@ -1672,8 +1928,8 @@
         </p:nvSpPr>
         <p:spPr>
           <a:xfrm>
-            <a:off x="6172200" y="1681163"/>
-            <a:ext cx="5183188" cy="823912"/>
+            <a:off x="7406640" y="2017396"/>
+            <a:ext cx="6219826" cy="988694"/>
           </a:xfrm>
         </p:spPr>
         <p:txBody>
@@ -1681,39 +1937,39 @@
           <a:lstStyle>
             <a:lvl1pPr marL="0" indent="0">
               <a:buNone/>
+              <a:defRPr sz="2880" b="1"/>
+            </a:lvl1pPr>
+            <a:lvl2pPr marL="548640" indent="0">
+              <a:buNone/>
               <a:defRPr sz="2400" b="1"/>
-            </a:lvl1pPr>
-            <a:lvl2pPr marL="457200" indent="0">
+            </a:lvl2pPr>
+            <a:lvl3pPr marL="1097280" indent="0">
               <a:buNone/>
-              <a:defRPr sz="2000" b="1"/>
-            </a:lvl2pPr>
-            <a:lvl3pPr marL="914400" indent="0">
+              <a:defRPr sz="2160" b="1"/>
+            </a:lvl3pPr>
+            <a:lvl4pPr marL="1645920" indent="0">
               <a:buNone/>
-              <a:defRPr sz="1800" b="1"/>
-            </a:lvl3pPr>
-            <a:lvl4pPr marL="1371600" indent="0">
+              <a:defRPr sz="1920" b="1"/>
+            </a:lvl4pPr>
+            <a:lvl5pPr marL="2194560" indent="0">
               <a:buNone/>
-              <a:defRPr sz="1600" b="1"/>
-            </a:lvl4pPr>
-            <a:lvl5pPr marL="1828800" indent="0">
+              <a:defRPr sz="1920" b="1"/>
+            </a:lvl5pPr>
+            <a:lvl6pPr marL="2743200" indent="0">
               <a:buNone/>
-              <a:defRPr sz="1600" b="1"/>
-            </a:lvl5pPr>
-            <a:lvl6pPr marL="2286000" indent="0">
+              <a:defRPr sz="1920" b="1"/>
+            </a:lvl6pPr>
+            <a:lvl7pPr marL="3291840" indent="0">
               <a:buNone/>
-              <a:defRPr sz="1600" b="1"/>
-            </a:lvl6pPr>
-            <a:lvl7pPr marL="2743200" indent="0">
+              <a:defRPr sz="1920" b="1"/>
+            </a:lvl7pPr>
+            <a:lvl8pPr marL="3840480" indent="0">
               <a:buNone/>
-              <a:defRPr sz="1600" b="1"/>
-            </a:lvl7pPr>
-            <a:lvl8pPr marL="3200400" indent="0">
+              <a:defRPr sz="1920" b="1"/>
+            </a:lvl8pPr>
+            <a:lvl9pPr marL="4389120" indent="0">
               <a:buNone/>
-              <a:defRPr sz="1600" b="1"/>
-            </a:lvl8pPr>
-            <a:lvl9pPr marL="3657600" indent="0">
-              <a:buNone/>
-              <a:defRPr sz="1600" b="1"/>
+              <a:defRPr sz="1920" b="1"/>
             </a:lvl9pPr>
           </a:lstStyle>
           <a:p>
@@ -1727,13 +1983,7 @@
       </p:sp>
       <p:sp>
         <p:nvSpPr>
-          <p:cNvPr id="6" name="Content Placeholder 5">
-            <a:extLst>
-              <a:ext uri="{FF2B5EF4-FFF2-40B4-BE49-F238E27FC236}">
-                <a16:creationId xmlns:a16="http://schemas.microsoft.com/office/drawing/2014/main" id="{BEC88DED-B27C-CD80-7909-897B6C5B9DBD}"/>
-              </a:ext>
-            </a:extLst>
-          </p:cNvPr>
+          <p:cNvPr id="6" name="Content Placeholder 5"/>
           <p:cNvSpPr>
             <a:spLocks noGrp="1"/>
           </p:cNvSpPr>
@@ -1743,8 +1993,8 @@
         </p:nvSpPr>
         <p:spPr>
           <a:xfrm>
-            <a:off x="6172200" y="2505075"/>
-            <a:ext cx="5183188" cy="3684588"/>
+            <a:off x="7406640" y="3006090"/>
+            <a:ext cx="6219826" cy="4421506"/>
           </a:xfrm>
         </p:spPr>
         <p:txBody>
@@ -1784,18 +2034,13 @@
               <a:rPr lang="en-US"/>
               <a:t>Fifth level</a:t>
             </a:r>
-          </a:p>
-        </p:txBody>
-      </p:sp>
-      <p:sp>
-        <p:nvSpPr>
-          <p:cNvPr id="7" name="Date Placeholder 6">
-            <a:extLst>
-              <a:ext uri="{FF2B5EF4-FFF2-40B4-BE49-F238E27FC236}">
-                <a16:creationId xmlns:a16="http://schemas.microsoft.com/office/drawing/2014/main" id="{CB13E53A-CFC8-D670-5E46-FA20D07AA7E0}"/>
-              </a:ext>
-            </a:extLst>
-          </p:cNvPr>
+            <a:endParaRPr lang="en-US" dirty="0"/>
+          </a:p>
+        </p:txBody>
+      </p:sp>
+      <p:sp>
+        <p:nvSpPr>
+          <p:cNvPr id="7" name="Date Placeholder 6"/>
           <p:cNvSpPr>
             <a:spLocks noGrp="1"/>
           </p:cNvSpPr>
@@ -1810,7 +2055,7 @@
           <a:p>
             <a:fld id="{7F5102BF-3E1C-4FEC-B8AE-4CD23D8F5F17}" type="datetimeFigureOut">
               <a:rPr lang="en-US" smtClean="0"/>
-              <a:t>4/20/2025</a:t>
+              <a:t>5/25/2025</a:t>
             </a:fld>
             <a:endParaRPr lang="en-US"/>
           </a:p>
@@ -1818,13 +2063,7 @@
       </p:sp>
       <p:sp>
         <p:nvSpPr>
-          <p:cNvPr id="8" name="Footer Placeholder 7">
-            <a:extLst>
-              <a:ext uri="{FF2B5EF4-FFF2-40B4-BE49-F238E27FC236}">
-                <a16:creationId xmlns:a16="http://schemas.microsoft.com/office/drawing/2014/main" id="{8BF92F1F-D8CE-BA77-D4BB-CF4CB053FC19}"/>
-              </a:ext>
-            </a:extLst>
-          </p:cNvPr>
+          <p:cNvPr id="8" name="Footer Placeholder 7"/>
           <p:cNvSpPr>
             <a:spLocks noGrp="1"/>
           </p:cNvSpPr>
@@ -1843,13 +2082,7 @@
       </p:sp>
       <p:sp>
         <p:nvSpPr>
-          <p:cNvPr id="9" name="Slide Number Placeholder 8">
-            <a:extLst>
-              <a:ext uri="{FF2B5EF4-FFF2-40B4-BE49-F238E27FC236}">
-                <a16:creationId xmlns:a16="http://schemas.microsoft.com/office/drawing/2014/main" id="{782124D9-8D9A-002D-2C89-FF345BA7FCF9}"/>
-              </a:ext>
-            </a:extLst>
-          </p:cNvPr>
+          <p:cNvPr id="9" name="Slide Number Placeholder 8"/>
           <p:cNvSpPr>
             <a:spLocks noGrp="1"/>
           </p:cNvSpPr>
@@ -1873,7 +2106,7 @@
     </p:spTree>
     <p:extLst>
       <p:ext uri="{BB962C8B-B14F-4D97-AF65-F5344CB8AC3E}">
-        <p14:creationId xmlns:p14="http://schemas.microsoft.com/office/powerpoint/2010/main" val="2251836040"/>
+        <p14:creationId xmlns:p14="http://schemas.microsoft.com/office/powerpoint/2010/main" val="2278691562"/>
       </p:ext>
     </p:extLst>
   </p:cSld>
@@ -1902,13 +2135,7 @@
       </p:grpSpPr>
       <p:sp>
         <p:nvSpPr>
-          <p:cNvPr id="2" name="Title 1">
-            <a:extLst>
-              <a:ext uri="{FF2B5EF4-FFF2-40B4-BE49-F238E27FC236}">
-                <a16:creationId xmlns:a16="http://schemas.microsoft.com/office/drawing/2014/main" id="{0E897036-194E-FA68-25B7-D6C28758EA1E}"/>
-              </a:ext>
-            </a:extLst>
-          </p:cNvPr>
+          <p:cNvPr id="2" name="Title 1"/>
           <p:cNvSpPr>
             <a:spLocks noGrp="1"/>
           </p:cNvSpPr>
@@ -1925,18 +2152,13 @@
               <a:rPr lang="en-US"/>
               <a:t>Click to edit Master title style</a:t>
             </a:r>
-          </a:p>
-        </p:txBody>
-      </p:sp>
-      <p:sp>
-        <p:nvSpPr>
-          <p:cNvPr id="3" name="Date Placeholder 2">
-            <a:extLst>
-              <a:ext uri="{FF2B5EF4-FFF2-40B4-BE49-F238E27FC236}">
-                <a16:creationId xmlns:a16="http://schemas.microsoft.com/office/drawing/2014/main" id="{6FB448BD-7628-06DD-E7DE-2792B27AB849}"/>
-              </a:ext>
-            </a:extLst>
-          </p:cNvPr>
+            <a:endParaRPr lang="en-US" dirty="0"/>
+          </a:p>
+        </p:txBody>
+      </p:sp>
+      <p:sp>
+        <p:nvSpPr>
+          <p:cNvPr id="3" name="Date Placeholder 2"/>
           <p:cNvSpPr>
             <a:spLocks noGrp="1"/>
           </p:cNvSpPr>
@@ -1951,7 +2173,7 @@
           <a:p>
             <a:fld id="{7F5102BF-3E1C-4FEC-B8AE-4CD23D8F5F17}" type="datetimeFigureOut">
               <a:rPr lang="en-US" smtClean="0"/>
-              <a:t>4/20/2025</a:t>
+              <a:t>5/25/2025</a:t>
             </a:fld>
             <a:endParaRPr lang="en-US"/>
           </a:p>
@@ -1959,13 +2181,7 @@
       </p:sp>
       <p:sp>
         <p:nvSpPr>
-          <p:cNvPr id="4" name="Footer Placeholder 3">
-            <a:extLst>
-              <a:ext uri="{FF2B5EF4-FFF2-40B4-BE49-F238E27FC236}">
-                <a16:creationId xmlns:a16="http://schemas.microsoft.com/office/drawing/2014/main" id="{2D51028D-E433-5A71-477D-EE9634D1018F}"/>
-              </a:ext>
-            </a:extLst>
-          </p:cNvPr>
+          <p:cNvPr id="4" name="Footer Placeholder 3"/>
           <p:cNvSpPr>
             <a:spLocks noGrp="1"/>
           </p:cNvSpPr>
@@ -1984,13 +2200,7 @@
       </p:sp>
       <p:sp>
         <p:nvSpPr>
-          <p:cNvPr id="5" name="Slide Number Placeholder 4">
-            <a:extLst>
-              <a:ext uri="{FF2B5EF4-FFF2-40B4-BE49-F238E27FC236}">
-                <a16:creationId xmlns:a16="http://schemas.microsoft.com/office/drawing/2014/main" id="{6EDF56D5-7170-5C01-8FDE-1453E8665EDD}"/>
-              </a:ext>
-            </a:extLst>
-          </p:cNvPr>
+          <p:cNvPr id="5" name="Slide Number Placeholder 4"/>
           <p:cNvSpPr>
             <a:spLocks noGrp="1"/>
           </p:cNvSpPr>
@@ -2014,7 +2224,7 @@
     </p:spTree>
     <p:extLst>
       <p:ext uri="{BB962C8B-B14F-4D97-AF65-F5344CB8AC3E}">
-        <p14:creationId xmlns:p14="http://schemas.microsoft.com/office/powerpoint/2010/main" val="425433684"/>
+        <p14:creationId xmlns:p14="http://schemas.microsoft.com/office/powerpoint/2010/main" val="1623845510"/>
       </p:ext>
     </p:extLst>
   </p:cSld>
@@ -2043,13 +2253,7 @@
       </p:grpSpPr>
       <p:sp>
         <p:nvSpPr>
-          <p:cNvPr id="2" name="Date Placeholder 1">
-            <a:extLst>
-              <a:ext uri="{FF2B5EF4-FFF2-40B4-BE49-F238E27FC236}">
-                <a16:creationId xmlns:a16="http://schemas.microsoft.com/office/drawing/2014/main" id="{527DB094-59C1-A347-1655-F69DACEAB539}"/>
-              </a:ext>
-            </a:extLst>
-          </p:cNvPr>
+          <p:cNvPr id="2" name="Date Placeholder 1"/>
           <p:cNvSpPr>
             <a:spLocks noGrp="1"/>
           </p:cNvSpPr>
@@ -2064,7 +2268,7 @@
           <a:p>
             <a:fld id="{7F5102BF-3E1C-4FEC-B8AE-4CD23D8F5F17}" type="datetimeFigureOut">
               <a:rPr lang="en-US" smtClean="0"/>
-              <a:t>4/20/2025</a:t>
+              <a:t>5/25/2025</a:t>
             </a:fld>
             <a:endParaRPr lang="en-US"/>
           </a:p>
@@ -2072,13 +2276,7 @@
       </p:sp>
       <p:sp>
         <p:nvSpPr>
-          <p:cNvPr id="3" name="Footer Placeholder 2">
-            <a:extLst>
-              <a:ext uri="{FF2B5EF4-FFF2-40B4-BE49-F238E27FC236}">
-                <a16:creationId xmlns:a16="http://schemas.microsoft.com/office/drawing/2014/main" id="{395A3524-6D18-956F-3758-3D05B7B297F8}"/>
-              </a:ext>
-            </a:extLst>
-          </p:cNvPr>
+          <p:cNvPr id="3" name="Footer Placeholder 2"/>
           <p:cNvSpPr>
             <a:spLocks noGrp="1"/>
           </p:cNvSpPr>
@@ -2097,13 +2295,7 @@
       </p:sp>
       <p:sp>
         <p:nvSpPr>
-          <p:cNvPr id="4" name="Slide Number Placeholder 3">
-            <a:extLst>
-              <a:ext uri="{FF2B5EF4-FFF2-40B4-BE49-F238E27FC236}">
-                <a16:creationId xmlns:a16="http://schemas.microsoft.com/office/drawing/2014/main" id="{DDA760EA-A266-5B69-3DF1-BD218725884A}"/>
-              </a:ext>
-            </a:extLst>
-          </p:cNvPr>
+          <p:cNvPr id="4" name="Slide Number Placeholder 3"/>
           <p:cNvSpPr>
             <a:spLocks noGrp="1"/>
           </p:cNvSpPr>
@@ -2127,7 +2319,7 @@
     </p:spTree>
     <p:extLst>
       <p:ext uri="{BB962C8B-B14F-4D97-AF65-F5344CB8AC3E}">
-        <p14:creationId xmlns:p14="http://schemas.microsoft.com/office/powerpoint/2010/main" val="1654656989"/>
+        <p14:creationId xmlns:p14="http://schemas.microsoft.com/office/powerpoint/2010/main" val="2869244976"/>
       </p:ext>
     </p:extLst>
   </p:cSld>
@@ -2156,13 +2348,7 @@
       </p:grpSpPr>
       <p:sp>
         <p:nvSpPr>
-          <p:cNvPr id="2" name="Title 1">
-            <a:extLst>
-              <a:ext uri="{FF2B5EF4-FFF2-40B4-BE49-F238E27FC236}">
-                <a16:creationId xmlns:a16="http://schemas.microsoft.com/office/drawing/2014/main" id="{52791936-637B-A550-CB93-D0612D82FE3F}"/>
-              </a:ext>
-            </a:extLst>
-          </p:cNvPr>
+          <p:cNvPr id="2" name="Title 1"/>
           <p:cNvSpPr>
             <a:spLocks noGrp="1"/>
           </p:cNvSpPr>
@@ -2172,15 +2358,15 @@
         </p:nvSpPr>
         <p:spPr>
           <a:xfrm>
-            <a:off x="839788" y="457200"/>
-            <a:ext cx="3932237" cy="1600200"/>
+            <a:off x="1007746" y="548640"/>
+            <a:ext cx="4718684" cy="1920240"/>
           </a:xfrm>
         </p:spPr>
         <p:txBody>
           <a:bodyPr anchor="b"/>
           <a:lstStyle>
             <a:lvl1pPr>
-              <a:defRPr sz="3200"/>
+              <a:defRPr sz="3840"/>
             </a:lvl1pPr>
           </a:lstStyle>
           <a:p>
@@ -2188,18 +2374,13 @@
               <a:rPr lang="en-US"/>
               <a:t>Click to edit Master title style</a:t>
             </a:r>
-          </a:p>
-        </p:txBody>
-      </p:sp>
-      <p:sp>
-        <p:nvSpPr>
-          <p:cNvPr id="3" name="Content Placeholder 2">
-            <a:extLst>
-              <a:ext uri="{FF2B5EF4-FFF2-40B4-BE49-F238E27FC236}">
-                <a16:creationId xmlns:a16="http://schemas.microsoft.com/office/drawing/2014/main" id="{62A8FCD6-CE75-FA16-29AE-F86061590E4A}"/>
-              </a:ext>
-            </a:extLst>
-          </p:cNvPr>
+            <a:endParaRPr lang="en-US" dirty="0"/>
+          </a:p>
+        </p:txBody>
+      </p:sp>
+      <p:sp>
+        <p:nvSpPr>
+          <p:cNvPr id="3" name="Content Placeholder 2"/>
           <p:cNvSpPr>
             <a:spLocks noGrp="1"/>
           </p:cNvSpPr>
@@ -2209,39 +2390,39 @@
         </p:nvSpPr>
         <p:spPr>
           <a:xfrm>
-            <a:off x="5183188" y="987425"/>
-            <a:ext cx="6172200" cy="4873625"/>
+            <a:off x="6219826" y="1184911"/>
+            <a:ext cx="7406640" cy="5848350"/>
           </a:xfrm>
         </p:spPr>
         <p:txBody>
           <a:bodyPr/>
           <a:lstStyle>
             <a:lvl1pPr>
-              <a:defRPr sz="3200"/>
+              <a:defRPr sz="3840"/>
             </a:lvl1pPr>
             <a:lvl2pPr>
-              <a:defRPr sz="2800"/>
+              <a:defRPr sz="3360"/>
             </a:lvl2pPr>
             <a:lvl3pPr>
-              <a:defRPr sz="2400"/>
+              <a:defRPr sz="2880"/>
             </a:lvl3pPr>
             <a:lvl4pPr>
-              <a:defRPr sz="2000"/>
+              <a:defRPr sz="2400"/>
             </a:lvl4pPr>
             <a:lvl5pPr>
-              <a:defRPr sz="2000"/>
+              <a:defRPr sz="2400"/>
             </a:lvl5pPr>
             <a:lvl6pPr>
-              <a:defRPr sz="2000"/>
+              <a:defRPr sz="2400"/>
             </a:lvl6pPr>
             <a:lvl7pPr>
-              <a:defRPr sz="2000"/>
+              <a:defRPr sz="2400"/>
             </a:lvl7pPr>
             <a:lvl8pPr>
-              <a:defRPr sz="2000"/>
+              <a:defRPr sz="2400"/>
             </a:lvl8pPr>
             <a:lvl9pPr>
-              <a:defRPr sz="2000"/>
+              <a:defRPr sz="2400"/>
             </a:lvl9pPr>
           </a:lstStyle>
           <a:p>
@@ -2278,18 +2459,13 @@
               <a:rPr lang="en-US"/>
               <a:t>Fifth level</a:t>
             </a:r>
-          </a:p>
-        </p:txBody>
-      </p:sp>
-      <p:sp>
-        <p:nvSpPr>
-          <p:cNvPr id="4" name="Text Placeholder 3">
-            <a:extLst>
-              <a:ext uri="{FF2B5EF4-FFF2-40B4-BE49-F238E27FC236}">
-                <a16:creationId xmlns:a16="http://schemas.microsoft.com/office/drawing/2014/main" id="{B4D3757E-070E-05B4-F088-984E6FAF2CE1}"/>
-              </a:ext>
-            </a:extLst>
-          </p:cNvPr>
+            <a:endParaRPr lang="en-US" dirty="0"/>
+          </a:p>
+        </p:txBody>
+      </p:sp>
+      <p:sp>
+        <p:nvSpPr>
+          <p:cNvPr id="4" name="Text Placeholder 3"/>
           <p:cNvSpPr>
             <a:spLocks noGrp="1"/>
           </p:cNvSpPr>
@@ -2299,8 +2475,8 @@
         </p:nvSpPr>
         <p:spPr>
           <a:xfrm>
-            <a:off x="839788" y="2057400"/>
-            <a:ext cx="3932237" cy="3811588"/>
+            <a:off x="1007746" y="2468880"/>
+            <a:ext cx="4718684" cy="4573906"/>
           </a:xfrm>
         </p:spPr>
         <p:txBody>
@@ -2308,39 +2484,39 @@
           <a:lstStyle>
             <a:lvl1pPr marL="0" indent="0">
               <a:buNone/>
-              <a:defRPr sz="1600"/>
+              <a:defRPr sz="1920"/>
             </a:lvl1pPr>
-            <a:lvl2pPr marL="457200" indent="0">
+            <a:lvl2pPr marL="548640" indent="0">
               <a:buNone/>
-              <a:defRPr sz="1400"/>
+              <a:defRPr sz="1680"/>
             </a:lvl2pPr>
-            <a:lvl3pPr marL="914400" indent="0">
+            <a:lvl3pPr marL="1097280" indent="0">
+              <a:buNone/>
+              <a:defRPr sz="1440"/>
+            </a:lvl3pPr>
+            <a:lvl4pPr marL="1645920" indent="0">
               <a:buNone/>
               <a:defRPr sz="1200"/>
-            </a:lvl3pPr>
-            <a:lvl4pPr marL="1371600" indent="0">
+            </a:lvl4pPr>
+            <a:lvl5pPr marL="2194560" indent="0">
               <a:buNone/>
-              <a:defRPr sz="1000"/>
-            </a:lvl4pPr>
-            <a:lvl5pPr marL="1828800" indent="0">
+              <a:defRPr sz="1200"/>
+            </a:lvl5pPr>
+            <a:lvl6pPr marL="2743200" indent="0">
               <a:buNone/>
-              <a:defRPr sz="1000"/>
-            </a:lvl5pPr>
-            <a:lvl6pPr marL="2286000" indent="0">
+              <a:defRPr sz="1200"/>
+            </a:lvl6pPr>
+            <a:lvl7pPr marL="3291840" indent="0">
               <a:buNone/>
-              <a:defRPr sz="1000"/>
-            </a:lvl6pPr>
-            <a:lvl7pPr marL="2743200" indent="0">
+              <a:defRPr sz="1200"/>
+            </a:lvl7pPr>
+            <a:lvl8pPr marL="3840480" indent="0">
               <a:buNone/>
-              <a:defRPr sz="1000"/>
-            </a:lvl7pPr>
-            <a:lvl8pPr marL="3200400" indent="0">
+              <a:defRPr sz="1200"/>
+            </a:lvl8pPr>
+            <a:lvl9pPr marL="4389120" indent="0">
               <a:buNone/>
-              <a:defRPr sz="1000"/>
-            </a:lvl8pPr>
-            <a:lvl9pPr marL="3657600" indent="0">
-              <a:buNone/>
-              <a:defRPr sz="1000"/>
+              <a:defRPr sz="1200"/>
             </a:lvl9pPr>
           </a:lstStyle>
           <a:p>
@@ -2354,13 +2530,7 @@
       </p:sp>
       <p:sp>
         <p:nvSpPr>
-          <p:cNvPr id="5" name="Date Placeholder 4">
-            <a:extLst>
-              <a:ext uri="{FF2B5EF4-FFF2-40B4-BE49-F238E27FC236}">
-                <a16:creationId xmlns:a16="http://schemas.microsoft.com/office/drawing/2014/main" id="{D63ED9DB-AC91-C7E5-370D-B66E34E4C8A0}"/>
-              </a:ext>
-            </a:extLst>
-          </p:cNvPr>
+          <p:cNvPr id="5" name="Date Placeholder 4"/>
           <p:cNvSpPr>
             <a:spLocks noGrp="1"/>
           </p:cNvSpPr>
@@ -2375,7 +2545,7 @@
           <a:p>
             <a:fld id="{7F5102BF-3E1C-4FEC-B8AE-4CD23D8F5F17}" type="datetimeFigureOut">
               <a:rPr lang="en-US" smtClean="0"/>
-              <a:t>4/20/2025</a:t>
+              <a:t>5/25/2025</a:t>
             </a:fld>
             <a:endParaRPr lang="en-US"/>
           </a:p>
@@ -2383,13 +2553,7 @@
       </p:sp>
       <p:sp>
         <p:nvSpPr>
-          <p:cNvPr id="6" name="Footer Placeholder 5">
-            <a:extLst>
-              <a:ext uri="{FF2B5EF4-FFF2-40B4-BE49-F238E27FC236}">
-                <a16:creationId xmlns:a16="http://schemas.microsoft.com/office/drawing/2014/main" id="{4ECB69D9-B52C-89DA-E49A-872EE96F6A97}"/>
-              </a:ext>
-            </a:extLst>
-          </p:cNvPr>
+          <p:cNvPr id="6" name="Footer Placeholder 5"/>
           <p:cNvSpPr>
             <a:spLocks noGrp="1"/>
           </p:cNvSpPr>
@@ -2408,13 +2572,7 @@
       </p:sp>
       <p:sp>
         <p:nvSpPr>
-          <p:cNvPr id="7" name="Slide Number Placeholder 6">
-            <a:extLst>
-              <a:ext uri="{FF2B5EF4-FFF2-40B4-BE49-F238E27FC236}">
-                <a16:creationId xmlns:a16="http://schemas.microsoft.com/office/drawing/2014/main" id="{D116003F-2B41-9AE1-FDAC-BEED4C001846}"/>
-              </a:ext>
-            </a:extLst>
-          </p:cNvPr>
+          <p:cNvPr id="7" name="Slide Number Placeholder 6"/>
           <p:cNvSpPr>
             <a:spLocks noGrp="1"/>
           </p:cNvSpPr>
@@ -2438,7 +2596,7 @@
     </p:spTree>
     <p:extLst>
       <p:ext uri="{BB962C8B-B14F-4D97-AF65-F5344CB8AC3E}">
-        <p14:creationId xmlns:p14="http://schemas.microsoft.com/office/powerpoint/2010/main" val="997664555"/>
+        <p14:creationId xmlns:p14="http://schemas.microsoft.com/office/powerpoint/2010/main" val="1497934595"/>
       </p:ext>
     </p:extLst>
   </p:cSld>
@@ -2467,13 +2625,7 @@
       </p:grpSpPr>
       <p:sp>
         <p:nvSpPr>
-          <p:cNvPr id="2" name="Title 1">
-            <a:extLst>
-              <a:ext uri="{FF2B5EF4-FFF2-40B4-BE49-F238E27FC236}">
-                <a16:creationId xmlns:a16="http://schemas.microsoft.com/office/drawing/2014/main" id="{EA1AF24E-3A13-01E1-D625-2CC2DEF7DE4F}"/>
-              </a:ext>
-            </a:extLst>
-          </p:cNvPr>
+          <p:cNvPr id="2" name="Title 1"/>
           <p:cNvSpPr>
             <a:spLocks noGrp="1"/>
           </p:cNvSpPr>
@@ -2483,15 +2635,15 @@
         </p:nvSpPr>
         <p:spPr>
           <a:xfrm>
-            <a:off x="839788" y="457200"/>
-            <a:ext cx="3932237" cy="1600200"/>
+            <a:off x="1007746" y="548640"/>
+            <a:ext cx="4718684" cy="1920240"/>
           </a:xfrm>
         </p:spPr>
         <p:txBody>
           <a:bodyPr anchor="b"/>
           <a:lstStyle>
             <a:lvl1pPr>
-              <a:defRPr sz="3200"/>
+              <a:defRPr sz="3840"/>
             </a:lvl1pPr>
           </a:lstStyle>
           <a:p>
@@ -2499,20 +2651,15 @@
               <a:rPr lang="en-US"/>
               <a:t>Click to edit Master title style</a:t>
             </a:r>
-          </a:p>
-        </p:txBody>
-      </p:sp>
-      <p:sp>
-        <p:nvSpPr>
-          <p:cNvPr id="3" name="Picture Placeholder 2">
-            <a:extLst>
-              <a:ext uri="{FF2B5EF4-FFF2-40B4-BE49-F238E27FC236}">
-                <a16:creationId xmlns:a16="http://schemas.microsoft.com/office/drawing/2014/main" id="{C186044B-B6B9-60CF-10E9-99375C651B81}"/>
-              </a:ext>
-            </a:extLst>
-          </p:cNvPr>
+            <a:endParaRPr lang="en-US" dirty="0"/>
+          </a:p>
+        </p:txBody>
+      </p:sp>
+      <p:sp>
+        <p:nvSpPr>
+          <p:cNvPr id="3" name="Picture Placeholder 2"/>
           <p:cNvSpPr>
-            <a:spLocks noGrp="1"/>
+            <a:spLocks noGrp="1" noChangeAspect="1"/>
           </p:cNvSpPr>
           <p:nvPr>
             <p:ph type="pic" idx="1"/>
@@ -2520,64 +2667,62 @@
         </p:nvSpPr>
         <p:spPr>
           <a:xfrm>
-            <a:off x="5183188" y="987425"/>
-            <a:ext cx="6172200" cy="4873625"/>
-          </a:xfrm>
-        </p:spPr>
-        <p:txBody>
-          <a:bodyPr/>
+            <a:off x="6219826" y="1184911"/>
+            <a:ext cx="7406640" cy="5848350"/>
+          </a:xfrm>
+        </p:spPr>
+        <p:txBody>
+          <a:bodyPr anchor="t"/>
           <a:lstStyle>
             <a:lvl1pPr marL="0" indent="0">
               <a:buNone/>
-              <a:defRPr sz="3200"/>
+              <a:defRPr sz="3840"/>
             </a:lvl1pPr>
-            <a:lvl2pPr marL="457200" indent="0">
+            <a:lvl2pPr marL="548640" indent="0">
               <a:buNone/>
-              <a:defRPr sz="2800"/>
+              <a:defRPr sz="3360"/>
             </a:lvl2pPr>
-            <a:lvl3pPr marL="914400" indent="0">
+            <a:lvl3pPr marL="1097280" indent="0">
+              <a:buNone/>
+              <a:defRPr sz="2880"/>
+            </a:lvl3pPr>
+            <a:lvl4pPr marL="1645920" indent="0">
               <a:buNone/>
               <a:defRPr sz="2400"/>
-            </a:lvl3pPr>
-            <a:lvl4pPr marL="1371600" indent="0">
+            </a:lvl4pPr>
+            <a:lvl5pPr marL="2194560" indent="0">
               <a:buNone/>
-              <a:defRPr sz="2000"/>
-            </a:lvl4pPr>
-            <a:lvl5pPr marL="1828800" indent="0">
+              <a:defRPr sz="2400"/>
+            </a:lvl5pPr>
+            <a:lvl6pPr marL="2743200" indent="0">
               <a:buNone/>
-              <a:defRPr sz="2000"/>
-            </a:lvl5pPr>
-            <a:lvl6pPr marL="2286000" indent="0">
+              <a:defRPr sz="2400"/>
+            </a:lvl6pPr>
+            <a:lvl7pPr marL="3291840" indent="0">
               <a:buNone/>
-              <a:defRPr sz="2000"/>
-            </a:lvl6pPr>
-            <a:lvl7pPr marL="2743200" indent="0">
+              <a:defRPr sz="2400"/>
+            </a:lvl7pPr>
+            <a:lvl8pPr marL="3840480" indent="0">
               <a:buNone/>
-              <a:defRPr sz="2000"/>
-            </a:lvl7pPr>
-            <a:lvl8pPr marL="3200400" indent="0">
+              <a:defRPr sz="2400"/>
+            </a:lvl8pPr>
+            <a:lvl9pPr marL="4389120" indent="0">
               <a:buNone/>
-              <a:defRPr sz="2000"/>
-            </a:lvl8pPr>
-            <a:lvl9pPr marL="3657600" indent="0">
-              <a:buNone/>
-              <a:defRPr sz="2000"/>
+              <a:defRPr sz="2400"/>
             </a:lvl9pPr>
           </a:lstStyle>
           <a:p>
-            <a:endParaRPr lang="en-US"/>
-          </a:p>
-        </p:txBody>
-      </p:sp>
-      <p:sp>
-        <p:nvSpPr>
-          <p:cNvPr id="4" name="Text Placeholder 3">
-            <a:extLst>
-              <a:ext uri="{FF2B5EF4-FFF2-40B4-BE49-F238E27FC236}">
-                <a16:creationId xmlns:a16="http://schemas.microsoft.com/office/drawing/2014/main" id="{307CC097-47BA-144B-E60F-FE85D4F945A6}"/>
-              </a:ext>
-            </a:extLst>
-          </p:cNvPr>
+            <a:r>
+              <a:rPr lang="en-US"/>
+              <a:t>Click icon to add picture</a:t>
+            </a:r>
+            <a:endParaRPr lang="en-US" dirty="0"/>
+          </a:p>
+        </p:txBody>
+      </p:sp>
+      <p:sp>
+        <p:nvSpPr>
+          <p:cNvPr id="4" name="Text Placeholder 3"/>
           <p:cNvSpPr>
             <a:spLocks noGrp="1"/>
           </p:cNvSpPr>
@@ -2587,8 +2732,8 @@
         </p:nvSpPr>
         <p:spPr>
           <a:xfrm>
-            <a:off x="839788" y="2057400"/>
-            <a:ext cx="3932237" cy="3811588"/>
+            <a:off x="1007746" y="2468880"/>
+            <a:ext cx="4718684" cy="4573906"/>
           </a:xfrm>
         </p:spPr>
         <p:txBody>
@@ -2596,39 +2741,39 @@
           <a:lstStyle>
             <a:lvl1pPr marL="0" indent="0">
               <a:buNone/>
-              <a:defRPr sz="1600"/>
+              <a:defRPr sz="1920"/>
             </a:lvl1pPr>
-            <a:lvl2pPr marL="457200" indent="0">
+            <a:lvl2pPr marL="548640" indent="0">
               <a:buNone/>
-              <a:defRPr sz="1400"/>
+              <a:defRPr sz="1680"/>
             </a:lvl2pPr>
-            <a:lvl3pPr marL="914400" indent="0">
+            <a:lvl3pPr marL="1097280" indent="0">
+              <a:buNone/>
+              <a:defRPr sz="1440"/>
+            </a:lvl3pPr>
+            <a:lvl4pPr marL="1645920" indent="0">
               <a:buNone/>
               <a:defRPr sz="1200"/>
-            </a:lvl3pPr>
-            <a:lvl4pPr marL="1371600" indent="0">
+            </a:lvl4pPr>
+            <a:lvl5pPr marL="2194560" indent="0">
               <a:buNone/>
-              <a:defRPr sz="1000"/>
-            </a:lvl4pPr>
-            <a:lvl5pPr marL="1828800" indent="0">
+              <a:defRPr sz="1200"/>
+            </a:lvl5pPr>
+            <a:lvl6pPr marL="2743200" indent="0">
               <a:buNone/>
-              <a:defRPr sz="1000"/>
-            </a:lvl5pPr>
-            <a:lvl6pPr marL="2286000" indent="0">
+              <a:defRPr sz="1200"/>
+            </a:lvl6pPr>
+            <a:lvl7pPr marL="3291840" indent="0">
               <a:buNone/>
-              <a:defRPr sz="1000"/>
-            </a:lvl6pPr>
-            <a:lvl7pPr marL="2743200" indent="0">
+              <a:defRPr sz="1200"/>
+            </a:lvl7pPr>
+            <a:lvl8pPr marL="3840480" indent="0">
               <a:buNone/>
-              <a:defRPr sz="1000"/>
-            </a:lvl7pPr>
-            <a:lvl8pPr marL="3200400" indent="0">
+              <a:defRPr sz="1200"/>
+            </a:lvl8pPr>
+            <a:lvl9pPr marL="4389120" indent="0">
               <a:buNone/>
-              <a:defRPr sz="1000"/>
-            </a:lvl8pPr>
-            <a:lvl9pPr marL="3657600" indent="0">
-              <a:buNone/>
-              <a:defRPr sz="1000"/>
+              <a:defRPr sz="1200"/>
             </a:lvl9pPr>
           </a:lstStyle>
           <a:p>
@@ -2642,13 +2787,7 @@
       </p:sp>
       <p:sp>
         <p:nvSpPr>
-          <p:cNvPr id="5" name="Date Placeholder 4">
-            <a:extLst>
-              <a:ext uri="{FF2B5EF4-FFF2-40B4-BE49-F238E27FC236}">
-                <a16:creationId xmlns:a16="http://schemas.microsoft.com/office/drawing/2014/main" id="{0F222285-3E46-C369-DED8-9EB5F94B2DD8}"/>
-              </a:ext>
-            </a:extLst>
-          </p:cNvPr>
+          <p:cNvPr id="5" name="Date Placeholder 4"/>
           <p:cNvSpPr>
             <a:spLocks noGrp="1"/>
           </p:cNvSpPr>
@@ -2663,7 +2802,7 @@
           <a:p>
             <a:fld id="{7F5102BF-3E1C-4FEC-B8AE-4CD23D8F5F17}" type="datetimeFigureOut">
               <a:rPr lang="en-US" smtClean="0"/>
-              <a:t>4/20/2025</a:t>
+              <a:t>5/25/2025</a:t>
             </a:fld>
             <a:endParaRPr lang="en-US"/>
           </a:p>
@@ -2671,13 +2810,7 @@
       </p:sp>
       <p:sp>
         <p:nvSpPr>
-          <p:cNvPr id="6" name="Footer Placeholder 5">
-            <a:extLst>
-              <a:ext uri="{FF2B5EF4-FFF2-40B4-BE49-F238E27FC236}">
-                <a16:creationId xmlns:a16="http://schemas.microsoft.com/office/drawing/2014/main" id="{7368437B-67CD-5D1F-D0C5-15E8942E3325}"/>
-              </a:ext>
-            </a:extLst>
-          </p:cNvPr>
+          <p:cNvPr id="6" name="Footer Placeholder 5"/>
           <p:cNvSpPr>
             <a:spLocks noGrp="1"/>
           </p:cNvSpPr>
@@ -2696,13 +2829,7 @@
       </p:sp>
       <p:sp>
         <p:nvSpPr>
-          <p:cNvPr id="7" name="Slide Number Placeholder 6">
-            <a:extLst>
-              <a:ext uri="{FF2B5EF4-FFF2-40B4-BE49-F238E27FC236}">
-                <a16:creationId xmlns:a16="http://schemas.microsoft.com/office/drawing/2014/main" id="{04388565-E440-9591-3EB8-AA764C25A795}"/>
-              </a:ext>
-            </a:extLst>
-          </p:cNvPr>
+          <p:cNvPr id="7" name="Slide Number Placeholder 6"/>
           <p:cNvSpPr>
             <a:spLocks noGrp="1"/>
           </p:cNvSpPr>
@@ -2726,7 +2853,7 @@
     </p:spTree>
     <p:extLst>
       <p:ext uri="{BB962C8B-B14F-4D97-AF65-F5344CB8AC3E}">
-        <p14:creationId xmlns:p14="http://schemas.microsoft.com/office/powerpoint/2010/main" val="3542032845"/>
+        <p14:creationId xmlns:p14="http://schemas.microsoft.com/office/powerpoint/2010/main" val="1979667997"/>
       </p:ext>
     </p:extLst>
   </p:cSld>
@@ -2760,13 +2887,7 @@
       </p:grpSpPr>
       <p:sp>
         <p:nvSpPr>
-          <p:cNvPr id="2" name="Title Placeholder 1">
-            <a:extLst>
-              <a:ext uri="{FF2B5EF4-FFF2-40B4-BE49-F238E27FC236}">
-                <a16:creationId xmlns:a16="http://schemas.microsoft.com/office/drawing/2014/main" id="{6B8B91CD-F9BB-15C3-79A0-54AA3DF55FC1}"/>
-              </a:ext>
-            </a:extLst>
-          </p:cNvPr>
+          <p:cNvPr id="2" name="Title Placeholder 1"/>
           <p:cNvSpPr>
             <a:spLocks noGrp="1"/>
           </p:cNvSpPr>
@@ -2776,8 +2897,8 @@
         </p:nvSpPr>
         <p:spPr>
           <a:xfrm>
-            <a:off x="838200" y="365125"/>
-            <a:ext cx="10515600" cy="1325563"/>
+            <a:off x="1005840" y="438150"/>
+            <a:ext cx="12618720" cy="1590676"/>
           </a:xfrm>
           <a:prstGeom prst="rect">
             <a:avLst/>
@@ -2793,18 +2914,13 @@
               <a:rPr lang="en-US"/>
               <a:t>Click to edit Master title style</a:t>
             </a:r>
-          </a:p>
-        </p:txBody>
-      </p:sp>
-      <p:sp>
-        <p:nvSpPr>
-          <p:cNvPr id="3" name="Text Placeholder 2">
-            <a:extLst>
-              <a:ext uri="{FF2B5EF4-FFF2-40B4-BE49-F238E27FC236}">
-                <a16:creationId xmlns:a16="http://schemas.microsoft.com/office/drawing/2014/main" id="{DB702920-164F-C1D2-C742-CC111B885F9A}"/>
-              </a:ext>
-            </a:extLst>
-          </p:cNvPr>
+            <a:endParaRPr lang="en-US" dirty="0"/>
+          </a:p>
+        </p:txBody>
+      </p:sp>
+      <p:sp>
+        <p:nvSpPr>
+          <p:cNvPr id="3" name="Text Placeholder 2"/>
           <p:cNvSpPr>
             <a:spLocks noGrp="1"/>
           </p:cNvSpPr>
@@ -2814,8 +2930,8 @@
         </p:nvSpPr>
         <p:spPr>
           <a:xfrm>
-            <a:off x="838200" y="1825625"/>
-            <a:ext cx="10515600" cy="4351338"/>
+            <a:off x="1005840" y="2190750"/>
+            <a:ext cx="12618720" cy="5221606"/>
           </a:xfrm>
           <a:prstGeom prst="rect">
             <a:avLst/>
@@ -2860,18 +2976,13 @@
               <a:rPr lang="en-US"/>
               <a:t>Fifth level</a:t>
             </a:r>
-          </a:p>
-        </p:txBody>
-      </p:sp>
-      <p:sp>
-        <p:nvSpPr>
-          <p:cNvPr id="4" name="Date Placeholder 3">
-            <a:extLst>
-              <a:ext uri="{FF2B5EF4-FFF2-40B4-BE49-F238E27FC236}">
-                <a16:creationId xmlns:a16="http://schemas.microsoft.com/office/drawing/2014/main" id="{6C7BABD7-3FA9-7124-0808-6D7425342859}"/>
-              </a:ext>
-            </a:extLst>
-          </p:cNvPr>
+            <a:endParaRPr lang="en-US" dirty="0"/>
+          </a:p>
+        </p:txBody>
+      </p:sp>
+      <p:sp>
+        <p:nvSpPr>
+          <p:cNvPr id="4" name="Date Placeholder 3"/>
           <p:cNvSpPr>
             <a:spLocks noGrp="1"/>
           </p:cNvSpPr>
@@ -2881,8 +2992,8 @@
         </p:nvSpPr>
         <p:spPr>
           <a:xfrm>
-            <a:off x="838200" y="6356350"/>
-            <a:ext cx="2743200" cy="365125"/>
+            <a:off x="1005840" y="7627621"/>
+            <a:ext cx="3291840" cy="438150"/>
           </a:xfrm>
           <a:prstGeom prst="rect">
             <a:avLst/>
@@ -2892,7 +3003,7 @@
           <a:bodyPr vert="horz" lIns="91440" tIns="45720" rIns="91440" bIns="45720" rtlCol="0" anchor="ctr"/>
           <a:lstStyle>
             <a:lvl1pPr algn="l">
-              <a:defRPr sz="1200">
+              <a:defRPr sz="1440">
                 <a:solidFill>
                   <a:schemeClr val="tx1">
                     <a:tint val="82000"/>
@@ -2904,7 +3015,7 @@
           <a:p>
             <a:fld id="{7F5102BF-3E1C-4FEC-B8AE-4CD23D8F5F17}" type="datetimeFigureOut">
               <a:rPr lang="en-US" smtClean="0"/>
-              <a:t>4/20/2025</a:t>
+              <a:t>5/25/2025</a:t>
             </a:fld>
             <a:endParaRPr lang="en-US"/>
           </a:p>
@@ -2912,13 +3023,7 @@
       </p:sp>
       <p:sp>
         <p:nvSpPr>
-          <p:cNvPr id="5" name="Footer Placeholder 4">
-            <a:extLst>
-              <a:ext uri="{FF2B5EF4-FFF2-40B4-BE49-F238E27FC236}">
-                <a16:creationId xmlns:a16="http://schemas.microsoft.com/office/drawing/2014/main" id="{2B9A5C94-A784-B5AB-F443-132BA3808BB6}"/>
-              </a:ext>
-            </a:extLst>
-          </p:cNvPr>
+          <p:cNvPr id="5" name="Footer Placeholder 4"/>
           <p:cNvSpPr>
             <a:spLocks noGrp="1"/>
           </p:cNvSpPr>
@@ -2928,8 +3033,8 @@
         </p:nvSpPr>
         <p:spPr>
           <a:xfrm>
-            <a:off x="4038600" y="6356350"/>
-            <a:ext cx="4114800" cy="365125"/>
+            <a:off x="4846320" y="7627621"/>
+            <a:ext cx="4937760" cy="438150"/>
           </a:xfrm>
           <a:prstGeom prst="rect">
             <a:avLst/>
@@ -2939,7 +3044,7 @@
           <a:bodyPr vert="horz" lIns="91440" tIns="45720" rIns="91440" bIns="45720" rtlCol="0" anchor="ctr"/>
           <a:lstStyle>
             <a:lvl1pPr algn="ctr">
-              <a:defRPr sz="1200">
+              <a:defRPr sz="1440">
                 <a:solidFill>
                   <a:schemeClr val="tx1">
                     <a:tint val="82000"/>
@@ -2955,13 +3060,7 @@
       </p:sp>
       <p:sp>
         <p:nvSpPr>
-          <p:cNvPr id="6" name="Slide Number Placeholder 5">
-            <a:extLst>
-              <a:ext uri="{FF2B5EF4-FFF2-40B4-BE49-F238E27FC236}">
-                <a16:creationId xmlns:a16="http://schemas.microsoft.com/office/drawing/2014/main" id="{00B11257-D353-6A1F-B4A1-9DCF34370A6E}"/>
-              </a:ext>
-            </a:extLst>
-          </p:cNvPr>
+          <p:cNvPr id="6" name="Slide Number Placeholder 5"/>
           <p:cNvSpPr>
             <a:spLocks noGrp="1"/>
           </p:cNvSpPr>
@@ -2971,8 +3070,8 @@
         </p:nvSpPr>
         <p:spPr>
           <a:xfrm>
-            <a:off x="8610600" y="6356350"/>
-            <a:ext cx="2743200" cy="365125"/>
+            <a:off x="10332720" y="7627621"/>
+            <a:ext cx="3291840" cy="438150"/>
           </a:xfrm>
           <a:prstGeom prst="rect">
             <a:avLst/>
@@ -2982,7 +3081,7 @@
           <a:bodyPr vert="horz" lIns="91440" tIns="45720" rIns="91440" bIns="45720" rtlCol="0" anchor="ctr"/>
           <a:lstStyle>
             <a:lvl1pPr algn="r">
-              <a:defRPr sz="1200">
+              <a:defRPr sz="1440">
                 <a:solidFill>
                   <a:schemeClr val="tx1">
                     <a:tint val="82000"/>
@@ -3003,27 +3102,27 @@
     </p:spTree>
     <p:extLst>
       <p:ext uri="{BB962C8B-B14F-4D97-AF65-F5344CB8AC3E}">
-        <p14:creationId xmlns:p14="http://schemas.microsoft.com/office/powerpoint/2010/main" val="376887126"/>
+        <p14:creationId xmlns:p14="http://schemas.microsoft.com/office/powerpoint/2010/main" val="3358647941"/>
       </p:ext>
     </p:extLst>
   </p:cSld>
   <p:clrMap bg1="lt1" tx1="dk1" bg2="lt2" tx2="dk2" accent1="accent1" accent2="accent2" accent3="accent3" accent4="accent4" accent5="accent5" accent6="accent6" hlink="hlink" folHlink="folHlink"/>
   <p:sldLayoutIdLst>
-    <p:sldLayoutId id="2147483649" r:id="rId1"/>
-    <p:sldLayoutId id="2147483650" r:id="rId2"/>
-    <p:sldLayoutId id="2147483651" r:id="rId3"/>
-    <p:sldLayoutId id="2147483652" r:id="rId4"/>
-    <p:sldLayoutId id="2147483653" r:id="rId5"/>
-    <p:sldLayoutId id="2147483654" r:id="rId6"/>
-    <p:sldLayoutId id="2147483655" r:id="rId7"/>
-    <p:sldLayoutId id="2147483656" r:id="rId8"/>
-    <p:sldLayoutId id="2147483657" r:id="rId9"/>
-    <p:sldLayoutId id="2147483658" r:id="rId10"/>
-    <p:sldLayoutId id="2147483659" r:id="rId11"/>
+    <p:sldLayoutId id="2147483673" r:id="rId1"/>
+    <p:sldLayoutId id="2147483674" r:id="rId2"/>
+    <p:sldLayoutId id="2147483675" r:id="rId3"/>
+    <p:sldLayoutId id="2147483676" r:id="rId4"/>
+    <p:sldLayoutId id="2147483677" r:id="rId5"/>
+    <p:sldLayoutId id="2147483678" r:id="rId6"/>
+    <p:sldLayoutId id="2147483679" r:id="rId7"/>
+    <p:sldLayoutId id="2147483680" r:id="rId8"/>
+    <p:sldLayoutId id="2147483681" r:id="rId9"/>
+    <p:sldLayoutId id="2147483682" r:id="rId10"/>
+    <p:sldLayoutId id="2147483683" r:id="rId11"/>
   </p:sldLayoutIdLst>
   <p:txStyles>
     <p:titleStyle>
-      <a:lvl1pPr algn="l" defTabSz="914400" rtl="0" eaLnBrk="1" latinLnBrk="0" hangingPunct="1">
+      <a:lvl1pPr algn="l" defTabSz="1097280" rtl="0" eaLnBrk="1" latinLnBrk="0" hangingPunct="1">
         <a:lnSpc>
           <a:spcPct val="90000"/>
         </a:lnSpc>
@@ -3031,7 +3130,7 @@
           <a:spcPct val="0"/>
         </a:spcBef>
         <a:buNone/>
-        <a:defRPr sz="4400" kern="1200">
+        <a:defRPr sz="5280" kern="1200">
           <a:solidFill>
             <a:schemeClr val="tx1"/>
           </a:solidFill>
@@ -3042,16 +3141,16 @@
       </a:lvl1pPr>
     </p:titleStyle>
     <p:bodyStyle>
-      <a:lvl1pPr marL="228600" indent="-228600" algn="l" defTabSz="914400" rtl="0" eaLnBrk="1" latinLnBrk="0" hangingPunct="1">
+      <a:lvl1pPr marL="274320" indent="-274320" algn="l" defTabSz="1097280" rtl="0" eaLnBrk="1" latinLnBrk="0" hangingPunct="1">
         <a:lnSpc>
           <a:spcPct val="90000"/>
         </a:lnSpc>
         <a:spcBef>
-          <a:spcPts val="1000"/>
+          <a:spcPts val="1200"/>
         </a:spcBef>
         <a:buFont typeface="Arial" panose="020B0604020202020204" pitchFamily="34" charset="0"/>
         <a:buChar char="•"/>
-        <a:defRPr sz="2800" kern="1200">
+        <a:defRPr sz="3360" kern="1200">
           <a:solidFill>
             <a:schemeClr val="tx1"/>
           </a:solidFill>
@@ -3060,16 +3159,16 @@
           <a:cs typeface="+mn-cs"/>
         </a:defRPr>
       </a:lvl1pPr>
-      <a:lvl2pPr marL="685800" indent="-228600" algn="l" defTabSz="914400" rtl="0" eaLnBrk="1" latinLnBrk="0" hangingPunct="1">
+      <a:lvl2pPr marL="822960" indent="-274320" algn="l" defTabSz="1097280" rtl="0" eaLnBrk="1" latinLnBrk="0" hangingPunct="1">
         <a:lnSpc>
           <a:spcPct val="90000"/>
         </a:lnSpc>
         <a:spcBef>
-          <a:spcPts val="500"/>
+          <a:spcPts val="600"/>
         </a:spcBef>
         <a:buFont typeface="Arial" panose="020B0604020202020204" pitchFamily="34" charset="0"/>
         <a:buChar char="•"/>
-        <a:defRPr sz="2400" kern="1200">
+        <a:defRPr sz="2880" kern="1200">
           <a:solidFill>
             <a:schemeClr val="tx1"/>
           </a:solidFill>
@@ -3078,16 +3177,16 @@
           <a:cs typeface="+mn-cs"/>
         </a:defRPr>
       </a:lvl2pPr>
-      <a:lvl3pPr marL="1143000" indent="-228600" algn="l" defTabSz="914400" rtl="0" eaLnBrk="1" latinLnBrk="0" hangingPunct="1">
+      <a:lvl3pPr marL="1371600" indent="-274320" algn="l" defTabSz="1097280" rtl="0" eaLnBrk="1" latinLnBrk="0" hangingPunct="1">
         <a:lnSpc>
           <a:spcPct val="90000"/>
         </a:lnSpc>
         <a:spcBef>
-          <a:spcPts val="500"/>
+          <a:spcPts val="600"/>
         </a:spcBef>
         <a:buFont typeface="Arial" panose="020B0604020202020204" pitchFamily="34" charset="0"/>
         <a:buChar char="•"/>
-        <a:defRPr sz="2000" kern="1200">
+        <a:defRPr sz="2400" kern="1200">
           <a:solidFill>
             <a:schemeClr val="tx1"/>
           </a:solidFill>
@@ -3096,16 +3195,16 @@
           <a:cs typeface="+mn-cs"/>
         </a:defRPr>
       </a:lvl3pPr>
-      <a:lvl4pPr marL="1600200" indent="-228600" algn="l" defTabSz="914400" rtl="0" eaLnBrk="1" latinLnBrk="0" hangingPunct="1">
+      <a:lvl4pPr marL="1920240" indent="-274320" algn="l" defTabSz="1097280" rtl="0" eaLnBrk="1" latinLnBrk="0" hangingPunct="1">
         <a:lnSpc>
           <a:spcPct val="90000"/>
         </a:lnSpc>
         <a:spcBef>
-          <a:spcPts val="500"/>
+          <a:spcPts val="600"/>
         </a:spcBef>
         <a:buFont typeface="Arial" panose="020B0604020202020204" pitchFamily="34" charset="0"/>
         <a:buChar char="•"/>
-        <a:defRPr sz="1800" kern="1200">
+        <a:defRPr sz="2160" kern="1200">
           <a:solidFill>
             <a:schemeClr val="tx1"/>
           </a:solidFill>
@@ -3114,16 +3213,16 @@
           <a:cs typeface="+mn-cs"/>
         </a:defRPr>
       </a:lvl4pPr>
-      <a:lvl5pPr marL="2057400" indent="-228600" algn="l" defTabSz="914400" rtl="0" eaLnBrk="1" latinLnBrk="0" hangingPunct="1">
+      <a:lvl5pPr marL="2468880" indent="-274320" algn="l" defTabSz="1097280" rtl="0" eaLnBrk="1" latinLnBrk="0" hangingPunct="1">
         <a:lnSpc>
           <a:spcPct val="90000"/>
         </a:lnSpc>
         <a:spcBef>
-          <a:spcPts val="500"/>
+          <a:spcPts val="600"/>
         </a:spcBef>
         <a:buFont typeface="Arial" panose="020B0604020202020204" pitchFamily="34" charset="0"/>
         <a:buChar char="•"/>
-        <a:defRPr sz="1800" kern="1200">
+        <a:defRPr sz="2160" kern="1200">
           <a:solidFill>
             <a:schemeClr val="tx1"/>
           </a:solidFill>
@@ -3132,16 +3231,16 @@
           <a:cs typeface="+mn-cs"/>
         </a:defRPr>
       </a:lvl5pPr>
-      <a:lvl6pPr marL="2514600" indent="-228600" algn="l" defTabSz="914400" rtl="0" eaLnBrk="1" latinLnBrk="0" hangingPunct="1">
+      <a:lvl6pPr marL="3017520" indent="-274320" algn="l" defTabSz="1097280" rtl="0" eaLnBrk="1" latinLnBrk="0" hangingPunct="1">
         <a:lnSpc>
           <a:spcPct val="90000"/>
         </a:lnSpc>
         <a:spcBef>
-          <a:spcPts val="500"/>
+          <a:spcPts val="600"/>
         </a:spcBef>
         <a:buFont typeface="Arial" panose="020B0604020202020204" pitchFamily="34" charset="0"/>
         <a:buChar char="•"/>
-        <a:defRPr sz="1800" kern="1200">
+        <a:defRPr sz="2160" kern="1200">
           <a:solidFill>
             <a:schemeClr val="tx1"/>
           </a:solidFill>
@@ -3150,16 +3249,16 @@
           <a:cs typeface="+mn-cs"/>
         </a:defRPr>
       </a:lvl6pPr>
-      <a:lvl7pPr marL="2971800" indent="-228600" algn="l" defTabSz="914400" rtl="0" eaLnBrk="1" latinLnBrk="0" hangingPunct="1">
+      <a:lvl7pPr marL="3566160" indent="-274320" algn="l" defTabSz="1097280" rtl="0" eaLnBrk="1" latinLnBrk="0" hangingPunct="1">
         <a:lnSpc>
           <a:spcPct val="90000"/>
         </a:lnSpc>
         <a:spcBef>
-          <a:spcPts val="500"/>
+          <a:spcPts val="600"/>
         </a:spcBef>
         <a:buFont typeface="Arial" panose="020B0604020202020204" pitchFamily="34" charset="0"/>
         <a:buChar char="•"/>
-        <a:defRPr sz="1800" kern="1200">
+        <a:defRPr sz="2160" kern="1200">
           <a:solidFill>
             <a:schemeClr val="tx1"/>
           </a:solidFill>
@@ -3168,16 +3267,16 @@
           <a:cs typeface="+mn-cs"/>
         </a:defRPr>
       </a:lvl7pPr>
-      <a:lvl8pPr marL="3429000" indent="-228600" algn="l" defTabSz="914400" rtl="0" eaLnBrk="1" latinLnBrk="0" hangingPunct="1">
+      <a:lvl8pPr marL="4114800" indent="-274320" algn="l" defTabSz="1097280" rtl="0" eaLnBrk="1" latinLnBrk="0" hangingPunct="1">
         <a:lnSpc>
           <a:spcPct val="90000"/>
         </a:lnSpc>
         <a:spcBef>
-          <a:spcPts val="500"/>
+          <a:spcPts val="600"/>
         </a:spcBef>
         <a:buFont typeface="Arial" panose="020B0604020202020204" pitchFamily="34" charset="0"/>
         <a:buChar char="•"/>
-        <a:defRPr sz="1800" kern="1200">
+        <a:defRPr sz="2160" kern="1200">
           <a:solidFill>
             <a:schemeClr val="tx1"/>
           </a:solidFill>
@@ -3186,16 +3285,16 @@
           <a:cs typeface="+mn-cs"/>
         </a:defRPr>
       </a:lvl8pPr>
-      <a:lvl9pPr marL="3886200" indent="-228600" algn="l" defTabSz="914400" rtl="0" eaLnBrk="1" latinLnBrk="0" hangingPunct="1">
+      <a:lvl9pPr marL="4663440" indent="-274320" algn="l" defTabSz="1097280" rtl="0" eaLnBrk="1" latinLnBrk="0" hangingPunct="1">
         <a:lnSpc>
           <a:spcPct val="90000"/>
         </a:lnSpc>
         <a:spcBef>
-          <a:spcPts val="500"/>
+          <a:spcPts val="600"/>
         </a:spcBef>
         <a:buFont typeface="Arial" panose="020B0604020202020204" pitchFamily="34" charset="0"/>
         <a:buChar char="•"/>
-        <a:defRPr sz="1800" kern="1200">
+        <a:defRPr sz="2160" kern="1200">
           <a:solidFill>
             <a:schemeClr val="tx1"/>
           </a:solidFill>
@@ -3209,8 +3308,8 @@
       <a:defPPr>
         <a:defRPr lang="en-US"/>
       </a:defPPr>
-      <a:lvl1pPr marL="0" algn="l" defTabSz="914400" rtl="0" eaLnBrk="1" latinLnBrk="0" hangingPunct="1">
-        <a:defRPr sz="1800" kern="1200">
+      <a:lvl1pPr marL="0" algn="l" defTabSz="1097280" rtl="0" eaLnBrk="1" latinLnBrk="0" hangingPunct="1">
+        <a:defRPr sz="2160" kern="1200">
           <a:solidFill>
             <a:schemeClr val="tx1"/>
           </a:solidFill>
@@ -3219,8 +3318,8 @@
           <a:cs typeface="+mn-cs"/>
         </a:defRPr>
       </a:lvl1pPr>
-      <a:lvl2pPr marL="457200" algn="l" defTabSz="914400" rtl="0" eaLnBrk="1" latinLnBrk="0" hangingPunct="1">
-        <a:defRPr sz="1800" kern="1200">
+      <a:lvl2pPr marL="548640" algn="l" defTabSz="1097280" rtl="0" eaLnBrk="1" latinLnBrk="0" hangingPunct="1">
+        <a:defRPr sz="2160" kern="1200">
           <a:solidFill>
             <a:schemeClr val="tx1"/>
           </a:solidFill>
@@ -3229,8 +3328,8 @@
           <a:cs typeface="+mn-cs"/>
         </a:defRPr>
       </a:lvl2pPr>
-      <a:lvl3pPr marL="914400" algn="l" defTabSz="914400" rtl="0" eaLnBrk="1" latinLnBrk="0" hangingPunct="1">
-        <a:defRPr sz="1800" kern="1200">
+      <a:lvl3pPr marL="1097280" algn="l" defTabSz="1097280" rtl="0" eaLnBrk="1" latinLnBrk="0" hangingPunct="1">
+        <a:defRPr sz="2160" kern="1200">
           <a:solidFill>
             <a:schemeClr val="tx1"/>
           </a:solidFill>
@@ -3239,8 +3338,8 @@
           <a:cs typeface="+mn-cs"/>
         </a:defRPr>
       </a:lvl3pPr>
-      <a:lvl4pPr marL="1371600" algn="l" defTabSz="914400" rtl="0" eaLnBrk="1" latinLnBrk="0" hangingPunct="1">
-        <a:defRPr sz="1800" kern="1200">
+      <a:lvl4pPr marL="1645920" algn="l" defTabSz="1097280" rtl="0" eaLnBrk="1" latinLnBrk="0" hangingPunct="1">
+        <a:defRPr sz="2160" kern="1200">
           <a:solidFill>
             <a:schemeClr val="tx1"/>
           </a:solidFill>
@@ -3249,8 +3348,8 @@
           <a:cs typeface="+mn-cs"/>
         </a:defRPr>
       </a:lvl4pPr>
-      <a:lvl5pPr marL="1828800" algn="l" defTabSz="914400" rtl="0" eaLnBrk="1" latinLnBrk="0" hangingPunct="1">
-        <a:defRPr sz="1800" kern="1200">
+      <a:lvl5pPr marL="2194560" algn="l" defTabSz="1097280" rtl="0" eaLnBrk="1" latinLnBrk="0" hangingPunct="1">
+        <a:defRPr sz="2160" kern="1200">
           <a:solidFill>
             <a:schemeClr val="tx1"/>
           </a:solidFill>
@@ -3259,8 +3358,8 @@
           <a:cs typeface="+mn-cs"/>
         </a:defRPr>
       </a:lvl5pPr>
-      <a:lvl6pPr marL="2286000" algn="l" defTabSz="914400" rtl="0" eaLnBrk="1" latinLnBrk="0" hangingPunct="1">
-        <a:defRPr sz="1800" kern="1200">
+      <a:lvl6pPr marL="2743200" algn="l" defTabSz="1097280" rtl="0" eaLnBrk="1" latinLnBrk="0" hangingPunct="1">
+        <a:defRPr sz="2160" kern="1200">
           <a:solidFill>
             <a:schemeClr val="tx1"/>
           </a:solidFill>
@@ -3269,8 +3368,8 @@
           <a:cs typeface="+mn-cs"/>
         </a:defRPr>
       </a:lvl6pPr>
-      <a:lvl7pPr marL="2743200" algn="l" defTabSz="914400" rtl="0" eaLnBrk="1" latinLnBrk="0" hangingPunct="1">
-        <a:defRPr sz="1800" kern="1200">
+      <a:lvl7pPr marL="3291840" algn="l" defTabSz="1097280" rtl="0" eaLnBrk="1" latinLnBrk="0" hangingPunct="1">
+        <a:defRPr sz="2160" kern="1200">
           <a:solidFill>
             <a:schemeClr val="tx1"/>
           </a:solidFill>
@@ -3279,8 +3378,8 @@
           <a:cs typeface="+mn-cs"/>
         </a:defRPr>
       </a:lvl7pPr>
-      <a:lvl8pPr marL="3200400" algn="l" defTabSz="914400" rtl="0" eaLnBrk="1" latinLnBrk="0" hangingPunct="1">
-        <a:defRPr sz="1800" kern="1200">
+      <a:lvl8pPr marL="3840480" algn="l" defTabSz="1097280" rtl="0" eaLnBrk="1" latinLnBrk="0" hangingPunct="1">
+        <a:defRPr sz="2160" kern="1200">
           <a:solidFill>
             <a:schemeClr val="tx1"/>
           </a:solidFill>
@@ -3289,8 +3388,8 @@
           <a:cs typeface="+mn-cs"/>
         </a:defRPr>
       </a:lvl8pPr>
-      <a:lvl9pPr marL="3657600" algn="l" defTabSz="914400" rtl="0" eaLnBrk="1" latinLnBrk="0" hangingPunct="1">
-        <a:defRPr sz="1800" kern="1200">
+      <a:lvl9pPr marL="4389120" algn="l" defTabSz="1097280" rtl="0" eaLnBrk="1" latinLnBrk="0" hangingPunct="1">
+        <a:defRPr sz="2160" kern="1200">
           <a:solidFill>
             <a:schemeClr val="tx1"/>
           </a:solidFill>
@@ -3348,8 +3447,8 @@
         </p:nvCxnSpPr>
         <p:spPr>
           <a:xfrm flipV="1">
-            <a:off x="3098053" y="755650"/>
-            <a:ext cx="0" cy="3412438"/>
+            <a:off x="2833968" y="1708786"/>
+            <a:ext cx="0" cy="3071194"/>
           </a:xfrm>
           <a:prstGeom prst="line">
             <a:avLst/>
@@ -3391,8 +3490,8 @@
         </p:nvCxnSpPr>
         <p:spPr>
           <a:xfrm flipV="1">
-            <a:off x="3372597" y="874433"/>
-            <a:ext cx="0" cy="3442073"/>
+            <a:off x="3081057" y="1815692"/>
+            <a:ext cx="0" cy="3097866"/>
           </a:xfrm>
           <a:prstGeom prst="line">
             <a:avLst/>
@@ -3418,51 +3517,6 @@
           </a:fontRef>
         </p:style>
       </p:cxnSp>
-      <p:pic>
-        <p:nvPicPr>
-          <p:cNvPr id="1026" name="Picture 2" descr="Breadboard - Tpoint Tech">
-            <a:extLst>
-              <a:ext uri="{FF2B5EF4-FFF2-40B4-BE49-F238E27FC236}">
-                <a16:creationId xmlns:a16="http://schemas.microsoft.com/office/drawing/2014/main" id="{C24D05AB-0EB8-6A3D-B319-B0957429184B}"/>
-              </a:ext>
-            </a:extLst>
-          </p:cNvPr>
-          <p:cNvPicPr>
-            <a:picLocks noChangeAspect="1" noChangeArrowheads="1"/>
-          </p:cNvPicPr>
-          <p:nvPr/>
-        </p:nvPicPr>
-        <p:blipFill rotWithShape="1">
-          <a:blip r:embed="rId2">
-            <a:extLst>
-              <a:ext uri="{28A0092B-C50C-407E-A947-70E740481C1C}">
-                <a14:useLocalDpi xmlns:a14="http://schemas.microsoft.com/office/drawing/2010/main" val="0"/>
-              </a:ext>
-            </a:extLst>
-          </a:blip>
-          <a:srcRect l="2467" t="3454" r="2051" b="4837"/>
-          <a:stretch/>
-        </p:blipFill>
-        <p:spPr bwMode="auto">
-          <a:xfrm rot="5400000">
-            <a:off x="3748368" y="2255743"/>
-            <a:ext cx="4941794" cy="3173507"/>
-          </a:xfrm>
-          <a:prstGeom prst="rect">
-            <a:avLst/>
-          </a:prstGeom>
-          <a:noFill/>
-          <a:extLst>
-            <a:ext uri="{909E8E84-426E-40DD-AFC4-6F175D3DCCD1}">
-              <a14:hiddenFill xmlns:a14="http://schemas.microsoft.com/office/drawing/2010/main">
-                <a:solidFill>
-                  <a:srgbClr val="FFFFFF"/>
-                </a:solidFill>
-              </a14:hiddenFill>
-            </a:ext>
-          </a:extLst>
-        </p:spPr>
-      </p:pic>
       <p:pic>
         <p:nvPicPr>
           <p:cNvPr id="1028" name="Picture 4">
@@ -3553,8 +3607,8 @@
         </p:blipFill>
         <p:spPr bwMode="auto">
           <a:xfrm rot="10800000">
-            <a:off x="5556088" y="4168088"/>
-            <a:ext cx="1278540" cy="1621272"/>
+            <a:off x="6905245" y="4907387"/>
+            <a:ext cx="1083526" cy="1373981"/>
           </a:xfrm>
           <a:prstGeom prst="rect">
             <a:avLst/>
@@ -3661,8 +3715,8 @@
         </p:blipFill>
         <p:spPr bwMode="auto">
           <a:xfrm rot="5400000">
-            <a:off x="4836554" y="1984676"/>
-            <a:ext cx="2924165" cy="1309220"/>
+            <a:off x="6181701" y="2814909"/>
+            <a:ext cx="2631749" cy="1178298"/>
           </a:xfrm>
           <a:prstGeom prst="rect">
             <a:avLst/>
@@ -3695,8 +3749,8 @@
         </p:nvCxnSpPr>
         <p:spPr>
           <a:xfrm>
-            <a:off x="6834628" y="4726641"/>
-            <a:ext cx="358054" cy="0"/>
+            <a:off x="7949956" y="5389833"/>
+            <a:ext cx="352258" cy="0"/>
           </a:xfrm>
           <a:prstGeom prst="line">
             <a:avLst/>
@@ -3734,8 +3788,8 @@
         </p:nvCxnSpPr>
         <p:spPr>
           <a:xfrm>
-            <a:off x="6896847" y="3742764"/>
-            <a:ext cx="295835" cy="0"/>
+            <a:off x="8035964" y="4397188"/>
+            <a:ext cx="266252" cy="0"/>
           </a:xfrm>
           <a:prstGeom prst="line">
             <a:avLst/>
@@ -3773,8 +3827,8 @@
         </p:nvCxnSpPr>
         <p:spPr>
           <a:xfrm>
-            <a:off x="7192682" y="3742764"/>
-            <a:ext cx="0" cy="983877"/>
+            <a:off x="8302214" y="4397190"/>
+            <a:ext cx="0" cy="992645"/>
           </a:xfrm>
           <a:prstGeom prst="line">
             <a:avLst/>
@@ -3812,8 +3866,8 @@
         </p:nvCxnSpPr>
         <p:spPr>
           <a:xfrm>
-            <a:off x="6834628" y="4542864"/>
-            <a:ext cx="448718" cy="0"/>
+            <a:off x="7954248" y="5224433"/>
+            <a:ext cx="429566" cy="0"/>
           </a:xfrm>
           <a:prstGeom prst="line">
             <a:avLst/>
@@ -3857,8 +3911,8 @@
         </p:nvCxnSpPr>
         <p:spPr>
           <a:xfrm>
-            <a:off x="6896847" y="3612775"/>
-            <a:ext cx="386499" cy="0"/>
+            <a:off x="8035965" y="4280198"/>
+            <a:ext cx="347849" cy="0"/>
           </a:xfrm>
           <a:prstGeom prst="line">
             <a:avLst/>
@@ -3902,8 +3956,8 @@
         </p:nvCxnSpPr>
         <p:spPr>
           <a:xfrm>
-            <a:off x="7283346" y="3612775"/>
-            <a:ext cx="0" cy="932331"/>
+            <a:off x="8383811" y="4280200"/>
+            <a:ext cx="0" cy="944236"/>
           </a:xfrm>
           <a:prstGeom prst="line">
             <a:avLst/>
@@ -3940,23 +3994,22 @@
               </a:ext>
             </a:extLst>
           </p:cNvPr>
-          <p:cNvCxnSpPr/>
+          <p:cNvCxnSpPr>
+            <a:cxnSpLocks/>
+          </p:cNvCxnSpPr>
           <p:nvPr/>
         </p:nvCxnSpPr>
         <p:spPr>
           <a:xfrm flipH="1">
-            <a:off x="5162176" y="5284694"/>
-            <a:ext cx="393911" cy="0"/>
+            <a:off x="6474758" y="5841186"/>
+            <a:ext cx="508300" cy="0"/>
           </a:xfrm>
           <a:prstGeom prst="line">
             <a:avLst/>
           </a:prstGeom>
           <a:ln w="38100">
             <a:solidFill>
-              <a:schemeClr val="tx2">
-                <a:lumMod val="50000"/>
-                <a:lumOff val="50000"/>
-              </a:schemeClr>
+              <a:srgbClr val="002060"/>
             </a:solidFill>
           </a:ln>
         </p:spPr>
@@ -3991,18 +4044,15 @@
         </p:nvCxnSpPr>
         <p:spPr>
           <a:xfrm>
-            <a:off x="5162175" y="1981200"/>
-            <a:ext cx="0" cy="3303494"/>
+            <a:off x="6474758" y="2811782"/>
+            <a:ext cx="0" cy="3746183"/>
           </a:xfrm>
           <a:prstGeom prst="line">
             <a:avLst/>
           </a:prstGeom>
           <a:ln w="38100">
             <a:solidFill>
-              <a:schemeClr val="tx2">
-                <a:lumMod val="50000"/>
-                <a:lumOff val="50000"/>
-              </a:schemeClr>
+              <a:srgbClr val="002060"/>
             </a:solidFill>
           </a:ln>
         </p:spPr>
@@ -4037,18 +4087,15 @@
         </p:nvCxnSpPr>
         <p:spPr>
           <a:xfrm flipH="1">
-            <a:off x="5162175" y="1981200"/>
-            <a:ext cx="481851" cy="0"/>
+            <a:off x="6474758" y="2811780"/>
+            <a:ext cx="508300" cy="0"/>
           </a:xfrm>
           <a:prstGeom prst="line">
             <a:avLst/>
           </a:prstGeom>
           <a:ln w="38100">
             <a:solidFill>
-              <a:schemeClr val="tx2">
-                <a:lumMod val="50000"/>
-                <a:lumOff val="50000"/>
-              </a:schemeClr>
+              <a:srgbClr val="002060"/>
             </a:solidFill>
           </a:ln>
         </p:spPr>
@@ -4083,8 +4130,8 @@
         </p:nvCxnSpPr>
         <p:spPr>
           <a:xfrm flipH="1">
-            <a:off x="5393796" y="5080747"/>
-            <a:ext cx="166772" cy="0"/>
+            <a:off x="6691592" y="5991051"/>
+            <a:ext cx="291468" cy="0"/>
           </a:xfrm>
           <a:prstGeom prst="line">
             <a:avLst/>
@@ -4126,8 +4173,8 @@
         </p:nvCxnSpPr>
         <p:spPr>
           <a:xfrm>
-            <a:off x="5393796" y="1707776"/>
-            <a:ext cx="539" cy="3372971"/>
+            <a:off x="6683216" y="2565701"/>
+            <a:ext cx="0" cy="3848212"/>
           </a:xfrm>
           <a:prstGeom prst="line">
             <a:avLst/>
@@ -4169,8 +4216,8 @@
         </p:nvCxnSpPr>
         <p:spPr>
           <a:xfrm flipH="1">
-            <a:off x="5412944" y="1707776"/>
-            <a:ext cx="314009" cy="0"/>
+            <a:off x="6700452" y="2565698"/>
+            <a:ext cx="282608" cy="0"/>
           </a:xfrm>
           <a:prstGeom prst="line">
             <a:avLst/>
@@ -4254,8 +4301,8 @@
         </p:blipFill>
         <p:spPr bwMode="auto">
           <a:xfrm>
-            <a:off x="8097980" y="80681"/>
-            <a:ext cx="3411352" cy="2998695"/>
+            <a:off x="9116983" y="1101314"/>
+            <a:ext cx="3070217" cy="2698826"/>
           </a:xfrm>
           <a:prstGeom prst="rect">
             <a:avLst/>
@@ -4286,8 +4333,8 @@
         </p:nvCxnSpPr>
         <p:spPr>
           <a:xfrm>
-            <a:off x="6953247" y="1898650"/>
-            <a:ext cx="3556003" cy="0"/>
+            <a:off x="8086724" y="2737485"/>
+            <a:ext cx="3200403" cy="0"/>
           </a:xfrm>
           <a:prstGeom prst="line">
             <a:avLst/>
@@ -4329,8 +4376,8 @@
         </p:nvCxnSpPr>
         <p:spPr>
           <a:xfrm flipV="1">
-            <a:off x="10509250" y="946150"/>
-            <a:ext cx="0" cy="952500"/>
+            <a:off x="11281073" y="1886287"/>
+            <a:ext cx="0" cy="857250"/>
           </a:xfrm>
           <a:prstGeom prst="line">
             <a:avLst/>
@@ -4372,8 +4419,8 @@
         </p:nvCxnSpPr>
         <p:spPr>
           <a:xfrm>
-            <a:off x="6953247" y="1707776"/>
-            <a:ext cx="4318003" cy="0"/>
+            <a:off x="8086724" y="2565698"/>
+            <a:ext cx="3886203" cy="0"/>
           </a:xfrm>
           <a:prstGeom prst="line">
             <a:avLst/>
@@ -4418,8 +4465,8 @@
         </p:nvCxnSpPr>
         <p:spPr>
           <a:xfrm flipV="1">
-            <a:off x="11290300" y="514350"/>
-            <a:ext cx="0" cy="1193426"/>
+            <a:off x="11977967" y="1503718"/>
+            <a:ext cx="0" cy="1074083"/>
           </a:xfrm>
           <a:prstGeom prst="line">
             <a:avLst/>
@@ -4500,8 +4547,8 @@
         </p:blipFill>
         <p:spPr bwMode="auto">
           <a:xfrm rot="20602394" flipH="1" flipV="1">
-            <a:off x="456869" y="1607067"/>
-            <a:ext cx="2307536" cy="1844114"/>
+            <a:off x="441662" y="2475060"/>
+            <a:ext cx="2076782" cy="1659703"/>
           </a:xfrm>
           <a:prstGeom prst="rect">
             <a:avLst/>
@@ -4570,8 +4617,8 @@
         </p:blipFill>
         <p:spPr bwMode="auto">
           <a:xfrm rot="20602394" flipH="1" flipV="1">
-            <a:off x="537744" y="3616986"/>
-            <a:ext cx="2307536" cy="1844114"/>
+            <a:off x="514450" y="4283987"/>
+            <a:ext cx="2076782" cy="1659703"/>
           </a:xfrm>
           <a:prstGeom prst="rect">
             <a:avLst/>
@@ -4602,8 +4649,8 @@
         </p:nvCxnSpPr>
         <p:spPr>
           <a:xfrm flipV="1">
-            <a:off x="5970494" y="946150"/>
-            <a:ext cx="0" cy="369334"/>
+            <a:off x="7202245" y="1880236"/>
+            <a:ext cx="0" cy="332401"/>
           </a:xfrm>
           <a:prstGeom prst="line">
             <a:avLst/>
@@ -4640,14 +4687,13 @@
           </p:cNvPr>
           <p:cNvCxnSpPr>
             <a:cxnSpLocks/>
-            <a:endCxn id="1119" idx="2"/>
           </p:cNvCxnSpPr>
           <p:nvPr/>
         </p:nvCxnSpPr>
         <p:spPr>
           <a:xfrm flipH="1">
-            <a:off x="3193891" y="946149"/>
-            <a:ext cx="2776603" cy="16756"/>
+            <a:off x="2913873" y="1869292"/>
+            <a:ext cx="4312122" cy="26024"/>
           </a:xfrm>
           <a:prstGeom prst="line">
             <a:avLst/>
@@ -4689,8 +4735,8 @@
         </p:nvCxnSpPr>
         <p:spPr>
           <a:xfrm flipV="1">
-            <a:off x="2669241" y="946150"/>
-            <a:ext cx="0" cy="1386915"/>
+            <a:off x="2432797" y="1880237"/>
+            <a:ext cx="0" cy="1248224"/>
           </a:xfrm>
           <a:prstGeom prst="line">
             <a:avLst/>
@@ -4732,8 +4778,8 @@
         </p:nvCxnSpPr>
         <p:spPr>
           <a:xfrm flipV="1">
-            <a:off x="6161741" y="1121444"/>
-            <a:ext cx="0" cy="194040"/>
+            <a:off x="7374367" y="1980860"/>
+            <a:ext cx="0" cy="231776"/>
           </a:xfrm>
           <a:prstGeom prst="line">
             <a:avLst/>
@@ -4776,8 +4822,8 @@
         </p:nvCxnSpPr>
         <p:spPr>
           <a:xfrm flipH="1">
-            <a:off x="3470153" y="1105487"/>
-            <a:ext cx="2691588" cy="37855"/>
+            <a:off x="3168859" y="1998333"/>
+            <a:ext cx="4221781" cy="59376"/>
           </a:xfrm>
           <a:prstGeom prst="line">
             <a:avLst/>
@@ -4819,8 +4865,8 @@
         </p:nvCxnSpPr>
         <p:spPr>
           <a:xfrm flipV="1">
-            <a:off x="2759635" y="1121444"/>
-            <a:ext cx="0" cy="1263379"/>
+            <a:off x="2514152" y="2038002"/>
+            <a:ext cx="0" cy="1137041"/>
           </a:xfrm>
           <a:prstGeom prst="line">
             <a:avLst/>
@@ -4862,8 +4908,8 @@
         </p:nvCxnSpPr>
         <p:spPr>
           <a:xfrm flipV="1">
-            <a:off x="6399306" y="755650"/>
-            <a:ext cx="0" cy="559834"/>
+            <a:off x="7588175" y="1708786"/>
+            <a:ext cx="0" cy="503851"/>
           </a:xfrm>
           <a:prstGeom prst="line">
             <a:avLst/>
@@ -4905,8 +4951,8 @@
         </p:nvCxnSpPr>
         <p:spPr>
           <a:xfrm flipH="1">
-            <a:off x="3098053" y="755650"/>
-            <a:ext cx="3299012" cy="0"/>
+            <a:off x="2830323" y="1708785"/>
+            <a:ext cx="4755836" cy="0"/>
           </a:xfrm>
           <a:prstGeom prst="line">
             <a:avLst/>
@@ -4948,8 +4994,8 @@
         </p:nvCxnSpPr>
         <p:spPr>
           <a:xfrm flipV="1">
-            <a:off x="6590553" y="874433"/>
-            <a:ext cx="0" cy="497166"/>
+            <a:off x="7760298" y="1815690"/>
+            <a:ext cx="0" cy="447449"/>
           </a:xfrm>
           <a:prstGeom prst="line">
             <a:avLst/>
@@ -4991,8 +5037,8 @@
         </p:nvCxnSpPr>
         <p:spPr>
           <a:xfrm flipH="1">
-            <a:off x="3372597" y="874433"/>
-            <a:ext cx="3215715" cy="0"/>
+            <a:off x="3078848" y="1815690"/>
+            <a:ext cx="4679435" cy="0"/>
           </a:xfrm>
           <a:prstGeom prst="line">
             <a:avLst/>
@@ -5034,8 +5080,8 @@
         </p:nvCxnSpPr>
         <p:spPr>
           <a:xfrm flipH="1">
-            <a:off x="2739463" y="4168088"/>
-            <a:ext cx="369950" cy="0"/>
+            <a:off x="2511237" y="4779979"/>
+            <a:ext cx="332955" cy="0"/>
           </a:xfrm>
           <a:prstGeom prst="line">
             <a:avLst/>
@@ -5077,8 +5123,8 @@
         </p:nvCxnSpPr>
         <p:spPr>
           <a:xfrm flipH="1">
-            <a:off x="2823881" y="4309782"/>
-            <a:ext cx="548716" cy="0"/>
+            <a:off x="2587214" y="4907504"/>
+            <a:ext cx="493844" cy="0"/>
           </a:xfrm>
           <a:prstGeom prst="line">
             <a:avLst/>
@@ -5120,8 +5166,8 @@
         </p:nvCxnSpPr>
         <p:spPr>
           <a:xfrm flipV="1">
-            <a:off x="2741551" y="4151898"/>
-            <a:ext cx="0" cy="144436"/>
+            <a:off x="2513116" y="4765408"/>
+            <a:ext cx="0" cy="129992"/>
           </a:xfrm>
           <a:prstGeom prst="line">
             <a:avLst/>
@@ -5163,8 +5209,8 @@
         </p:nvCxnSpPr>
         <p:spPr>
           <a:xfrm flipV="1">
-            <a:off x="2823881" y="4316506"/>
-            <a:ext cx="0" cy="73959"/>
+            <a:off x="2587213" y="4913558"/>
+            <a:ext cx="0" cy="66563"/>
           </a:xfrm>
           <a:prstGeom prst="line">
             <a:avLst/>
@@ -5204,8 +5250,8 @@
         </p:nvSpPr>
         <p:spPr>
           <a:xfrm>
-            <a:off x="3270129" y="1043330"/>
-            <a:ext cx="200024" cy="200024"/>
+            <a:off x="2988837" y="1967698"/>
+            <a:ext cx="180022" cy="180022"/>
           </a:xfrm>
           <a:prstGeom prst="arc">
             <a:avLst>
@@ -5238,7 +5284,7 @@
           <a:lstStyle/>
           <a:p>
             <a:pPr algn="ctr"/>
-            <a:endParaRPr lang="en-US"/>
+            <a:endParaRPr lang="en-US" sz="1620"/>
           </a:p>
         </p:txBody>
       </p:sp>
@@ -5259,8 +5305,8 @@
         </p:nvCxnSpPr>
         <p:spPr>
           <a:xfrm flipH="1">
-            <a:off x="2651243" y="952069"/>
-            <a:ext cx="342920" cy="2546"/>
+            <a:off x="2416600" y="1885563"/>
+            <a:ext cx="323867" cy="2290"/>
           </a:xfrm>
           <a:prstGeom prst="line">
             <a:avLst/>
@@ -5300,8 +5346,8 @@
         </p:nvSpPr>
         <p:spPr>
           <a:xfrm>
-            <a:off x="2993990" y="857930"/>
-            <a:ext cx="200024" cy="200024"/>
+            <a:off x="2740312" y="1800838"/>
+            <a:ext cx="180022" cy="180022"/>
           </a:xfrm>
           <a:prstGeom prst="arc">
             <a:avLst>
@@ -5334,7 +5380,7 @@
           <a:lstStyle/>
           <a:p>
             <a:pPr algn="ctr"/>
-            <a:endParaRPr lang="en-US" dirty="0"/>
+            <a:endParaRPr lang="en-US" sz="1620" dirty="0"/>
           </a:p>
         </p:txBody>
       </p:sp>
@@ -5355,8 +5401,8 @@
         </p:nvCxnSpPr>
         <p:spPr>
           <a:xfrm flipH="1">
-            <a:off x="2739463" y="1130796"/>
-            <a:ext cx="531456" cy="1751"/>
+            <a:off x="2511237" y="2046419"/>
+            <a:ext cx="478310" cy="1576"/>
           </a:xfrm>
           <a:prstGeom prst="line">
             <a:avLst/>
@@ -5398,8 +5444,8 @@
         </p:nvCxnSpPr>
         <p:spPr>
           <a:xfrm flipH="1">
-            <a:off x="8340117" y="5132294"/>
-            <a:ext cx="166772" cy="0"/>
+            <a:off x="9334906" y="5647765"/>
+            <a:ext cx="150095" cy="0"/>
           </a:xfrm>
           <a:prstGeom prst="line">
             <a:avLst/>
@@ -5439,8 +5485,8 @@
         </p:nvSpPr>
         <p:spPr>
           <a:xfrm>
-            <a:off x="8458364" y="4948193"/>
-            <a:ext cx="582623" cy="338554"/>
+            <a:off x="9441330" y="5482074"/>
+            <a:ext cx="524361" cy="313932"/>
           </a:xfrm>
           <a:prstGeom prst="rect">
             <a:avLst/>
@@ -5454,10 +5500,10 @@
           <a:lstStyle/>
           <a:p>
             <a:r>
-              <a:rPr lang="en-GB" sz="1600" dirty="0"/>
-              <a:t>3.3V</a:t>
+              <a:rPr lang="en-GB" sz="1440" dirty="0"/>
+              <a:t>5V</a:t>
             </a:r>
-            <a:endParaRPr lang="en-US" sz="1600" dirty="0"/>
+            <a:endParaRPr lang="en-US" sz="1440" dirty="0"/>
           </a:p>
         </p:txBody>
       </p:sp>
@@ -5477,18 +5523,15 @@
         </p:nvCxnSpPr>
         <p:spPr>
           <a:xfrm flipH="1">
-            <a:off x="8340117" y="5386385"/>
-            <a:ext cx="166772" cy="0"/>
+            <a:off x="9334906" y="5876447"/>
+            <a:ext cx="150095" cy="0"/>
           </a:xfrm>
           <a:prstGeom prst="line">
             <a:avLst/>
           </a:prstGeom>
           <a:ln w="38100">
             <a:solidFill>
-              <a:schemeClr val="tx2">
-                <a:lumMod val="50000"/>
-                <a:lumOff val="50000"/>
-              </a:schemeClr>
+              <a:srgbClr val="002060"/>
             </a:solidFill>
           </a:ln>
         </p:spPr>
@@ -5521,8 +5564,8 @@
         </p:nvSpPr>
         <p:spPr>
           <a:xfrm>
-            <a:off x="8458364" y="5202284"/>
-            <a:ext cx="752871" cy="338554"/>
+            <a:off x="9441329" y="5710756"/>
+            <a:ext cx="677584" cy="313932"/>
           </a:xfrm>
           <a:prstGeom prst="rect">
             <a:avLst/>
@@ -5536,10 +5579,10 @@
           <a:lstStyle/>
           <a:p>
             <a:r>
-              <a:rPr lang="en-GB" sz="1600" dirty="0"/>
+              <a:rPr lang="en-GB" sz="1440" dirty="0"/>
               <a:t>GND</a:t>
             </a:r>
-            <a:endParaRPr lang="en-US" sz="1600" dirty="0"/>
+            <a:endParaRPr lang="en-US" sz="1440" dirty="0"/>
           </a:p>
         </p:txBody>
       </p:sp>
@@ -5559,8 +5602,8 @@
         </p:nvCxnSpPr>
         <p:spPr>
           <a:xfrm flipH="1">
-            <a:off x="8340117" y="5654949"/>
-            <a:ext cx="166772" cy="0"/>
+            <a:off x="9334906" y="6118154"/>
+            <a:ext cx="150095" cy="0"/>
           </a:xfrm>
           <a:prstGeom prst="line">
             <a:avLst/>
@@ -5602,8 +5645,8 @@
         </p:nvSpPr>
         <p:spPr>
           <a:xfrm>
-            <a:off x="8458364" y="5470848"/>
-            <a:ext cx="582623" cy="338554"/>
+            <a:off x="9441330" y="5952464"/>
+            <a:ext cx="524361" cy="313932"/>
           </a:xfrm>
           <a:prstGeom prst="rect">
             <a:avLst/>
@@ -5617,10 +5660,10 @@
           <a:lstStyle/>
           <a:p>
             <a:r>
-              <a:rPr lang="en-GB" sz="1600" dirty="0"/>
+              <a:rPr lang="en-GB" sz="1440" dirty="0"/>
               <a:t>SDA</a:t>
             </a:r>
-            <a:endParaRPr lang="en-US" sz="1600" dirty="0"/>
+            <a:endParaRPr lang="en-US" sz="1440" dirty="0"/>
           </a:p>
         </p:txBody>
       </p:sp>
@@ -5640,8 +5683,8 @@
         </p:nvCxnSpPr>
         <p:spPr>
           <a:xfrm flipH="1">
-            <a:off x="8340117" y="5909040"/>
-            <a:ext cx="166772" cy="0"/>
+            <a:off x="9334906" y="6346836"/>
+            <a:ext cx="150095" cy="0"/>
           </a:xfrm>
           <a:prstGeom prst="line">
             <a:avLst/>
@@ -5683,8 +5726,8 @@
         </p:nvSpPr>
         <p:spPr>
           <a:xfrm>
-            <a:off x="8458364" y="5724939"/>
-            <a:ext cx="752871" cy="338554"/>
+            <a:off x="9441329" y="6181145"/>
+            <a:ext cx="677584" cy="313932"/>
           </a:xfrm>
           <a:prstGeom prst="rect">
             <a:avLst/>
@@ -5698,10 +5741,10 @@
           <a:lstStyle/>
           <a:p>
             <a:r>
-              <a:rPr lang="en-GB" sz="1600" dirty="0"/>
+              <a:rPr lang="en-GB" sz="1440" dirty="0"/>
               <a:t>SCL</a:t>
             </a:r>
-            <a:endParaRPr lang="en-US" sz="1600" dirty="0"/>
+            <a:endParaRPr lang="en-US" sz="1440" dirty="0"/>
           </a:p>
         </p:txBody>
       </p:sp>
@@ -5721,8 +5764,8 @@
         </p:nvCxnSpPr>
         <p:spPr>
           <a:xfrm flipH="1">
-            <a:off x="9460705" y="5132294"/>
-            <a:ext cx="166772" cy="0"/>
+            <a:off x="10343434" y="5647765"/>
+            <a:ext cx="150095" cy="0"/>
           </a:xfrm>
           <a:prstGeom prst="line">
             <a:avLst/>
@@ -5762,8 +5805,8 @@
         </p:nvSpPr>
         <p:spPr>
           <a:xfrm>
-            <a:off x="9578952" y="4948193"/>
-            <a:ext cx="1145077" cy="338554"/>
+            <a:off x="10449859" y="5482074"/>
+            <a:ext cx="1030569" cy="313932"/>
           </a:xfrm>
           <a:prstGeom prst="rect">
             <a:avLst/>
@@ -5777,10 +5820,10 @@
           <a:lstStyle/>
           <a:p>
             <a:r>
-              <a:rPr lang="en-GB" sz="1600" dirty="0"/>
+              <a:rPr lang="en-GB" sz="1440" dirty="0"/>
               <a:t>Motor +</a:t>
             </a:r>
-            <a:endParaRPr lang="en-US" sz="1600" dirty="0"/>
+            <a:endParaRPr lang="en-US" sz="1440" dirty="0"/>
           </a:p>
         </p:txBody>
       </p:sp>
@@ -5800,8 +5843,8 @@
         </p:nvCxnSpPr>
         <p:spPr>
           <a:xfrm flipH="1">
-            <a:off x="9460705" y="5386385"/>
-            <a:ext cx="166772" cy="0"/>
+            <a:off x="10343434" y="5876447"/>
+            <a:ext cx="150095" cy="0"/>
           </a:xfrm>
           <a:prstGeom prst="line">
             <a:avLst/>
@@ -5841,8 +5884,8 @@
         </p:nvSpPr>
         <p:spPr>
           <a:xfrm>
-            <a:off x="9578952" y="5202284"/>
-            <a:ext cx="1077842" cy="584775"/>
+            <a:off x="10449858" y="5710759"/>
+            <a:ext cx="970058" cy="535531"/>
           </a:xfrm>
           <a:prstGeom prst="rect">
             <a:avLst/>
@@ -5856,13 +5899,13 @@
           <a:lstStyle/>
           <a:p>
             <a:r>
-              <a:rPr lang="en-GB" sz="1600" dirty="0"/>
+              <a:rPr lang="en-GB" sz="1440" dirty="0"/>
               <a:t>Motor -</a:t>
             </a:r>
-            <a:endParaRPr lang="en-US" sz="1600" dirty="0"/>
-          </a:p>
-          <a:p>
-            <a:endParaRPr lang="en-US" sz="1600" dirty="0"/>
+            <a:endParaRPr lang="en-US" sz="1440" dirty="0"/>
+          </a:p>
+          <a:p>
+            <a:endParaRPr lang="en-US" sz="1440" dirty="0"/>
           </a:p>
         </p:txBody>
       </p:sp>
@@ -5882,15 +5925,15 @@
         </p:nvCxnSpPr>
         <p:spPr>
           <a:xfrm flipH="1">
-            <a:off x="9460705" y="5654949"/>
-            <a:ext cx="166772" cy="0"/>
+            <a:off x="10343434" y="6118154"/>
+            <a:ext cx="150095" cy="0"/>
           </a:xfrm>
           <a:prstGeom prst="line">
             <a:avLst/>
           </a:prstGeom>
           <a:ln w="38100">
             <a:solidFill>
-              <a:srgbClr val="FFC000"/>
+              <a:schemeClr val="accent2"/>
             </a:solidFill>
           </a:ln>
         </p:spPr>
@@ -5923,8 +5966,8 @@
         </p:nvSpPr>
         <p:spPr>
           <a:xfrm>
-            <a:off x="9578952" y="5470848"/>
-            <a:ext cx="752871" cy="338554"/>
+            <a:off x="10449859" y="5952464"/>
+            <a:ext cx="677584" cy="313932"/>
           </a:xfrm>
           <a:prstGeom prst="rect">
             <a:avLst/>
@@ -5938,10 +5981,10 @@
           <a:lstStyle/>
           <a:p>
             <a:r>
-              <a:rPr lang="en-GB" sz="1600" dirty="0"/>
+              <a:rPr lang="en-GB" sz="1440" dirty="0"/>
               <a:t>+12V</a:t>
             </a:r>
-            <a:endParaRPr lang="en-US" sz="1600" dirty="0"/>
+            <a:endParaRPr lang="en-US" sz="1440" dirty="0"/>
           </a:p>
         </p:txBody>
       </p:sp>
@@ -5961,8 +6004,8 @@
         </p:nvCxnSpPr>
         <p:spPr>
           <a:xfrm flipH="1">
-            <a:off x="9460705" y="5909040"/>
-            <a:ext cx="166772" cy="0"/>
+            <a:off x="10343434" y="6346836"/>
+            <a:ext cx="150095" cy="0"/>
           </a:xfrm>
           <a:prstGeom prst="line">
             <a:avLst/>
@@ -6005,8 +6048,8 @@
         </p:nvSpPr>
         <p:spPr>
           <a:xfrm>
-            <a:off x="9578952" y="5724939"/>
-            <a:ext cx="752871" cy="338554"/>
+            <a:off x="10449859" y="6181145"/>
+            <a:ext cx="677584" cy="313932"/>
           </a:xfrm>
           <a:prstGeom prst="rect">
             <a:avLst/>
@@ -6020,10 +6063,1301 @@
           <a:lstStyle/>
           <a:p>
             <a:r>
-              <a:rPr lang="en-GB" sz="1600" dirty="0"/>
+              <a:rPr lang="en-GB" sz="1440" dirty="0"/>
               <a:t>-12V</a:t>
             </a:r>
-            <a:endParaRPr lang="en-US" sz="1600" dirty="0"/>
+            <a:endParaRPr lang="en-US" sz="1440" dirty="0"/>
+          </a:p>
+        </p:txBody>
+      </p:sp>
+      <p:pic>
+        <p:nvPicPr>
+          <p:cNvPr id="4" name="Picture 3">
+            <a:extLst>
+              <a:ext uri="{FF2B5EF4-FFF2-40B4-BE49-F238E27FC236}">
+                <a16:creationId xmlns:a16="http://schemas.microsoft.com/office/drawing/2014/main" id="{50A1A1C5-5EC5-6E39-4AC6-51176639A8C8}"/>
+              </a:ext>
+            </a:extLst>
+          </p:cNvPr>
+          <p:cNvPicPr>
+            <a:picLocks noChangeAspect="1"/>
+          </p:cNvPicPr>
+          <p:nvPr/>
+        </p:nvPicPr>
+        <p:blipFill>
+          <a:blip r:embed="rId11">
+            <a:extLst>
+              <a:ext uri="{BEBA8EAE-BF5A-486C-A8C5-ECC9F3942E4B}">
+                <a14:imgProps xmlns:a14="http://schemas.microsoft.com/office/drawing/2010/main">
+                  <a14:imgLayer r:embed="rId12">
+                    <a14:imgEffect>
+                      <a14:backgroundRemoval t="9772" b="99349" l="9827" r="92678">
+                        <a14:foregroundMark x1="48362" y1="26384" x2="48362" y2="26384"/>
+                        <a14:foregroundMark x1="56647" y1="21498" x2="46435" y2="24430"/>
+                        <a14:foregroundMark x1="46435" y1="24430" x2="35453" y2="36482"/>
+                        <a14:foregroundMark x1="35453" y1="36482" x2="36802" y2="41042"/>
+                        <a14:foregroundMark x1="37958" y1="43648" x2="39306" y2="45928"/>
+                        <a14:foregroundMark x1="25241" y1="10098" x2="77649" y2="16938"/>
+                        <a14:foregroundMark x1="77649" y1="16938" x2="81503" y2="34202"/>
+                        <a14:foregroundMark x1="81503" y1="34202" x2="79383" y2="78502"/>
+                        <a14:foregroundMark x1="79383" y1="78502" x2="36802" y2="78502"/>
+                        <a14:foregroundMark x1="36802" y1="78502" x2="25241" y2="72964"/>
+                        <a14:foregroundMark x1="25241" y1="72964" x2="22929" y2="56352"/>
+                        <a14:foregroundMark x1="22929" y1="56352" x2="25241" y2="11726"/>
+                        <a14:foregroundMark x1="31792" y1="16612" x2="32948" y2="37134"/>
+                        <a14:foregroundMark x1="32948" y1="37134" x2="40462" y2="45928"/>
+                        <a14:foregroundMark x1="57033" y1="29316" x2="52408" y2="47883"/>
+                        <a14:foregroundMark x1="52408" y1="47883" x2="41426" y2="64821"/>
+                        <a14:foregroundMark x1="41426" y1="64821" x2="41233" y2="64821"/>
+                        <a14:foregroundMark x1="50674" y1="30619" x2="50096" y2="38111"/>
+                        <a14:foregroundMark x1="51060" y1="52769" x2="42967" y2="64169"/>
+                        <a14:foregroundMark x1="47977" y1="62866" x2="60694" y2="63192"/>
+                        <a14:foregroundMark x1="67245" y1="82085" x2="66474" y2="99674"/>
+                        <a14:foregroundMark x1="91522" y1="42345" x2="88439" y2="41368"/>
+                        <a14:foregroundMark x1="92100" y1="57655" x2="89403" y2="57003"/>
+                        <a14:foregroundMark x1="92678" y1="42020" x2="90366" y2="42020"/>
+                      </a14:backgroundRemoval>
+                    </a14:imgEffect>
+                  </a14:imgLayer>
+                </a14:imgProps>
+              </a:ext>
+            </a:extLst>
+          </a:blip>
+          <a:srcRect l="10130" t="7009" r="6710" b="12227"/>
+          <a:stretch/>
+        </p:blipFill>
+        <p:spPr>
+          <a:xfrm rot="10800000">
+            <a:off x="9116310" y="4326592"/>
+            <a:ext cx="1239124" cy="711845"/>
+          </a:xfrm>
+          <a:prstGeom prst="rect">
+            <a:avLst/>
+          </a:prstGeom>
+        </p:spPr>
+      </p:pic>
+      <p:cxnSp>
+        <p:nvCxnSpPr>
+          <p:cNvPr id="5" name="Straight Connector 4">
+            <a:extLst>
+              <a:ext uri="{FF2B5EF4-FFF2-40B4-BE49-F238E27FC236}">
+                <a16:creationId xmlns:a16="http://schemas.microsoft.com/office/drawing/2014/main" id="{D0F82940-742A-1B74-5646-5BEA141C6AF8}"/>
+              </a:ext>
+            </a:extLst>
+          </p:cNvPr>
+          <p:cNvCxnSpPr>
+            <a:cxnSpLocks/>
+          </p:cNvCxnSpPr>
+          <p:nvPr/>
+        </p:nvCxnSpPr>
+        <p:spPr>
+          <a:xfrm flipV="1">
+            <a:off x="10068820" y="2737486"/>
+            <a:ext cx="0" cy="1653651"/>
+          </a:xfrm>
+          <a:prstGeom prst="line">
+            <a:avLst/>
+          </a:prstGeom>
+          <a:ln w="38100">
+            <a:solidFill>
+              <a:schemeClr val="accent2"/>
+            </a:solidFill>
+          </a:ln>
+        </p:spPr>
+        <p:style>
+          <a:lnRef idx="2">
+            <a:schemeClr val="accent1"/>
+          </a:lnRef>
+          <a:fillRef idx="0">
+            <a:schemeClr val="accent1"/>
+          </a:fillRef>
+          <a:effectRef idx="1">
+            <a:schemeClr val="accent1"/>
+          </a:effectRef>
+          <a:fontRef idx="minor">
+            <a:schemeClr val="tx1"/>
+          </a:fontRef>
+        </p:style>
+      </p:cxnSp>
+      <p:cxnSp>
+        <p:nvCxnSpPr>
+          <p:cNvPr id="7" name="Straight Connector 6">
+            <a:extLst>
+              <a:ext uri="{FF2B5EF4-FFF2-40B4-BE49-F238E27FC236}">
+                <a16:creationId xmlns:a16="http://schemas.microsoft.com/office/drawing/2014/main" id="{A6D604FD-8E32-7727-BB68-21C53B09D0E5}"/>
+              </a:ext>
+            </a:extLst>
+          </p:cNvPr>
+          <p:cNvCxnSpPr>
+            <a:cxnSpLocks/>
+          </p:cNvCxnSpPr>
+          <p:nvPr/>
+        </p:nvCxnSpPr>
+        <p:spPr>
+          <a:xfrm flipV="1">
+            <a:off x="9965688" y="2565699"/>
+            <a:ext cx="0" cy="1813297"/>
+          </a:xfrm>
+          <a:prstGeom prst="line">
+            <a:avLst/>
+          </a:prstGeom>
+          <a:ln w="38100">
+            <a:solidFill>
+              <a:schemeClr val="accent3">
+                <a:lumMod val="60000"/>
+                <a:lumOff val="40000"/>
+              </a:schemeClr>
+            </a:solidFill>
+          </a:ln>
+        </p:spPr>
+        <p:style>
+          <a:lnRef idx="2">
+            <a:schemeClr val="accent1"/>
+          </a:lnRef>
+          <a:fillRef idx="0">
+            <a:schemeClr val="accent1"/>
+          </a:fillRef>
+          <a:effectRef idx="1">
+            <a:schemeClr val="accent1"/>
+          </a:effectRef>
+          <a:fontRef idx="minor">
+            <a:schemeClr val="tx1"/>
+          </a:fontRef>
+        </p:style>
+      </p:cxnSp>
+      <p:cxnSp>
+        <p:nvCxnSpPr>
+          <p:cNvPr id="9" name="Straight Connector 8">
+            <a:extLst>
+              <a:ext uri="{FF2B5EF4-FFF2-40B4-BE49-F238E27FC236}">
+                <a16:creationId xmlns:a16="http://schemas.microsoft.com/office/drawing/2014/main" id="{6D1057F5-A32D-21FE-436C-8DE757948A75}"/>
+              </a:ext>
+            </a:extLst>
+          </p:cNvPr>
+          <p:cNvCxnSpPr>
+            <a:cxnSpLocks/>
+          </p:cNvCxnSpPr>
+          <p:nvPr/>
+        </p:nvCxnSpPr>
+        <p:spPr>
+          <a:xfrm flipH="1">
+            <a:off x="8972781" y="4247800"/>
+            <a:ext cx="532818" cy="0"/>
+          </a:xfrm>
+          <a:prstGeom prst="line">
+            <a:avLst/>
+          </a:prstGeom>
+          <a:ln w="38100">
+            <a:solidFill>
+              <a:srgbClr val="FFFF00"/>
+            </a:solidFill>
+          </a:ln>
+        </p:spPr>
+        <p:style>
+          <a:lnRef idx="2">
+            <a:schemeClr val="accent1"/>
+          </a:lnRef>
+          <a:fillRef idx="0">
+            <a:schemeClr val="accent1"/>
+          </a:fillRef>
+          <a:effectRef idx="1">
+            <a:schemeClr val="accent1"/>
+          </a:effectRef>
+          <a:fontRef idx="minor">
+            <a:schemeClr val="tx1"/>
+          </a:fontRef>
+        </p:style>
+      </p:cxnSp>
+      <p:cxnSp>
+        <p:nvCxnSpPr>
+          <p:cNvPr id="10" name="Straight Connector 9">
+            <a:extLst>
+              <a:ext uri="{FF2B5EF4-FFF2-40B4-BE49-F238E27FC236}">
+                <a16:creationId xmlns:a16="http://schemas.microsoft.com/office/drawing/2014/main" id="{5CC36B6A-E8A8-07F2-DC24-6C8B6AFB2B9E}"/>
+              </a:ext>
+            </a:extLst>
+          </p:cNvPr>
+          <p:cNvCxnSpPr>
+            <a:cxnSpLocks/>
+          </p:cNvCxnSpPr>
+          <p:nvPr/>
+        </p:nvCxnSpPr>
+        <p:spPr>
+          <a:xfrm>
+            <a:off x="8972781" y="4229772"/>
+            <a:ext cx="0" cy="2183465"/>
+          </a:xfrm>
+          <a:prstGeom prst="line">
+            <a:avLst/>
+          </a:prstGeom>
+          <a:ln w="38100">
+            <a:solidFill>
+              <a:srgbClr val="FFFF00"/>
+            </a:solidFill>
+          </a:ln>
+        </p:spPr>
+        <p:style>
+          <a:lnRef idx="2">
+            <a:schemeClr val="accent1"/>
+          </a:lnRef>
+          <a:fillRef idx="0">
+            <a:schemeClr val="accent1"/>
+          </a:fillRef>
+          <a:effectRef idx="1">
+            <a:schemeClr val="accent1"/>
+          </a:effectRef>
+          <a:fontRef idx="minor">
+            <a:schemeClr val="tx1"/>
+          </a:fontRef>
+        </p:style>
+      </p:cxnSp>
+      <p:cxnSp>
+        <p:nvCxnSpPr>
+          <p:cNvPr id="15" name="Straight Connector 14">
+            <a:extLst>
+              <a:ext uri="{FF2B5EF4-FFF2-40B4-BE49-F238E27FC236}">
+                <a16:creationId xmlns:a16="http://schemas.microsoft.com/office/drawing/2014/main" id="{C3E29539-09AB-E36B-EDEF-0CAE552FFD70}"/>
+              </a:ext>
+            </a:extLst>
+          </p:cNvPr>
+          <p:cNvCxnSpPr>
+            <a:cxnSpLocks/>
+          </p:cNvCxnSpPr>
+          <p:nvPr/>
+        </p:nvCxnSpPr>
+        <p:spPr>
+          <a:xfrm>
+            <a:off x="9505599" y="4231917"/>
+            <a:ext cx="0" cy="149223"/>
+          </a:xfrm>
+          <a:prstGeom prst="line">
+            <a:avLst/>
+          </a:prstGeom>
+          <a:ln w="38100">
+            <a:solidFill>
+              <a:srgbClr val="FFFF00"/>
+            </a:solidFill>
+          </a:ln>
+        </p:spPr>
+        <p:style>
+          <a:lnRef idx="2">
+            <a:schemeClr val="accent1"/>
+          </a:lnRef>
+          <a:fillRef idx="0">
+            <a:schemeClr val="accent1"/>
+          </a:fillRef>
+          <a:effectRef idx="1">
+            <a:schemeClr val="accent1"/>
+          </a:effectRef>
+          <a:fontRef idx="minor">
+            <a:schemeClr val="tx1"/>
+          </a:fontRef>
+        </p:style>
+      </p:cxnSp>
+      <p:cxnSp>
+        <p:nvCxnSpPr>
+          <p:cNvPr id="21" name="Straight Connector 20">
+            <a:extLst>
+              <a:ext uri="{FF2B5EF4-FFF2-40B4-BE49-F238E27FC236}">
+                <a16:creationId xmlns:a16="http://schemas.microsoft.com/office/drawing/2014/main" id="{4DCF0BD1-8FDA-4E41-C75F-D3AF291653B3}"/>
+              </a:ext>
+            </a:extLst>
+          </p:cNvPr>
+          <p:cNvCxnSpPr>
+            <a:cxnSpLocks/>
+          </p:cNvCxnSpPr>
+          <p:nvPr/>
+        </p:nvCxnSpPr>
+        <p:spPr>
+          <a:xfrm flipH="1">
+            <a:off x="6683217" y="6404664"/>
+            <a:ext cx="2293852" cy="0"/>
+          </a:xfrm>
+          <a:prstGeom prst="line">
+            <a:avLst/>
+          </a:prstGeom>
+          <a:ln w="38100">
+            <a:solidFill>
+              <a:srgbClr val="FFFF00"/>
+            </a:solidFill>
+          </a:ln>
+        </p:spPr>
+        <p:style>
+          <a:lnRef idx="2">
+            <a:schemeClr val="accent1"/>
+          </a:lnRef>
+          <a:fillRef idx="0">
+            <a:schemeClr val="accent1"/>
+          </a:fillRef>
+          <a:effectRef idx="1">
+            <a:schemeClr val="accent1"/>
+          </a:effectRef>
+          <a:fontRef idx="minor">
+            <a:schemeClr val="tx1"/>
+          </a:fontRef>
+        </p:style>
+      </p:cxnSp>
+      <p:cxnSp>
+        <p:nvCxnSpPr>
+          <p:cNvPr id="28" name="Straight Connector 27">
+            <a:extLst>
+              <a:ext uri="{FF2B5EF4-FFF2-40B4-BE49-F238E27FC236}">
+                <a16:creationId xmlns:a16="http://schemas.microsoft.com/office/drawing/2014/main" id="{ED7ABC7B-AA56-990B-A22E-F804760E02C9}"/>
+              </a:ext>
+            </a:extLst>
+          </p:cNvPr>
+          <p:cNvCxnSpPr>
+            <a:cxnSpLocks/>
+          </p:cNvCxnSpPr>
+          <p:nvPr/>
+        </p:nvCxnSpPr>
+        <p:spPr>
+          <a:xfrm>
+            <a:off x="8768776" y="4310812"/>
+            <a:ext cx="0" cy="2247151"/>
+          </a:xfrm>
+          <a:prstGeom prst="line">
+            <a:avLst/>
+          </a:prstGeom>
+          <a:ln w="38100">
+            <a:solidFill>
+              <a:srgbClr val="002060"/>
+            </a:solidFill>
+          </a:ln>
+        </p:spPr>
+        <p:style>
+          <a:lnRef idx="2">
+            <a:schemeClr val="accent1"/>
+          </a:lnRef>
+          <a:fillRef idx="0">
+            <a:schemeClr val="accent1"/>
+          </a:fillRef>
+          <a:effectRef idx="1">
+            <a:schemeClr val="accent1"/>
+          </a:effectRef>
+          <a:fontRef idx="minor">
+            <a:schemeClr val="tx1"/>
+          </a:fontRef>
+        </p:style>
+      </p:cxnSp>
+      <p:cxnSp>
+        <p:nvCxnSpPr>
+          <p:cNvPr id="29" name="Straight Connector 28">
+            <a:extLst>
+              <a:ext uri="{FF2B5EF4-FFF2-40B4-BE49-F238E27FC236}">
+                <a16:creationId xmlns:a16="http://schemas.microsoft.com/office/drawing/2014/main" id="{AE43BEC1-FE1B-9206-9F9A-3A16D1329CB7}"/>
+              </a:ext>
+            </a:extLst>
+          </p:cNvPr>
+          <p:cNvCxnSpPr>
+            <a:cxnSpLocks/>
+          </p:cNvCxnSpPr>
+          <p:nvPr/>
+        </p:nvCxnSpPr>
+        <p:spPr>
+          <a:xfrm flipH="1">
+            <a:off x="8768778" y="4310812"/>
+            <a:ext cx="641177" cy="0"/>
+          </a:xfrm>
+          <a:prstGeom prst="line">
+            <a:avLst/>
+          </a:prstGeom>
+          <a:ln w="38100">
+            <a:solidFill>
+              <a:srgbClr val="002060"/>
+            </a:solidFill>
+          </a:ln>
+        </p:spPr>
+        <p:style>
+          <a:lnRef idx="2">
+            <a:schemeClr val="accent1"/>
+          </a:lnRef>
+          <a:fillRef idx="0">
+            <a:schemeClr val="accent1"/>
+          </a:fillRef>
+          <a:effectRef idx="1">
+            <a:schemeClr val="accent1"/>
+          </a:effectRef>
+          <a:fontRef idx="minor">
+            <a:schemeClr val="tx1"/>
+          </a:fontRef>
+        </p:style>
+      </p:cxnSp>
+      <p:cxnSp>
+        <p:nvCxnSpPr>
+          <p:cNvPr id="32" name="Straight Connector 31">
+            <a:extLst>
+              <a:ext uri="{FF2B5EF4-FFF2-40B4-BE49-F238E27FC236}">
+                <a16:creationId xmlns:a16="http://schemas.microsoft.com/office/drawing/2014/main" id="{7CCAB92B-AB74-3282-4B02-C4F4976F111E}"/>
+              </a:ext>
+            </a:extLst>
+          </p:cNvPr>
+          <p:cNvCxnSpPr>
+            <a:cxnSpLocks/>
+          </p:cNvCxnSpPr>
+          <p:nvPr/>
+        </p:nvCxnSpPr>
+        <p:spPr>
+          <a:xfrm flipH="1">
+            <a:off x="6474760" y="6548234"/>
+            <a:ext cx="2302592" cy="0"/>
+          </a:xfrm>
+          <a:prstGeom prst="line">
+            <a:avLst/>
+          </a:prstGeom>
+          <a:ln w="38100">
+            <a:solidFill>
+              <a:srgbClr val="002060"/>
+            </a:solidFill>
+          </a:ln>
+        </p:spPr>
+        <p:style>
+          <a:lnRef idx="2">
+            <a:schemeClr val="accent1"/>
+          </a:lnRef>
+          <a:fillRef idx="0">
+            <a:schemeClr val="accent1"/>
+          </a:fillRef>
+          <a:effectRef idx="1">
+            <a:schemeClr val="accent1"/>
+          </a:effectRef>
+          <a:fontRef idx="minor">
+            <a:schemeClr val="tx1"/>
+          </a:fontRef>
+        </p:style>
+      </p:cxnSp>
+      <p:pic>
+        <p:nvPicPr>
+          <p:cNvPr id="57" name="Picture 2" descr="NVIDIA Jetson Xavier NX Developer Kit (812674024318), 16 GB">
+            <a:extLst>
+              <a:ext uri="{FF2B5EF4-FFF2-40B4-BE49-F238E27FC236}">
+                <a16:creationId xmlns:a16="http://schemas.microsoft.com/office/drawing/2014/main" id="{793529EB-B5D4-95C8-8847-93C46620525E}"/>
+              </a:ext>
+            </a:extLst>
+          </p:cNvPr>
+          <p:cNvPicPr>
+            <a:picLocks noChangeAspect="1" noChangeArrowheads="1"/>
+          </p:cNvPicPr>
+          <p:nvPr/>
+        </p:nvPicPr>
+        <p:blipFill>
+          <a:blip r:embed="rId13">
+            <a:extLst>
+              <a:ext uri="{BEBA8EAE-BF5A-486C-A8C5-ECC9F3942E4B}">
+                <a14:imgProps xmlns:a14="http://schemas.microsoft.com/office/drawing/2010/main">
+                  <a14:imgLayer r:embed="rId14">
+                    <a14:imgEffect>
+                      <a14:backgroundRemoval t="1217" b="95499" l="1230" r="96421">
+                        <a14:foregroundMark x1="83893" y1="85280" x2="36465" y2="84428"/>
+                        <a14:foregroundMark x1="36465" y1="84428" x2="20694" y2="77494"/>
+                        <a14:foregroundMark x1="20694" y1="77494" x2="18680" y2="74818"/>
+                        <a14:foregroundMark x1="9843" y1="74574" x2="16779" y2="32725"/>
+                        <a14:foregroundMark x1="16779" y1="32725" x2="46085" y2="15450"/>
+                        <a14:foregroundMark x1="46085" y1="15450" x2="56040" y2="17397"/>
+                        <a14:foregroundMark x1="78300" y1="18613" x2="57494" y2="26521"/>
+                        <a14:foregroundMark x1="57494" y1="26521" x2="40828" y2="45255"/>
+                        <a14:foregroundMark x1="91946" y1="14964" x2="60626" y2="6813"/>
+                        <a14:foregroundMark x1="60626" y1="6813" x2="58613" y2="7543"/>
+                        <a14:foregroundMark x1="65548" y1="9611" x2="93960" y2="6083"/>
+                        <a14:foregroundMark x1="33333" y1="5718" x2="6823" y2="11922"/>
+                        <a14:foregroundMark x1="6823" y1="11922" x2="3915" y2="44891"/>
+                        <a14:foregroundMark x1="5928" y1="69586" x2="9060" y2="89416"/>
+                        <a14:foregroundMark x1="24497" y1="89173" x2="72260" y2="88200"/>
+                        <a14:foregroundMark x1="72260" y1="88200" x2="93400" y2="78224"/>
+                        <a14:foregroundMark x1="93400" y1="78224" x2="94631" y2="55353"/>
+                        <a14:foregroundMark x1="90940" y1="33455" x2="84452" y2="59489"/>
+                        <a14:foregroundMark x1="96197" y1="28589" x2="96644" y2="20073"/>
+                        <a14:foregroundMark x1="86130" y1="37713" x2="83781" y2="32847"/>
+                        <a14:foregroundMark x1="79195" y1="5839" x2="58501" y2="1217"/>
+                        <a14:foregroundMark x1="13647" y1="18613" x2="17897" y2="11800"/>
+                        <a14:foregroundMark x1="50447" y1="54258" x2="41946" y2="54258"/>
+                        <a14:foregroundMark x1="5928" y1="61679" x2="4251" y2="44282"/>
+                        <a14:foregroundMark x1="4922" y1="90511" x2="4251" y2="72384"/>
+                        <a14:foregroundMark x1="20470" y1="92579" x2="23826" y2="75182"/>
+                        <a14:foregroundMark x1="70917" y1="72384" x2="46532" y2="69100"/>
+                        <a14:foregroundMark x1="92394" y1="92336" x2="68680" y2="93431"/>
+                        <a14:foregroundMark x1="67338" y1="93309" x2="40492" y2="95134"/>
+                        <a14:foregroundMark x1="30425" y1="95620" x2="27740" y2="93431"/>
+                        <a14:foregroundMark x1="23826" y1="94526" x2="20470" y2="93309"/>
+                        <a14:foregroundMark x1="17338" y1="95255" x2="14653" y2="93431"/>
+                        <a14:foregroundMark x1="1230" y1="91727" x2="2573" y2="86618"/>
+                        <a14:foregroundMark x1="12752" y1="68735" x2="14989" y2="66302"/>
+                      </a14:backgroundRemoval>
+                    </a14:imgEffect>
+                  </a14:imgLayer>
+                </a14:imgProps>
+              </a:ext>
+              <a:ext uri="{28A0092B-C50C-407E-A947-70E740481C1C}">
+                <a14:useLocalDpi xmlns:a14="http://schemas.microsoft.com/office/drawing/2010/main" val="0"/>
+              </a:ext>
+            </a:extLst>
+          </a:blip>
+          <a:srcRect/>
+          <a:stretch>
+            <a:fillRect/>
+          </a:stretch>
+        </p:blipFill>
+        <p:spPr bwMode="auto">
+          <a:xfrm rot="5400000">
+            <a:off x="3420300" y="2739883"/>
+            <a:ext cx="2804100" cy="2578266"/>
+          </a:xfrm>
+          <a:prstGeom prst="rect">
+            <a:avLst/>
+          </a:prstGeom>
+          <a:noFill/>
+          <a:extLst>
+            <a:ext uri="{909E8E84-426E-40DD-AFC4-6F175D3DCCD1}">
+              <a14:hiddenFill xmlns:a14="http://schemas.microsoft.com/office/drawing/2010/main">
+                <a:solidFill>
+                  <a:srgbClr val="FFFFFF"/>
+                </a:solidFill>
+              </a14:hiddenFill>
+            </a:ext>
+          </a:extLst>
+        </p:spPr>
+      </p:pic>
+      <p:cxnSp>
+        <p:nvCxnSpPr>
+          <p:cNvPr id="58" name="Straight Connector 57">
+            <a:extLst>
+              <a:ext uri="{FF2B5EF4-FFF2-40B4-BE49-F238E27FC236}">
+                <a16:creationId xmlns:a16="http://schemas.microsoft.com/office/drawing/2014/main" id="{93B34EC4-2506-3AC3-5610-2B8347380AFE}"/>
+              </a:ext>
+            </a:extLst>
+          </p:cNvPr>
+          <p:cNvCxnSpPr>
+            <a:cxnSpLocks/>
+          </p:cNvCxnSpPr>
+          <p:nvPr/>
+        </p:nvCxnSpPr>
+        <p:spPr>
+          <a:xfrm flipV="1">
+            <a:off x="3834696" y="1509705"/>
+            <a:ext cx="0" cy="1227780"/>
+          </a:xfrm>
+          <a:prstGeom prst="line">
+            <a:avLst/>
+          </a:prstGeom>
+          <a:ln w="38100">
+            <a:solidFill>
+              <a:schemeClr val="accent2"/>
+            </a:solidFill>
+          </a:ln>
+        </p:spPr>
+        <p:style>
+          <a:lnRef idx="2">
+            <a:schemeClr val="accent1"/>
+          </a:lnRef>
+          <a:fillRef idx="0">
+            <a:schemeClr val="accent1"/>
+          </a:fillRef>
+          <a:effectRef idx="1">
+            <a:schemeClr val="accent1"/>
+          </a:effectRef>
+          <a:fontRef idx="minor">
+            <a:schemeClr val="tx1"/>
+          </a:fontRef>
+        </p:style>
+      </p:cxnSp>
+      <p:cxnSp>
+        <p:nvCxnSpPr>
+          <p:cNvPr id="59" name="Straight Connector 58">
+            <a:extLst>
+              <a:ext uri="{FF2B5EF4-FFF2-40B4-BE49-F238E27FC236}">
+                <a16:creationId xmlns:a16="http://schemas.microsoft.com/office/drawing/2014/main" id="{7203624B-0440-A5DE-E37E-C3B6A72B20D9}"/>
+              </a:ext>
+            </a:extLst>
+          </p:cNvPr>
+          <p:cNvCxnSpPr>
+            <a:cxnSpLocks/>
+          </p:cNvCxnSpPr>
+          <p:nvPr/>
+        </p:nvCxnSpPr>
+        <p:spPr>
+          <a:xfrm flipV="1">
+            <a:off x="3731564" y="1370310"/>
+            <a:ext cx="0" cy="1367175"/>
+          </a:xfrm>
+          <a:prstGeom prst="line">
+            <a:avLst/>
+          </a:prstGeom>
+          <a:ln w="38100">
+            <a:solidFill>
+              <a:schemeClr val="accent3">
+                <a:lumMod val="60000"/>
+                <a:lumOff val="40000"/>
+              </a:schemeClr>
+            </a:solidFill>
+          </a:ln>
+        </p:spPr>
+        <p:style>
+          <a:lnRef idx="2">
+            <a:schemeClr val="accent1"/>
+          </a:lnRef>
+          <a:fillRef idx="0">
+            <a:schemeClr val="accent1"/>
+          </a:fillRef>
+          <a:effectRef idx="1">
+            <a:schemeClr val="accent1"/>
+          </a:effectRef>
+          <a:fontRef idx="minor">
+            <a:schemeClr val="tx1"/>
+          </a:fontRef>
+        </p:style>
+      </p:cxnSp>
+      <p:cxnSp>
+        <p:nvCxnSpPr>
+          <p:cNvPr id="1024" name="Straight Connector 1023">
+            <a:extLst>
+              <a:ext uri="{FF2B5EF4-FFF2-40B4-BE49-F238E27FC236}">
+                <a16:creationId xmlns:a16="http://schemas.microsoft.com/office/drawing/2014/main" id="{F6CA8230-A584-A1E9-2073-1B2129A32F5A}"/>
+              </a:ext>
+            </a:extLst>
+          </p:cNvPr>
+          <p:cNvCxnSpPr>
+            <a:cxnSpLocks/>
+          </p:cNvCxnSpPr>
+          <p:nvPr/>
+        </p:nvCxnSpPr>
+        <p:spPr>
+          <a:xfrm>
+            <a:off x="11150359" y="1503718"/>
+            <a:ext cx="0" cy="247929"/>
+          </a:xfrm>
+          <a:prstGeom prst="line">
+            <a:avLst/>
+          </a:prstGeom>
+          <a:ln w="38100">
+            <a:solidFill>
+              <a:schemeClr val="accent2"/>
+            </a:solidFill>
+          </a:ln>
+        </p:spPr>
+        <p:style>
+          <a:lnRef idx="2">
+            <a:schemeClr val="accent1"/>
+          </a:lnRef>
+          <a:fillRef idx="0">
+            <a:schemeClr val="accent1"/>
+          </a:fillRef>
+          <a:effectRef idx="1">
+            <a:schemeClr val="accent1"/>
+          </a:effectRef>
+          <a:fontRef idx="minor">
+            <a:schemeClr val="tx1"/>
+          </a:fontRef>
+        </p:style>
+      </p:cxnSp>
+      <p:cxnSp>
+        <p:nvCxnSpPr>
+          <p:cNvPr id="1025" name="Straight Connector 1024">
+            <a:extLst>
+              <a:ext uri="{FF2B5EF4-FFF2-40B4-BE49-F238E27FC236}">
+                <a16:creationId xmlns:a16="http://schemas.microsoft.com/office/drawing/2014/main" id="{997A17C0-F1D0-D1E3-A155-1497AD4C1363}"/>
+              </a:ext>
+            </a:extLst>
+          </p:cNvPr>
+          <p:cNvCxnSpPr>
+            <a:cxnSpLocks/>
+          </p:cNvCxnSpPr>
+          <p:nvPr/>
+        </p:nvCxnSpPr>
+        <p:spPr>
+          <a:xfrm>
+            <a:off x="3731564" y="1370310"/>
+            <a:ext cx="8045340" cy="0"/>
+          </a:xfrm>
+          <a:prstGeom prst="line">
+            <a:avLst/>
+          </a:prstGeom>
+          <a:ln w="38100">
+            <a:solidFill>
+              <a:schemeClr val="accent3">
+                <a:lumMod val="60000"/>
+                <a:lumOff val="40000"/>
+              </a:schemeClr>
+            </a:solidFill>
+          </a:ln>
+        </p:spPr>
+        <p:style>
+          <a:lnRef idx="2">
+            <a:schemeClr val="accent1"/>
+          </a:lnRef>
+          <a:fillRef idx="0">
+            <a:schemeClr val="accent1"/>
+          </a:fillRef>
+          <a:effectRef idx="1">
+            <a:schemeClr val="accent1"/>
+          </a:effectRef>
+          <a:fontRef idx="minor">
+            <a:schemeClr val="tx1"/>
+          </a:fontRef>
+        </p:style>
+      </p:cxnSp>
+      <p:cxnSp>
+        <p:nvCxnSpPr>
+          <p:cNvPr id="1029" name="Straight Connector 1028">
+            <a:extLst>
+              <a:ext uri="{FF2B5EF4-FFF2-40B4-BE49-F238E27FC236}">
+                <a16:creationId xmlns:a16="http://schemas.microsoft.com/office/drawing/2014/main" id="{F913478A-37B1-AEF2-9CCC-997BF65A7F33}"/>
+              </a:ext>
+            </a:extLst>
+          </p:cNvPr>
+          <p:cNvCxnSpPr>
+            <a:cxnSpLocks/>
+          </p:cNvCxnSpPr>
+          <p:nvPr/>
+        </p:nvCxnSpPr>
+        <p:spPr>
+          <a:xfrm>
+            <a:off x="3834696" y="1521815"/>
+            <a:ext cx="7335426" cy="0"/>
+          </a:xfrm>
+          <a:prstGeom prst="line">
+            <a:avLst/>
+          </a:prstGeom>
+          <a:ln w="38100">
+            <a:solidFill>
+              <a:schemeClr val="accent2"/>
+            </a:solidFill>
+          </a:ln>
+        </p:spPr>
+        <p:style>
+          <a:lnRef idx="2">
+            <a:schemeClr val="accent1"/>
+          </a:lnRef>
+          <a:fillRef idx="0">
+            <a:schemeClr val="accent1"/>
+          </a:fillRef>
+          <a:effectRef idx="1">
+            <a:schemeClr val="accent1"/>
+          </a:effectRef>
+          <a:fontRef idx="minor">
+            <a:schemeClr val="tx1"/>
+          </a:fontRef>
+        </p:style>
+      </p:cxnSp>
+      <p:cxnSp>
+        <p:nvCxnSpPr>
+          <p:cNvPr id="1053" name="Straight Connector 1052">
+            <a:extLst>
+              <a:ext uri="{FF2B5EF4-FFF2-40B4-BE49-F238E27FC236}">
+                <a16:creationId xmlns:a16="http://schemas.microsoft.com/office/drawing/2014/main" id="{A14ABF92-5229-C740-3266-13C5CA57F220}"/>
+              </a:ext>
+            </a:extLst>
+          </p:cNvPr>
+          <p:cNvCxnSpPr>
+            <a:cxnSpLocks/>
+          </p:cNvCxnSpPr>
+          <p:nvPr/>
+        </p:nvCxnSpPr>
+        <p:spPr>
+          <a:xfrm flipH="1">
+            <a:off x="4449797" y="5069915"/>
+            <a:ext cx="2533261" cy="0"/>
+          </a:xfrm>
+          <a:prstGeom prst="line">
+            <a:avLst/>
+          </a:prstGeom>
+          <a:ln w="38100">
+            <a:solidFill>
+              <a:srgbClr val="00B0F0"/>
+            </a:solidFill>
+          </a:ln>
+        </p:spPr>
+        <p:style>
+          <a:lnRef idx="2">
+            <a:schemeClr val="accent1"/>
+          </a:lnRef>
+          <a:fillRef idx="0">
+            <a:schemeClr val="accent1"/>
+          </a:fillRef>
+          <a:effectRef idx="1">
+            <a:schemeClr val="accent1"/>
+          </a:effectRef>
+          <a:fontRef idx="minor">
+            <a:schemeClr val="tx1"/>
+          </a:fontRef>
+        </p:style>
+      </p:cxnSp>
+      <p:cxnSp>
+        <p:nvCxnSpPr>
+          <p:cNvPr id="1055" name="Straight Connector 1054">
+            <a:extLst>
+              <a:ext uri="{FF2B5EF4-FFF2-40B4-BE49-F238E27FC236}">
+                <a16:creationId xmlns:a16="http://schemas.microsoft.com/office/drawing/2014/main" id="{CFAA4D66-5DEE-92BF-B946-5B1985093E35}"/>
+              </a:ext>
+            </a:extLst>
+          </p:cNvPr>
+          <p:cNvCxnSpPr>
+            <a:cxnSpLocks/>
+          </p:cNvCxnSpPr>
+          <p:nvPr/>
+        </p:nvCxnSpPr>
+        <p:spPr>
+          <a:xfrm flipV="1">
+            <a:off x="4465672" y="5076265"/>
+            <a:ext cx="0" cy="200585"/>
+          </a:xfrm>
+          <a:prstGeom prst="line">
+            <a:avLst/>
+          </a:prstGeom>
+          <a:ln w="38100">
+            <a:solidFill>
+              <a:srgbClr val="00B0F0"/>
+            </a:solidFill>
+          </a:ln>
+        </p:spPr>
+        <p:style>
+          <a:lnRef idx="2">
+            <a:schemeClr val="accent1"/>
+          </a:lnRef>
+          <a:fillRef idx="0">
+            <a:schemeClr val="accent1"/>
+          </a:fillRef>
+          <a:effectRef idx="1">
+            <a:schemeClr val="accent1"/>
+          </a:effectRef>
+          <a:fontRef idx="minor">
+            <a:schemeClr val="tx1"/>
+          </a:fontRef>
+        </p:style>
+      </p:cxnSp>
+      <p:cxnSp>
+        <p:nvCxnSpPr>
+          <p:cNvPr id="1064" name="Straight Connector 1063">
+            <a:extLst>
+              <a:ext uri="{FF2B5EF4-FFF2-40B4-BE49-F238E27FC236}">
+                <a16:creationId xmlns:a16="http://schemas.microsoft.com/office/drawing/2014/main" id="{008DF3EA-37DF-DED1-EAB2-37C29827E3E3}"/>
+              </a:ext>
+            </a:extLst>
+          </p:cNvPr>
+          <p:cNvCxnSpPr>
+            <a:cxnSpLocks/>
+          </p:cNvCxnSpPr>
+          <p:nvPr/>
+        </p:nvCxnSpPr>
+        <p:spPr>
+          <a:xfrm flipV="1">
+            <a:off x="4541872" y="5176557"/>
+            <a:ext cx="0" cy="100293"/>
+          </a:xfrm>
+          <a:prstGeom prst="line">
+            <a:avLst/>
+          </a:prstGeom>
+          <a:ln w="38100">
+            <a:solidFill>
+              <a:schemeClr val="accent5">
+                <a:lumMod val="60000"/>
+                <a:lumOff val="40000"/>
+              </a:schemeClr>
+            </a:solidFill>
+          </a:ln>
+        </p:spPr>
+        <p:style>
+          <a:lnRef idx="2">
+            <a:schemeClr val="accent1"/>
+          </a:lnRef>
+          <a:fillRef idx="0">
+            <a:schemeClr val="accent1"/>
+          </a:fillRef>
+          <a:effectRef idx="1">
+            <a:schemeClr val="accent1"/>
+          </a:effectRef>
+          <a:fontRef idx="minor">
+            <a:schemeClr val="tx1"/>
+          </a:fontRef>
+        </p:style>
+      </p:cxnSp>
+      <p:cxnSp>
+        <p:nvCxnSpPr>
+          <p:cNvPr id="1069" name="Straight Connector 1068">
+            <a:extLst>
+              <a:ext uri="{FF2B5EF4-FFF2-40B4-BE49-F238E27FC236}">
+                <a16:creationId xmlns:a16="http://schemas.microsoft.com/office/drawing/2014/main" id="{168D6215-255C-7A24-8048-7A8B8D14E0E3}"/>
+              </a:ext>
+            </a:extLst>
+          </p:cNvPr>
+          <p:cNvCxnSpPr>
+            <a:cxnSpLocks/>
+          </p:cNvCxnSpPr>
+          <p:nvPr/>
+        </p:nvCxnSpPr>
+        <p:spPr>
+          <a:xfrm flipH="1">
+            <a:off x="4525997" y="5176557"/>
+            <a:ext cx="1706528" cy="0"/>
+          </a:xfrm>
+          <a:prstGeom prst="line">
+            <a:avLst/>
+          </a:prstGeom>
+          <a:ln w="38100">
+            <a:solidFill>
+              <a:schemeClr val="accent5">
+                <a:lumMod val="60000"/>
+                <a:lumOff val="40000"/>
+              </a:schemeClr>
+            </a:solidFill>
+          </a:ln>
+        </p:spPr>
+        <p:style>
+          <a:lnRef idx="2">
+            <a:schemeClr val="accent1"/>
+          </a:lnRef>
+          <a:fillRef idx="0">
+            <a:schemeClr val="accent1"/>
+          </a:fillRef>
+          <a:effectRef idx="1">
+            <a:schemeClr val="accent1"/>
+          </a:effectRef>
+          <a:fontRef idx="minor">
+            <a:schemeClr val="tx1"/>
+          </a:fontRef>
+        </p:style>
+      </p:cxnSp>
+      <p:cxnSp>
+        <p:nvCxnSpPr>
+          <p:cNvPr id="1071" name="Straight Connector 1070">
+            <a:extLst>
+              <a:ext uri="{FF2B5EF4-FFF2-40B4-BE49-F238E27FC236}">
+                <a16:creationId xmlns:a16="http://schemas.microsoft.com/office/drawing/2014/main" id="{79F145D6-9976-D681-F284-A363287B595B}"/>
+              </a:ext>
+            </a:extLst>
+          </p:cNvPr>
+          <p:cNvCxnSpPr>
+            <a:cxnSpLocks/>
+          </p:cNvCxnSpPr>
+          <p:nvPr/>
+        </p:nvCxnSpPr>
+        <p:spPr>
+          <a:xfrm flipV="1">
+            <a:off x="6237322" y="4806950"/>
+            <a:ext cx="0" cy="385483"/>
+          </a:xfrm>
+          <a:prstGeom prst="line">
+            <a:avLst/>
+          </a:prstGeom>
+          <a:ln w="38100">
+            <a:solidFill>
+              <a:schemeClr val="accent5">
+                <a:lumMod val="60000"/>
+                <a:lumOff val="40000"/>
+              </a:schemeClr>
+            </a:solidFill>
+          </a:ln>
+        </p:spPr>
+        <p:style>
+          <a:lnRef idx="2">
+            <a:schemeClr val="accent1"/>
+          </a:lnRef>
+          <a:fillRef idx="0">
+            <a:schemeClr val="accent1"/>
+          </a:fillRef>
+          <a:effectRef idx="1">
+            <a:schemeClr val="accent1"/>
+          </a:effectRef>
+          <a:fontRef idx="minor">
+            <a:schemeClr val="tx1"/>
+          </a:fontRef>
+        </p:style>
+      </p:cxnSp>
+      <p:cxnSp>
+        <p:nvCxnSpPr>
+          <p:cNvPr id="1073" name="Straight Connector 1072">
+            <a:extLst>
+              <a:ext uri="{FF2B5EF4-FFF2-40B4-BE49-F238E27FC236}">
+                <a16:creationId xmlns:a16="http://schemas.microsoft.com/office/drawing/2014/main" id="{B4B910C2-A66F-A9C3-2770-259E70670B1A}"/>
+              </a:ext>
+            </a:extLst>
+          </p:cNvPr>
+          <p:cNvCxnSpPr>
+            <a:cxnSpLocks/>
+          </p:cNvCxnSpPr>
+          <p:nvPr/>
+        </p:nvCxnSpPr>
+        <p:spPr>
+          <a:xfrm flipH="1">
+            <a:off x="6222331" y="4830404"/>
+            <a:ext cx="1864393" cy="0"/>
+          </a:xfrm>
+          <a:prstGeom prst="line">
+            <a:avLst/>
+          </a:prstGeom>
+          <a:ln w="38100">
+            <a:solidFill>
+              <a:schemeClr val="accent5">
+                <a:lumMod val="60000"/>
+                <a:lumOff val="40000"/>
+              </a:schemeClr>
+            </a:solidFill>
+          </a:ln>
+        </p:spPr>
+        <p:style>
+          <a:lnRef idx="2">
+            <a:schemeClr val="accent1"/>
+          </a:lnRef>
+          <a:fillRef idx="0">
+            <a:schemeClr val="accent1"/>
+          </a:fillRef>
+          <a:effectRef idx="1">
+            <a:schemeClr val="accent1"/>
+          </a:effectRef>
+          <a:fontRef idx="minor">
+            <a:schemeClr val="tx1"/>
+          </a:fontRef>
+        </p:style>
+      </p:cxnSp>
+      <p:cxnSp>
+        <p:nvCxnSpPr>
+          <p:cNvPr id="1075" name="Straight Connector 1074">
+            <a:extLst>
+              <a:ext uri="{FF2B5EF4-FFF2-40B4-BE49-F238E27FC236}">
+                <a16:creationId xmlns:a16="http://schemas.microsoft.com/office/drawing/2014/main" id="{6EC26172-CAA5-4C40-689C-87B19950C963}"/>
+              </a:ext>
+            </a:extLst>
+          </p:cNvPr>
+          <p:cNvCxnSpPr>
+            <a:cxnSpLocks/>
+          </p:cNvCxnSpPr>
+          <p:nvPr/>
+        </p:nvCxnSpPr>
+        <p:spPr>
+          <a:xfrm flipV="1">
+            <a:off x="8077199" y="4814529"/>
+            <a:ext cx="0" cy="269724"/>
+          </a:xfrm>
+          <a:prstGeom prst="line">
+            <a:avLst/>
+          </a:prstGeom>
+          <a:ln w="38100">
+            <a:solidFill>
+              <a:schemeClr val="accent5">
+                <a:lumMod val="60000"/>
+                <a:lumOff val="40000"/>
+              </a:schemeClr>
+            </a:solidFill>
+          </a:ln>
+        </p:spPr>
+        <p:style>
+          <a:lnRef idx="2">
+            <a:schemeClr val="accent1"/>
+          </a:lnRef>
+          <a:fillRef idx="0">
+            <a:schemeClr val="accent1"/>
+          </a:fillRef>
+          <a:effectRef idx="1">
+            <a:schemeClr val="accent1"/>
+          </a:effectRef>
+          <a:fontRef idx="minor">
+            <a:schemeClr val="tx1"/>
+          </a:fontRef>
+        </p:style>
+      </p:cxnSp>
+      <p:cxnSp>
+        <p:nvCxnSpPr>
+          <p:cNvPr id="1084" name="Straight Connector 1083">
+            <a:extLst>
+              <a:ext uri="{FF2B5EF4-FFF2-40B4-BE49-F238E27FC236}">
+                <a16:creationId xmlns:a16="http://schemas.microsoft.com/office/drawing/2014/main" id="{D919EC02-A290-D4B3-ECAA-1F523B1436D3}"/>
+              </a:ext>
+            </a:extLst>
+          </p:cNvPr>
+          <p:cNvCxnSpPr>
+            <a:cxnSpLocks/>
+          </p:cNvCxnSpPr>
+          <p:nvPr/>
+        </p:nvCxnSpPr>
+        <p:spPr>
+          <a:xfrm flipH="1">
+            <a:off x="7902575" y="5063565"/>
+            <a:ext cx="176684" cy="0"/>
+          </a:xfrm>
+          <a:prstGeom prst="line">
+            <a:avLst/>
+          </a:prstGeom>
+          <a:ln w="38100">
+            <a:solidFill>
+              <a:schemeClr val="accent5">
+                <a:lumMod val="60000"/>
+                <a:lumOff val="40000"/>
+              </a:schemeClr>
+            </a:solidFill>
+          </a:ln>
+        </p:spPr>
+        <p:style>
+          <a:lnRef idx="2">
+            <a:schemeClr val="accent1"/>
+          </a:lnRef>
+          <a:fillRef idx="0">
+            <a:schemeClr val="accent1"/>
+          </a:fillRef>
+          <a:effectRef idx="1">
+            <a:schemeClr val="accent1"/>
+          </a:effectRef>
+          <a:fontRef idx="minor">
+            <a:schemeClr val="tx1"/>
+          </a:fontRef>
+        </p:style>
+      </p:cxnSp>
+      <p:cxnSp>
+        <p:nvCxnSpPr>
+          <p:cNvPr id="1087" name="Straight Connector 1086">
+            <a:extLst>
+              <a:ext uri="{FF2B5EF4-FFF2-40B4-BE49-F238E27FC236}">
+                <a16:creationId xmlns:a16="http://schemas.microsoft.com/office/drawing/2014/main" id="{FA4D837A-420C-A112-BC6F-56D3D842324D}"/>
+              </a:ext>
+            </a:extLst>
+          </p:cNvPr>
+          <p:cNvCxnSpPr>
+            <a:cxnSpLocks/>
+          </p:cNvCxnSpPr>
+          <p:nvPr/>
+        </p:nvCxnSpPr>
+        <p:spPr>
+          <a:xfrm flipH="1">
+            <a:off x="9337720" y="6574716"/>
+            <a:ext cx="150095" cy="0"/>
+          </a:xfrm>
+          <a:prstGeom prst="line">
+            <a:avLst/>
+          </a:prstGeom>
+          <a:ln w="38100">
+            <a:solidFill>
+              <a:srgbClr val="00B0F0"/>
+            </a:solidFill>
+          </a:ln>
+        </p:spPr>
+        <p:style>
+          <a:lnRef idx="2">
+            <a:schemeClr val="accent1"/>
+          </a:lnRef>
+          <a:fillRef idx="0">
+            <a:schemeClr val="accent1"/>
+          </a:fillRef>
+          <a:effectRef idx="1">
+            <a:schemeClr val="accent1"/>
+          </a:effectRef>
+          <a:fontRef idx="minor">
+            <a:schemeClr val="tx1"/>
+          </a:fontRef>
+        </p:style>
+      </p:cxnSp>
+      <p:sp>
+        <p:nvSpPr>
+          <p:cNvPr id="1088" name="TextBox 1087">
+            <a:extLst>
+              <a:ext uri="{FF2B5EF4-FFF2-40B4-BE49-F238E27FC236}">
+                <a16:creationId xmlns:a16="http://schemas.microsoft.com/office/drawing/2014/main" id="{7EBE2A27-1147-496F-EA31-E159D96D9F01}"/>
+              </a:ext>
+            </a:extLst>
+          </p:cNvPr>
+          <p:cNvSpPr txBox="1"/>
+          <p:nvPr/>
+        </p:nvSpPr>
+        <p:spPr>
+          <a:xfrm>
+            <a:off x="9444143" y="6409025"/>
+            <a:ext cx="677584" cy="313932"/>
+          </a:xfrm>
+          <a:prstGeom prst="rect">
+            <a:avLst/>
+          </a:prstGeom>
+          <a:noFill/>
+        </p:spPr>
+        <p:txBody>
+          <a:bodyPr wrap="square" rtlCol="0">
+            <a:spAutoFit/>
+          </a:bodyPr>
+          <a:lstStyle/>
+          <a:p>
+            <a:r>
+              <a:rPr lang="en-GB" sz="1440" dirty="0"/>
+              <a:t>RX</a:t>
+            </a:r>
+            <a:endParaRPr lang="en-US" sz="1440" dirty="0"/>
+          </a:p>
+        </p:txBody>
+      </p:sp>
+      <p:cxnSp>
+        <p:nvCxnSpPr>
+          <p:cNvPr id="1089" name="Straight Connector 1088">
+            <a:extLst>
+              <a:ext uri="{FF2B5EF4-FFF2-40B4-BE49-F238E27FC236}">
+                <a16:creationId xmlns:a16="http://schemas.microsoft.com/office/drawing/2014/main" id="{34C7C7BA-4379-B34F-EAD2-1F59C6A0766E}"/>
+              </a:ext>
+            </a:extLst>
+          </p:cNvPr>
+          <p:cNvCxnSpPr>
+            <a:cxnSpLocks/>
+          </p:cNvCxnSpPr>
+          <p:nvPr/>
+        </p:nvCxnSpPr>
+        <p:spPr>
+          <a:xfrm flipH="1">
+            <a:off x="10346248" y="6574716"/>
+            <a:ext cx="150095" cy="0"/>
+          </a:xfrm>
+          <a:prstGeom prst="line">
+            <a:avLst/>
+          </a:prstGeom>
+          <a:ln w="38100">
+            <a:solidFill>
+              <a:schemeClr val="accent5">
+                <a:lumMod val="60000"/>
+                <a:lumOff val="40000"/>
+              </a:schemeClr>
+            </a:solidFill>
+          </a:ln>
+        </p:spPr>
+        <p:style>
+          <a:lnRef idx="2">
+            <a:schemeClr val="accent1"/>
+          </a:lnRef>
+          <a:fillRef idx="0">
+            <a:schemeClr val="accent1"/>
+          </a:fillRef>
+          <a:effectRef idx="1">
+            <a:schemeClr val="accent1"/>
+          </a:effectRef>
+          <a:fontRef idx="minor">
+            <a:schemeClr val="tx1"/>
+          </a:fontRef>
+        </p:style>
+      </p:cxnSp>
+      <p:sp>
+        <p:nvSpPr>
+          <p:cNvPr id="1090" name="TextBox 1089">
+            <a:extLst>
+              <a:ext uri="{FF2B5EF4-FFF2-40B4-BE49-F238E27FC236}">
+                <a16:creationId xmlns:a16="http://schemas.microsoft.com/office/drawing/2014/main" id="{52567CAC-994F-43B1-3B77-6610D60C327B}"/>
+              </a:ext>
+            </a:extLst>
+          </p:cNvPr>
+          <p:cNvSpPr txBox="1"/>
+          <p:nvPr/>
+        </p:nvSpPr>
+        <p:spPr>
+          <a:xfrm>
+            <a:off x="10452673" y="6409025"/>
+            <a:ext cx="677584" cy="313932"/>
+          </a:xfrm>
+          <a:prstGeom prst="rect">
+            <a:avLst/>
+          </a:prstGeom>
+          <a:noFill/>
+        </p:spPr>
+        <p:txBody>
+          <a:bodyPr wrap="square" rtlCol="0">
+            <a:spAutoFit/>
+          </a:bodyPr>
+          <a:lstStyle/>
+          <a:p>
+            <a:r>
+              <a:rPr lang="en-GB" sz="1440" dirty="0"/>
+              <a:t>TX</a:t>
+            </a:r>
+            <a:endParaRPr lang="en-US" sz="1440" dirty="0"/>
           </a:p>
         </p:txBody>
       </p:sp>
@@ -6041,6 +7375,321 @@
 </file>
 
 <file path=ppt/theme/theme1.xml><?xml version="1.0" encoding="utf-8"?>
+<a:theme xmlns:a="http://schemas.openxmlformats.org/drawingml/2006/main" name="Office Theme">
+  <a:themeElements>
+    <a:clrScheme name="Office Theme">
+      <a:dk1>
+        <a:sysClr val="windowText" lastClr="000000"/>
+      </a:dk1>
+      <a:lt1>
+        <a:sysClr val="window" lastClr="FFFFFF"/>
+      </a:lt1>
+      <a:dk2>
+        <a:srgbClr val="0E2841"/>
+      </a:dk2>
+      <a:lt2>
+        <a:srgbClr val="E8E8E8"/>
+      </a:lt2>
+      <a:accent1>
+        <a:srgbClr val="156082"/>
+      </a:accent1>
+      <a:accent2>
+        <a:srgbClr val="E97132"/>
+      </a:accent2>
+      <a:accent3>
+        <a:srgbClr val="196B24"/>
+      </a:accent3>
+      <a:accent4>
+        <a:srgbClr val="0F9ED5"/>
+      </a:accent4>
+      <a:accent5>
+        <a:srgbClr val="A02B93"/>
+      </a:accent5>
+      <a:accent6>
+        <a:srgbClr val="4EA72E"/>
+      </a:accent6>
+      <a:hlink>
+        <a:srgbClr val="467886"/>
+      </a:hlink>
+      <a:folHlink>
+        <a:srgbClr val="96607D"/>
+      </a:folHlink>
+    </a:clrScheme>
+    <a:fontScheme name="Office Theme">
+      <a:majorFont>
+        <a:latin typeface="Aptos Display" panose="02110004020202020204"/>
+        <a:ea typeface=""/>
+        <a:cs typeface=""/>
+        <a:font script="Jpan" typeface="游ゴシック Light"/>
+        <a:font script="Hang" typeface="맑은 고딕"/>
+        <a:font script="Hans" typeface="等线 Light"/>
+        <a:font script="Hant" typeface="新細明體"/>
+        <a:font script="Arab" typeface="Times New Roman"/>
+        <a:font script="Hebr" typeface="Times New Roman"/>
+        <a:font script="Thai" typeface="Angsana New"/>
+        <a:font script="Ethi" typeface="Nyala"/>
+        <a:font script="Beng" typeface="Vrinda"/>
+        <a:font script="Gujr" typeface="Shruti"/>
+        <a:font script="Khmr" typeface="MoolBoran"/>
+        <a:font script="Knda" typeface="Tunga"/>
+        <a:font script="Guru" typeface="Raavi"/>
+        <a:font script="Cans" typeface="Euphemia"/>
+        <a:font script="Cher" typeface="Plantagenet Cherokee"/>
+        <a:font script="Yiii" typeface="Microsoft Yi Baiti"/>
+        <a:font script="Tibt" typeface="Microsoft Himalaya"/>
+        <a:font script="Thaa" typeface="MV Boli"/>
+        <a:font script="Deva" typeface="Mangal"/>
+        <a:font script="Telu" typeface="Gautami"/>
+        <a:font script="Taml" typeface="Latha"/>
+        <a:font script="Syrc" typeface="Estrangelo Edessa"/>
+        <a:font script="Orya" typeface="Kalinga"/>
+        <a:font script="Mlym" typeface="Kartika"/>
+        <a:font script="Laoo" typeface="DokChampa"/>
+        <a:font script="Sinh" typeface="Iskoola Pota"/>
+        <a:font script="Mong" typeface="Mongolian Baiti"/>
+        <a:font script="Viet" typeface="Times New Roman"/>
+        <a:font script="Uigh" typeface="Microsoft Uighur"/>
+        <a:font script="Geor" typeface="Sylfaen"/>
+        <a:font script="Armn" typeface="Arial"/>
+        <a:font script="Bugi" typeface="Leelawadee UI"/>
+        <a:font script="Bopo" typeface="Microsoft JhengHei"/>
+        <a:font script="Java" typeface="Javanese Text"/>
+        <a:font script="Lisu" typeface="Segoe UI"/>
+        <a:font script="Mymr" typeface="Myanmar Text"/>
+        <a:font script="Nkoo" typeface="Ebrima"/>
+        <a:font script="Olck" typeface="Nirmala UI"/>
+        <a:font script="Osma" typeface="Ebrima"/>
+        <a:font script="Phag" typeface="Phagspa"/>
+        <a:font script="Syrn" typeface="Estrangelo Edessa"/>
+        <a:font script="Syrj" typeface="Estrangelo Edessa"/>
+        <a:font script="Syre" typeface="Estrangelo Edessa"/>
+        <a:font script="Sora" typeface="Nirmala UI"/>
+        <a:font script="Tale" typeface="Microsoft Tai Le"/>
+        <a:font script="Talu" typeface="Microsoft New Tai Lue"/>
+        <a:font script="Tfng" typeface="Ebrima"/>
+      </a:majorFont>
+      <a:minorFont>
+        <a:latin typeface="Aptos" panose="02110004020202020204"/>
+        <a:ea typeface=""/>
+        <a:cs typeface=""/>
+        <a:font script="Jpan" typeface="游ゴシック"/>
+        <a:font script="Hang" typeface="맑은 고딕"/>
+        <a:font script="Hans" typeface="等线"/>
+        <a:font script="Hant" typeface="新細明體"/>
+        <a:font script="Arab" typeface="Arial"/>
+        <a:font script="Hebr" typeface="Arial"/>
+        <a:font script="Thai" typeface="Cordia New"/>
+        <a:font script="Ethi" typeface="Nyala"/>
+        <a:font script="Beng" typeface="Vrinda"/>
+        <a:font script="Gujr" typeface="Shruti"/>
+        <a:font script="Khmr" typeface="DaunPenh"/>
+        <a:font script="Knda" typeface="Tunga"/>
+        <a:font script="Guru" typeface="Raavi"/>
+        <a:font script="Cans" typeface="Euphemia"/>
+        <a:font script="Cher" typeface="Plantagenet Cherokee"/>
+        <a:font script="Yiii" typeface="Microsoft Yi Baiti"/>
+        <a:font script="Tibt" typeface="Microsoft Himalaya"/>
+        <a:font script="Thaa" typeface="MV Boli"/>
+        <a:font script="Deva" typeface="Mangal"/>
+        <a:font script="Telu" typeface="Gautami"/>
+        <a:font script="Taml" typeface="Latha"/>
+        <a:font script="Syrc" typeface="Estrangelo Edessa"/>
+        <a:font script="Orya" typeface="Kalinga"/>
+        <a:font script="Mlym" typeface="Kartika"/>
+        <a:font script="Laoo" typeface="DokChampa"/>
+        <a:font script="Sinh" typeface="Iskoola Pota"/>
+        <a:font script="Mong" typeface="Mongolian Baiti"/>
+        <a:font script="Viet" typeface="Arial"/>
+        <a:font script="Uigh" typeface="Microsoft Uighur"/>
+        <a:font script="Geor" typeface="Sylfaen"/>
+        <a:font script="Armn" typeface="Arial"/>
+        <a:font script="Bugi" typeface="Leelawadee UI"/>
+        <a:font script="Bopo" typeface="Microsoft JhengHei"/>
+        <a:font script="Java" typeface="Javanese Text"/>
+        <a:font script="Lisu" typeface="Segoe UI"/>
+        <a:font script="Mymr" typeface="Myanmar Text"/>
+        <a:font script="Nkoo" typeface="Ebrima"/>
+        <a:font script="Olck" typeface="Nirmala UI"/>
+        <a:font script="Osma" typeface="Ebrima"/>
+        <a:font script="Phag" typeface="Phagspa"/>
+        <a:font script="Syrn" typeface="Estrangelo Edessa"/>
+        <a:font script="Syrj" typeface="Estrangelo Edessa"/>
+        <a:font script="Syre" typeface="Estrangelo Edessa"/>
+        <a:font script="Sora" typeface="Nirmala UI"/>
+        <a:font script="Tale" typeface="Microsoft Tai Le"/>
+        <a:font script="Talu" typeface="Microsoft New Tai Lue"/>
+        <a:font script="Tfng" typeface="Ebrima"/>
+      </a:minorFont>
+    </a:fontScheme>
+    <a:fmtScheme name="Office Theme">
+      <a:fillStyleLst>
+        <a:solidFill>
+          <a:schemeClr val="phClr"/>
+        </a:solidFill>
+        <a:gradFill rotWithShape="1">
+          <a:gsLst>
+            <a:gs pos="0">
+              <a:schemeClr val="phClr">
+                <a:lumMod val="110000"/>
+                <a:satMod val="105000"/>
+                <a:tint val="67000"/>
+              </a:schemeClr>
+            </a:gs>
+            <a:gs pos="50000">
+              <a:schemeClr val="phClr">
+                <a:lumMod val="105000"/>
+                <a:satMod val="103000"/>
+                <a:tint val="73000"/>
+              </a:schemeClr>
+            </a:gs>
+            <a:gs pos="100000">
+              <a:schemeClr val="phClr">
+                <a:lumMod val="105000"/>
+                <a:satMod val="109000"/>
+                <a:tint val="81000"/>
+              </a:schemeClr>
+            </a:gs>
+          </a:gsLst>
+          <a:lin ang="5400000" scaled="0"/>
+        </a:gradFill>
+        <a:gradFill rotWithShape="1">
+          <a:gsLst>
+            <a:gs pos="0">
+              <a:schemeClr val="phClr">
+                <a:satMod val="103000"/>
+                <a:lumMod val="102000"/>
+                <a:tint val="94000"/>
+              </a:schemeClr>
+            </a:gs>
+            <a:gs pos="50000">
+              <a:schemeClr val="phClr">
+                <a:satMod val="110000"/>
+                <a:lumMod val="100000"/>
+                <a:shade val="100000"/>
+              </a:schemeClr>
+            </a:gs>
+            <a:gs pos="100000">
+              <a:schemeClr val="phClr">
+                <a:lumMod val="99000"/>
+                <a:satMod val="120000"/>
+                <a:shade val="78000"/>
+              </a:schemeClr>
+            </a:gs>
+          </a:gsLst>
+          <a:lin ang="5400000" scaled="0"/>
+        </a:gradFill>
+      </a:fillStyleLst>
+      <a:lnStyleLst>
+        <a:ln w="12700" cap="flat" cmpd="sng" algn="ctr">
+          <a:solidFill>
+            <a:schemeClr val="phClr"/>
+          </a:solidFill>
+          <a:prstDash val="solid"/>
+          <a:miter lim="800000"/>
+        </a:ln>
+        <a:ln w="19050" cap="flat" cmpd="sng" algn="ctr">
+          <a:solidFill>
+            <a:schemeClr val="phClr"/>
+          </a:solidFill>
+          <a:prstDash val="solid"/>
+          <a:miter lim="800000"/>
+        </a:ln>
+        <a:ln w="25400" cap="flat" cmpd="sng" algn="ctr">
+          <a:solidFill>
+            <a:schemeClr val="phClr"/>
+          </a:solidFill>
+          <a:prstDash val="solid"/>
+          <a:miter lim="800000"/>
+        </a:ln>
+      </a:lnStyleLst>
+      <a:effectStyleLst>
+        <a:effectStyle>
+          <a:effectLst/>
+        </a:effectStyle>
+        <a:effectStyle>
+          <a:effectLst/>
+        </a:effectStyle>
+        <a:effectStyle>
+          <a:effectLst>
+            <a:outerShdw blurRad="57150" dist="19050" dir="5400000" algn="ctr" rotWithShape="0">
+              <a:srgbClr val="000000">
+                <a:alpha val="63000"/>
+              </a:srgbClr>
+            </a:outerShdw>
+          </a:effectLst>
+        </a:effectStyle>
+      </a:effectStyleLst>
+      <a:bgFillStyleLst>
+        <a:solidFill>
+          <a:schemeClr val="phClr"/>
+        </a:solidFill>
+        <a:solidFill>
+          <a:schemeClr val="phClr">
+            <a:tint val="95000"/>
+            <a:satMod val="170000"/>
+          </a:schemeClr>
+        </a:solidFill>
+        <a:gradFill rotWithShape="1">
+          <a:gsLst>
+            <a:gs pos="0">
+              <a:schemeClr val="phClr">
+                <a:tint val="93000"/>
+                <a:satMod val="150000"/>
+                <a:shade val="98000"/>
+                <a:lumMod val="102000"/>
+              </a:schemeClr>
+            </a:gs>
+            <a:gs pos="50000">
+              <a:schemeClr val="phClr">
+                <a:tint val="98000"/>
+                <a:satMod val="130000"/>
+                <a:shade val="90000"/>
+                <a:lumMod val="103000"/>
+              </a:schemeClr>
+            </a:gs>
+            <a:gs pos="100000">
+              <a:schemeClr val="phClr">
+                <a:shade val="63000"/>
+                <a:satMod val="120000"/>
+              </a:schemeClr>
+            </a:gs>
+          </a:gsLst>
+          <a:lin ang="5400000" scaled="0"/>
+        </a:gradFill>
+      </a:bgFillStyleLst>
+    </a:fmtScheme>
+  </a:themeElements>
+  <a:objectDefaults>
+    <a:lnDef>
+      <a:spPr/>
+      <a:bodyPr/>
+      <a:lstStyle/>
+      <a:style>
+        <a:lnRef idx="2">
+          <a:schemeClr val="accent1"/>
+        </a:lnRef>
+        <a:fillRef idx="0">
+          <a:schemeClr val="accent1"/>
+        </a:fillRef>
+        <a:effectRef idx="1">
+          <a:schemeClr val="accent1"/>
+        </a:effectRef>
+        <a:fontRef idx="minor">
+          <a:schemeClr val="tx1"/>
+        </a:fontRef>
+      </a:style>
+    </a:lnDef>
+  </a:objectDefaults>
+  <a:extraClrSchemeLst/>
+  <a:extLst>
+    <a:ext uri="{05A4C25C-085E-4340-85A3-A5531E510DB2}">
+      <thm15:themeFamily xmlns:thm15="http://schemas.microsoft.com/office/thememl/2012/main" name="Office Theme" id="{2E142A2C-CD16-42D6-873A-C26D2A0506FA}" vid="{1BDDFF52-6CD6-40A5-AB3C-68EB2F1E4D0A}"/>
+    </a:ext>
+  </a:extLst>
+</a:theme>
+</file>
+
+<file path=ppt/theme/theme2.xml><?xml version="1.0" encoding="utf-8"?>
 <a:theme xmlns:a="http://schemas.openxmlformats.org/drawingml/2006/main" name="Office Theme">
   <a:themeElements>
     <a:clrScheme name="Office">

--- a/assets/Diagram.pptx
+++ b/assets/Diagram.pptx
@@ -104,6 +104,11 @@
       </a:defRPr>
     </a:lvl9pPr>
   </p:defaultTextStyle>
+  <p:extLst>
+    <p:ext uri="{EFAFB233-063F-42B5-8137-9DF3F51BA10A}">
+      <p15:sldGuideLst xmlns:p15="http://schemas.microsoft.com/office/powerpoint/2012/main"/>
+    </p:ext>
+  </p:extLst>
 </p:presentation>
 </file>
 
@@ -254,7 +259,7 @@
           <a:p>
             <a:fld id="{7F5102BF-3E1C-4FEC-B8AE-4CD23D8F5F17}" type="datetimeFigureOut">
               <a:rPr lang="en-US" smtClean="0"/>
-              <a:t>4/20/2025</a:t>
+              <a:t>5/26/2025</a:t>
             </a:fld>
             <a:endParaRPr lang="en-US"/>
           </a:p>
@@ -452,7 +457,7 @@
           <a:p>
             <a:fld id="{7F5102BF-3E1C-4FEC-B8AE-4CD23D8F5F17}" type="datetimeFigureOut">
               <a:rPr lang="en-US" smtClean="0"/>
-              <a:t>4/20/2025</a:t>
+              <a:t>5/26/2025</a:t>
             </a:fld>
             <a:endParaRPr lang="en-US"/>
           </a:p>
@@ -660,7 +665,7 @@
           <a:p>
             <a:fld id="{7F5102BF-3E1C-4FEC-B8AE-4CD23D8F5F17}" type="datetimeFigureOut">
               <a:rPr lang="en-US" smtClean="0"/>
-              <a:t>4/20/2025</a:t>
+              <a:t>5/26/2025</a:t>
             </a:fld>
             <a:endParaRPr lang="en-US"/>
           </a:p>
@@ -858,7 +863,7 @@
           <a:p>
             <a:fld id="{7F5102BF-3E1C-4FEC-B8AE-4CD23D8F5F17}" type="datetimeFigureOut">
               <a:rPr lang="en-US" smtClean="0"/>
-              <a:t>4/20/2025</a:t>
+              <a:t>5/26/2025</a:t>
             </a:fld>
             <a:endParaRPr lang="en-US"/>
           </a:p>
@@ -1133,7 +1138,7 @@
           <a:p>
             <a:fld id="{7F5102BF-3E1C-4FEC-B8AE-4CD23D8F5F17}" type="datetimeFigureOut">
               <a:rPr lang="en-US" smtClean="0"/>
-              <a:t>4/20/2025</a:t>
+              <a:t>5/26/2025</a:t>
             </a:fld>
             <a:endParaRPr lang="en-US"/>
           </a:p>
@@ -1398,7 +1403,7 @@
           <a:p>
             <a:fld id="{7F5102BF-3E1C-4FEC-B8AE-4CD23D8F5F17}" type="datetimeFigureOut">
               <a:rPr lang="en-US" smtClean="0"/>
-              <a:t>4/20/2025</a:t>
+              <a:t>5/26/2025</a:t>
             </a:fld>
             <a:endParaRPr lang="en-US"/>
           </a:p>
@@ -1810,7 +1815,7 @@
           <a:p>
             <a:fld id="{7F5102BF-3E1C-4FEC-B8AE-4CD23D8F5F17}" type="datetimeFigureOut">
               <a:rPr lang="en-US" smtClean="0"/>
-              <a:t>4/20/2025</a:t>
+              <a:t>5/26/2025</a:t>
             </a:fld>
             <a:endParaRPr lang="en-US"/>
           </a:p>
@@ -1951,7 +1956,7 @@
           <a:p>
             <a:fld id="{7F5102BF-3E1C-4FEC-B8AE-4CD23D8F5F17}" type="datetimeFigureOut">
               <a:rPr lang="en-US" smtClean="0"/>
-              <a:t>4/20/2025</a:t>
+              <a:t>5/26/2025</a:t>
             </a:fld>
             <a:endParaRPr lang="en-US"/>
           </a:p>
@@ -2064,7 +2069,7 @@
           <a:p>
             <a:fld id="{7F5102BF-3E1C-4FEC-B8AE-4CD23D8F5F17}" type="datetimeFigureOut">
               <a:rPr lang="en-US" smtClean="0"/>
-              <a:t>4/20/2025</a:t>
+              <a:t>5/26/2025</a:t>
             </a:fld>
             <a:endParaRPr lang="en-US"/>
           </a:p>
@@ -2375,7 +2380,7 @@
           <a:p>
             <a:fld id="{7F5102BF-3E1C-4FEC-B8AE-4CD23D8F5F17}" type="datetimeFigureOut">
               <a:rPr lang="en-US" smtClean="0"/>
-              <a:t>4/20/2025</a:t>
+              <a:t>5/26/2025</a:t>
             </a:fld>
             <a:endParaRPr lang="en-US"/>
           </a:p>
@@ -2663,7 +2668,7 @@
           <a:p>
             <a:fld id="{7F5102BF-3E1C-4FEC-B8AE-4CD23D8F5F17}" type="datetimeFigureOut">
               <a:rPr lang="en-US" smtClean="0"/>
-              <a:t>4/20/2025</a:t>
+              <a:t>5/26/2025</a:t>
             </a:fld>
             <a:endParaRPr lang="en-US"/>
           </a:p>
@@ -2904,7 +2909,7 @@
           <a:p>
             <a:fld id="{7F5102BF-3E1C-4FEC-B8AE-4CD23D8F5F17}" type="datetimeFigureOut">
               <a:rPr lang="en-US" smtClean="0"/>
-              <a:t>4/20/2025</a:t>
+              <a:t>5/26/2025</a:t>
             </a:fld>
             <a:endParaRPr lang="en-US"/>
           </a:p>
@@ -4419,7 +4424,7 @@
         <p:spPr>
           <a:xfrm flipV="1">
             <a:off x="11290300" y="514350"/>
-            <a:ext cx="0" cy="1193426"/>
+            <a:ext cx="0" cy="4433843"/>
           </a:xfrm>
           <a:prstGeom prst="line">
             <a:avLst/>
@@ -6027,6 +6032,414 @@
           </a:p>
         </p:txBody>
       </p:sp>
+      <p:sp>
+        <p:nvSpPr>
+          <p:cNvPr id="3" name="Rectangle 2">
+            <a:extLst>
+              <a:ext uri="{FF2B5EF4-FFF2-40B4-BE49-F238E27FC236}">
+                <a16:creationId xmlns:a16="http://schemas.microsoft.com/office/drawing/2014/main" id="{F413E25C-BB02-798B-F4A0-9E0535A9D611}"/>
+              </a:ext>
+            </a:extLst>
+          </p:cNvPr>
+          <p:cNvSpPr/>
+          <p:nvPr/>
+        </p:nvSpPr>
+        <p:spPr>
+          <a:xfrm rot="5400000">
+            <a:off x="8251637" y="3289527"/>
+            <a:ext cx="852849" cy="278945"/>
+          </a:xfrm>
+          <a:prstGeom prst="rect">
+            <a:avLst/>
+          </a:prstGeom>
+        </p:spPr>
+        <p:style>
+          <a:lnRef idx="2">
+            <a:schemeClr val="accent1">
+              <a:shade val="15000"/>
+            </a:schemeClr>
+          </a:lnRef>
+          <a:fillRef idx="1">
+            <a:schemeClr val="accent1"/>
+          </a:fillRef>
+          <a:effectRef idx="0">
+            <a:schemeClr val="accent1"/>
+          </a:effectRef>
+          <a:fontRef idx="minor">
+            <a:schemeClr val="lt1"/>
+          </a:fontRef>
+        </p:style>
+        <p:txBody>
+          <a:bodyPr rtlCol="0" anchor="ctr"/>
+          <a:lstStyle/>
+          <a:p>
+            <a:pPr algn="ctr"/>
+            <a:r>
+              <a:rPr lang="en-US" sz="1200" dirty="0"/>
+              <a:t>43K Ohm</a:t>
+            </a:r>
+          </a:p>
+        </p:txBody>
+      </p:sp>
+      <p:sp>
+        <p:nvSpPr>
+          <p:cNvPr id="4" name="Rectangle 3">
+            <a:extLst>
+              <a:ext uri="{FF2B5EF4-FFF2-40B4-BE49-F238E27FC236}">
+                <a16:creationId xmlns:a16="http://schemas.microsoft.com/office/drawing/2014/main" id="{CCD3484E-49D1-4AFF-08CC-75AFDA4108E4}"/>
+              </a:ext>
+            </a:extLst>
+          </p:cNvPr>
+          <p:cNvSpPr/>
+          <p:nvPr/>
+        </p:nvSpPr>
+        <p:spPr>
+          <a:xfrm rot="5400000">
+            <a:off x="8251636" y="4308511"/>
+            <a:ext cx="852849" cy="278945"/>
+          </a:xfrm>
+          <a:prstGeom prst="rect">
+            <a:avLst/>
+          </a:prstGeom>
+        </p:spPr>
+        <p:style>
+          <a:lnRef idx="2">
+            <a:schemeClr val="accent1">
+              <a:shade val="15000"/>
+            </a:schemeClr>
+          </a:lnRef>
+          <a:fillRef idx="1">
+            <a:schemeClr val="accent1"/>
+          </a:fillRef>
+          <a:effectRef idx="0">
+            <a:schemeClr val="accent1"/>
+          </a:effectRef>
+          <a:fontRef idx="minor">
+            <a:schemeClr val="lt1"/>
+          </a:fontRef>
+        </p:style>
+        <p:txBody>
+          <a:bodyPr rtlCol="0" anchor="ctr"/>
+          <a:lstStyle/>
+          <a:p>
+            <a:pPr algn="ctr"/>
+            <a:r>
+              <a:rPr lang="en-US" sz="1200" dirty="0"/>
+              <a:t>10K Ohm</a:t>
+            </a:r>
+          </a:p>
+        </p:txBody>
+      </p:sp>
+      <p:cxnSp>
+        <p:nvCxnSpPr>
+          <p:cNvPr id="5" name="Straight Connector 4">
+            <a:extLst>
+              <a:ext uri="{FF2B5EF4-FFF2-40B4-BE49-F238E27FC236}">
+                <a16:creationId xmlns:a16="http://schemas.microsoft.com/office/drawing/2014/main" id="{A661912A-03FC-AC3E-BC3B-589263710067}"/>
+              </a:ext>
+            </a:extLst>
+          </p:cNvPr>
+          <p:cNvCxnSpPr>
+            <a:cxnSpLocks/>
+          </p:cNvCxnSpPr>
+          <p:nvPr/>
+        </p:nvCxnSpPr>
+        <p:spPr>
+          <a:xfrm flipV="1">
+            <a:off x="8669469" y="1898650"/>
+            <a:ext cx="0" cy="1106724"/>
+          </a:xfrm>
+          <a:prstGeom prst="line">
+            <a:avLst/>
+          </a:prstGeom>
+          <a:ln w="38100">
+            <a:solidFill>
+              <a:schemeClr val="accent2"/>
+            </a:solidFill>
+          </a:ln>
+        </p:spPr>
+        <p:style>
+          <a:lnRef idx="2">
+            <a:schemeClr val="accent1"/>
+          </a:lnRef>
+          <a:fillRef idx="0">
+            <a:schemeClr val="accent1"/>
+          </a:fillRef>
+          <a:effectRef idx="1">
+            <a:schemeClr val="accent1"/>
+          </a:effectRef>
+          <a:fontRef idx="minor">
+            <a:schemeClr val="tx1"/>
+          </a:fontRef>
+        </p:style>
+      </p:cxnSp>
+      <p:cxnSp>
+        <p:nvCxnSpPr>
+          <p:cNvPr id="7" name="Straight Connector 6">
+            <a:extLst>
+              <a:ext uri="{FF2B5EF4-FFF2-40B4-BE49-F238E27FC236}">
+                <a16:creationId xmlns:a16="http://schemas.microsoft.com/office/drawing/2014/main" id="{401D914E-64B1-7888-D27D-78E77CB27FE0}"/>
+              </a:ext>
+            </a:extLst>
+          </p:cNvPr>
+          <p:cNvCxnSpPr>
+            <a:cxnSpLocks/>
+            <a:stCxn id="4" idx="1"/>
+            <a:endCxn id="3" idx="3"/>
+          </p:cNvCxnSpPr>
+          <p:nvPr/>
+        </p:nvCxnSpPr>
+        <p:spPr>
+          <a:xfrm flipV="1">
+            <a:off x="8678060" y="3855424"/>
+            <a:ext cx="1" cy="166135"/>
+          </a:xfrm>
+          <a:prstGeom prst="line">
+            <a:avLst/>
+          </a:prstGeom>
+          <a:ln w="38100">
+            <a:solidFill>
+              <a:srgbClr val="002060"/>
+            </a:solidFill>
+          </a:ln>
+        </p:spPr>
+        <p:style>
+          <a:lnRef idx="2">
+            <a:schemeClr val="accent1"/>
+          </a:lnRef>
+          <a:fillRef idx="0">
+            <a:schemeClr val="accent1"/>
+          </a:fillRef>
+          <a:effectRef idx="1">
+            <a:schemeClr val="accent1"/>
+          </a:effectRef>
+          <a:fontRef idx="minor">
+            <a:schemeClr val="tx1"/>
+          </a:fontRef>
+        </p:style>
+      </p:cxnSp>
+      <p:cxnSp>
+        <p:nvCxnSpPr>
+          <p:cNvPr id="10" name="Straight Connector 9">
+            <a:extLst>
+              <a:ext uri="{FF2B5EF4-FFF2-40B4-BE49-F238E27FC236}">
+                <a16:creationId xmlns:a16="http://schemas.microsoft.com/office/drawing/2014/main" id="{296FA080-3231-C715-FAFE-53B84DFA3056}"/>
+              </a:ext>
+            </a:extLst>
+          </p:cNvPr>
+          <p:cNvCxnSpPr>
+            <a:cxnSpLocks/>
+          </p:cNvCxnSpPr>
+          <p:nvPr/>
+        </p:nvCxnSpPr>
+        <p:spPr>
+          <a:xfrm flipH="1">
+            <a:off x="8664209" y="4925751"/>
+            <a:ext cx="2626091" cy="0"/>
+          </a:xfrm>
+          <a:prstGeom prst="line">
+            <a:avLst/>
+          </a:prstGeom>
+          <a:ln w="38100">
+            <a:solidFill>
+              <a:schemeClr val="accent3">
+                <a:lumMod val="60000"/>
+                <a:lumOff val="40000"/>
+              </a:schemeClr>
+            </a:solidFill>
+          </a:ln>
+        </p:spPr>
+        <p:style>
+          <a:lnRef idx="2">
+            <a:schemeClr val="accent1"/>
+          </a:lnRef>
+          <a:fillRef idx="0">
+            <a:schemeClr val="accent1"/>
+          </a:fillRef>
+          <a:effectRef idx="1">
+            <a:schemeClr val="accent1"/>
+          </a:effectRef>
+          <a:fontRef idx="minor">
+            <a:schemeClr val="tx1"/>
+          </a:fontRef>
+        </p:style>
+      </p:cxnSp>
+      <p:cxnSp>
+        <p:nvCxnSpPr>
+          <p:cNvPr id="11" name="Straight Connector 10">
+            <a:extLst>
+              <a:ext uri="{FF2B5EF4-FFF2-40B4-BE49-F238E27FC236}">
+                <a16:creationId xmlns:a16="http://schemas.microsoft.com/office/drawing/2014/main" id="{47474095-D42A-AE5C-0574-0315B82E7CCD}"/>
+              </a:ext>
+            </a:extLst>
+          </p:cNvPr>
+          <p:cNvCxnSpPr>
+            <a:cxnSpLocks/>
+            <a:endCxn id="4" idx="3"/>
+          </p:cNvCxnSpPr>
+          <p:nvPr/>
+        </p:nvCxnSpPr>
+        <p:spPr>
+          <a:xfrm flipV="1">
+            <a:off x="8678060" y="4874408"/>
+            <a:ext cx="0" cy="75790"/>
+          </a:xfrm>
+          <a:prstGeom prst="line">
+            <a:avLst/>
+          </a:prstGeom>
+          <a:ln w="38100">
+            <a:solidFill>
+              <a:schemeClr val="accent3">
+                <a:lumMod val="60000"/>
+                <a:lumOff val="40000"/>
+              </a:schemeClr>
+            </a:solidFill>
+          </a:ln>
+        </p:spPr>
+        <p:style>
+          <a:lnRef idx="2">
+            <a:schemeClr val="accent1"/>
+          </a:lnRef>
+          <a:fillRef idx="0">
+            <a:schemeClr val="accent1"/>
+          </a:fillRef>
+          <a:effectRef idx="1">
+            <a:schemeClr val="accent1"/>
+          </a:effectRef>
+          <a:fontRef idx="minor">
+            <a:schemeClr val="tx1"/>
+          </a:fontRef>
+        </p:style>
+      </p:cxnSp>
+      <p:cxnSp>
+        <p:nvCxnSpPr>
+          <p:cNvPr id="20" name="Straight Connector 19">
+            <a:extLst>
+              <a:ext uri="{FF2B5EF4-FFF2-40B4-BE49-F238E27FC236}">
+                <a16:creationId xmlns:a16="http://schemas.microsoft.com/office/drawing/2014/main" id="{7C2E79E2-2807-F45B-8879-7C8A763987CA}"/>
+              </a:ext>
+            </a:extLst>
+          </p:cNvPr>
+          <p:cNvCxnSpPr>
+            <a:cxnSpLocks/>
+          </p:cNvCxnSpPr>
+          <p:nvPr/>
+        </p:nvCxnSpPr>
+        <p:spPr>
+          <a:xfrm flipH="1">
+            <a:off x="6810140" y="5462344"/>
+            <a:ext cx="1287840" cy="0"/>
+          </a:xfrm>
+          <a:prstGeom prst="line">
+            <a:avLst/>
+          </a:prstGeom>
+          <a:ln w="38100">
+            <a:solidFill>
+              <a:srgbClr val="002060"/>
+            </a:solidFill>
+          </a:ln>
+        </p:spPr>
+        <p:style>
+          <a:lnRef idx="2">
+            <a:schemeClr val="accent1"/>
+          </a:lnRef>
+          <a:fillRef idx="0">
+            <a:schemeClr val="accent1"/>
+          </a:fillRef>
+          <a:effectRef idx="1">
+            <a:schemeClr val="accent1"/>
+          </a:effectRef>
+          <a:fontRef idx="minor">
+            <a:schemeClr val="tx1"/>
+          </a:fontRef>
+        </p:style>
+      </p:cxnSp>
+      <p:cxnSp>
+        <p:nvCxnSpPr>
+          <p:cNvPr id="25" name="Straight Connector 24">
+            <a:extLst>
+              <a:ext uri="{FF2B5EF4-FFF2-40B4-BE49-F238E27FC236}">
+                <a16:creationId xmlns:a16="http://schemas.microsoft.com/office/drawing/2014/main" id="{AB6E3896-39F3-6CD7-7AF8-06CC9A89042C}"/>
+              </a:ext>
+            </a:extLst>
+          </p:cNvPr>
+          <p:cNvCxnSpPr>
+            <a:cxnSpLocks/>
+          </p:cNvCxnSpPr>
+          <p:nvPr/>
+        </p:nvCxnSpPr>
+        <p:spPr>
+          <a:xfrm flipH="1" flipV="1">
+            <a:off x="8088681" y="3926363"/>
+            <a:ext cx="9299" cy="1535981"/>
+          </a:xfrm>
+          <a:prstGeom prst="line">
+            <a:avLst/>
+          </a:prstGeom>
+          <a:ln w="38100">
+            <a:solidFill>
+              <a:srgbClr val="002060"/>
+            </a:solidFill>
+          </a:ln>
+        </p:spPr>
+        <p:style>
+          <a:lnRef idx="2">
+            <a:schemeClr val="accent1"/>
+          </a:lnRef>
+          <a:fillRef idx="0">
+            <a:schemeClr val="accent1"/>
+          </a:fillRef>
+          <a:effectRef idx="1">
+            <a:schemeClr val="accent1"/>
+          </a:effectRef>
+          <a:fontRef idx="minor">
+            <a:schemeClr val="tx1"/>
+          </a:fontRef>
+        </p:style>
+      </p:cxnSp>
+      <p:cxnSp>
+        <p:nvCxnSpPr>
+          <p:cNvPr id="28" name="Straight Connector 27">
+            <a:extLst>
+              <a:ext uri="{FF2B5EF4-FFF2-40B4-BE49-F238E27FC236}">
+                <a16:creationId xmlns:a16="http://schemas.microsoft.com/office/drawing/2014/main" id="{2B68115F-83F0-D3F0-F082-CE6B32886E42}"/>
+              </a:ext>
+            </a:extLst>
+          </p:cNvPr>
+          <p:cNvCxnSpPr>
+            <a:cxnSpLocks/>
+          </p:cNvCxnSpPr>
+          <p:nvPr/>
+        </p:nvCxnSpPr>
+        <p:spPr>
+          <a:xfrm flipH="1">
+            <a:off x="8087328" y="3938491"/>
+            <a:ext cx="590732" cy="0"/>
+          </a:xfrm>
+          <a:prstGeom prst="line">
+            <a:avLst/>
+          </a:prstGeom>
+          <a:ln w="38100">
+            <a:solidFill>
+              <a:srgbClr val="002060"/>
+            </a:solidFill>
+          </a:ln>
+        </p:spPr>
+        <p:style>
+          <a:lnRef idx="2">
+            <a:schemeClr val="accent1"/>
+          </a:lnRef>
+          <a:fillRef idx="0">
+            <a:schemeClr val="accent1"/>
+          </a:fillRef>
+          <a:effectRef idx="1">
+            <a:schemeClr val="accent1"/>
+          </a:effectRef>
+          <a:fontRef idx="minor">
+            <a:schemeClr val="tx1"/>
+          </a:fontRef>
+        </p:style>
+      </p:cxnSp>
     </p:spTree>
     <p:extLst>
       <p:ext uri="{BB962C8B-B14F-4D97-AF65-F5344CB8AC3E}">

--- a/assets/Diagram.pptx
+++ b/assets/Diagram.pptx
@@ -690,7 +690,7 @@
           <a:p>
             <a:fld id="{7F5102BF-3E1C-4FEC-B8AE-4CD23D8F5F17}" type="datetimeFigureOut">
               <a:rPr lang="en-US" smtClean="0"/>
-              <a:t>5/25/2025</a:t>
+              <a:t>5/26/2025</a:t>
             </a:fld>
             <a:endParaRPr lang="en-US"/>
           </a:p>
@@ -860,7 +860,7 @@
           <a:p>
             <a:fld id="{7F5102BF-3E1C-4FEC-B8AE-4CD23D8F5F17}" type="datetimeFigureOut">
               <a:rPr lang="en-US" smtClean="0"/>
-              <a:t>5/25/2025</a:t>
+              <a:t>5/26/2025</a:t>
             </a:fld>
             <a:endParaRPr lang="en-US"/>
           </a:p>
@@ -1040,7 +1040,7 @@
           <a:p>
             <a:fld id="{7F5102BF-3E1C-4FEC-B8AE-4CD23D8F5F17}" type="datetimeFigureOut">
               <a:rPr lang="en-US" smtClean="0"/>
-              <a:t>5/25/2025</a:t>
+              <a:t>5/26/2025</a:t>
             </a:fld>
             <a:endParaRPr lang="en-US"/>
           </a:p>
@@ -1210,7 +1210,7 @@
           <a:p>
             <a:fld id="{7F5102BF-3E1C-4FEC-B8AE-4CD23D8F5F17}" type="datetimeFigureOut">
               <a:rPr lang="en-US" smtClean="0"/>
-              <a:t>5/25/2025</a:t>
+              <a:t>5/26/2025</a:t>
             </a:fld>
             <a:endParaRPr lang="en-US"/>
           </a:p>
@@ -1456,7 +1456,7 @@
           <a:p>
             <a:fld id="{7F5102BF-3E1C-4FEC-B8AE-4CD23D8F5F17}" type="datetimeFigureOut">
               <a:rPr lang="en-US" smtClean="0"/>
-              <a:t>5/25/2025</a:t>
+              <a:t>5/26/2025</a:t>
             </a:fld>
             <a:endParaRPr lang="en-US"/>
           </a:p>
@@ -1688,7 +1688,7 @@
           <a:p>
             <a:fld id="{7F5102BF-3E1C-4FEC-B8AE-4CD23D8F5F17}" type="datetimeFigureOut">
               <a:rPr lang="en-US" smtClean="0"/>
-              <a:t>5/25/2025</a:t>
+              <a:t>5/26/2025</a:t>
             </a:fld>
             <a:endParaRPr lang="en-US"/>
           </a:p>
@@ -2055,7 +2055,7 @@
           <a:p>
             <a:fld id="{7F5102BF-3E1C-4FEC-B8AE-4CD23D8F5F17}" type="datetimeFigureOut">
               <a:rPr lang="en-US" smtClean="0"/>
-              <a:t>5/25/2025</a:t>
+              <a:t>5/26/2025</a:t>
             </a:fld>
             <a:endParaRPr lang="en-US"/>
           </a:p>
@@ -2173,7 +2173,7 @@
           <a:p>
             <a:fld id="{7F5102BF-3E1C-4FEC-B8AE-4CD23D8F5F17}" type="datetimeFigureOut">
               <a:rPr lang="en-US" smtClean="0"/>
-              <a:t>5/25/2025</a:t>
+              <a:t>5/26/2025</a:t>
             </a:fld>
             <a:endParaRPr lang="en-US"/>
           </a:p>
@@ -2268,7 +2268,7 @@
           <a:p>
             <a:fld id="{7F5102BF-3E1C-4FEC-B8AE-4CD23D8F5F17}" type="datetimeFigureOut">
               <a:rPr lang="en-US" smtClean="0"/>
-              <a:t>5/25/2025</a:t>
+              <a:t>5/26/2025</a:t>
             </a:fld>
             <a:endParaRPr lang="en-US"/>
           </a:p>
@@ -2545,7 +2545,7 @@
           <a:p>
             <a:fld id="{7F5102BF-3E1C-4FEC-B8AE-4CD23D8F5F17}" type="datetimeFigureOut">
               <a:rPr lang="en-US" smtClean="0"/>
-              <a:t>5/25/2025</a:t>
+              <a:t>5/26/2025</a:t>
             </a:fld>
             <a:endParaRPr lang="en-US"/>
           </a:p>
@@ -2802,7 +2802,7 @@
           <a:p>
             <a:fld id="{7F5102BF-3E1C-4FEC-B8AE-4CD23D8F5F17}" type="datetimeFigureOut">
               <a:rPr lang="en-US" smtClean="0"/>
-              <a:t>5/25/2025</a:t>
+              <a:t>5/26/2025</a:t>
             </a:fld>
             <a:endParaRPr lang="en-US"/>
           </a:p>
@@ -3015,7 +3015,7 @@
           <a:p>
             <a:fld id="{7F5102BF-3E1C-4FEC-B8AE-4CD23D8F5F17}" type="datetimeFigureOut">
               <a:rPr lang="en-US" smtClean="0"/>
-              <a:t>5/25/2025</a:t>
+              <a:t>5/26/2025</a:t>
             </a:fld>
             <a:endParaRPr lang="en-US"/>
           </a:p>
@@ -3447,7 +3447,7 @@
         </p:nvCxnSpPr>
         <p:spPr>
           <a:xfrm flipV="1">
-            <a:off x="2833968" y="1708786"/>
+            <a:off x="3395441" y="1692744"/>
             <a:ext cx="0" cy="3071194"/>
           </a:xfrm>
           <a:prstGeom prst="line">
@@ -3490,7 +3490,7 @@
         </p:nvCxnSpPr>
         <p:spPr>
           <a:xfrm flipV="1">
-            <a:off x="3081057" y="1815692"/>
+            <a:off x="3642530" y="1799650"/>
             <a:ext cx="0" cy="3097866"/>
           </a:xfrm>
           <a:prstGeom prst="line">
@@ -3607,7 +3607,7 @@
         </p:blipFill>
         <p:spPr bwMode="auto">
           <a:xfrm rot="10800000">
-            <a:off x="6905245" y="4907387"/>
+            <a:off x="7466718" y="4891345"/>
             <a:ext cx="1083526" cy="1373981"/>
           </a:xfrm>
           <a:prstGeom prst="rect">
@@ -3715,7 +3715,7 @@
         </p:blipFill>
         <p:spPr bwMode="auto">
           <a:xfrm rot="5400000">
-            <a:off x="6181701" y="2814909"/>
+            <a:off x="6743174" y="2798867"/>
             <a:ext cx="2631749" cy="1178298"/>
           </a:xfrm>
           <a:prstGeom prst="rect">
@@ -3749,7 +3749,7 @@
         </p:nvCxnSpPr>
         <p:spPr>
           <a:xfrm>
-            <a:off x="7949956" y="5389833"/>
+            <a:off x="8511429" y="5373791"/>
             <a:ext cx="352258" cy="0"/>
           </a:xfrm>
           <a:prstGeom prst="line">
@@ -3788,7 +3788,7 @@
         </p:nvCxnSpPr>
         <p:spPr>
           <a:xfrm>
-            <a:off x="8035964" y="4397188"/>
+            <a:off x="8597437" y="4381146"/>
             <a:ext cx="266252" cy="0"/>
           </a:xfrm>
           <a:prstGeom prst="line">
@@ -3827,7 +3827,7 @@
         </p:nvCxnSpPr>
         <p:spPr>
           <a:xfrm>
-            <a:off x="8302214" y="4397190"/>
+            <a:off x="8863687" y="4381148"/>
             <a:ext cx="0" cy="992645"/>
           </a:xfrm>
           <a:prstGeom prst="line">
@@ -3866,7 +3866,7 @@
         </p:nvCxnSpPr>
         <p:spPr>
           <a:xfrm>
-            <a:off x="7954248" y="5224433"/>
+            <a:off x="8515721" y="5208391"/>
             <a:ext cx="429566" cy="0"/>
           </a:xfrm>
           <a:prstGeom prst="line">
@@ -3911,7 +3911,7 @@
         </p:nvCxnSpPr>
         <p:spPr>
           <a:xfrm>
-            <a:off x="8035965" y="4280198"/>
+            <a:off x="8597438" y="4264156"/>
             <a:ext cx="347849" cy="0"/>
           </a:xfrm>
           <a:prstGeom prst="line">
@@ -3956,7 +3956,7 @@
         </p:nvCxnSpPr>
         <p:spPr>
           <a:xfrm>
-            <a:off x="8383811" y="4280200"/>
+            <a:off x="8945284" y="4264158"/>
             <a:ext cx="0" cy="944236"/>
           </a:xfrm>
           <a:prstGeom prst="line">
@@ -4001,7 +4001,7 @@
         </p:nvCxnSpPr>
         <p:spPr>
           <a:xfrm flipH="1">
-            <a:off x="6474758" y="5841186"/>
+            <a:off x="7036231" y="5825144"/>
             <a:ext cx="508300" cy="0"/>
           </a:xfrm>
           <a:prstGeom prst="line">
@@ -4044,7 +4044,7 @@
         </p:nvCxnSpPr>
         <p:spPr>
           <a:xfrm>
-            <a:off x="6474758" y="2811782"/>
+            <a:off x="7036231" y="2795740"/>
             <a:ext cx="0" cy="3746183"/>
           </a:xfrm>
           <a:prstGeom prst="line">
@@ -4087,7 +4087,7 @@
         </p:nvCxnSpPr>
         <p:spPr>
           <a:xfrm flipH="1">
-            <a:off x="6474758" y="2811780"/>
+            <a:off x="7036231" y="2795738"/>
             <a:ext cx="508300" cy="0"/>
           </a:xfrm>
           <a:prstGeom prst="line">
@@ -4130,7 +4130,7 @@
         </p:nvCxnSpPr>
         <p:spPr>
           <a:xfrm flipH="1">
-            <a:off x="6691592" y="5991051"/>
+            <a:off x="7253065" y="5975009"/>
             <a:ext cx="291468" cy="0"/>
           </a:xfrm>
           <a:prstGeom prst="line">
@@ -4173,7 +4173,7 @@
         </p:nvCxnSpPr>
         <p:spPr>
           <a:xfrm>
-            <a:off x="6683216" y="2565701"/>
+            <a:off x="7244689" y="2549659"/>
             <a:ext cx="0" cy="3848212"/>
           </a:xfrm>
           <a:prstGeom prst="line">
@@ -4216,7 +4216,7 @@
         </p:nvCxnSpPr>
         <p:spPr>
           <a:xfrm flipH="1">
-            <a:off x="6700452" y="2565698"/>
+            <a:off x="7261925" y="2549656"/>
             <a:ext cx="282608" cy="0"/>
           </a:xfrm>
           <a:prstGeom prst="line">
@@ -4301,7 +4301,7 @@
         </p:blipFill>
         <p:spPr bwMode="auto">
           <a:xfrm>
-            <a:off x="9116983" y="1101314"/>
+            <a:off x="9678456" y="1085272"/>
             <a:ext cx="3070217" cy="2698826"/>
           </a:xfrm>
           <a:prstGeom prst="rect">
@@ -4333,7 +4333,7 @@
         </p:nvCxnSpPr>
         <p:spPr>
           <a:xfrm>
-            <a:off x="8086724" y="2737485"/>
+            <a:off x="8648197" y="2721443"/>
             <a:ext cx="3200403" cy="0"/>
           </a:xfrm>
           <a:prstGeom prst="line">
@@ -4376,7 +4376,7 @@
         </p:nvCxnSpPr>
         <p:spPr>
           <a:xfrm flipV="1">
-            <a:off x="11281073" y="1886287"/>
+            <a:off x="11842546" y="1870245"/>
             <a:ext cx="0" cy="857250"/>
           </a:xfrm>
           <a:prstGeom prst="line">
@@ -4419,7 +4419,7 @@
         </p:nvCxnSpPr>
         <p:spPr>
           <a:xfrm>
-            <a:off x="8086724" y="2565698"/>
+            <a:off x="8648197" y="2549656"/>
             <a:ext cx="3886203" cy="0"/>
           </a:xfrm>
           <a:prstGeom prst="line">
@@ -4465,7 +4465,7 @@
         </p:nvCxnSpPr>
         <p:spPr>
           <a:xfrm flipV="1">
-            <a:off x="11977967" y="1503718"/>
+            <a:off x="12539440" y="1487676"/>
             <a:ext cx="0" cy="1074083"/>
           </a:xfrm>
           <a:prstGeom prst="line">
@@ -4547,7 +4547,7 @@
         </p:blipFill>
         <p:spPr bwMode="auto">
           <a:xfrm rot="20602394" flipH="1" flipV="1">
-            <a:off x="441662" y="2475060"/>
+            <a:off x="1003135" y="2459018"/>
             <a:ext cx="2076782" cy="1659703"/>
           </a:xfrm>
           <a:prstGeom prst="rect">
@@ -4617,7 +4617,7 @@
         </p:blipFill>
         <p:spPr bwMode="auto">
           <a:xfrm rot="20602394" flipH="1" flipV="1">
-            <a:off x="514450" y="4283987"/>
+            <a:off x="1075923" y="4267945"/>
             <a:ext cx="2076782" cy="1659703"/>
           </a:xfrm>
           <a:prstGeom prst="rect">
@@ -4649,7 +4649,7 @@
         </p:nvCxnSpPr>
         <p:spPr>
           <a:xfrm flipV="1">
-            <a:off x="7202245" y="1880236"/>
+            <a:off x="7763718" y="1864194"/>
             <a:ext cx="0" cy="332401"/>
           </a:xfrm>
           <a:prstGeom prst="line">
@@ -4692,7 +4692,7 @@
         </p:nvCxnSpPr>
         <p:spPr>
           <a:xfrm flipH="1">
-            <a:off x="2913873" y="1869292"/>
+            <a:off x="3475346" y="1853250"/>
             <a:ext cx="4312122" cy="26024"/>
           </a:xfrm>
           <a:prstGeom prst="line">
@@ -4735,7 +4735,7 @@
         </p:nvCxnSpPr>
         <p:spPr>
           <a:xfrm flipV="1">
-            <a:off x="2432797" y="1880237"/>
+            <a:off x="2994270" y="1864195"/>
             <a:ext cx="0" cy="1248224"/>
           </a:xfrm>
           <a:prstGeom prst="line">
@@ -4778,7 +4778,7 @@
         </p:nvCxnSpPr>
         <p:spPr>
           <a:xfrm flipV="1">
-            <a:off x="7374367" y="1980860"/>
+            <a:off x="7935840" y="1964818"/>
             <a:ext cx="0" cy="231776"/>
           </a:xfrm>
           <a:prstGeom prst="line">
@@ -4822,7 +4822,7 @@
         </p:nvCxnSpPr>
         <p:spPr>
           <a:xfrm flipH="1">
-            <a:off x="3168859" y="1998333"/>
+            <a:off x="3730332" y="1982291"/>
             <a:ext cx="4221781" cy="59376"/>
           </a:xfrm>
           <a:prstGeom prst="line">
@@ -4865,7 +4865,7 @@
         </p:nvCxnSpPr>
         <p:spPr>
           <a:xfrm flipV="1">
-            <a:off x="2514152" y="2038002"/>
+            <a:off x="3075625" y="2021960"/>
             <a:ext cx="0" cy="1137041"/>
           </a:xfrm>
           <a:prstGeom prst="line">
@@ -4908,7 +4908,7 @@
         </p:nvCxnSpPr>
         <p:spPr>
           <a:xfrm flipV="1">
-            <a:off x="7588175" y="1708786"/>
+            <a:off x="8149648" y="1692744"/>
             <a:ext cx="0" cy="503851"/>
           </a:xfrm>
           <a:prstGeom prst="line">
@@ -4951,7 +4951,7 @@
         </p:nvCxnSpPr>
         <p:spPr>
           <a:xfrm flipH="1">
-            <a:off x="2830323" y="1708785"/>
+            <a:off x="3391796" y="1692743"/>
             <a:ext cx="4755836" cy="0"/>
           </a:xfrm>
           <a:prstGeom prst="line">
@@ -4994,7 +4994,7 @@
         </p:nvCxnSpPr>
         <p:spPr>
           <a:xfrm flipV="1">
-            <a:off x="7760298" y="1815690"/>
+            <a:off x="8321771" y="1799648"/>
             <a:ext cx="0" cy="447449"/>
           </a:xfrm>
           <a:prstGeom prst="line">
@@ -5037,7 +5037,7 @@
         </p:nvCxnSpPr>
         <p:spPr>
           <a:xfrm flipH="1">
-            <a:off x="3078848" y="1815690"/>
+            <a:off x="3640321" y="1799648"/>
             <a:ext cx="4679435" cy="0"/>
           </a:xfrm>
           <a:prstGeom prst="line">
@@ -5080,7 +5080,7 @@
         </p:nvCxnSpPr>
         <p:spPr>
           <a:xfrm flipH="1">
-            <a:off x="2511237" y="4779979"/>
+            <a:off x="3072710" y="4763937"/>
             <a:ext cx="332955" cy="0"/>
           </a:xfrm>
           <a:prstGeom prst="line">
@@ -5123,7 +5123,7 @@
         </p:nvCxnSpPr>
         <p:spPr>
           <a:xfrm flipH="1">
-            <a:off x="2587214" y="4907504"/>
+            <a:off x="3148687" y="4891462"/>
             <a:ext cx="493844" cy="0"/>
           </a:xfrm>
           <a:prstGeom prst="line">
@@ -5166,7 +5166,7 @@
         </p:nvCxnSpPr>
         <p:spPr>
           <a:xfrm flipV="1">
-            <a:off x="2513116" y="4765408"/>
+            <a:off x="3074589" y="4749366"/>
             <a:ext cx="0" cy="129992"/>
           </a:xfrm>
           <a:prstGeom prst="line">
@@ -5209,7 +5209,7 @@
         </p:nvCxnSpPr>
         <p:spPr>
           <a:xfrm flipV="1">
-            <a:off x="2587213" y="4913558"/>
+            <a:off x="3148686" y="4897516"/>
             <a:ext cx="0" cy="66563"/>
           </a:xfrm>
           <a:prstGeom prst="line">
@@ -5250,7 +5250,7 @@
         </p:nvSpPr>
         <p:spPr>
           <a:xfrm>
-            <a:off x="2988837" y="1967698"/>
+            <a:off x="3550310" y="1951656"/>
             <a:ext cx="180022" cy="180022"/>
           </a:xfrm>
           <a:prstGeom prst="arc">
@@ -5305,7 +5305,7 @@
         </p:nvCxnSpPr>
         <p:spPr>
           <a:xfrm flipH="1">
-            <a:off x="2416600" y="1885563"/>
+            <a:off x="2978073" y="1869521"/>
             <a:ext cx="323867" cy="2290"/>
           </a:xfrm>
           <a:prstGeom prst="line">
@@ -5346,7 +5346,7 @@
         </p:nvSpPr>
         <p:spPr>
           <a:xfrm>
-            <a:off x="2740312" y="1800838"/>
+            <a:off x="3301785" y="1784796"/>
             <a:ext cx="180022" cy="180022"/>
           </a:xfrm>
           <a:prstGeom prst="arc">
@@ -5401,7 +5401,7 @@
         </p:nvCxnSpPr>
         <p:spPr>
           <a:xfrm flipH="1">
-            <a:off x="2511237" y="2046419"/>
+            <a:off x="3072710" y="2030377"/>
             <a:ext cx="478310" cy="1576"/>
           </a:xfrm>
           <a:prstGeom prst="line">
@@ -5444,8 +5444,8 @@
         </p:nvCxnSpPr>
         <p:spPr>
           <a:xfrm flipH="1">
-            <a:off x="9334906" y="5647765"/>
-            <a:ext cx="150095" cy="0"/>
+            <a:off x="11171763" y="6638121"/>
+            <a:ext cx="155271" cy="0"/>
           </a:xfrm>
           <a:prstGeom prst="line">
             <a:avLst/>
@@ -5485,7 +5485,7 @@
         </p:nvSpPr>
         <p:spPr>
           <a:xfrm>
-            <a:off x="9441330" y="5482074"/>
+            <a:off x="11284537" y="6481155"/>
             <a:ext cx="524361" cy="313932"/>
           </a:xfrm>
           <a:prstGeom prst="rect">
@@ -5523,8 +5523,8 @@
         </p:nvCxnSpPr>
         <p:spPr>
           <a:xfrm flipH="1">
-            <a:off x="9334906" y="5876447"/>
-            <a:ext cx="150095" cy="0"/>
+            <a:off x="11171763" y="6866803"/>
+            <a:ext cx="155270" cy="0"/>
           </a:xfrm>
           <a:prstGeom prst="line">
             <a:avLst/>
@@ -5564,7 +5564,7 @@
         </p:nvSpPr>
         <p:spPr>
           <a:xfrm>
-            <a:off x="9441329" y="5710756"/>
+            <a:off x="11284537" y="6709837"/>
             <a:ext cx="677584" cy="313932"/>
           </a:xfrm>
           <a:prstGeom prst="rect">
@@ -5602,8 +5602,8 @@
         </p:nvCxnSpPr>
         <p:spPr>
           <a:xfrm flipH="1">
-            <a:off x="9334906" y="6118154"/>
-            <a:ext cx="150095" cy="0"/>
+            <a:off x="11171763" y="7108511"/>
+            <a:ext cx="155448" cy="0"/>
           </a:xfrm>
           <a:prstGeom prst="line">
             <a:avLst/>
@@ -5645,7 +5645,7 @@
         </p:nvSpPr>
         <p:spPr>
           <a:xfrm>
-            <a:off x="9441330" y="5952464"/>
+            <a:off x="11284537" y="6951545"/>
             <a:ext cx="524361" cy="313932"/>
           </a:xfrm>
           <a:prstGeom prst="rect">
@@ -5682,9 +5682,9 @@
           <p:nvPr/>
         </p:nvCxnSpPr>
         <p:spPr>
-          <a:xfrm flipH="1">
-            <a:off x="9334906" y="6346836"/>
-            <a:ext cx="150095" cy="0"/>
+          <a:xfrm flipH="1" flipV="1">
+            <a:off x="11171763" y="7337191"/>
+            <a:ext cx="155270" cy="1"/>
           </a:xfrm>
           <a:prstGeom prst="line">
             <a:avLst/>
@@ -5726,7 +5726,7 @@
         </p:nvSpPr>
         <p:spPr>
           <a:xfrm>
-            <a:off x="9441329" y="6181145"/>
+            <a:off x="11284537" y="7180226"/>
             <a:ext cx="677584" cy="313932"/>
           </a:xfrm>
           <a:prstGeom prst="rect">
@@ -5764,8 +5764,8 @@
         </p:nvCxnSpPr>
         <p:spPr>
           <a:xfrm flipH="1">
-            <a:off x="10343434" y="5647765"/>
-            <a:ext cx="150095" cy="0"/>
+            <a:off x="12231951" y="6638121"/>
+            <a:ext cx="155448" cy="0"/>
           </a:xfrm>
           <a:prstGeom prst="line">
             <a:avLst/>
@@ -5805,7 +5805,7 @@
         </p:nvSpPr>
         <p:spPr>
           <a:xfrm>
-            <a:off x="10449859" y="5482074"/>
+            <a:off x="12338377" y="6481155"/>
             <a:ext cx="1030569" cy="313932"/>
           </a:xfrm>
           <a:prstGeom prst="rect">
@@ -5843,8 +5843,8 @@
         </p:nvCxnSpPr>
         <p:spPr>
           <a:xfrm flipH="1">
-            <a:off x="10343434" y="5876447"/>
-            <a:ext cx="150095" cy="0"/>
+            <a:off x="12231951" y="6866806"/>
+            <a:ext cx="155448" cy="0"/>
           </a:xfrm>
           <a:prstGeom prst="line">
             <a:avLst/>
@@ -5884,8 +5884,8 @@
         </p:nvSpPr>
         <p:spPr>
           <a:xfrm>
-            <a:off x="10449858" y="5710759"/>
-            <a:ext cx="970058" cy="535531"/>
+            <a:off x="12338377" y="6709840"/>
+            <a:ext cx="970058" cy="313932"/>
           </a:xfrm>
           <a:prstGeom prst="rect">
             <a:avLst/>
@@ -5904,9 +5904,6 @@
             </a:r>
             <a:endParaRPr lang="en-US" sz="1440" dirty="0"/>
           </a:p>
-          <a:p>
-            <a:endParaRPr lang="en-US" sz="1440" dirty="0"/>
-          </a:p>
         </p:txBody>
       </p:sp>
       <p:cxnSp>
@@ -5925,8 +5922,8 @@
         </p:nvCxnSpPr>
         <p:spPr>
           <a:xfrm flipH="1">
-            <a:off x="10343434" y="6118154"/>
-            <a:ext cx="150095" cy="0"/>
+            <a:off x="12231951" y="7108511"/>
+            <a:ext cx="155448" cy="0"/>
           </a:xfrm>
           <a:prstGeom prst="line">
             <a:avLst/>
@@ -5966,7 +5963,7 @@
         </p:nvSpPr>
         <p:spPr>
           <a:xfrm>
-            <a:off x="10449859" y="5952464"/>
+            <a:off x="12338377" y="6951545"/>
             <a:ext cx="677584" cy="313932"/>
           </a:xfrm>
           <a:prstGeom prst="rect">
@@ -6004,8 +6001,8 @@
         </p:nvCxnSpPr>
         <p:spPr>
           <a:xfrm flipH="1">
-            <a:off x="10343434" y="6346836"/>
-            <a:ext cx="150095" cy="0"/>
+            <a:off x="12231951" y="7337192"/>
+            <a:ext cx="155448" cy="0"/>
           </a:xfrm>
           <a:prstGeom prst="line">
             <a:avLst/>
@@ -6048,7 +6045,7 @@
         </p:nvSpPr>
         <p:spPr>
           <a:xfrm>
-            <a:off x="10449859" y="6181145"/>
+            <a:off x="12338377" y="7180226"/>
             <a:ext cx="677584" cy="313932"/>
           </a:xfrm>
           <a:prstGeom prst="rect">
@@ -6128,7 +6125,7 @@
         </p:blipFill>
         <p:spPr>
           <a:xfrm rot="10800000">
-            <a:off x="9116310" y="4326592"/>
+            <a:off x="10880933" y="4310550"/>
             <a:ext cx="1239124" cy="711845"/>
           </a:xfrm>
           <a:prstGeom prst="rect">
@@ -6152,7 +6149,7 @@
         </p:nvCxnSpPr>
         <p:spPr>
           <a:xfrm flipV="1">
-            <a:off x="10068820" y="2737486"/>
+            <a:off x="11833443" y="2721444"/>
             <a:ext cx="0" cy="1653651"/>
           </a:xfrm>
           <a:prstGeom prst="line">
@@ -6195,7 +6192,7 @@
         </p:nvCxnSpPr>
         <p:spPr>
           <a:xfrm flipV="1">
-            <a:off x="9965688" y="2565699"/>
+            <a:off x="11730311" y="2549657"/>
             <a:ext cx="0" cy="1813297"/>
           </a:xfrm>
           <a:prstGeom prst="line">
@@ -6241,7 +6238,7 @@
         </p:nvCxnSpPr>
         <p:spPr>
           <a:xfrm flipH="1">
-            <a:off x="8972781" y="4247800"/>
+            <a:off x="10737404" y="4231758"/>
             <a:ext cx="532818" cy="0"/>
           </a:xfrm>
           <a:prstGeom prst="line">
@@ -6284,7 +6281,7 @@
         </p:nvCxnSpPr>
         <p:spPr>
           <a:xfrm>
-            <a:off x="8972781" y="4229772"/>
+            <a:off x="10737404" y="4213730"/>
             <a:ext cx="0" cy="2183465"/>
           </a:xfrm>
           <a:prstGeom prst="line">
@@ -6327,7 +6324,7 @@
         </p:nvCxnSpPr>
         <p:spPr>
           <a:xfrm>
-            <a:off x="9505599" y="4231917"/>
+            <a:off x="11270222" y="4215875"/>
             <a:ext cx="0" cy="149223"/>
           </a:xfrm>
           <a:prstGeom prst="line">
@@ -6370,8 +6367,8 @@
         </p:nvCxnSpPr>
         <p:spPr>
           <a:xfrm flipH="1">
-            <a:off x="6683217" y="6404664"/>
-            <a:ext cx="2293852" cy="0"/>
+            <a:off x="7244690" y="6388622"/>
+            <a:ext cx="3492714" cy="0"/>
           </a:xfrm>
           <a:prstGeom prst="line">
             <a:avLst/>
@@ -6413,7 +6410,7 @@
         </p:nvCxnSpPr>
         <p:spPr>
           <a:xfrm>
-            <a:off x="8768776" y="4310812"/>
+            <a:off x="10533399" y="4294770"/>
             <a:ext cx="0" cy="2247151"/>
           </a:xfrm>
           <a:prstGeom prst="line">
@@ -6456,7 +6453,7 @@
         </p:nvCxnSpPr>
         <p:spPr>
           <a:xfrm flipH="1">
-            <a:off x="8768778" y="4310812"/>
+            <a:off x="10533401" y="4294770"/>
             <a:ext cx="641177" cy="0"/>
           </a:xfrm>
           <a:prstGeom prst="line">
@@ -6499,8 +6496,8 @@
         </p:nvCxnSpPr>
         <p:spPr>
           <a:xfrm flipH="1">
-            <a:off x="6474760" y="6548234"/>
-            <a:ext cx="2302592" cy="0"/>
+            <a:off x="7036233" y="6532192"/>
+            <a:ext cx="3497166" cy="0"/>
           </a:xfrm>
           <a:prstGeom prst="line">
             <a:avLst/>
@@ -6599,7 +6596,7 @@
         </p:blipFill>
         <p:spPr bwMode="auto">
           <a:xfrm rot="5400000">
-            <a:off x="3420300" y="2739883"/>
+            <a:off x="3981773" y="2723841"/>
             <a:ext cx="2804100" cy="2578266"/>
           </a:xfrm>
           <a:prstGeom prst="rect">
@@ -6633,7 +6630,7 @@
         </p:nvCxnSpPr>
         <p:spPr>
           <a:xfrm flipV="1">
-            <a:off x="3834696" y="1509705"/>
+            <a:off x="4396169" y="1493663"/>
             <a:ext cx="0" cy="1227780"/>
           </a:xfrm>
           <a:prstGeom prst="line">
@@ -6676,7 +6673,7 @@
         </p:nvCxnSpPr>
         <p:spPr>
           <a:xfrm flipV="1">
-            <a:off x="3731564" y="1370310"/>
+            <a:off x="4293037" y="1354268"/>
             <a:ext cx="0" cy="1367175"/>
           </a:xfrm>
           <a:prstGeom prst="line">
@@ -6722,7 +6719,7 @@
         </p:nvCxnSpPr>
         <p:spPr>
           <a:xfrm>
-            <a:off x="11150359" y="1503718"/>
+            <a:off x="11711832" y="1487676"/>
             <a:ext cx="0" cy="247929"/>
           </a:xfrm>
           <a:prstGeom prst="line">
@@ -6765,7 +6762,7 @@
         </p:nvCxnSpPr>
         <p:spPr>
           <a:xfrm>
-            <a:off x="3731564" y="1370310"/>
+            <a:off x="4293037" y="1354268"/>
             <a:ext cx="8045340" cy="0"/>
           </a:xfrm>
           <a:prstGeom prst="line">
@@ -6811,7 +6808,7 @@
         </p:nvCxnSpPr>
         <p:spPr>
           <a:xfrm>
-            <a:off x="3834696" y="1521815"/>
+            <a:off x="4396169" y="1505773"/>
             <a:ext cx="7335426" cy="0"/>
           </a:xfrm>
           <a:prstGeom prst="line">
@@ -6854,7 +6851,7 @@
         </p:nvCxnSpPr>
         <p:spPr>
           <a:xfrm flipH="1">
-            <a:off x="4449797" y="5069915"/>
+            <a:off x="5011270" y="5053873"/>
             <a:ext cx="2533261" cy="0"/>
           </a:xfrm>
           <a:prstGeom prst="line">
@@ -6897,7 +6894,7 @@
         </p:nvCxnSpPr>
         <p:spPr>
           <a:xfrm flipV="1">
-            <a:off x="4465672" y="5076265"/>
+            <a:off x="5027145" y="5060223"/>
             <a:ext cx="0" cy="200585"/>
           </a:xfrm>
           <a:prstGeom prst="line">
@@ -6940,7 +6937,7 @@
         </p:nvCxnSpPr>
         <p:spPr>
           <a:xfrm flipV="1">
-            <a:off x="4541872" y="5176557"/>
+            <a:off x="5103345" y="5160515"/>
             <a:ext cx="0" cy="100293"/>
           </a:xfrm>
           <a:prstGeom prst="line">
@@ -6986,7 +6983,7 @@
         </p:nvCxnSpPr>
         <p:spPr>
           <a:xfrm flipH="1">
-            <a:off x="4525997" y="5176557"/>
+            <a:off x="5087470" y="5160515"/>
             <a:ext cx="1706528" cy="0"/>
           </a:xfrm>
           <a:prstGeom prst="line">
@@ -7032,7 +7029,7 @@
         </p:nvCxnSpPr>
         <p:spPr>
           <a:xfrm flipV="1">
-            <a:off x="6237322" y="4806950"/>
+            <a:off x="6798795" y="4790908"/>
             <a:ext cx="0" cy="385483"/>
           </a:xfrm>
           <a:prstGeom prst="line">
@@ -7078,7 +7075,7 @@
         </p:nvCxnSpPr>
         <p:spPr>
           <a:xfrm flipH="1">
-            <a:off x="6222331" y="4830404"/>
+            <a:off x="6783804" y="4814362"/>
             <a:ext cx="1864393" cy="0"/>
           </a:xfrm>
           <a:prstGeom prst="line">
@@ -7124,7 +7121,7 @@
         </p:nvCxnSpPr>
         <p:spPr>
           <a:xfrm flipV="1">
-            <a:off x="8077199" y="4814529"/>
+            <a:off x="8638672" y="4798487"/>
             <a:ext cx="0" cy="269724"/>
           </a:xfrm>
           <a:prstGeom prst="line">
@@ -7170,7 +7167,7 @@
         </p:nvCxnSpPr>
         <p:spPr>
           <a:xfrm flipH="1">
-            <a:off x="7902575" y="5063565"/>
+            <a:off x="8464048" y="5047523"/>
             <a:ext cx="176684" cy="0"/>
           </a:xfrm>
           <a:prstGeom prst="line">
@@ -7216,8 +7213,8 @@
         </p:nvCxnSpPr>
         <p:spPr>
           <a:xfrm flipH="1">
-            <a:off x="9337720" y="6574716"/>
-            <a:ext cx="150095" cy="0"/>
+            <a:off x="11171763" y="7565871"/>
+            <a:ext cx="158084" cy="799"/>
           </a:xfrm>
           <a:prstGeom prst="line">
             <a:avLst/>
@@ -7257,8 +7254,8 @@
         </p:nvSpPr>
         <p:spPr>
           <a:xfrm>
-            <a:off x="9444143" y="6409025"/>
-            <a:ext cx="677584" cy="313932"/>
+            <a:off x="11284537" y="7408905"/>
+            <a:ext cx="512699" cy="313932"/>
           </a:xfrm>
           <a:prstGeom prst="rect">
             <a:avLst/>
@@ -7295,8 +7292,8 @@
         </p:nvCxnSpPr>
         <p:spPr>
           <a:xfrm flipH="1">
-            <a:off x="10346248" y="6574716"/>
-            <a:ext cx="150095" cy="0"/>
+            <a:off x="12231951" y="7565072"/>
+            <a:ext cx="155448" cy="0"/>
           </a:xfrm>
           <a:prstGeom prst="line">
             <a:avLst/>
@@ -7339,7 +7336,7 @@
         </p:nvSpPr>
         <p:spPr>
           <a:xfrm>
-            <a:off x="10452673" y="6409025"/>
+            <a:off x="12338377" y="7408106"/>
             <a:ext cx="677584" cy="313932"/>
           </a:xfrm>
           <a:prstGeom prst="rect">
@@ -7356,6 +7353,500 @@
             <a:r>
               <a:rPr lang="en-GB" sz="1440" dirty="0"/>
               <a:t>TX</a:t>
+            </a:r>
+            <a:endParaRPr lang="en-US" sz="1440" dirty="0"/>
+          </a:p>
+        </p:txBody>
+      </p:sp>
+      <p:sp>
+        <p:nvSpPr>
+          <p:cNvPr id="2" name="Rectangle 1">
+            <a:extLst>
+              <a:ext uri="{FF2B5EF4-FFF2-40B4-BE49-F238E27FC236}">
+                <a16:creationId xmlns:a16="http://schemas.microsoft.com/office/drawing/2014/main" id="{7AAF0CBB-51DC-B8DE-9E52-D69D436511E8}"/>
+              </a:ext>
+            </a:extLst>
+          </p:cNvPr>
+          <p:cNvSpPr/>
+          <p:nvPr/>
+        </p:nvSpPr>
+        <p:spPr>
+          <a:xfrm rot="5400000">
+            <a:off x="9371269" y="5816012"/>
+            <a:ext cx="614372" cy="243711"/>
+          </a:xfrm>
+          <a:prstGeom prst="rect">
+            <a:avLst/>
+          </a:prstGeom>
+        </p:spPr>
+        <p:style>
+          <a:lnRef idx="2">
+            <a:schemeClr val="accent1">
+              <a:shade val="15000"/>
+            </a:schemeClr>
+          </a:lnRef>
+          <a:fillRef idx="1">
+            <a:schemeClr val="accent1"/>
+          </a:fillRef>
+          <a:effectRef idx="0">
+            <a:schemeClr val="accent1"/>
+          </a:effectRef>
+          <a:fontRef idx="minor">
+            <a:schemeClr val="lt1"/>
+          </a:fontRef>
+        </p:style>
+        <p:txBody>
+          <a:bodyPr rtlCol="0" anchor="ctr"/>
+          <a:lstStyle/>
+          <a:p>
+            <a:pPr algn="ctr"/>
+            <a:r>
+              <a:rPr lang="en-US" sz="1200" dirty="0"/>
+              <a:t>10K </a:t>
+            </a:r>
+            <a:r>
+              <a:rPr lang="el-GR" sz="1200" dirty="0"/>
+              <a:t>Ω</a:t>
+            </a:r>
+            <a:endParaRPr lang="en-US" sz="1200" dirty="0"/>
+          </a:p>
+        </p:txBody>
+      </p:sp>
+      <p:sp>
+        <p:nvSpPr>
+          <p:cNvPr id="8" name="Rectangle 7">
+            <a:extLst>
+              <a:ext uri="{FF2B5EF4-FFF2-40B4-BE49-F238E27FC236}">
+                <a16:creationId xmlns:a16="http://schemas.microsoft.com/office/drawing/2014/main" id="{E5B2D43A-9A74-B27C-4F96-C4FABE97AA1C}"/>
+              </a:ext>
+            </a:extLst>
+          </p:cNvPr>
+          <p:cNvSpPr/>
+          <p:nvPr/>
+        </p:nvSpPr>
+        <p:spPr>
+          <a:xfrm rot="5400000">
+            <a:off x="9371269" y="5047032"/>
+            <a:ext cx="614372" cy="243711"/>
+          </a:xfrm>
+          <a:prstGeom prst="rect">
+            <a:avLst/>
+          </a:prstGeom>
+        </p:spPr>
+        <p:style>
+          <a:lnRef idx="2">
+            <a:schemeClr val="accent1">
+              <a:shade val="15000"/>
+            </a:schemeClr>
+          </a:lnRef>
+          <a:fillRef idx="1">
+            <a:schemeClr val="accent1"/>
+          </a:fillRef>
+          <a:effectRef idx="0">
+            <a:schemeClr val="accent1"/>
+          </a:effectRef>
+          <a:fontRef idx="minor">
+            <a:schemeClr val="lt1"/>
+          </a:fontRef>
+        </p:style>
+        <p:txBody>
+          <a:bodyPr rtlCol="0" anchor="ctr"/>
+          <a:lstStyle/>
+          <a:p>
+            <a:pPr algn="ctr"/>
+            <a:r>
+              <a:rPr lang="en-US" sz="1200" dirty="0"/>
+              <a:t>10K </a:t>
+            </a:r>
+            <a:r>
+              <a:rPr lang="el-GR" sz="1200" dirty="0"/>
+              <a:t>Ω</a:t>
+            </a:r>
+            <a:endParaRPr lang="en-US" sz="1200" dirty="0"/>
+          </a:p>
+        </p:txBody>
+      </p:sp>
+      <p:cxnSp>
+        <p:nvCxnSpPr>
+          <p:cNvPr id="11" name="Straight Connector 10">
+            <a:extLst>
+              <a:ext uri="{FF2B5EF4-FFF2-40B4-BE49-F238E27FC236}">
+                <a16:creationId xmlns:a16="http://schemas.microsoft.com/office/drawing/2014/main" id="{DEE70B4A-808B-B4F9-B9BC-A3FF8F3B3475}"/>
+              </a:ext>
+            </a:extLst>
+          </p:cNvPr>
+          <p:cNvCxnSpPr>
+            <a:cxnSpLocks/>
+            <a:stCxn id="8" idx="1"/>
+          </p:cNvCxnSpPr>
+          <p:nvPr/>
+        </p:nvCxnSpPr>
+        <p:spPr>
+          <a:xfrm flipV="1">
+            <a:off x="9678455" y="2721443"/>
+            <a:ext cx="1" cy="2140259"/>
+          </a:xfrm>
+          <a:prstGeom prst="line">
+            <a:avLst/>
+          </a:prstGeom>
+          <a:ln w="38100">
+            <a:solidFill>
+              <a:schemeClr val="accent2"/>
+            </a:solidFill>
+          </a:ln>
+        </p:spPr>
+        <p:style>
+          <a:lnRef idx="2">
+            <a:schemeClr val="accent1"/>
+          </a:lnRef>
+          <a:fillRef idx="0">
+            <a:schemeClr val="accent1"/>
+          </a:fillRef>
+          <a:effectRef idx="1">
+            <a:schemeClr val="accent1"/>
+          </a:effectRef>
+          <a:fontRef idx="minor">
+            <a:schemeClr val="tx1"/>
+          </a:fontRef>
+        </p:style>
+      </p:cxnSp>
+      <p:cxnSp>
+        <p:nvCxnSpPr>
+          <p:cNvPr id="18" name="Straight Connector 17">
+            <a:extLst>
+              <a:ext uri="{FF2B5EF4-FFF2-40B4-BE49-F238E27FC236}">
+                <a16:creationId xmlns:a16="http://schemas.microsoft.com/office/drawing/2014/main" id="{9975AAFA-058D-FC64-BDD5-1D908413B956}"/>
+              </a:ext>
+            </a:extLst>
+          </p:cNvPr>
+          <p:cNvCxnSpPr>
+            <a:cxnSpLocks/>
+          </p:cNvCxnSpPr>
+          <p:nvPr/>
+        </p:nvCxnSpPr>
+        <p:spPr>
+          <a:xfrm>
+            <a:off x="9678456" y="6253162"/>
+            <a:ext cx="0" cy="288759"/>
+          </a:xfrm>
+          <a:prstGeom prst="line">
+            <a:avLst/>
+          </a:prstGeom>
+          <a:ln w="38100">
+            <a:solidFill>
+              <a:srgbClr val="002060"/>
+            </a:solidFill>
+          </a:ln>
+        </p:spPr>
+        <p:style>
+          <a:lnRef idx="2">
+            <a:schemeClr val="accent1"/>
+          </a:lnRef>
+          <a:fillRef idx="0">
+            <a:schemeClr val="accent1"/>
+          </a:fillRef>
+          <a:effectRef idx="1">
+            <a:schemeClr val="accent1"/>
+          </a:effectRef>
+          <a:fontRef idx="minor">
+            <a:schemeClr val="tx1"/>
+          </a:fontRef>
+        </p:style>
+      </p:cxnSp>
+      <p:cxnSp>
+        <p:nvCxnSpPr>
+          <p:cNvPr id="25" name="Straight Connector 24">
+            <a:extLst>
+              <a:ext uri="{FF2B5EF4-FFF2-40B4-BE49-F238E27FC236}">
+                <a16:creationId xmlns:a16="http://schemas.microsoft.com/office/drawing/2014/main" id="{EB087BC7-DC7A-C3F4-2294-95FAA4A6EDE7}"/>
+              </a:ext>
+            </a:extLst>
+          </p:cNvPr>
+          <p:cNvCxnSpPr>
+            <a:cxnSpLocks/>
+            <a:stCxn id="8" idx="3"/>
+            <a:endCxn id="2" idx="1"/>
+          </p:cNvCxnSpPr>
+          <p:nvPr/>
+        </p:nvCxnSpPr>
+        <p:spPr>
+          <a:xfrm>
+            <a:off x="9678455" y="5476074"/>
+            <a:ext cx="0" cy="154608"/>
+          </a:xfrm>
+          <a:prstGeom prst="line">
+            <a:avLst/>
+          </a:prstGeom>
+          <a:ln w="38100">
+            <a:solidFill>
+              <a:srgbClr val="006020"/>
+            </a:solidFill>
+          </a:ln>
+        </p:spPr>
+        <p:style>
+          <a:lnRef idx="2">
+            <a:schemeClr val="accent1"/>
+          </a:lnRef>
+          <a:fillRef idx="0">
+            <a:schemeClr val="accent1"/>
+          </a:fillRef>
+          <a:effectRef idx="1">
+            <a:schemeClr val="accent1"/>
+          </a:effectRef>
+          <a:fontRef idx="minor">
+            <a:schemeClr val="tx1"/>
+          </a:fontRef>
+        </p:style>
+      </p:cxnSp>
+      <p:cxnSp>
+        <p:nvCxnSpPr>
+          <p:cNvPr id="30" name="Straight Connector 29">
+            <a:extLst>
+              <a:ext uri="{FF2B5EF4-FFF2-40B4-BE49-F238E27FC236}">
+                <a16:creationId xmlns:a16="http://schemas.microsoft.com/office/drawing/2014/main" id="{C919562C-33FF-D774-462C-87D1195DA899}"/>
+              </a:ext>
+            </a:extLst>
+          </p:cNvPr>
+          <p:cNvCxnSpPr>
+            <a:cxnSpLocks/>
+          </p:cNvCxnSpPr>
+          <p:nvPr/>
+        </p:nvCxnSpPr>
+        <p:spPr>
+          <a:xfrm>
+            <a:off x="8511429" y="5975009"/>
+            <a:ext cx="822467" cy="0"/>
+          </a:xfrm>
+          <a:prstGeom prst="line">
+            <a:avLst/>
+          </a:prstGeom>
+          <a:ln w="38100">
+            <a:solidFill>
+              <a:srgbClr val="006020"/>
+            </a:solidFill>
+          </a:ln>
+        </p:spPr>
+        <p:style>
+          <a:lnRef idx="2">
+            <a:schemeClr val="accent1"/>
+          </a:lnRef>
+          <a:fillRef idx="0">
+            <a:schemeClr val="accent1"/>
+          </a:fillRef>
+          <a:effectRef idx="1">
+            <a:schemeClr val="accent1"/>
+          </a:effectRef>
+          <a:fontRef idx="minor">
+            <a:schemeClr val="tx1"/>
+          </a:fontRef>
+        </p:style>
+      </p:cxnSp>
+      <p:cxnSp>
+        <p:nvCxnSpPr>
+          <p:cNvPr id="34" name="Straight Connector 33">
+            <a:extLst>
+              <a:ext uri="{FF2B5EF4-FFF2-40B4-BE49-F238E27FC236}">
+                <a16:creationId xmlns:a16="http://schemas.microsoft.com/office/drawing/2014/main" id="{F61F22E3-D9BE-FCE7-601A-CF32546A5855}"/>
+              </a:ext>
+            </a:extLst>
+          </p:cNvPr>
+          <p:cNvCxnSpPr>
+            <a:cxnSpLocks/>
+          </p:cNvCxnSpPr>
+          <p:nvPr/>
+        </p:nvCxnSpPr>
+        <p:spPr>
+          <a:xfrm>
+            <a:off x="9309486" y="5578336"/>
+            <a:ext cx="0" cy="396673"/>
+          </a:xfrm>
+          <a:prstGeom prst="line">
+            <a:avLst/>
+          </a:prstGeom>
+          <a:ln w="38100">
+            <a:solidFill>
+              <a:srgbClr val="006020"/>
+            </a:solidFill>
+          </a:ln>
+        </p:spPr>
+        <p:style>
+          <a:lnRef idx="2">
+            <a:schemeClr val="accent1"/>
+          </a:lnRef>
+          <a:fillRef idx="0">
+            <a:schemeClr val="accent1"/>
+          </a:fillRef>
+          <a:effectRef idx="1">
+            <a:schemeClr val="accent1"/>
+          </a:effectRef>
+          <a:fontRef idx="minor">
+            <a:schemeClr val="tx1"/>
+          </a:fontRef>
+        </p:style>
+      </p:cxnSp>
+      <p:cxnSp>
+        <p:nvCxnSpPr>
+          <p:cNvPr id="36" name="Straight Connector 35">
+            <a:extLst>
+              <a:ext uri="{FF2B5EF4-FFF2-40B4-BE49-F238E27FC236}">
+                <a16:creationId xmlns:a16="http://schemas.microsoft.com/office/drawing/2014/main" id="{F552D576-40A5-7D6C-3CC5-60BC92C6C746}"/>
+              </a:ext>
+            </a:extLst>
+          </p:cNvPr>
+          <p:cNvCxnSpPr>
+            <a:cxnSpLocks/>
+          </p:cNvCxnSpPr>
+          <p:nvPr/>
+        </p:nvCxnSpPr>
+        <p:spPr>
+          <a:xfrm>
+            <a:off x="9312441" y="5578336"/>
+            <a:ext cx="366015" cy="0"/>
+          </a:xfrm>
+          <a:prstGeom prst="line">
+            <a:avLst/>
+          </a:prstGeom>
+          <a:ln w="38100">
+            <a:solidFill>
+              <a:srgbClr val="006020"/>
+            </a:solidFill>
+          </a:ln>
+        </p:spPr>
+        <p:style>
+          <a:lnRef idx="2">
+            <a:schemeClr val="accent1"/>
+          </a:lnRef>
+          <a:fillRef idx="0">
+            <a:schemeClr val="accent1"/>
+          </a:fillRef>
+          <a:effectRef idx="1">
+            <a:schemeClr val="accent1"/>
+          </a:effectRef>
+          <a:fontRef idx="minor">
+            <a:schemeClr val="tx1"/>
+          </a:fontRef>
+        </p:style>
+      </p:cxnSp>
+      <p:cxnSp>
+        <p:nvCxnSpPr>
+          <p:cNvPr id="40" name="Straight Connector 39">
+            <a:extLst>
+              <a:ext uri="{FF2B5EF4-FFF2-40B4-BE49-F238E27FC236}">
+                <a16:creationId xmlns:a16="http://schemas.microsoft.com/office/drawing/2014/main" id="{CE6ABE09-360B-8954-F9A2-25BF55A09EF4}"/>
+              </a:ext>
+            </a:extLst>
+          </p:cNvPr>
+          <p:cNvCxnSpPr>
+            <a:cxnSpLocks/>
+          </p:cNvCxnSpPr>
+          <p:nvPr/>
+        </p:nvCxnSpPr>
+        <p:spPr>
+          <a:xfrm>
+            <a:off x="10015340" y="2549656"/>
+            <a:ext cx="0" cy="3982536"/>
+          </a:xfrm>
+          <a:prstGeom prst="line">
+            <a:avLst/>
+          </a:prstGeom>
+          <a:ln w="38100">
+            <a:solidFill>
+              <a:schemeClr val="accent3">
+                <a:lumMod val="60000"/>
+                <a:lumOff val="40000"/>
+              </a:schemeClr>
+            </a:solidFill>
+          </a:ln>
+        </p:spPr>
+        <p:style>
+          <a:lnRef idx="2">
+            <a:schemeClr val="accent1"/>
+          </a:lnRef>
+          <a:fillRef idx="0">
+            <a:schemeClr val="accent1"/>
+          </a:fillRef>
+          <a:effectRef idx="1">
+            <a:schemeClr val="accent1"/>
+          </a:effectRef>
+          <a:fontRef idx="minor">
+            <a:schemeClr val="tx1"/>
+          </a:fontRef>
+        </p:style>
+      </p:cxnSp>
+      <p:cxnSp>
+        <p:nvCxnSpPr>
+          <p:cNvPr id="42" name="Straight Connector 41">
+            <a:extLst>
+              <a:ext uri="{FF2B5EF4-FFF2-40B4-BE49-F238E27FC236}">
+                <a16:creationId xmlns:a16="http://schemas.microsoft.com/office/drawing/2014/main" id="{965F51CC-6CF3-6ACD-F166-AB8E9B501B2D}"/>
+              </a:ext>
+            </a:extLst>
+          </p:cNvPr>
+          <p:cNvCxnSpPr>
+            <a:cxnSpLocks/>
+          </p:cNvCxnSpPr>
+          <p:nvPr/>
+        </p:nvCxnSpPr>
+        <p:spPr>
+          <a:xfrm flipH="1">
+            <a:off x="11171763" y="7769970"/>
+            <a:ext cx="155448" cy="0"/>
+          </a:xfrm>
+          <a:prstGeom prst="line">
+            <a:avLst/>
+          </a:prstGeom>
+          <a:ln w="38100">
+            <a:solidFill>
+              <a:srgbClr val="006020"/>
+            </a:solidFill>
+          </a:ln>
+        </p:spPr>
+        <p:style>
+          <a:lnRef idx="2">
+            <a:schemeClr val="accent1"/>
+          </a:lnRef>
+          <a:fillRef idx="0">
+            <a:schemeClr val="accent1"/>
+          </a:fillRef>
+          <a:effectRef idx="1">
+            <a:schemeClr val="accent1"/>
+          </a:effectRef>
+          <a:fontRef idx="minor">
+            <a:schemeClr val="tx1"/>
+          </a:fontRef>
+        </p:style>
+      </p:cxnSp>
+      <p:sp>
+        <p:nvSpPr>
+          <p:cNvPr id="43" name="TextBox 42">
+            <a:extLst>
+              <a:ext uri="{FF2B5EF4-FFF2-40B4-BE49-F238E27FC236}">
+                <a16:creationId xmlns:a16="http://schemas.microsoft.com/office/drawing/2014/main" id="{20273975-4220-4DB0-176A-B3AF04923C41}"/>
+              </a:ext>
+            </a:extLst>
+          </p:cNvPr>
+          <p:cNvSpPr txBox="1"/>
+          <p:nvPr/>
+        </p:nvSpPr>
+        <p:spPr>
+          <a:xfrm>
+            <a:off x="11284537" y="7613004"/>
+            <a:ext cx="902105" cy="313932"/>
+          </a:xfrm>
+          <a:prstGeom prst="rect">
+            <a:avLst/>
+          </a:prstGeom>
+          <a:noFill/>
+        </p:spPr>
+        <p:txBody>
+          <a:bodyPr wrap="square" rtlCol="0">
+            <a:spAutoFit/>
+          </a:bodyPr>
+          <a:lstStyle/>
+          <a:p>
+            <a:r>
+              <a:rPr lang="en-GB" sz="1440" dirty="0"/>
+              <a:t>Battery V</a:t>
             </a:r>
             <a:endParaRPr lang="en-US" sz="1440" dirty="0"/>
           </a:p>

--- a/assets/Diagram.pptx
+++ b/assets/Diagram.pptx
@@ -7456,7 +7456,7 @@
             <a:pPr algn="ctr"/>
             <a:r>
               <a:rPr lang="en-US" sz="1200" dirty="0"/>
-              <a:t>10K </a:t>
+              <a:t>43K </a:t>
             </a:r>
             <a:r>
               <a:rPr lang="el-GR" sz="1200" dirty="0"/>

--- a/assets/Diagram.pptx
+++ b/assets/Diagram.pptx
@@ -208,7 +208,7 @@
           <a:p>
             <a:fld id="{5F4790EC-F85E-4BC9-9E2D-31011507022E}" type="datetimeFigureOut">
               <a:rPr lang="en-US" smtClean="0"/>
-              <a:t>5/26/2025</a:t>
+              <a:t>8/31/2025</a:t>
             </a:fld>
             <a:endParaRPr lang="en-US"/>
           </a:p>
@@ -690,7 +690,7 @@
           <a:p>
             <a:fld id="{7F5102BF-3E1C-4FEC-B8AE-4CD23D8F5F17}" type="datetimeFigureOut">
               <a:rPr lang="en-US" smtClean="0"/>
-              <a:t>5/26/2025</a:t>
+              <a:t>8/31/2025</a:t>
             </a:fld>
             <a:endParaRPr lang="en-US"/>
           </a:p>
@@ -860,7 +860,7 @@
           <a:p>
             <a:fld id="{7F5102BF-3E1C-4FEC-B8AE-4CD23D8F5F17}" type="datetimeFigureOut">
               <a:rPr lang="en-US" smtClean="0"/>
-              <a:t>5/26/2025</a:t>
+              <a:t>8/31/2025</a:t>
             </a:fld>
             <a:endParaRPr lang="en-US"/>
           </a:p>
@@ -1040,7 +1040,7 @@
           <a:p>
             <a:fld id="{7F5102BF-3E1C-4FEC-B8AE-4CD23D8F5F17}" type="datetimeFigureOut">
               <a:rPr lang="en-US" smtClean="0"/>
-              <a:t>5/26/2025</a:t>
+              <a:t>8/31/2025</a:t>
             </a:fld>
             <a:endParaRPr lang="en-US"/>
           </a:p>
@@ -1210,7 +1210,7 @@
           <a:p>
             <a:fld id="{7F5102BF-3E1C-4FEC-B8AE-4CD23D8F5F17}" type="datetimeFigureOut">
               <a:rPr lang="en-US" smtClean="0"/>
-              <a:t>5/26/2025</a:t>
+              <a:t>8/31/2025</a:t>
             </a:fld>
             <a:endParaRPr lang="en-US"/>
           </a:p>
@@ -1456,7 +1456,7 @@
           <a:p>
             <a:fld id="{7F5102BF-3E1C-4FEC-B8AE-4CD23D8F5F17}" type="datetimeFigureOut">
               <a:rPr lang="en-US" smtClean="0"/>
-              <a:t>5/26/2025</a:t>
+              <a:t>8/31/2025</a:t>
             </a:fld>
             <a:endParaRPr lang="en-US"/>
           </a:p>
@@ -1688,7 +1688,7 @@
           <a:p>
             <a:fld id="{7F5102BF-3E1C-4FEC-B8AE-4CD23D8F5F17}" type="datetimeFigureOut">
               <a:rPr lang="en-US" smtClean="0"/>
-              <a:t>5/26/2025</a:t>
+              <a:t>8/31/2025</a:t>
             </a:fld>
             <a:endParaRPr lang="en-US"/>
           </a:p>
@@ -2055,7 +2055,7 @@
           <a:p>
             <a:fld id="{7F5102BF-3E1C-4FEC-B8AE-4CD23D8F5F17}" type="datetimeFigureOut">
               <a:rPr lang="en-US" smtClean="0"/>
-              <a:t>5/26/2025</a:t>
+              <a:t>8/31/2025</a:t>
             </a:fld>
             <a:endParaRPr lang="en-US"/>
           </a:p>
@@ -2173,7 +2173,7 @@
           <a:p>
             <a:fld id="{7F5102BF-3E1C-4FEC-B8AE-4CD23D8F5F17}" type="datetimeFigureOut">
               <a:rPr lang="en-US" smtClean="0"/>
-              <a:t>5/26/2025</a:t>
+              <a:t>8/31/2025</a:t>
             </a:fld>
             <a:endParaRPr lang="en-US"/>
           </a:p>
@@ -2268,7 +2268,7 @@
           <a:p>
             <a:fld id="{7F5102BF-3E1C-4FEC-B8AE-4CD23D8F5F17}" type="datetimeFigureOut">
               <a:rPr lang="en-US" smtClean="0"/>
-              <a:t>5/26/2025</a:t>
+              <a:t>8/31/2025</a:t>
             </a:fld>
             <a:endParaRPr lang="en-US"/>
           </a:p>
@@ -2545,7 +2545,7 @@
           <a:p>
             <a:fld id="{7F5102BF-3E1C-4FEC-B8AE-4CD23D8F5F17}" type="datetimeFigureOut">
               <a:rPr lang="en-US" smtClean="0"/>
-              <a:t>5/26/2025</a:t>
+              <a:t>8/31/2025</a:t>
             </a:fld>
             <a:endParaRPr lang="en-US"/>
           </a:p>
@@ -2802,7 +2802,7 @@
           <a:p>
             <a:fld id="{7F5102BF-3E1C-4FEC-B8AE-4CD23D8F5F17}" type="datetimeFigureOut">
               <a:rPr lang="en-US" smtClean="0"/>
-              <a:t>5/26/2025</a:t>
+              <a:t>8/31/2025</a:t>
             </a:fld>
             <a:endParaRPr lang="en-US"/>
           </a:p>
@@ -3015,7 +3015,7 @@
           <a:p>
             <a:fld id="{7F5102BF-3E1C-4FEC-B8AE-4CD23D8F5F17}" type="datetimeFigureOut">
               <a:rPr lang="en-US" smtClean="0"/>
-              <a:t>5/26/2025</a:t>
+              <a:t>8/31/2025</a:t>
             </a:fld>
             <a:endParaRPr lang="en-US"/>
           </a:p>
@@ -3431,6 +3431,139 @@
           <a:chExt cx="0" cy="0"/>
         </a:xfrm>
       </p:grpSpPr>
+      <p:pic>
+        <p:nvPicPr>
+          <p:cNvPr id="1026" name="Picture 2" descr="The TB6612FNG Breakout Board">
+            <a:extLst>
+              <a:ext uri="{FF2B5EF4-FFF2-40B4-BE49-F238E27FC236}">
+                <a16:creationId xmlns:a16="http://schemas.microsoft.com/office/drawing/2014/main" id="{9BDCBB7C-41E9-700E-31E3-726C90B71BB5}"/>
+              </a:ext>
+            </a:extLst>
+          </p:cNvPr>
+          <p:cNvPicPr>
+            <a:picLocks noChangeAspect="1" noChangeArrowheads="1"/>
+          </p:cNvPicPr>
+          <p:nvPr/>
+        </p:nvPicPr>
+        <p:blipFill rotWithShape="1">
+          <a:blip r:embed="rId3">
+            <a:extLst>
+              <a:ext uri="{28A0092B-C50C-407E-A947-70E740481C1C}">
+                <a14:useLocalDpi xmlns:a14="http://schemas.microsoft.com/office/drawing/2010/main" val="0"/>
+              </a:ext>
+            </a:extLst>
+          </a:blip>
+          <a:srcRect l="3521" t="5714" r="51493" b="5271"/>
+          <a:stretch>
+            <a:fillRect/>
+          </a:stretch>
+        </p:blipFill>
+        <p:spPr bwMode="auto">
+          <a:xfrm>
+            <a:off x="7443029" y="3401844"/>
+            <a:ext cx="1083525" cy="1103386"/>
+          </a:xfrm>
+          <a:prstGeom prst="rect">
+            <a:avLst/>
+          </a:prstGeom>
+          <a:noFill/>
+          <a:extLst>
+            <a:ext uri="{909E8E84-426E-40DD-AFC4-6F175D3DCCD1}">
+              <a14:hiddenFill xmlns:a14="http://schemas.microsoft.com/office/drawing/2010/main">
+                <a:solidFill>
+                  <a:srgbClr val="FFFFFF"/>
+                </a:solidFill>
+              </a14:hiddenFill>
+            </a:ext>
+          </a:extLst>
+        </p:spPr>
+      </p:pic>
+      <p:cxnSp>
+        <p:nvCxnSpPr>
+          <p:cNvPr id="13" name="Straight Connector 12">
+            <a:extLst>
+              <a:ext uri="{FF2B5EF4-FFF2-40B4-BE49-F238E27FC236}">
+                <a16:creationId xmlns:a16="http://schemas.microsoft.com/office/drawing/2014/main" id="{6F2C2124-4E0D-453C-5725-174151235711}"/>
+              </a:ext>
+            </a:extLst>
+          </p:cNvPr>
+          <p:cNvCxnSpPr>
+            <a:cxnSpLocks/>
+          </p:cNvCxnSpPr>
+          <p:nvPr/>
+        </p:nvCxnSpPr>
+        <p:spPr>
+          <a:xfrm flipH="1">
+            <a:off x="7329489" y="4608496"/>
+            <a:ext cx="1104900" cy="0"/>
+          </a:xfrm>
+          <a:prstGeom prst="line">
+            <a:avLst/>
+          </a:prstGeom>
+          <a:ln w="38100">
+            <a:solidFill>
+              <a:srgbClr val="002060"/>
+            </a:solidFill>
+          </a:ln>
+        </p:spPr>
+        <p:style>
+          <a:lnRef idx="2">
+            <a:schemeClr val="accent1"/>
+          </a:lnRef>
+          <a:fillRef idx="0">
+            <a:schemeClr val="accent1"/>
+          </a:fillRef>
+          <a:effectRef idx="1">
+            <a:schemeClr val="accent1"/>
+          </a:effectRef>
+          <a:fontRef idx="minor">
+            <a:schemeClr val="tx1"/>
+          </a:fontRef>
+        </p:style>
+      </p:cxnSp>
+      <p:cxnSp>
+        <p:nvCxnSpPr>
+          <p:cNvPr id="6" name="Straight Connector 5">
+            <a:extLst>
+              <a:ext uri="{FF2B5EF4-FFF2-40B4-BE49-F238E27FC236}">
+                <a16:creationId xmlns:a16="http://schemas.microsoft.com/office/drawing/2014/main" id="{C83DC6E1-6142-5086-32E6-FA1FE87A7E9B}"/>
+              </a:ext>
+            </a:extLst>
+          </p:cNvPr>
+          <p:cNvCxnSpPr>
+            <a:cxnSpLocks/>
+          </p:cNvCxnSpPr>
+          <p:nvPr/>
+        </p:nvCxnSpPr>
+        <p:spPr>
+          <a:xfrm flipH="1">
+            <a:off x="7036231" y="4439263"/>
+            <a:ext cx="508300" cy="0"/>
+          </a:xfrm>
+          <a:prstGeom prst="line">
+            <a:avLst/>
+          </a:prstGeom>
+          <a:ln w="38100">
+            <a:solidFill>
+              <a:srgbClr val="002060"/>
+            </a:solidFill>
+          </a:ln>
+        </p:spPr>
+        <p:style>
+          <a:lnRef idx="2">
+            <a:schemeClr val="accent1"/>
+          </a:lnRef>
+          <a:fillRef idx="0">
+            <a:schemeClr val="accent1"/>
+          </a:fillRef>
+          <a:effectRef idx="1">
+            <a:schemeClr val="accent1"/>
+          </a:effectRef>
+          <a:fontRef idx="minor">
+            <a:schemeClr val="tx1"/>
+          </a:fontRef>
+        </p:style>
+      </p:cxnSp>
       <p:cxnSp>
         <p:nvCxnSpPr>
           <p:cNvPr id="1078" name="Straight Connector 1077">
@@ -3447,58 +3580,58 @@
         </p:nvCxnSpPr>
         <p:spPr>
           <a:xfrm flipV="1">
-            <a:off x="3395441" y="1692744"/>
-            <a:ext cx="0" cy="3071194"/>
+            <a:off x="3395441" y="2317750"/>
+            <a:ext cx="0" cy="2455714"/>
           </a:xfrm>
           <a:prstGeom prst="line">
             <a:avLst/>
           </a:prstGeom>
           <a:ln w="38100">
             <a:solidFill>
+              <a:srgbClr val="FF0000"/>
+            </a:solidFill>
+          </a:ln>
+        </p:spPr>
+        <p:style>
+          <a:lnRef idx="2">
+            <a:schemeClr val="accent1"/>
+          </a:lnRef>
+          <a:fillRef idx="0">
+            <a:schemeClr val="accent1"/>
+          </a:fillRef>
+          <a:effectRef idx="1">
+            <a:schemeClr val="accent1"/>
+          </a:effectRef>
+          <a:fontRef idx="minor">
+            <a:schemeClr val="tx1"/>
+          </a:fontRef>
+        </p:style>
+      </p:cxnSp>
+      <p:cxnSp>
+        <p:nvCxnSpPr>
+          <p:cNvPr id="1081" name="Straight Connector 1080">
+            <a:extLst>
+              <a:ext uri="{FF2B5EF4-FFF2-40B4-BE49-F238E27FC236}">
+                <a16:creationId xmlns:a16="http://schemas.microsoft.com/office/drawing/2014/main" id="{85060453-78CE-3080-961D-F32D21D305EA}"/>
+              </a:ext>
+            </a:extLst>
+          </p:cNvPr>
+          <p:cNvCxnSpPr>
+            <a:cxnSpLocks/>
+          </p:cNvCxnSpPr>
+          <p:nvPr/>
+        </p:nvCxnSpPr>
+        <p:spPr>
+          <a:xfrm flipV="1">
+            <a:off x="3642530" y="2434685"/>
+            <a:ext cx="0" cy="2462831"/>
+          </a:xfrm>
+          <a:prstGeom prst="line">
+            <a:avLst/>
+          </a:prstGeom>
+          <a:ln w="38100">
+            <a:solidFill>
               <a:schemeClr val="bg1"/>
-            </a:solidFill>
-          </a:ln>
-        </p:spPr>
-        <p:style>
-          <a:lnRef idx="2">
-            <a:schemeClr val="accent1"/>
-          </a:lnRef>
-          <a:fillRef idx="0">
-            <a:schemeClr val="accent1"/>
-          </a:fillRef>
-          <a:effectRef idx="1">
-            <a:schemeClr val="accent1"/>
-          </a:effectRef>
-          <a:fontRef idx="minor">
-            <a:schemeClr val="tx1"/>
-          </a:fontRef>
-        </p:style>
-      </p:cxnSp>
-      <p:cxnSp>
-        <p:nvCxnSpPr>
-          <p:cNvPr id="1081" name="Straight Connector 1080">
-            <a:extLst>
-              <a:ext uri="{FF2B5EF4-FFF2-40B4-BE49-F238E27FC236}">
-                <a16:creationId xmlns:a16="http://schemas.microsoft.com/office/drawing/2014/main" id="{85060453-78CE-3080-961D-F32D21D305EA}"/>
-              </a:ext>
-            </a:extLst>
-          </p:cNvPr>
-          <p:cNvCxnSpPr>
-            <a:cxnSpLocks/>
-          </p:cNvCxnSpPr>
-          <p:nvPr/>
-        </p:nvCxnSpPr>
-        <p:spPr>
-          <a:xfrm flipV="1">
-            <a:off x="3642530" y="1799650"/>
-            <a:ext cx="0" cy="3097866"/>
-          </a:xfrm>
-          <a:prstGeom prst="line">
-            <a:avLst/>
-          </a:prstGeom>
-          <a:ln w="38100">
-            <a:solidFill>
-              <a:srgbClr val="FF0000"/>
             </a:solidFill>
           </a:ln>
         </p:spPr>
@@ -3532,11 +3665,11 @@
           <p:nvPr/>
         </p:nvPicPr>
         <p:blipFill rotWithShape="1">
-          <a:blip r:embed="rId3">
+          <a:blip r:embed="rId4">
             <a:extLst>
               <a:ext uri="{BEBA8EAE-BF5A-486C-A8C5-ECC9F3942E4B}">
                 <a14:imgProps xmlns:a14="http://schemas.microsoft.com/office/drawing/2010/main">
-                  <a14:imgLayer r:embed="rId4">
+                  <a14:imgLayer r:embed="rId5">
                     <a14:imgEffect>
                       <a14:backgroundRemoval t="7778" b="65417" l="36719" r="61719">
                         <a14:foregroundMark x1="41875" y1="15278" x2="41875" y2="15278"/>
@@ -3625,12 +3758,270 @@
           </a:extLst>
         </p:spPr>
       </p:pic>
+      <p:cxnSp>
+        <p:nvCxnSpPr>
+          <p:cNvPr id="44" name="Straight Connector 43">
+            <a:extLst>
+              <a:ext uri="{FF2B5EF4-FFF2-40B4-BE49-F238E27FC236}">
+                <a16:creationId xmlns:a16="http://schemas.microsoft.com/office/drawing/2014/main" id="{662C532B-A25C-39FD-D720-C50076F1DDB2}"/>
+              </a:ext>
+            </a:extLst>
+          </p:cNvPr>
+          <p:cNvCxnSpPr>
+            <a:cxnSpLocks/>
+          </p:cNvCxnSpPr>
+          <p:nvPr/>
+        </p:nvCxnSpPr>
+        <p:spPr>
+          <a:xfrm flipH="1">
+            <a:off x="7036231" y="5825144"/>
+            <a:ext cx="508300" cy="0"/>
+          </a:xfrm>
+          <a:prstGeom prst="line">
+            <a:avLst/>
+          </a:prstGeom>
+          <a:ln w="38100">
+            <a:solidFill>
+              <a:srgbClr val="002060"/>
+            </a:solidFill>
+          </a:ln>
+        </p:spPr>
+        <p:style>
+          <a:lnRef idx="2">
+            <a:schemeClr val="accent1"/>
+          </a:lnRef>
+          <a:fillRef idx="0">
+            <a:schemeClr val="accent1"/>
+          </a:fillRef>
+          <a:effectRef idx="1">
+            <a:schemeClr val="accent1"/>
+          </a:effectRef>
+          <a:fontRef idx="minor">
+            <a:schemeClr val="tx1"/>
+          </a:fontRef>
+        </p:style>
+      </p:cxnSp>
+      <p:cxnSp>
+        <p:nvCxnSpPr>
+          <p:cNvPr id="45" name="Straight Connector 44">
+            <a:extLst>
+              <a:ext uri="{FF2B5EF4-FFF2-40B4-BE49-F238E27FC236}">
+                <a16:creationId xmlns:a16="http://schemas.microsoft.com/office/drawing/2014/main" id="{A5B81BE9-C73E-9818-CB9D-914889E1E64F}"/>
+              </a:ext>
+            </a:extLst>
+          </p:cNvPr>
+          <p:cNvCxnSpPr>
+            <a:cxnSpLocks/>
+          </p:cNvCxnSpPr>
+          <p:nvPr/>
+        </p:nvCxnSpPr>
+        <p:spPr>
+          <a:xfrm>
+            <a:off x="7036231" y="3747244"/>
+            <a:ext cx="0" cy="2794679"/>
+          </a:xfrm>
+          <a:prstGeom prst="line">
+            <a:avLst/>
+          </a:prstGeom>
+          <a:ln w="38100">
+            <a:solidFill>
+              <a:srgbClr val="002060"/>
+            </a:solidFill>
+          </a:ln>
+        </p:spPr>
+        <p:style>
+          <a:lnRef idx="2">
+            <a:schemeClr val="accent1"/>
+          </a:lnRef>
+          <a:fillRef idx="0">
+            <a:schemeClr val="accent1"/>
+          </a:fillRef>
+          <a:effectRef idx="1">
+            <a:schemeClr val="accent1"/>
+          </a:effectRef>
+          <a:fontRef idx="minor">
+            <a:schemeClr val="tx1"/>
+          </a:fontRef>
+        </p:style>
+      </p:cxnSp>
+      <p:cxnSp>
+        <p:nvCxnSpPr>
+          <p:cNvPr id="47" name="Straight Connector 46">
+            <a:extLst>
+              <a:ext uri="{FF2B5EF4-FFF2-40B4-BE49-F238E27FC236}">
+                <a16:creationId xmlns:a16="http://schemas.microsoft.com/office/drawing/2014/main" id="{F1CFF64F-78B7-9FD9-EA1B-ACACF72421E5}"/>
+              </a:ext>
+            </a:extLst>
+          </p:cNvPr>
+          <p:cNvCxnSpPr>
+            <a:cxnSpLocks/>
+          </p:cNvCxnSpPr>
+          <p:nvPr/>
+        </p:nvCxnSpPr>
+        <p:spPr>
+          <a:xfrm flipH="1">
+            <a:off x="7031468" y="3752007"/>
+            <a:ext cx="508300" cy="0"/>
+          </a:xfrm>
+          <a:prstGeom prst="line">
+            <a:avLst/>
+          </a:prstGeom>
+          <a:ln w="38100">
+            <a:solidFill>
+              <a:srgbClr val="002060"/>
+            </a:solidFill>
+          </a:ln>
+        </p:spPr>
+        <p:style>
+          <a:lnRef idx="2">
+            <a:schemeClr val="accent1"/>
+          </a:lnRef>
+          <a:fillRef idx="0">
+            <a:schemeClr val="accent1"/>
+          </a:fillRef>
+          <a:effectRef idx="1">
+            <a:schemeClr val="accent1"/>
+          </a:effectRef>
+          <a:fontRef idx="minor">
+            <a:schemeClr val="tx1"/>
+          </a:fontRef>
+        </p:style>
+      </p:cxnSp>
+      <p:cxnSp>
+        <p:nvCxnSpPr>
+          <p:cNvPr id="49" name="Straight Connector 48">
+            <a:extLst>
+              <a:ext uri="{FF2B5EF4-FFF2-40B4-BE49-F238E27FC236}">
+                <a16:creationId xmlns:a16="http://schemas.microsoft.com/office/drawing/2014/main" id="{1F0C466D-1927-E26D-8110-4B13389B31A6}"/>
+              </a:ext>
+            </a:extLst>
+          </p:cNvPr>
+          <p:cNvCxnSpPr>
+            <a:cxnSpLocks/>
+          </p:cNvCxnSpPr>
+          <p:nvPr/>
+        </p:nvCxnSpPr>
+        <p:spPr>
+          <a:xfrm flipH="1">
+            <a:off x="7253065" y="5975009"/>
+            <a:ext cx="291468" cy="0"/>
+          </a:xfrm>
+          <a:prstGeom prst="line">
+            <a:avLst/>
+          </a:prstGeom>
+          <a:ln w="38100">
+            <a:solidFill>
+              <a:srgbClr val="FFFF00"/>
+            </a:solidFill>
+          </a:ln>
+        </p:spPr>
+        <p:style>
+          <a:lnRef idx="2">
+            <a:schemeClr val="accent1"/>
+          </a:lnRef>
+          <a:fillRef idx="0">
+            <a:schemeClr val="accent1"/>
+          </a:fillRef>
+          <a:effectRef idx="1">
+            <a:schemeClr val="accent1"/>
+          </a:effectRef>
+          <a:fontRef idx="minor">
+            <a:schemeClr val="tx1"/>
+          </a:fontRef>
+        </p:style>
+      </p:cxnSp>
+      <p:cxnSp>
+        <p:nvCxnSpPr>
+          <p:cNvPr id="50" name="Straight Connector 49">
+            <a:extLst>
+              <a:ext uri="{FF2B5EF4-FFF2-40B4-BE49-F238E27FC236}">
+                <a16:creationId xmlns:a16="http://schemas.microsoft.com/office/drawing/2014/main" id="{2FB5B39F-FFAF-EBF1-9FB8-D8F3C89B8145}"/>
+              </a:ext>
+            </a:extLst>
+          </p:cNvPr>
+          <p:cNvCxnSpPr>
+            <a:cxnSpLocks/>
+          </p:cNvCxnSpPr>
+          <p:nvPr/>
+        </p:nvCxnSpPr>
+        <p:spPr>
+          <a:xfrm flipH="1">
+            <a:off x="7251469" y="3590925"/>
+            <a:ext cx="3836" cy="2816472"/>
+          </a:xfrm>
+          <a:prstGeom prst="line">
+            <a:avLst/>
+          </a:prstGeom>
+          <a:ln w="38100">
+            <a:solidFill>
+              <a:srgbClr val="FFFF00"/>
+            </a:solidFill>
+          </a:ln>
+        </p:spPr>
+        <p:style>
+          <a:lnRef idx="2">
+            <a:schemeClr val="accent1"/>
+          </a:lnRef>
+          <a:fillRef idx="0">
+            <a:schemeClr val="accent1"/>
+          </a:fillRef>
+          <a:effectRef idx="1">
+            <a:schemeClr val="accent1"/>
+          </a:effectRef>
+          <a:fontRef idx="minor">
+            <a:schemeClr val="tx1"/>
+          </a:fontRef>
+        </p:style>
+      </p:cxnSp>
+      <p:cxnSp>
+        <p:nvCxnSpPr>
+          <p:cNvPr id="51" name="Straight Connector 50">
+            <a:extLst>
+              <a:ext uri="{FF2B5EF4-FFF2-40B4-BE49-F238E27FC236}">
+                <a16:creationId xmlns:a16="http://schemas.microsoft.com/office/drawing/2014/main" id="{943D7460-9362-6F7A-89D7-46CE7314F79E}"/>
+              </a:ext>
+            </a:extLst>
+          </p:cNvPr>
+          <p:cNvCxnSpPr>
+            <a:cxnSpLocks/>
+          </p:cNvCxnSpPr>
+          <p:nvPr/>
+        </p:nvCxnSpPr>
+        <p:spPr>
+          <a:xfrm flipH="1">
+            <a:off x="7261925" y="3611711"/>
+            <a:ext cx="282608" cy="0"/>
+          </a:xfrm>
+          <a:prstGeom prst="line">
+            <a:avLst/>
+          </a:prstGeom>
+          <a:ln w="38100">
+            <a:solidFill>
+              <a:srgbClr val="FFFF00"/>
+            </a:solidFill>
+          </a:ln>
+        </p:spPr>
+        <p:style>
+          <a:lnRef idx="2">
+            <a:schemeClr val="accent1"/>
+          </a:lnRef>
+          <a:fillRef idx="0">
+            <a:schemeClr val="accent1"/>
+          </a:fillRef>
+          <a:effectRef idx="1">
+            <a:schemeClr val="accent1"/>
+          </a:effectRef>
+          <a:fontRef idx="minor">
+            <a:schemeClr val="tx1"/>
+          </a:fontRef>
+        </p:style>
+      </p:cxnSp>
       <p:pic>
         <p:nvPicPr>
-          <p:cNvPr id="1030" name="Picture 6" descr="NEW PRODUCT – Assembled DC Motor + Stepper FeatherWing Add-on « Adafruit  Industries – Makers, hackers, artists, designers and engineers!">
-            <a:extLst>
-              <a:ext uri="{FF2B5EF4-FFF2-40B4-BE49-F238E27FC236}">
-                <a16:creationId xmlns:a16="http://schemas.microsoft.com/office/drawing/2014/main" id="{5BB1FE55-CE94-5A81-3DB0-2FA1BFD50915}"/>
+          <p:cNvPr id="1040" name="Picture 8" descr="12V 12Ah Replacement Battery compatible with Interstate SLA3060, SLA1105">
+            <a:extLst>
+              <a:ext uri="{FF2B5EF4-FFF2-40B4-BE49-F238E27FC236}">
+                <a16:creationId xmlns:a16="http://schemas.microsoft.com/office/drawing/2014/main" id="{697D20D9-EC96-CDB8-17D3-D0E10044749A}"/>
               </a:ext>
             </a:extLst>
           </p:cNvPr>
@@ -3640,629 +4031,11 @@
           <p:nvPr/>
         </p:nvPicPr>
         <p:blipFill rotWithShape="1">
-          <a:blip r:embed="rId5">
+          <a:blip r:embed="rId6">
             <a:extLst>
               <a:ext uri="{BEBA8EAE-BF5A-486C-A8C5-ECC9F3942E4B}">
                 <a14:imgProps xmlns:a14="http://schemas.microsoft.com/office/drawing/2010/main">
-                  <a14:imgLayer r:embed="rId6">
-                    <a14:imgEffect>
-                      <a14:backgroundRemoval t="28550" b="65344" l="17274" r="83784">
-                        <a14:foregroundMark x1="18449" y1="30534" x2="17979" y2="61832"/>
-                        <a14:foregroundMark x1="17979" y1="61832" x2="25617" y2="65954"/>
-                        <a14:foregroundMark x1="25617" y1="65954" x2="47709" y2="66412"/>
-                        <a14:foregroundMark x1="47709" y1="66412" x2="58167" y2="66107"/>
-                        <a14:foregroundMark x1="58167" y1="66107" x2="73561" y2="66565"/>
-                        <a14:foregroundMark x1="73561" y1="66565" x2="79906" y2="65954"/>
-                        <a14:foregroundMark x1="79906" y1="65954" x2="82374" y2="58931"/>
-                        <a14:foregroundMark x1="82374" y1="58931" x2="80964" y2="37557"/>
-                        <a14:foregroundMark x1="80964" y1="37557" x2="74031" y2="30840"/>
-                        <a14:foregroundMark x1="74031" y1="30840" x2="18331" y2="30534"/>
-                        <a14:foregroundMark x1="41363" y1="35878" x2="33490" y2="55115"/>
-                        <a14:foregroundMark x1="36663" y1="40763" x2="57697" y2="50992"/>
-                        <a14:foregroundMark x1="57697" y1="50992" x2="60282" y2="51603"/>
-                        <a14:foregroundMark x1="72150" y1="44580" x2="55229" y2="56336"/>
-                        <a14:foregroundMark x1="55229" y1="56336" x2="42538" y2="58931"/>
-                        <a14:foregroundMark x1="40658" y1="62443" x2="62280" y2="63206"/>
-                        <a14:foregroundMark x1="62280" y1="63206" x2="67215" y2="63206"/>
-                        <a14:foregroundMark x1="79553" y1="37863" x2="80376" y2="46412"/>
-                        <a14:foregroundMark x1="80376" y1="46412" x2="78613" y2="58626"/>
-                        <a14:foregroundMark x1="78613" y1="58626" x2="77438" y2="59847"/>
-                        <a14:foregroundMark x1="78848" y1="31145" x2="82609" y2="40000"/>
-                        <a14:foregroundMark x1="82609" y1="40000" x2="82491" y2="42901"/>
-                        <a14:foregroundMark x1="82844" y1="65344" x2="68038" y2="64733"/>
-                        <a14:foregroundMark x1="17274" y1="30382" x2="18331" y2="29466"/>
-                        <a14:foregroundMark x1="21857" y1="29313" x2="24912" y2="29466"/>
-                        <a14:foregroundMark x1="38308" y1="29618" x2="52996" y2="29466"/>
-                        <a14:foregroundMark x1="52996" y1="29466" x2="61927" y2="29618"/>
-                        <a14:foregroundMark x1="61927" y1="29618" x2="72033" y2="29466"/>
-                        <a14:foregroundMark x1="72033" y1="29466" x2="79318" y2="29466"/>
-                        <a14:foregroundMark x1="79318" y1="29466" x2="83079" y2="36336"/>
-                        <a14:foregroundMark x1="82961" y1="30229" x2="79553" y2="30076"/>
-                        <a14:foregroundMark x1="60870" y1="33282" x2="54877" y2="36031"/>
-                        <a14:foregroundMark x1="43243" y1="34962" x2="28437" y2="37099"/>
-                        <a14:foregroundMark x1="28437" y1="37099" x2="27850" y2="37405"/>
-                        <a14:foregroundMark x1="83431" y1="29924" x2="80024" y2="29160"/>
-                        <a14:foregroundMark x1="21152" y1="29160" x2="18449" y2="29313"/>
-                        <a14:foregroundMark x1="25852" y1="29008" x2="23032" y2="29160"/>
-                        <a14:foregroundMark x1="29965" y1="28702" x2="28672" y2="28702"/>
-                        <a14:foregroundMark x1="83666" y1="29466" x2="81081" y2="29008"/>
-                        <a14:foregroundMark x1="37368" y1="28855" x2="45358" y2="29466"/>
-                        <a14:foregroundMark x1="45358" y1="29466" x2="52174" y2="29313"/>
-                        <a14:foregroundMark x1="52174" y1="29313" x2="52291" y2="29313"/>
-                        <a14:foregroundMark x1="60282" y1="28702" x2="58402" y2="29008"/>
-                        <a14:foregroundMark x1="56052" y1="28702" x2="53937" y2="28702"/>
-                        <a14:foregroundMark x1="52526" y1="28855" x2="41951" y2="28855"/>
-                        <a14:foregroundMark x1="26204" y1="28702" x2="34195" y2="29313"/>
-                        <a14:foregroundMark x1="34195" y1="29313" x2="37250" y2="28855"/>
-                        <a14:foregroundMark x1="35723" y1="28702" x2="34548" y2="28855"/>
-                        <a14:foregroundMark x1="83784" y1="29618" x2="69330" y2="29008"/>
-                        <a14:foregroundMark x1="70388" y1="29008" x2="67568" y2="28855"/>
-                        <a14:foregroundMark x1="73796" y1="28702" x2="74736" y2="28702"/>
-                        <a14:foregroundMark x1="83431" y1="28855" x2="82609" y2="28855"/>
-                        <a14:foregroundMark x1="67333" y1="28855" x2="61810" y2="29313"/>
-                      </a14:backgroundRemoval>
-                    </a14:imgEffect>
-                  </a14:imgLayer>
-                </a14:imgProps>
-              </a:ext>
-              <a:ext uri="{28A0092B-C50C-407E-A947-70E740481C1C}">
-                <a14:useLocalDpi xmlns:a14="http://schemas.microsoft.com/office/drawing/2010/main" val="0"/>
-              </a:ext>
-            </a:extLst>
-          </a:blip>
-          <a:srcRect l="16599" t="28340" r="15964" b="32433"/>
-          <a:stretch/>
-        </p:blipFill>
-        <p:spPr bwMode="auto">
-          <a:xfrm rot="5400000">
-            <a:off x="6743174" y="2798867"/>
-            <a:ext cx="2631749" cy="1178298"/>
-          </a:xfrm>
-          <a:prstGeom prst="rect">
-            <a:avLst/>
-          </a:prstGeom>
-          <a:noFill/>
-          <a:extLst>
-            <a:ext uri="{909E8E84-426E-40DD-AFC4-6F175D3DCCD1}">
-              <a14:hiddenFill xmlns:a14="http://schemas.microsoft.com/office/drawing/2010/main">
-                <a:solidFill>
-                  <a:srgbClr val="FFFFFF"/>
-                </a:solidFill>
-              </a14:hiddenFill>
-            </a:ext>
-          </a:extLst>
-        </p:spPr>
-      </p:pic>
-      <p:cxnSp>
-        <p:nvCxnSpPr>
-          <p:cNvPr id="16" name="Straight Connector 15">
-            <a:extLst>
-              <a:ext uri="{FF2B5EF4-FFF2-40B4-BE49-F238E27FC236}">
-                <a16:creationId xmlns:a16="http://schemas.microsoft.com/office/drawing/2014/main" id="{DE6543C8-58A0-8B54-ED86-D21FDC6ED67B}"/>
-              </a:ext>
-            </a:extLst>
-          </p:cNvPr>
-          <p:cNvCxnSpPr>
-            <a:cxnSpLocks/>
-          </p:cNvCxnSpPr>
-          <p:nvPr/>
-        </p:nvCxnSpPr>
-        <p:spPr>
-          <a:xfrm>
-            <a:off x="8511429" y="5373791"/>
-            <a:ext cx="352258" cy="0"/>
-          </a:xfrm>
-          <a:prstGeom prst="line">
-            <a:avLst/>
-          </a:prstGeom>
-          <a:ln w="38100"/>
-        </p:spPr>
-        <p:style>
-          <a:lnRef idx="2">
-            <a:schemeClr val="accent5"/>
-          </a:lnRef>
-          <a:fillRef idx="0">
-            <a:schemeClr val="accent5"/>
-          </a:fillRef>
-          <a:effectRef idx="1">
-            <a:schemeClr val="accent5"/>
-          </a:effectRef>
-          <a:fontRef idx="minor">
-            <a:schemeClr val="tx1"/>
-          </a:fontRef>
-        </p:style>
-      </p:cxnSp>
-      <p:cxnSp>
-        <p:nvCxnSpPr>
-          <p:cNvPr id="17" name="Straight Connector 16">
-            <a:extLst>
-              <a:ext uri="{FF2B5EF4-FFF2-40B4-BE49-F238E27FC236}">
-                <a16:creationId xmlns:a16="http://schemas.microsoft.com/office/drawing/2014/main" id="{1D441428-67A0-D8F4-A7F9-817FFADFE8AA}"/>
-              </a:ext>
-            </a:extLst>
-          </p:cNvPr>
-          <p:cNvCxnSpPr>
-            <a:cxnSpLocks/>
-          </p:cNvCxnSpPr>
-          <p:nvPr/>
-        </p:nvCxnSpPr>
-        <p:spPr>
-          <a:xfrm>
-            <a:off x="8597437" y="4381146"/>
-            <a:ext cx="266252" cy="0"/>
-          </a:xfrm>
-          <a:prstGeom prst="line">
-            <a:avLst/>
-          </a:prstGeom>
-          <a:ln w="38100"/>
-        </p:spPr>
-        <p:style>
-          <a:lnRef idx="2">
-            <a:schemeClr val="accent5"/>
-          </a:lnRef>
-          <a:fillRef idx="0">
-            <a:schemeClr val="accent5"/>
-          </a:fillRef>
-          <a:effectRef idx="1">
-            <a:schemeClr val="accent5"/>
-          </a:effectRef>
-          <a:fontRef idx="minor">
-            <a:schemeClr val="tx1"/>
-          </a:fontRef>
-        </p:style>
-      </p:cxnSp>
-      <p:cxnSp>
-        <p:nvCxnSpPr>
-          <p:cNvPr id="19" name="Straight Connector 18">
-            <a:extLst>
-              <a:ext uri="{FF2B5EF4-FFF2-40B4-BE49-F238E27FC236}">
-                <a16:creationId xmlns:a16="http://schemas.microsoft.com/office/drawing/2014/main" id="{1AFE21F0-494F-8F3E-8878-6DCAA775F495}"/>
-              </a:ext>
-            </a:extLst>
-          </p:cNvPr>
-          <p:cNvCxnSpPr>
-            <a:cxnSpLocks/>
-          </p:cNvCxnSpPr>
-          <p:nvPr/>
-        </p:nvCxnSpPr>
-        <p:spPr>
-          <a:xfrm>
-            <a:off x="8863687" y="4381148"/>
-            <a:ext cx="0" cy="992645"/>
-          </a:xfrm>
-          <a:prstGeom prst="line">
-            <a:avLst/>
-          </a:prstGeom>
-          <a:ln w="38100"/>
-        </p:spPr>
-        <p:style>
-          <a:lnRef idx="2">
-            <a:schemeClr val="accent5"/>
-          </a:lnRef>
-          <a:fillRef idx="0">
-            <a:schemeClr val="accent5"/>
-          </a:fillRef>
-          <a:effectRef idx="1">
-            <a:schemeClr val="accent5"/>
-          </a:effectRef>
-          <a:fontRef idx="minor">
-            <a:schemeClr val="tx1"/>
-          </a:fontRef>
-        </p:style>
-      </p:cxnSp>
-      <p:cxnSp>
-        <p:nvCxnSpPr>
-          <p:cNvPr id="22" name="Straight Connector 21">
-            <a:extLst>
-              <a:ext uri="{FF2B5EF4-FFF2-40B4-BE49-F238E27FC236}">
-                <a16:creationId xmlns:a16="http://schemas.microsoft.com/office/drawing/2014/main" id="{BDFA3E9C-30C9-2A54-AA0D-52B71A3BCE53}"/>
-              </a:ext>
-            </a:extLst>
-          </p:cNvPr>
-          <p:cNvCxnSpPr>
-            <a:cxnSpLocks/>
-          </p:cNvCxnSpPr>
-          <p:nvPr/>
-        </p:nvCxnSpPr>
-        <p:spPr>
-          <a:xfrm>
-            <a:off x="8515721" y="5208391"/>
-            <a:ext cx="429566" cy="0"/>
-          </a:xfrm>
-          <a:prstGeom prst="line">
-            <a:avLst/>
-          </a:prstGeom>
-          <a:ln w="38100">
-            <a:solidFill>
-              <a:schemeClr val="bg2">
-                <a:lumMod val="50000"/>
-              </a:schemeClr>
-            </a:solidFill>
-          </a:ln>
-        </p:spPr>
-        <p:style>
-          <a:lnRef idx="2">
-            <a:schemeClr val="accent5"/>
-          </a:lnRef>
-          <a:fillRef idx="0">
-            <a:schemeClr val="accent5"/>
-          </a:fillRef>
-          <a:effectRef idx="1">
-            <a:schemeClr val="accent5"/>
-          </a:effectRef>
-          <a:fontRef idx="minor">
-            <a:schemeClr val="tx1"/>
-          </a:fontRef>
-        </p:style>
-      </p:cxnSp>
-      <p:cxnSp>
-        <p:nvCxnSpPr>
-          <p:cNvPr id="23" name="Straight Connector 22">
-            <a:extLst>
-              <a:ext uri="{FF2B5EF4-FFF2-40B4-BE49-F238E27FC236}">
-                <a16:creationId xmlns:a16="http://schemas.microsoft.com/office/drawing/2014/main" id="{B72A192C-3799-A8D8-8386-1D5A2C6B8271}"/>
-              </a:ext>
-            </a:extLst>
-          </p:cNvPr>
-          <p:cNvCxnSpPr>
-            <a:cxnSpLocks/>
-          </p:cNvCxnSpPr>
-          <p:nvPr/>
-        </p:nvCxnSpPr>
-        <p:spPr>
-          <a:xfrm>
-            <a:off x="8597438" y="4264156"/>
-            <a:ext cx="347849" cy="0"/>
-          </a:xfrm>
-          <a:prstGeom prst="line">
-            <a:avLst/>
-          </a:prstGeom>
-          <a:ln w="38100">
-            <a:solidFill>
-              <a:schemeClr val="bg2">
-                <a:lumMod val="50000"/>
-              </a:schemeClr>
-            </a:solidFill>
-          </a:ln>
-        </p:spPr>
-        <p:style>
-          <a:lnRef idx="2">
-            <a:schemeClr val="accent5"/>
-          </a:lnRef>
-          <a:fillRef idx="0">
-            <a:schemeClr val="accent5"/>
-          </a:fillRef>
-          <a:effectRef idx="1">
-            <a:schemeClr val="accent5"/>
-          </a:effectRef>
-          <a:fontRef idx="minor">
-            <a:schemeClr val="tx1"/>
-          </a:fontRef>
-        </p:style>
-      </p:cxnSp>
-      <p:cxnSp>
-        <p:nvCxnSpPr>
-          <p:cNvPr id="24" name="Straight Connector 23">
-            <a:extLst>
-              <a:ext uri="{FF2B5EF4-FFF2-40B4-BE49-F238E27FC236}">
-                <a16:creationId xmlns:a16="http://schemas.microsoft.com/office/drawing/2014/main" id="{B64BC341-B3A6-8681-12B7-895EF43696DF}"/>
-              </a:ext>
-            </a:extLst>
-          </p:cNvPr>
-          <p:cNvCxnSpPr>
-            <a:cxnSpLocks/>
-          </p:cNvCxnSpPr>
-          <p:nvPr/>
-        </p:nvCxnSpPr>
-        <p:spPr>
-          <a:xfrm>
-            <a:off x="8945284" y="4264158"/>
-            <a:ext cx="0" cy="944236"/>
-          </a:xfrm>
-          <a:prstGeom prst="line">
-            <a:avLst/>
-          </a:prstGeom>
-          <a:ln w="38100">
-            <a:solidFill>
-              <a:schemeClr val="bg2">
-                <a:lumMod val="50000"/>
-              </a:schemeClr>
-            </a:solidFill>
-          </a:ln>
-        </p:spPr>
-        <p:style>
-          <a:lnRef idx="2">
-            <a:schemeClr val="accent5"/>
-          </a:lnRef>
-          <a:fillRef idx="0">
-            <a:schemeClr val="accent5"/>
-          </a:fillRef>
-          <a:effectRef idx="1">
-            <a:schemeClr val="accent5"/>
-          </a:effectRef>
-          <a:fontRef idx="minor">
-            <a:schemeClr val="tx1"/>
-          </a:fontRef>
-        </p:style>
-      </p:cxnSp>
-      <p:cxnSp>
-        <p:nvCxnSpPr>
-          <p:cNvPr id="44" name="Straight Connector 43">
-            <a:extLst>
-              <a:ext uri="{FF2B5EF4-FFF2-40B4-BE49-F238E27FC236}">
-                <a16:creationId xmlns:a16="http://schemas.microsoft.com/office/drawing/2014/main" id="{662C532B-A25C-39FD-D720-C50076F1DDB2}"/>
-              </a:ext>
-            </a:extLst>
-          </p:cNvPr>
-          <p:cNvCxnSpPr>
-            <a:cxnSpLocks/>
-          </p:cNvCxnSpPr>
-          <p:nvPr/>
-        </p:nvCxnSpPr>
-        <p:spPr>
-          <a:xfrm flipH="1">
-            <a:off x="7036231" y="5825144"/>
-            <a:ext cx="508300" cy="0"/>
-          </a:xfrm>
-          <a:prstGeom prst="line">
-            <a:avLst/>
-          </a:prstGeom>
-          <a:ln w="38100">
-            <a:solidFill>
-              <a:srgbClr val="002060"/>
-            </a:solidFill>
-          </a:ln>
-        </p:spPr>
-        <p:style>
-          <a:lnRef idx="2">
-            <a:schemeClr val="accent1"/>
-          </a:lnRef>
-          <a:fillRef idx="0">
-            <a:schemeClr val="accent1"/>
-          </a:fillRef>
-          <a:effectRef idx="1">
-            <a:schemeClr val="accent1"/>
-          </a:effectRef>
-          <a:fontRef idx="minor">
-            <a:schemeClr val="tx1"/>
-          </a:fontRef>
-        </p:style>
-      </p:cxnSp>
-      <p:cxnSp>
-        <p:nvCxnSpPr>
-          <p:cNvPr id="45" name="Straight Connector 44">
-            <a:extLst>
-              <a:ext uri="{FF2B5EF4-FFF2-40B4-BE49-F238E27FC236}">
-                <a16:creationId xmlns:a16="http://schemas.microsoft.com/office/drawing/2014/main" id="{A5B81BE9-C73E-9818-CB9D-914889E1E64F}"/>
-              </a:ext>
-            </a:extLst>
-          </p:cNvPr>
-          <p:cNvCxnSpPr>
-            <a:cxnSpLocks/>
-          </p:cNvCxnSpPr>
-          <p:nvPr/>
-        </p:nvCxnSpPr>
-        <p:spPr>
-          <a:xfrm>
-            <a:off x="7036231" y="2795740"/>
-            <a:ext cx="0" cy="3746183"/>
-          </a:xfrm>
-          <a:prstGeom prst="line">
-            <a:avLst/>
-          </a:prstGeom>
-          <a:ln w="38100">
-            <a:solidFill>
-              <a:srgbClr val="002060"/>
-            </a:solidFill>
-          </a:ln>
-        </p:spPr>
-        <p:style>
-          <a:lnRef idx="2">
-            <a:schemeClr val="accent1"/>
-          </a:lnRef>
-          <a:fillRef idx="0">
-            <a:schemeClr val="accent1"/>
-          </a:fillRef>
-          <a:effectRef idx="1">
-            <a:schemeClr val="accent1"/>
-          </a:effectRef>
-          <a:fontRef idx="minor">
-            <a:schemeClr val="tx1"/>
-          </a:fontRef>
-        </p:style>
-      </p:cxnSp>
-      <p:cxnSp>
-        <p:nvCxnSpPr>
-          <p:cNvPr id="47" name="Straight Connector 46">
-            <a:extLst>
-              <a:ext uri="{FF2B5EF4-FFF2-40B4-BE49-F238E27FC236}">
-                <a16:creationId xmlns:a16="http://schemas.microsoft.com/office/drawing/2014/main" id="{F1CFF64F-78B7-9FD9-EA1B-ACACF72421E5}"/>
-              </a:ext>
-            </a:extLst>
-          </p:cNvPr>
-          <p:cNvCxnSpPr>
-            <a:cxnSpLocks/>
-          </p:cNvCxnSpPr>
-          <p:nvPr/>
-        </p:nvCxnSpPr>
-        <p:spPr>
-          <a:xfrm flipH="1">
-            <a:off x="7036231" y="2795738"/>
-            <a:ext cx="508300" cy="0"/>
-          </a:xfrm>
-          <a:prstGeom prst="line">
-            <a:avLst/>
-          </a:prstGeom>
-          <a:ln w="38100">
-            <a:solidFill>
-              <a:srgbClr val="002060"/>
-            </a:solidFill>
-          </a:ln>
-        </p:spPr>
-        <p:style>
-          <a:lnRef idx="2">
-            <a:schemeClr val="accent1"/>
-          </a:lnRef>
-          <a:fillRef idx="0">
-            <a:schemeClr val="accent1"/>
-          </a:fillRef>
-          <a:effectRef idx="1">
-            <a:schemeClr val="accent1"/>
-          </a:effectRef>
-          <a:fontRef idx="minor">
-            <a:schemeClr val="tx1"/>
-          </a:fontRef>
-        </p:style>
-      </p:cxnSp>
-      <p:cxnSp>
-        <p:nvCxnSpPr>
-          <p:cNvPr id="49" name="Straight Connector 48">
-            <a:extLst>
-              <a:ext uri="{FF2B5EF4-FFF2-40B4-BE49-F238E27FC236}">
-                <a16:creationId xmlns:a16="http://schemas.microsoft.com/office/drawing/2014/main" id="{1F0C466D-1927-E26D-8110-4B13389B31A6}"/>
-              </a:ext>
-            </a:extLst>
-          </p:cNvPr>
-          <p:cNvCxnSpPr>
-            <a:cxnSpLocks/>
-          </p:cNvCxnSpPr>
-          <p:nvPr/>
-        </p:nvCxnSpPr>
-        <p:spPr>
-          <a:xfrm flipH="1">
-            <a:off x="7253065" y="5975009"/>
-            <a:ext cx="291468" cy="0"/>
-          </a:xfrm>
-          <a:prstGeom prst="line">
-            <a:avLst/>
-          </a:prstGeom>
-          <a:ln w="38100">
-            <a:solidFill>
-              <a:srgbClr val="FFFF00"/>
-            </a:solidFill>
-          </a:ln>
-        </p:spPr>
-        <p:style>
-          <a:lnRef idx="2">
-            <a:schemeClr val="accent1"/>
-          </a:lnRef>
-          <a:fillRef idx="0">
-            <a:schemeClr val="accent1"/>
-          </a:fillRef>
-          <a:effectRef idx="1">
-            <a:schemeClr val="accent1"/>
-          </a:effectRef>
-          <a:fontRef idx="minor">
-            <a:schemeClr val="tx1"/>
-          </a:fontRef>
-        </p:style>
-      </p:cxnSp>
-      <p:cxnSp>
-        <p:nvCxnSpPr>
-          <p:cNvPr id="50" name="Straight Connector 49">
-            <a:extLst>
-              <a:ext uri="{FF2B5EF4-FFF2-40B4-BE49-F238E27FC236}">
-                <a16:creationId xmlns:a16="http://schemas.microsoft.com/office/drawing/2014/main" id="{2FB5B39F-FFAF-EBF1-9FB8-D8F3C89B8145}"/>
-              </a:ext>
-            </a:extLst>
-          </p:cNvPr>
-          <p:cNvCxnSpPr>
-            <a:cxnSpLocks/>
-          </p:cNvCxnSpPr>
-          <p:nvPr/>
-        </p:nvCxnSpPr>
-        <p:spPr>
-          <a:xfrm>
-            <a:off x="7244689" y="2549659"/>
-            <a:ext cx="0" cy="3848212"/>
-          </a:xfrm>
-          <a:prstGeom prst="line">
-            <a:avLst/>
-          </a:prstGeom>
-          <a:ln w="38100">
-            <a:solidFill>
-              <a:srgbClr val="FFFF00"/>
-            </a:solidFill>
-          </a:ln>
-        </p:spPr>
-        <p:style>
-          <a:lnRef idx="2">
-            <a:schemeClr val="accent1"/>
-          </a:lnRef>
-          <a:fillRef idx="0">
-            <a:schemeClr val="accent1"/>
-          </a:fillRef>
-          <a:effectRef idx="1">
-            <a:schemeClr val="accent1"/>
-          </a:effectRef>
-          <a:fontRef idx="minor">
-            <a:schemeClr val="tx1"/>
-          </a:fontRef>
-        </p:style>
-      </p:cxnSp>
-      <p:cxnSp>
-        <p:nvCxnSpPr>
-          <p:cNvPr id="51" name="Straight Connector 50">
-            <a:extLst>
-              <a:ext uri="{FF2B5EF4-FFF2-40B4-BE49-F238E27FC236}">
-                <a16:creationId xmlns:a16="http://schemas.microsoft.com/office/drawing/2014/main" id="{943D7460-9362-6F7A-89D7-46CE7314F79E}"/>
-              </a:ext>
-            </a:extLst>
-          </p:cNvPr>
-          <p:cNvCxnSpPr>
-            <a:cxnSpLocks/>
-          </p:cNvCxnSpPr>
-          <p:nvPr/>
-        </p:nvCxnSpPr>
-        <p:spPr>
-          <a:xfrm flipH="1">
-            <a:off x="7261925" y="2549656"/>
-            <a:ext cx="282608" cy="0"/>
-          </a:xfrm>
-          <a:prstGeom prst="line">
-            <a:avLst/>
-          </a:prstGeom>
-          <a:ln w="38100">
-            <a:solidFill>
-              <a:srgbClr val="FFFF00"/>
-            </a:solidFill>
-          </a:ln>
-        </p:spPr>
-        <p:style>
-          <a:lnRef idx="2">
-            <a:schemeClr val="accent1"/>
-          </a:lnRef>
-          <a:fillRef idx="0">
-            <a:schemeClr val="accent1"/>
-          </a:fillRef>
-          <a:effectRef idx="1">
-            <a:schemeClr val="accent1"/>
-          </a:effectRef>
-          <a:fontRef idx="minor">
-            <a:schemeClr val="tx1"/>
-          </a:fontRef>
-        </p:style>
-      </p:cxnSp>
-      <p:pic>
-        <p:nvPicPr>
-          <p:cNvPr id="1040" name="Picture 8" descr="12V 12Ah Replacement Battery compatible with Interstate SLA3060, SLA1105">
-            <a:extLst>
-              <a:ext uri="{FF2B5EF4-FFF2-40B4-BE49-F238E27FC236}">
-                <a16:creationId xmlns:a16="http://schemas.microsoft.com/office/drawing/2014/main" id="{697D20D9-EC96-CDB8-17D3-D0E10044749A}"/>
-              </a:ext>
-            </a:extLst>
-          </p:cNvPr>
-          <p:cNvPicPr>
-            <a:picLocks noChangeAspect="1" noChangeArrowheads="1"/>
-          </p:cNvPicPr>
-          <p:nvPr/>
-        </p:nvPicPr>
-        <p:blipFill rotWithShape="1">
-          <a:blip r:embed="rId7">
-            <a:extLst>
-              <a:ext uri="{BEBA8EAE-BF5A-486C-A8C5-ECC9F3942E4B}">
-                <a14:imgProps xmlns:a14="http://schemas.microsoft.com/office/drawing/2010/main">
-                  <a14:imgLayer r:embed="rId8">
+                  <a14:imgLayer r:embed="rId7">
                     <a14:imgEffect>
                       <a14:backgroundRemoval t="15800" b="86733" l="9867" r="92200">
                         <a14:foregroundMark x1="57800" y1="22933" x2="41333" y2="22933"/>
@@ -4321,106 +4094,22 @@
       </p:pic>
       <p:cxnSp>
         <p:nvCxnSpPr>
-          <p:cNvPr id="1042" name="Straight Connector 1041">
-            <a:extLst>
-              <a:ext uri="{FF2B5EF4-FFF2-40B4-BE49-F238E27FC236}">
-                <a16:creationId xmlns:a16="http://schemas.microsoft.com/office/drawing/2014/main" id="{A1625519-15C7-992A-0DC7-94A5559A861E}"/>
-              </a:ext>
-            </a:extLst>
-          </p:cNvPr>
-          <p:cNvCxnSpPr/>
+          <p:cNvPr id="1046" name="Straight Connector 1045">
+            <a:extLst>
+              <a:ext uri="{FF2B5EF4-FFF2-40B4-BE49-F238E27FC236}">
+                <a16:creationId xmlns:a16="http://schemas.microsoft.com/office/drawing/2014/main" id="{DB9EF4FE-FA34-488C-6C91-1C41EDDA35AB}"/>
+              </a:ext>
+            </a:extLst>
+          </p:cNvPr>
+          <p:cNvCxnSpPr>
+            <a:cxnSpLocks/>
+          </p:cNvCxnSpPr>
           <p:nvPr/>
         </p:nvCxnSpPr>
         <p:spPr>
           <a:xfrm>
-            <a:off x="8648197" y="2721443"/>
-            <a:ext cx="3200403" cy="0"/>
-          </a:xfrm>
-          <a:prstGeom prst="line">
-            <a:avLst/>
-          </a:prstGeom>
-          <a:ln w="38100">
-            <a:solidFill>
-              <a:schemeClr val="accent2"/>
-            </a:solidFill>
-          </a:ln>
-        </p:spPr>
-        <p:style>
-          <a:lnRef idx="2">
-            <a:schemeClr val="accent1"/>
-          </a:lnRef>
-          <a:fillRef idx="0">
-            <a:schemeClr val="accent1"/>
-          </a:fillRef>
-          <a:effectRef idx="1">
-            <a:schemeClr val="accent1"/>
-          </a:effectRef>
-          <a:fontRef idx="minor">
-            <a:schemeClr val="tx1"/>
-          </a:fontRef>
-        </p:style>
-      </p:cxnSp>
-      <p:cxnSp>
-        <p:nvCxnSpPr>
-          <p:cNvPr id="1043" name="Straight Connector 1042">
-            <a:extLst>
-              <a:ext uri="{FF2B5EF4-FFF2-40B4-BE49-F238E27FC236}">
-                <a16:creationId xmlns:a16="http://schemas.microsoft.com/office/drawing/2014/main" id="{54808B3D-E892-76C7-E1FC-A41E6F08B2C4}"/>
-              </a:ext>
-            </a:extLst>
-          </p:cNvPr>
-          <p:cNvCxnSpPr>
-            <a:cxnSpLocks/>
-          </p:cNvCxnSpPr>
-          <p:nvPr/>
-        </p:nvCxnSpPr>
-        <p:spPr>
-          <a:xfrm flipV="1">
-            <a:off x="11842546" y="1870245"/>
-            <a:ext cx="0" cy="857250"/>
-          </a:xfrm>
-          <a:prstGeom prst="line">
-            <a:avLst/>
-          </a:prstGeom>
-          <a:ln w="38100">
-            <a:solidFill>
-              <a:schemeClr val="accent2"/>
-            </a:solidFill>
-          </a:ln>
-        </p:spPr>
-        <p:style>
-          <a:lnRef idx="2">
-            <a:schemeClr val="accent1"/>
-          </a:lnRef>
-          <a:fillRef idx="0">
-            <a:schemeClr val="accent1"/>
-          </a:fillRef>
-          <a:effectRef idx="1">
-            <a:schemeClr val="accent1"/>
-          </a:effectRef>
-          <a:fontRef idx="minor">
-            <a:schemeClr val="tx1"/>
-          </a:fontRef>
-        </p:style>
-      </p:cxnSp>
-      <p:cxnSp>
-        <p:nvCxnSpPr>
-          <p:cNvPr id="1046" name="Straight Connector 1045">
-            <a:extLst>
-              <a:ext uri="{FF2B5EF4-FFF2-40B4-BE49-F238E27FC236}">
-                <a16:creationId xmlns:a16="http://schemas.microsoft.com/office/drawing/2014/main" id="{DB9EF4FE-FA34-488C-6C91-1C41EDDA35AB}"/>
-              </a:ext>
-            </a:extLst>
-          </p:cNvPr>
-          <p:cNvCxnSpPr>
-            <a:cxnSpLocks/>
-          </p:cNvCxnSpPr>
-          <p:nvPr/>
-        </p:nvCxnSpPr>
-        <p:spPr>
-          <a:xfrm>
-            <a:off x="8648197" y="2549656"/>
-            <a:ext cx="3886203" cy="0"/>
+            <a:off x="7549616" y="3228341"/>
+            <a:ext cx="4788761" cy="0"/>
           </a:xfrm>
           <a:prstGeom prst="line">
             <a:avLst/>
@@ -4465,8 +4154,8 @@
         </p:nvCxnSpPr>
         <p:spPr>
           <a:xfrm flipV="1">
-            <a:off x="12539440" y="1487676"/>
-            <a:ext cx="0" cy="1074083"/>
+            <a:off x="12309675" y="1345624"/>
+            <a:ext cx="0" cy="1882717"/>
           </a:xfrm>
           <a:prstGeom prst="line">
             <a:avLst/>
@@ -4510,11 +4199,11 @@
           <p:nvPr/>
         </p:nvPicPr>
         <p:blipFill rotWithShape="1">
-          <a:blip r:embed="rId9">
+          <a:blip r:embed="rId8">
             <a:extLst>
               <a:ext uri="{BEBA8EAE-BF5A-486C-A8C5-ECC9F3942E4B}">
                 <a14:imgProps xmlns:a14="http://schemas.microsoft.com/office/drawing/2010/main">
-                  <a14:imgLayer r:embed="rId10">
+                  <a14:imgLayer r:embed="rId9">
                     <a14:imgEffect>
                       <a14:backgroundRemoval t="27556" b="73778" l="22667" r="87111">
                         <a14:foregroundMark x1="69778" y1="27556" x2="77333" y2="43111"/>
@@ -4580,11 +4269,11 @@
           <p:nvPr/>
         </p:nvPicPr>
         <p:blipFill rotWithShape="1">
-          <a:blip r:embed="rId9">
+          <a:blip r:embed="rId8">
             <a:extLst>
               <a:ext uri="{BEBA8EAE-BF5A-486C-A8C5-ECC9F3942E4B}">
                 <a14:imgProps xmlns:a14="http://schemas.microsoft.com/office/drawing/2010/main">
-                  <a14:imgLayer r:embed="rId10">
+                  <a14:imgLayer r:embed="rId9">
                     <a14:imgEffect>
                       <a14:backgroundRemoval t="27556" b="73778" l="22667" r="87111">
                         <a14:foregroundMark x1="69778" y1="27556" x2="77333" y2="43111"/>
@@ -4644,13 +4333,15 @@
               </a:ext>
             </a:extLst>
           </p:cNvPr>
-          <p:cNvCxnSpPr/>
+          <p:cNvCxnSpPr>
+            <a:cxnSpLocks/>
+          </p:cNvCxnSpPr>
           <p:nvPr/>
         </p:nvCxnSpPr>
         <p:spPr>
           <a:xfrm flipV="1">
-            <a:off x="7763718" y="1864194"/>
-            <a:ext cx="0" cy="332401"/>
+            <a:off x="7327051" y="2148527"/>
+            <a:ext cx="0" cy="1890654"/>
           </a:xfrm>
           <a:prstGeom prst="line">
             <a:avLst/>
@@ -4692,8 +4383,8 @@
         </p:nvCxnSpPr>
         <p:spPr>
           <a:xfrm flipH="1">
-            <a:off x="3475346" y="1853250"/>
-            <a:ext cx="4312122" cy="26024"/>
+            <a:off x="2978073" y="2148527"/>
+            <a:ext cx="4369210" cy="0"/>
           </a:xfrm>
           <a:prstGeom prst="line">
             <a:avLst/>
@@ -4735,8 +4426,8 @@
         </p:nvCxnSpPr>
         <p:spPr>
           <a:xfrm flipV="1">
-            <a:off x="2994270" y="1864195"/>
-            <a:ext cx="0" cy="1248224"/>
+            <a:off x="2994270" y="2148527"/>
+            <a:ext cx="0" cy="963892"/>
           </a:xfrm>
           <a:prstGeom prst="line">
             <a:avLst/>
@@ -4778,8 +4469,8 @@
         </p:nvCxnSpPr>
         <p:spPr>
           <a:xfrm flipV="1">
-            <a:off x="7935840" y="1964818"/>
-            <a:ext cx="0" cy="231776"/>
+            <a:off x="7398799" y="2021960"/>
+            <a:ext cx="0" cy="1878026"/>
           </a:xfrm>
           <a:prstGeom prst="line">
             <a:avLst/>
@@ -4816,14 +4507,13 @@
           </p:cNvPr>
           <p:cNvCxnSpPr>
             <a:cxnSpLocks/>
-            <a:endCxn id="1114" idx="2"/>
           </p:cNvCxnSpPr>
           <p:nvPr/>
         </p:nvCxnSpPr>
         <p:spPr>
           <a:xfrm flipH="1">
-            <a:off x="3730332" y="1982291"/>
-            <a:ext cx="4221781" cy="59376"/>
+            <a:off x="3072710" y="2030498"/>
+            <a:ext cx="4337740" cy="0"/>
           </a:xfrm>
           <a:prstGeom prst="line">
             <a:avLst/>
@@ -4894,10 +4584,53 @@
       </p:cxnSp>
       <p:cxnSp>
         <p:nvCxnSpPr>
-          <p:cNvPr id="1076" name="Straight Connector 1075">
-            <a:extLst>
-              <a:ext uri="{FF2B5EF4-FFF2-40B4-BE49-F238E27FC236}">
-                <a16:creationId xmlns:a16="http://schemas.microsoft.com/office/drawing/2014/main" id="{A7F04574-67E0-287A-A992-4B6362C046CA}"/>
+          <p:cNvPr id="1077" name="Straight Connector 1076">
+            <a:extLst>
+              <a:ext uri="{FF2B5EF4-FFF2-40B4-BE49-F238E27FC236}">
+                <a16:creationId xmlns:a16="http://schemas.microsoft.com/office/drawing/2014/main" id="{D4D1AA35-122B-2070-C503-02A82A1ADAEB}"/>
+              </a:ext>
+            </a:extLst>
+          </p:cNvPr>
+          <p:cNvCxnSpPr>
+            <a:cxnSpLocks/>
+          </p:cNvCxnSpPr>
+          <p:nvPr/>
+        </p:nvCxnSpPr>
+        <p:spPr>
+          <a:xfrm flipH="1">
+            <a:off x="3391796" y="2330925"/>
+            <a:ext cx="3798013" cy="0"/>
+          </a:xfrm>
+          <a:prstGeom prst="line">
+            <a:avLst/>
+          </a:prstGeom>
+          <a:ln w="38100">
+            <a:solidFill>
+              <a:srgbClr val="FF0000"/>
+            </a:solidFill>
+          </a:ln>
+        </p:spPr>
+        <p:style>
+          <a:lnRef idx="2">
+            <a:schemeClr val="accent1"/>
+          </a:lnRef>
+          <a:fillRef idx="0">
+            <a:schemeClr val="accent1"/>
+          </a:fillRef>
+          <a:effectRef idx="1">
+            <a:schemeClr val="accent1"/>
+          </a:effectRef>
+          <a:fontRef idx="minor">
+            <a:schemeClr val="tx1"/>
+          </a:fontRef>
+        </p:style>
+      </p:cxnSp>
+      <p:cxnSp>
+        <p:nvCxnSpPr>
+          <p:cNvPr id="1079" name="Straight Connector 1078">
+            <a:extLst>
+              <a:ext uri="{FF2B5EF4-FFF2-40B4-BE49-F238E27FC236}">
+                <a16:creationId xmlns:a16="http://schemas.microsoft.com/office/drawing/2014/main" id="{46031BF9-6CE8-F94D-DD6B-88CFCD5191A2}"/>
               </a:ext>
             </a:extLst>
           </p:cNvPr>
@@ -4908,8 +4641,8 @@
         </p:nvCxnSpPr>
         <p:spPr>
           <a:xfrm flipV="1">
-            <a:off x="8149648" y="1692744"/>
-            <a:ext cx="0" cy="503851"/>
+            <a:off x="7107977" y="2434685"/>
+            <a:ext cx="0" cy="1880627"/>
           </a:xfrm>
           <a:prstGeom prst="line">
             <a:avLst/>
@@ -4937,10 +4670,10 @@
       </p:cxnSp>
       <p:cxnSp>
         <p:nvCxnSpPr>
-          <p:cNvPr id="1077" name="Straight Connector 1076">
-            <a:extLst>
-              <a:ext uri="{FF2B5EF4-FFF2-40B4-BE49-F238E27FC236}">
-                <a16:creationId xmlns:a16="http://schemas.microsoft.com/office/drawing/2014/main" id="{D4D1AA35-122B-2070-C503-02A82A1ADAEB}"/>
+          <p:cNvPr id="1080" name="Straight Connector 1079">
+            <a:extLst>
+              <a:ext uri="{FF2B5EF4-FFF2-40B4-BE49-F238E27FC236}">
+                <a16:creationId xmlns:a16="http://schemas.microsoft.com/office/drawing/2014/main" id="{9698F23B-6811-F003-F3F1-85206D2E5E2A}"/>
               </a:ext>
             </a:extLst>
           </p:cNvPr>
@@ -4951,8 +4684,8 @@
         </p:nvCxnSpPr>
         <p:spPr>
           <a:xfrm flipH="1">
-            <a:off x="3391796" y="1692743"/>
-            <a:ext cx="4755836" cy="0"/>
+            <a:off x="3651862" y="2434685"/>
+            <a:ext cx="3463922" cy="0"/>
           </a:xfrm>
           <a:prstGeom prst="line">
             <a:avLst/>
@@ -4960,92 +4693,6 @@
           <a:ln w="38100">
             <a:solidFill>
               <a:schemeClr val="bg1"/>
-            </a:solidFill>
-          </a:ln>
-        </p:spPr>
-        <p:style>
-          <a:lnRef idx="2">
-            <a:schemeClr val="accent1"/>
-          </a:lnRef>
-          <a:fillRef idx="0">
-            <a:schemeClr val="accent1"/>
-          </a:fillRef>
-          <a:effectRef idx="1">
-            <a:schemeClr val="accent1"/>
-          </a:effectRef>
-          <a:fontRef idx="minor">
-            <a:schemeClr val="tx1"/>
-          </a:fontRef>
-        </p:style>
-      </p:cxnSp>
-      <p:cxnSp>
-        <p:nvCxnSpPr>
-          <p:cNvPr id="1079" name="Straight Connector 1078">
-            <a:extLst>
-              <a:ext uri="{FF2B5EF4-FFF2-40B4-BE49-F238E27FC236}">
-                <a16:creationId xmlns:a16="http://schemas.microsoft.com/office/drawing/2014/main" id="{46031BF9-6CE8-F94D-DD6B-88CFCD5191A2}"/>
-              </a:ext>
-            </a:extLst>
-          </p:cNvPr>
-          <p:cNvCxnSpPr>
-            <a:cxnSpLocks/>
-          </p:cNvCxnSpPr>
-          <p:nvPr/>
-        </p:nvCxnSpPr>
-        <p:spPr>
-          <a:xfrm flipV="1">
-            <a:off x="8321771" y="1799648"/>
-            <a:ext cx="0" cy="447449"/>
-          </a:xfrm>
-          <a:prstGeom prst="line">
-            <a:avLst/>
-          </a:prstGeom>
-          <a:ln w="38100">
-            <a:solidFill>
-              <a:srgbClr val="FF0000"/>
-            </a:solidFill>
-          </a:ln>
-        </p:spPr>
-        <p:style>
-          <a:lnRef idx="2">
-            <a:schemeClr val="accent1"/>
-          </a:lnRef>
-          <a:fillRef idx="0">
-            <a:schemeClr val="accent1"/>
-          </a:fillRef>
-          <a:effectRef idx="1">
-            <a:schemeClr val="accent1"/>
-          </a:effectRef>
-          <a:fontRef idx="minor">
-            <a:schemeClr val="tx1"/>
-          </a:fontRef>
-        </p:style>
-      </p:cxnSp>
-      <p:cxnSp>
-        <p:nvCxnSpPr>
-          <p:cNvPr id="1080" name="Straight Connector 1079">
-            <a:extLst>
-              <a:ext uri="{FF2B5EF4-FFF2-40B4-BE49-F238E27FC236}">
-                <a16:creationId xmlns:a16="http://schemas.microsoft.com/office/drawing/2014/main" id="{9698F23B-6811-F003-F3F1-85206D2E5E2A}"/>
-              </a:ext>
-            </a:extLst>
-          </p:cNvPr>
-          <p:cNvCxnSpPr>
-            <a:cxnSpLocks/>
-          </p:cNvCxnSpPr>
-          <p:nvPr/>
-        </p:nvCxnSpPr>
-        <p:spPr>
-          <a:xfrm flipH="1">
-            <a:off x="3640321" y="1799648"/>
-            <a:ext cx="4679435" cy="0"/>
-          </a:xfrm>
-          <a:prstGeom prst="line">
-            <a:avLst/>
-          </a:prstGeom>
-          <a:ln w="38100">
-            <a:solidFill>
-              <a:srgbClr val="FF0000"/>
             </a:solidFill>
           </a:ln>
         </p:spPr>
@@ -5088,7 +4735,7 @@
           </a:prstGeom>
           <a:ln w="38100">
             <a:solidFill>
-              <a:schemeClr val="bg1"/>
+              <a:srgbClr val="FF0000"/>
             </a:solidFill>
           </a:ln>
         </p:spPr>
@@ -5131,7 +4778,7 @@
           </a:prstGeom>
           <a:ln w="38100">
             <a:solidFill>
-              <a:srgbClr val="FF0000"/>
+              <a:schemeClr val="bg1"/>
             </a:solidFill>
           </a:ln>
         </p:spPr>
@@ -5174,7 +4821,7 @@
           </a:prstGeom>
           <a:ln w="38100">
             <a:solidFill>
-              <a:schemeClr val="bg1"/>
+              <a:srgbClr val="FF0000"/>
             </a:solidFill>
           </a:ln>
         </p:spPr>
@@ -5217,199 +4864,7 @@
           </a:prstGeom>
           <a:ln w="38100">
             <a:solidFill>
-              <a:srgbClr val="FF0000"/>
-            </a:solidFill>
-          </a:ln>
-        </p:spPr>
-        <p:style>
-          <a:lnRef idx="2">
-            <a:schemeClr val="accent1"/>
-          </a:lnRef>
-          <a:fillRef idx="0">
-            <a:schemeClr val="accent1"/>
-          </a:fillRef>
-          <a:effectRef idx="1">
-            <a:schemeClr val="accent1"/>
-          </a:effectRef>
-          <a:fontRef idx="minor">
-            <a:schemeClr val="tx1"/>
-          </a:fontRef>
-        </p:style>
-      </p:cxnSp>
-      <p:sp>
-        <p:nvSpPr>
-          <p:cNvPr id="1114" name="Arc 1113">
-            <a:extLst>
-              <a:ext uri="{FF2B5EF4-FFF2-40B4-BE49-F238E27FC236}">
-                <a16:creationId xmlns:a16="http://schemas.microsoft.com/office/drawing/2014/main" id="{17A78A51-F4E3-7559-4708-900D38867EBA}"/>
-              </a:ext>
-            </a:extLst>
-          </p:cNvPr>
-          <p:cNvSpPr/>
-          <p:nvPr/>
-        </p:nvSpPr>
-        <p:spPr>
-          <a:xfrm>
-            <a:off x="3550310" y="1951656"/>
-            <a:ext cx="180022" cy="180022"/>
-          </a:xfrm>
-          <a:prstGeom prst="arc">
-            <a:avLst>
-              <a:gd name="adj1" fmla="val 11232402"/>
-              <a:gd name="adj2" fmla="val 0"/>
-            </a:avLst>
-          </a:prstGeom>
-          <a:ln w="38100">
-            <a:solidFill>
-              <a:srgbClr val="FF0000"/>
-            </a:solidFill>
-          </a:ln>
-        </p:spPr>
-        <p:style>
-          <a:lnRef idx="2">
-            <a:schemeClr val="accent1"/>
-          </a:lnRef>
-          <a:fillRef idx="0">
-            <a:schemeClr val="accent1"/>
-          </a:fillRef>
-          <a:effectRef idx="1">
-            <a:schemeClr val="accent1"/>
-          </a:effectRef>
-          <a:fontRef idx="minor">
-            <a:schemeClr val="tx1"/>
-          </a:fontRef>
-        </p:style>
-        <p:txBody>
-          <a:bodyPr rtlCol="0" anchor="ctr"/>
-          <a:lstStyle/>
-          <a:p>
-            <a:pPr algn="ctr"/>
-            <a:endParaRPr lang="en-US" sz="1620"/>
-          </a:p>
-        </p:txBody>
-      </p:sp>
-      <p:cxnSp>
-        <p:nvCxnSpPr>
-          <p:cNvPr id="1116" name="Straight Connector 1115">
-            <a:extLst>
-              <a:ext uri="{FF2B5EF4-FFF2-40B4-BE49-F238E27FC236}">
-                <a16:creationId xmlns:a16="http://schemas.microsoft.com/office/drawing/2014/main" id="{AA7F0092-C34B-F330-8186-0242748FB3B6}"/>
-              </a:ext>
-            </a:extLst>
-          </p:cNvPr>
-          <p:cNvCxnSpPr>
-            <a:cxnSpLocks/>
-            <a:stCxn id="1119" idx="0"/>
-          </p:cNvCxnSpPr>
-          <p:nvPr/>
-        </p:nvCxnSpPr>
-        <p:spPr>
-          <a:xfrm flipH="1">
-            <a:off x="2978073" y="1869521"/>
-            <a:ext cx="323867" cy="2290"/>
-          </a:xfrm>
-          <a:prstGeom prst="line">
-            <a:avLst/>
-          </a:prstGeom>
-          <a:ln w="38100">
-            <a:solidFill>
               <a:schemeClr val="bg1"/>
-            </a:solidFill>
-          </a:ln>
-        </p:spPr>
-        <p:style>
-          <a:lnRef idx="2">
-            <a:schemeClr val="accent1"/>
-          </a:lnRef>
-          <a:fillRef idx="0">
-            <a:schemeClr val="accent1"/>
-          </a:fillRef>
-          <a:effectRef idx="1">
-            <a:schemeClr val="accent1"/>
-          </a:effectRef>
-          <a:fontRef idx="minor">
-            <a:schemeClr val="tx1"/>
-          </a:fontRef>
-        </p:style>
-      </p:cxnSp>
-      <p:sp>
-        <p:nvSpPr>
-          <p:cNvPr id="1119" name="Arc 1118">
-            <a:extLst>
-              <a:ext uri="{FF2B5EF4-FFF2-40B4-BE49-F238E27FC236}">
-                <a16:creationId xmlns:a16="http://schemas.microsoft.com/office/drawing/2014/main" id="{2F1BACBE-52CF-8B96-48DC-1BB9293DF12B}"/>
-              </a:ext>
-            </a:extLst>
-          </p:cNvPr>
-          <p:cNvSpPr/>
-          <p:nvPr/>
-        </p:nvSpPr>
-        <p:spPr>
-          <a:xfrm>
-            <a:off x="3301785" y="1784796"/>
-            <a:ext cx="180022" cy="180022"/>
-          </a:xfrm>
-          <a:prstGeom prst="arc">
-            <a:avLst>
-              <a:gd name="adj1" fmla="val 11001988"/>
-              <a:gd name="adj2" fmla="val 170680"/>
-            </a:avLst>
-          </a:prstGeom>
-          <a:ln w="38100">
-            <a:solidFill>
-              <a:schemeClr val="bg1"/>
-            </a:solidFill>
-          </a:ln>
-        </p:spPr>
-        <p:style>
-          <a:lnRef idx="2">
-            <a:schemeClr val="accent1"/>
-          </a:lnRef>
-          <a:fillRef idx="0">
-            <a:schemeClr val="accent1"/>
-          </a:fillRef>
-          <a:effectRef idx="1">
-            <a:schemeClr val="accent1"/>
-          </a:effectRef>
-          <a:fontRef idx="minor">
-            <a:schemeClr val="tx1"/>
-          </a:fontRef>
-        </p:style>
-        <p:txBody>
-          <a:bodyPr rtlCol="0" anchor="ctr"/>
-          <a:lstStyle/>
-          <a:p>
-            <a:pPr algn="ctr"/>
-            <a:endParaRPr lang="en-US" sz="1620" dirty="0"/>
-          </a:p>
-        </p:txBody>
-      </p:sp>
-      <p:cxnSp>
-        <p:nvCxnSpPr>
-          <p:cNvPr id="1124" name="Straight Connector 1123">
-            <a:extLst>
-              <a:ext uri="{FF2B5EF4-FFF2-40B4-BE49-F238E27FC236}">
-                <a16:creationId xmlns:a16="http://schemas.microsoft.com/office/drawing/2014/main" id="{6F30D5D5-64B5-10E8-BD7D-88A8933F1B4D}"/>
-              </a:ext>
-            </a:extLst>
-          </p:cNvPr>
-          <p:cNvCxnSpPr>
-            <a:cxnSpLocks/>
-            <a:stCxn id="1114" idx="0"/>
-          </p:cNvCxnSpPr>
-          <p:nvPr/>
-        </p:nvCxnSpPr>
-        <p:spPr>
-          <a:xfrm flipH="1">
-            <a:off x="3072710" y="2030377"/>
-            <a:ext cx="478310" cy="1576"/>
-          </a:xfrm>
-          <a:prstGeom prst="line">
-            <a:avLst/>
-          </a:prstGeom>
-          <a:ln w="38100">
-            <a:solidFill>
-              <a:srgbClr val="FF0000"/>
             </a:solidFill>
           </a:ln>
         </p:spPr>
@@ -5646,7 +5101,7 @@
         <p:spPr>
           <a:xfrm>
             <a:off x="11284537" y="6951545"/>
-            <a:ext cx="524361" cy="313932"/>
+            <a:ext cx="993329" cy="313932"/>
           </a:xfrm>
           <a:prstGeom prst="rect">
             <a:avLst/>
@@ -5661,7 +5116,7 @@
           <a:p>
             <a:r>
               <a:rPr lang="en-GB" sz="1440" dirty="0"/>
-              <a:t>SDA</a:t>
+              <a:t>Chanel A</a:t>
             </a:r>
             <a:endParaRPr lang="en-US" sz="1440" dirty="0"/>
           </a:p>
@@ -5726,8 +5181,8 @@
         </p:nvSpPr>
         <p:spPr>
           <a:xfrm>
-            <a:off x="11284537" y="7180226"/>
-            <a:ext cx="677584" cy="313932"/>
+            <a:off x="11284536" y="7180226"/>
+            <a:ext cx="902105" cy="535531"/>
           </a:xfrm>
           <a:prstGeom prst="rect">
             <a:avLst/>
@@ -5742,10 +5197,13 @@
           <a:p>
             <a:r>
               <a:rPr lang="en-GB" sz="1440" dirty="0"/>
-              <a:t>SCL</a:t>
+              <a:t>Chanel B</a:t>
             </a:r>
             <a:endParaRPr lang="en-US" sz="1440" dirty="0"/>
           </a:p>
+          <a:p>
+            <a:endParaRPr lang="en-US" sz="1440" dirty="0"/>
+          </a:p>
         </p:txBody>
       </p:sp>
       <p:cxnSp>
@@ -5764,7 +5222,7 @@
         </p:nvCxnSpPr>
         <p:spPr>
           <a:xfrm flipH="1">
-            <a:off x="12231951" y="6638121"/>
+            <a:off x="12352601" y="6638121"/>
             <a:ext cx="155448" cy="0"/>
           </a:xfrm>
           <a:prstGeom prst="line">
@@ -5805,7 +5263,7 @@
         </p:nvSpPr>
         <p:spPr>
           <a:xfrm>
-            <a:off x="12338377" y="6481155"/>
+            <a:off x="12459027" y="6481155"/>
             <a:ext cx="1030569" cy="313932"/>
           </a:xfrm>
           <a:prstGeom prst="rect">
@@ -5843,7 +5301,7 @@
         </p:nvCxnSpPr>
         <p:spPr>
           <a:xfrm flipH="1">
-            <a:off x="12231951" y="6866806"/>
+            <a:off x="12352601" y="6866806"/>
             <a:ext cx="155448" cy="0"/>
           </a:xfrm>
           <a:prstGeom prst="line">
@@ -5884,7 +5342,7 @@
         </p:nvSpPr>
         <p:spPr>
           <a:xfrm>
-            <a:off x="12338377" y="6709840"/>
+            <a:off x="12459027" y="6709840"/>
             <a:ext cx="970058" cy="313932"/>
           </a:xfrm>
           <a:prstGeom prst="rect">
@@ -5922,7 +5380,7 @@
         </p:nvCxnSpPr>
         <p:spPr>
           <a:xfrm flipH="1">
-            <a:off x="12231951" y="7108511"/>
+            <a:off x="12352601" y="7108511"/>
             <a:ext cx="155448" cy="0"/>
           </a:xfrm>
           <a:prstGeom prst="line">
@@ -5963,7 +5421,7 @@
         </p:nvSpPr>
         <p:spPr>
           <a:xfrm>
-            <a:off x="12338377" y="6951545"/>
+            <a:off x="12459027" y="6951545"/>
             <a:ext cx="677584" cy="313932"/>
           </a:xfrm>
           <a:prstGeom prst="rect">
@@ -6001,7 +5459,7 @@
         </p:nvCxnSpPr>
         <p:spPr>
           <a:xfrm flipH="1">
-            <a:off x="12231951" y="7337192"/>
+            <a:off x="12352601" y="7337192"/>
             <a:ext cx="155448" cy="0"/>
           </a:xfrm>
           <a:prstGeom prst="line">
@@ -6045,7 +5503,7 @@
         </p:nvSpPr>
         <p:spPr>
           <a:xfrm>
-            <a:off x="12338377" y="7180226"/>
+            <a:off x="12459027" y="7180226"/>
             <a:ext cx="677584" cy="313932"/>
           </a:xfrm>
           <a:prstGeom prst="rect">
@@ -6082,11 +5540,11 @@
           <p:nvPr/>
         </p:nvPicPr>
         <p:blipFill>
-          <a:blip r:embed="rId11">
+          <a:blip r:embed="rId10">
             <a:extLst>
               <a:ext uri="{BEBA8EAE-BF5A-486C-A8C5-ECC9F3942E4B}">
                 <a14:imgProps xmlns:a14="http://schemas.microsoft.com/office/drawing/2010/main">
-                  <a14:imgLayer r:embed="rId12">
+                  <a14:imgLayer r:embed="rId11">
                     <a14:imgEffect>
                       <a14:backgroundRemoval t="9772" b="99349" l="9827" r="92678">
                         <a14:foregroundMark x1="48362" y1="26384" x2="48362" y2="26384"/>
@@ -6149,8 +5607,8 @@
         </p:nvCxnSpPr>
         <p:spPr>
           <a:xfrm flipV="1">
-            <a:off x="11833443" y="2721444"/>
-            <a:ext cx="0" cy="1653651"/>
+            <a:off x="11833443" y="1799648"/>
+            <a:ext cx="0" cy="2575447"/>
           </a:xfrm>
           <a:prstGeom prst="line">
             <a:avLst/>
@@ -6192,8 +5650,8 @@
         </p:nvCxnSpPr>
         <p:spPr>
           <a:xfrm flipV="1">
-            <a:off x="11730311" y="2549657"/>
-            <a:ext cx="0" cy="1813297"/>
+            <a:off x="11730311" y="3228341"/>
+            <a:ext cx="0" cy="1134613"/>
           </a:xfrm>
           <a:prstGeom prst="line">
             <a:avLst/>
@@ -6367,8 +5825,8 @@
         </p:nvCxnSpPr>
         <p:spPr>
           <a:xfrm flipH="1">
-            <a:off x="7244690" y="6388622"/>
-            <a:ext cx="3492714" cy="0"/>
+            <a:off x="2978073" y="6388622"/>
+            <a:ext cx="7759331" cy="0"/>
           </a:xfrm>
           <a:prstGeom prst="line">
             <a:avLst/>
@@ -6496,8 +5954,8 @@
         </p:nvCxnSpPr>
         <p:spPr>
           <a:xfrm flipH="1">
-            <a:off x="7036233" y="6532192"/>
-            <a:ext cx="3497166" cy="0"/>
+            <a:off x="2635250" y="6532192"/>
+            <a:ext cx="7898149" cy="0"/>
           </a:xfrm>
           <a:prstGeom prst="line">
             <a:avLst/>
@@ -6538,11 +5996,11 @@
           <p:nvPr/>
         </p:nvPicPr>
         <p:blipFill>
-          <a:blip r:embed="rId13">
+          <a:blip r:embed="rId12">
             <a:extLst>
               <a:ext uri="{BEBA8EAE-BF5A-486C-A8C5-ECC9F3942E4B}">
                 <a14:imgProps xmlns:a14="http://schemas.microsoft.com/office/drawing/2010/main">
-                  <a14:imgLayer r:embed="rId14">
+                  <a14:imgLayer r:embed="rId13">
                     <a14:imgEffect>
                       <a14:backgroundRemoval t="1217" b="95499" l="1230" r="96421">
                         <a14:foregroundMark x1="83893" y1="85280" x2="36465" y2="84428"/>
@@ -6837,368 +6295,6 @@
       </p:cxnSp>
       <p:cxnSp>
         <p:nvCxnSpPr>
-          <p:cNvPr id="1053" name="Straight Connector 1052">
-            <a:extLst>
-              <a:ext uri="{FF2B5EF4-FFF2-40B4-BE49-F238E27FC236}">
-                <a16:creationId xmlns:a16="http://schemas.microsoft.com/office/drawing/2014/main" id="{A14ABF92-5229-C740-3266-13C5CA57F220}"/>
-              </a:ext>
-            </a:extLst>
-          </p:cNvPr>
-          <p:cNvCxnSpPr>
-            <a:cxnSpLocks/>
-          </p:cNvCxnSpPr>
-          <p:nvPr/>
-        </p:nvCxnSpPr>
-        <p:spPr>
-          <a:xfrm flipH="1">
-            <a:off x="5011270" y="5053873"/>
-            <a:ext cx="2533261" cy="0"/>
-          </a:xfrm>
-          <a:prstGeom prst="line">
-            <a:avLst/>
-          </a:prstGeom>
-          <a:ln w="38100">
-            <a:solidFill>
-              <a:srgbClr val="00B0F0"/>
-            </a:solidFill>
-          </a:ln>
-        </p:spPr>
-        <p:style>
-          <a:lnRef idx="2">
-            <a:schemeClr val="accent1"/>
-          </a:lnRef>
-          <a:fillRef idx="0">
-            <a:schemeClr val="accent1"/>
-          </a:fillRef>
-          <a:effectRef idx="1">
-            <a:schemeClr val="accent1"/>
-          </a:effectRef>
-          <a:fontRef idx="minor">
-            <a:schemeClr val="tx1"/>
-          </a:fontRef>
-        </p:style>
-      </p:cxnSp>
-      <p:cxnSp>
-        <p:nvCxnSpPr>
-          <p:cNvPr id="1055" name="Straight Connector 1054">
-            <a:extLst>
-              <a:ext uri="{FF2B5EF4-FFF2-40B4-BE49-F238E27FC236}">
-                <a16:creationId xmlns:a16="http://schemas.microsoft.com/office/drawing/2014/main" id="{CFAA4D66-5DEE-92BF-B946-5B1985093E35}"/>
-              </a:ext>
-            </a:extLst>
-          </p:cNvPr>
-          <p:cNvCxnSpPr>
-            <a:cxnSpLocks/>
-          </p:cNvCxnSpPr>
-          <p:nvPr/>
-        </p:nvCxnSpPr>
-        <p:spPr>
-          <a:xfrm flipV="1">
-            <a:off x="5027145" y="5060223"/>
-            <a:ext cx="0" cy="200585"/>
-          </a:xfrm>
-          <a:prstGeom prst="line">
-            <a:avLst/>
-          </a:prstGeom>
-          <a:ln w="38100">
-            <a:solidFill>
-              <a:srgbClr val="00B0F0"/>
-            </a:solidFill>
-          </a:ln>
-        </p:spPr>
-        <p:style>
-          <a:lnRef idx="2">
-            <a:schemeClr val="accent1"/>
-          </a:lnRef>
-          <a:fillRef idx="0">
-            <a:schemeClr val="accent1"/>
-          </a:fillRef>
-          <a:effectRef idx="1">
-            <a:schemeClr val="accent1"/>
-          </a:effectRef>
-          <a:fontRef idx="minor">
-            <a:schemeClr val="tx1"/>
-          </a:fontRef>
-        </p:style>
-      </p:cxnSp>
-      <p:cxnSp>
-        <p:nvCxnSpPr>
-          <p:cNvPr id="1064" name="Straight Connector 1063">
-            <a:extLst>
-              <a:ext uri="{FF2B5EF4-FFF2-40B4-BE49-F238E27FC236}">
-                <a16:creationId xmlns:a16="http://schemas.microsoft.com/office/drawing/2014/main" id="{008DF3EA-37DF-DED1-EAB2-37C29827E3E3}"/>
-              </a:ext>
-            </a:extLst>
-          </p:cNvPr>
-          <p:cNvCxnSpPr>
-            <a:cxnSpLocks/>
-          </p:cNvCxnSpPr>
-          <p:nvPr/>
-        </p:nvCxnSpPr>
-        <p:spPr>
-          <a:xfrm flipV="1">
-            <a:off x="5103345" y="5160515"/>
-            <a:ext cx="0" cy="100293"/>
-          </a:xfrm>
-          <a:prstGeom prst="line">
-            <a:avLst/>
-          </a:prstGeom>
-          <a:ln w="38100">
-            <a:solidFill>
-              <a:schemeClr val="accent5">
-                <a:lumMod val="60000"/>
-                <a:lumOff val="40000"/>
-              </a:schemeClr>
-            </a:solidFill>
-          </a:ln>
-        </p:spPr>
-        <p:style>
-          <a:lnRef idx="2">
-            <a:schemeClr val="accent1"/>
-          </a:lnRef>
-          <a:fillRef idx="0">
-            <a:schemeClr val="accent1"/>
-          </a:fillRef>
-          <a:effectRef idx="1">
-            <a:schemeClr val="accent1"/>
-          </a:effectRef>
-          <a:fontRef idx="minor">
-            <a:schemeClr val="tx1"/>
-          </a:fontRef>
-        </p:style>
-      </p:cxnSp>
-      <p:cxnSp>
-        <p:nvCxnSpPr>
-          <p:cNvPr id="1069" name="Straight Connector 1068">
-            <a:extLst>
-              <a:ext uri="{FF2B5EF4-FFF2-40B4-BE49-F238E27FC236}">
-                <a16:creationId xmlns:a16="http://schemas.microsoft.com/office/drawing/2014/main" id="{168D6215-255C-7A24-8048-7A8B8D14E0E3}"/>
-              </a:ext>
-            </a:extLst>
-          </p:cNvPr>
-          <p:cNvCxnSpPr>
-            <a:cxnSpLocks/>
-          </p:cNvCxnSpPr>
-          <p:nvPr/>
-        </p:nvCxnSpPr>
-        <p:spPr>
-          <a:xfrm flipH="1">
-            <a:off x="5087470" y="5160515"/>
-            <a:ext cx="1706528" cy="0"/>
-          </a:xfrm>
-          <a:prstGeom prst="line">
-            <a:avLst/>
-          </a:prstGeom>
-          <a:ln w="38100">
-            <a:solidFill>
-              <a:schemeClr val="accent5">
-                <a:lumMod val="60000"/>
-                <a:lumOff val="40000"/>
-              </a:schemeClr>
-            </a:solidFill>
-          </a:ln>
-        </p:spPr>
-        <p:style>
-          <a:lnRef idx="2">
-            <a:schemeClr val="accent1"/>
-          </a:lnRef>
-          <a:fillRef idx="0">
-            <a:schemeClr val="accent1"/>
-          </a:fillRef>
-          <a:effectRef idx="1">
-            <a:schemeClr val="accent1"/>
-          </a:effectRef>
-          <a:fontRef idx="minor">
-            <a:schemeClr val="tx1"/>
-          </a:fontRef>
-        </p:style>
-      </p:cxnSp>
-      <p:cxnSp>
-        <p:nvCxnSpPr>
-          <p:cNvPr id="1071" name="Straight Connector 1070">
-            <a:extLst>
-              <a:ext uri="{FF2B5EF4-FFF2-40B4-BE49-F238E27FC236}">
-                <a16:creationId xmlns:a16="http://schemas.microsoft.com/office/drawing/2014/main" id="{79F145D6-9976-D681-F284-A363287B595B}"/>
-              </a:ext>
-            </a:extLst>
-          </p:cNvPr>
-          <p:cNvCxnSpPr>
-            <a:cxnSpLocks/>
-          </p:cNvCxnSpPr>
-          <p:nvPr/>
-        </p:nvCxnSpPr>
-        <p:spPr>
-          <a:xfrm flipV="1">
-            <a:off x="6798795" y="4790908"/>
-            <a:ext cx="0" cy="385483"/>
-          </a:xfrm>
-          <a:prstGeom prst="line">
-            <a:avLst/>
-          </a:prstGeom>
-          <a:ln w="38100">
-            <a:solidFill>
-              <a:schemeClr val="accent5">
-                <a:lumMod val="60000"/>
-                <a:lumOff val="40000"/>
-              </a:schemeClr>
-            </a:solidFill>
-          </a:ln>
-        </p:spPr>
-        <p:style>
-          <a:lnRef idx="2">
-            <a:schemeClr val="accent1"/>
-          </a:lnRef>
-          <a:fillRef idx="0">
-            <a:schemeClr val="accent1"/>
-          </a:fillRef>
-          <a:effectRef idx="1">
-            <a:schemeClr val="accent1"/>
-          </a:effectRef>
-          <a:fontRef idx="minor">
-            <a:schemeClr val="tx1"/>
-          </a:fontRef>
-        </p:style>
-      </p:cxnSp>
-      <p:cxnSp>
-        <p:nvCxnSpPr>
-          <p:cNvPr id="1073" name="Straight Connector 1072">
-            <a:extLst>
-              <a:ext uri="{FF2B5EF4-FFF2-40B4-BE49-F238E27FC236}">
-                <a16:creationId xmlns:a16="http://schemas.microsoft.com/office/drawing/2014/main" id="{B4B910C2-A66F-A9C3-2770-259E70670B1A}"/>
-              </a:ext>
-            </a:extLst>
-          </p:cNvPr>
-          <p:cNvCxnSpPr>
-            <a:cxnSpLocks/>
-          </p:cNvCxnSpPr>
-          <p:nvPr/>
-        </p:nvCxnSpPr>
-        <p:spPr>
-          <a:xfrm flipH="1">
-            <a:off x="6783804" y="4814362"/>
-            <a:ext cx="1864393" cy="0"/>
-          </a:xfrm>
-          <a:prstGeom prst="line">
-            <a:avLst/>
-          </a:prstGeom>
-          <a:ln w="38100">
-            <a:solidFill>
-              <a:schemeClr val="accent5">
-                <a:lumMod val="60000"/>
-                <a:lumOff val="40000"/>
-              </a:schemeClr>
-            </a:solidFill>
-          </a:ln>
-        </p:spPr>
-        <p:style>
-          <a:lnRef idx="2">
-            <a:schemeClr val="accent1"/>
-          </a:lnRef>
-          <a:fillRef idx="0">
-            <a:schemeClr val="accent1"/>
-          </a:fillRef>
-          <a:effectRef idx="1">
-            <a:schemeClr val="accent1"/>
-          </a:effectRef>
-          <a:fontRef idx="minor">
-            <a:schemeClr val="tx1"/>
-          </a:fontRef>
-        </p:style>
-      </p:cxnSp>
-      <p:cxnSp>
-        <p:nvCxnSpPr>
-          <p:cNvPr id="1075" name="Straight Connector 1074">
-            <a:extLst>
-              <a:ext uri="{FF2B5EF4-FFF2-40B4-BE49-F238E27FC236}">
-                <a16:creationId xmlns:a16="http://schemas.microsoft.com/office/drawing/2014/main" id="{6EC26172-CAA5-4C40-689C-87B19950C963}"/>
-              </a:ext>
-            </a:extLst>
-          </p:cNvPr>
-          <p:cNvCxnSpPr>
-            <a:cxnSpLocks/>
-          </p:cNvCxnSpPr>
-          <p:nvPr/>
-        </p:nvCxnSpPr>
-        <p:spPr>
-          <a:xfrm flipV="1">
-            <a:off x="8638672" y="4798487"/>
-            <a:ext cx="0" cy="269724"/>
-          </a:xfrm>
-          <a:prstGeom prst="line">
-            <a:avLst/>
-          </a:prstGeom>
-          <a:ln w="38100">
-            <a:solidFill>
-              <a:schemeClr val="accent5">
-                <a:lumMod val="60000"/>
-                <a:lumOff val="40000"/>
-              </a:schemeClr>
-            </a:solidFill>
-          </a:ln>
-        </p:spPr>
-        <p:style>
-          <a:lnRef idx="2">
-            <a:schemeClr val="accent1"/>
-          </a:lnRef>
-          <a:fillRef idx="0">
-            <a:schemeClr val="accent1"/>
-          </a:fillRef>
-          <a:effectRef idx="1">
-            <a:schemeClr val="accent1"/>
-          </a:effectRef>
-          <a:fontRef idx="minor">
-            <a:schemeClr val="tx1"/>
-          </a:fontRef>
-        </p:style>
-      </p:cxnSp>
-      <p:cxnSp>
-        <p:nvCxnSpPr>
-          <p:cNvPr id="1084" name="Straight Connector 1083">
-            <a:extLst>
-              <a:ext uri="{FF2B5EF4-FFF2-40B4-BE49-F238E27FC236}">
-                <a16:creationId xmlns:a16="http://schemas.microsoft.com/office/drawing/2014/main" id="{D919EC02-A290-D4B3-ECAA-1F523B1436D3}"/>
-              </a:ext>
-            </a:extLst>
-          </p:cNvPr>
-          <p:cNvCxnSpPr>
-            <a:cxnSpLocks/>
-          </p:cNvCxnSpPr>
-          <p:nvPr/>
-        </p:nvCxnSpPr>
-        <p:spPr>
-          <a:xfrm flipH="1">
-            <a:off x="8464048" y="5047523"/>
-            <a:ext cx="176684" cy="0"/>
-          </a:xfrm>
-          <a:prstGeom prst="line">
-            <a:avLst/>
-          </a:prstGeom>
-          <a:ln w="38100">
-            <a:solidFill>
-              <a:schemeClr val="accent5">
-                <a:lumMod val="60000"/>
-                <a:lumOff val="40000"/>
-              </a:schemeClr>
-            </a:solidFill>
-          </a:ln>
-        </p:spPr>
-        <p:style>
-          <a:lnRef idx="2">
-            <a:schemeClr val="accent1"/>
-          </a:lnRef>
-          <a:fillRef idx="0">
-            <a:schemeClr val="accent1"/>
-          </a:fillRef>
-          <a:effectRef idx="1">
-            <a:schemeClr val="accent1"/>
-          </a:effectRef>
-          <a:fontRef idx="minor">
-            <a:schemeClr val="tx1"/>
-          </a:fontRef>
-        </p:style>
-      </p:cxnSp>
-      <p:cxnSp>
-        <p:nvCxnSpPr>
           <p:cNvPr id="1087" name="Straight Connector 1086">
             <a:extLst>
               <a:ext uri="{FF2B5EF4-FFF2-40B4-BE49-F238E27FC236}">
@@ -7254,8 +6350,8 @@
         </p:nvSpPr>
         <p:spPr>
           <a:xfrm>
-            <a:off x="11284537" y="7408905"/>
-            <a:ext cx="512699" cy="313932"/>
+            <a:off x="11284536" y="7408905"/>
+            <a:ext cx="993329" cy="313932"/>
           </a:xfrm>
           <a:prstGeom prst="rect">
             <a:avLst/>
@@ -7270,7 +6366,7 @@
           <a:p>
             <a:r>
               <a:rPr lang="en-GB" sz="1440" dirty="0"/>
-              <a:t>RX</a:t>
+              <a:t>Encoder A</a:t>
             </a:r>
             <a:endParaRPr lang="en-US" sz="1440" dirty="0"/>
           </a:p>
@@ -7292,7 +6388,7 @@
         </p:nvCxnSpPr>
         <p:spPr>
           <a:xfrm flipH="1">
-            <a:off x="12231951" y="7565072"/>
+            <a:off x="12352601" y="7565072"/>
             <a:ext cx="155448" cy="0"/>
           </a:xfrm>
           <a:prstGeom prst="line">
@@ -7336,8 +6432,8 @@
         </p:nvSpPr>
         <p:spPr>
           <a:xfrm>
-            <a:off x="12338377" y="7408106"/>
-            <a:ext cx="677584" cy="313932"/>
+            <a:off x="12459026" y="7408106"/>
+            <a:ext cx="902105" cy="313932"/>
           </a:xfrm>
           <a:prstGeom prst="rect">
             <a:avLst/>
@@ -7352,427 +6448,12 @@
           <a:p>
             <a:r>
               <a:rPr lang="en-GB" sz="1440" dirty="0"/>
-              <a:t>TX</a:t>
+              <a:t>STNDBY</a:t>
             </a:r>
             <a:endParaRPr lang="en-US" sz="1440" dirty="0"/>
           </a:p>
         </p:txBody>
       </p:sp>
-      <p:sp>
-        <p:nvSpPr>
-          <p:cNvPr id="2" name="Rectangle 1">
-            <a:extLst>
-              <a:ext uri="{FF2B5EF4-FFF2-40B4-BE49-F238E27FC236}">
-                <a16:creationId xmlns:a16="http://schemas.microsoft.com/office/drawing/2014/main" id="{7AAF0CBB-51DC-B8DE-9E52-D69D436511E8}"/>
-              </a:ext>
-            </a:extLst>
-          </p:cNvPr>
-          <p:cNvSpPr/>
-          <p:nvPr/>
-        </p:nvSpPr>
-        <p:spPr>
-          <a:xfrm rot="5400000">
-            <a:off x="9371269" y="5816012"/>
-            <a:ext cx="614372" cy="243711"/>
-          </a:xfrm>
-          <a:prstGeom prst="rect">
-            <a:avLst/>
-          </a:prstGeom>
-        </p:spPr>
-        <p:style>
-          <a:lnRef idx="2">
-            <a:schemeClr val="accent1">
-              <a:shade val="15000"/>
-            </a:schemeClr>
-          </a:lnRef>
-          <a:fillRef idx="1">
-            <a:schemeClr val="accent1"/>
-          </a:fillRef>
-          <a:effectRef idx="0">
-            <a:schemeClr val="accent1"/>
-          </a:effectRef>
-          <a:fontRef idx="minor">
-            <a:schemeClr val="lt1"/>
-          </a:fontRef>
-        </p:style>
-        <p:txBody>
-          <a:bodyPr rtlCol="0" anchor="ctr"/>
-          <a:lstStyle/>
-          <a:p>
-            <a:pPr algn="ctr"/>
-            <a:r>
-              <a:rPr lang="en-US" sz="1200" dirty="0"/>
-              <a:t>10K </a:t>
-            </a:r>
-            <a:r>
-              <a:rPr lang="el-GR" sz="1200" dirty="0"/>
-              <a:t>Ω</a:t>
-            </a:r>
-            <a:endParaRPr lang="en-US" sz="1200" dirty="0"/>
-          </a:p>
-        </p:txBody>
-      </p:sp>
-      <p:sp>
-        <p:nvSpPr>
-          <p:cNvPr id="8" name="Rectangle 7">
-            <a:extLst>
-              <a:ext uri="{FF2B5EF4-FFF2-40B4-BE49-F238E27FC236}">
-                <a16:creationId xmlns:a16="http://schemas.microsoft.com/office/drawing/2014/main" id="{E5B2D43A-9A74-B27C-4F96-C4FABE97AA1C}"/>
-              </a:ext>
-            </a:extLst>
-          </p:cNvPr>
-          <p:cNvSpPr/>
-          <p:nvPr/>
-        </p:nvSpPr>
-        <p:spPr>
-          <a:xfrm rot="5400000">
-            <a:off x="9371269" y="5047032"/>
-            <a:ext cx="614372" cy="243711"/>
-          </a:xfrm>
-          <a:prstGeom prst="rect">
-            <a:avLst/>
-          </a:prstGeom>
-        </p:spPr>
-        <p:style>
-          <a:lnRef idx="2">
-            <a:schemeClr val="accent1">
-              <a:shade val="15000"/>
-            </a:schemeClr>
-          </a:lnRef>
-          <a:fillRef idx="1">
-            <a:schemeClr val="accent1"/>
-          </a:fillRef>
-          <a:effectRef idx="0">
-            <a:schemeClr val="accent1"/>
-          </a:effectRef>
-          <a:fontRef idx="minor">
-            <a:schemeClr val="lt1"/>
-          </a:fontRef>
-        </p:style>
-        <p:txBody>
-          <a:bodyPr rtlCol="0" anchor="ctr"/>
-          <a:lstStyle/>
-          <a:p>
-            <a:pPr algn="ctr"/>
-            <a:r>
-              <a:rPr lang="en-US" sz="1200" dirty="0"/>
-              <a:t>43K </a:t>
-            </a:r>
-            <a:r>
-              <a:rPr lang="el-GR" sz="1200" dirty="0"/>
-              <a:t>Ω</a:t>
-            </a:r>
-            <a:endParaRPr lang="en-US" sz="1200" dirty="0"/>
-          </a:p>
-        </p:txBody>
-      </p:sp>
-      <p:cxnSp>
-        <p:nvCxnSpPr>
-          <p:cNvPr id="11" name="Straight Connector 10">
-            <a:extLst>
-              <a:ext uri="{FF2B5EF4-FFF2-40B4-BE49-F238E27FC236}">
-                <a16:creationId xmlns:a16="http://schemas.microsoft.com/office/drawing/2014/main" id="{DEE70B4A-808B-B4F9-B9BC-A3FF8F3B3475}"/>
-              </a:ext>
-            </a:extLst>
-          </p:cNvPr>
-          <p:cNvCxnSpPr>
-            <a:cxnSpLocks/>
-            <a:stCxn id="8" idx="1"/>
-          </p:cNvCxnSpPr>
-          <p:nvPr/>
-        </p:nvCxnSpPr>
-        <p:spPr>
-          <a:xfrm flipV="1">
-            <a:off x="9678455" y="2721443"/>
-            <a:ext cx="1" cy="2140259"/>
-          </a:xfrm>
-          <a:prstGeom prst="line">
-            <a:avLst/>
-          </a:prstGeom>
-          <a:ln w="38100">
-            <a:solidFill>
-              <a:schemeClr val="accent2"/>
-            </a:solidFill>
-          </a:ln>
-        </p:spPr>
-        <p:style>
-          <a:lnRef idx="2">
-            <a:schemeClr val="accent1"/>
-          </a:lnRef>
-          <a:fillRef idx="0">
-            <a:schemeClr val="accent1"/>
-          </a:fillRef>
-          <a:effectRef idx="1">
-            <a:schemeClr val="accent1"/>
-          </a:effectRef>
-          <a:fontRef idx="minor">
-            <a:schemeClr val="tx1"/>
-          </a:fontRef>
-        </p:style>
-      </p:cxnSp>
-      <p:cxnSp>
-        <p:nvCxnSpPr>
-          <p:cNvPr id="18" name="Straight Connector 17">
-            <a:extLst>
-              <a:ext uri="{FF2B5EF4-FFF2-40B4-BE49-F238E27FC236}">
-                <a16:creationId xmlns:a16="http://schemas.microsoft.com/office/drawing/2014/main" id="{9975AAFA-058D-FC64-BDD5-1D908413B956}"/>
-              </a:ext>
-            </a:extLst>
-          </p:cNvPr>
-          <p:cNvCxnSpPr>
-            <a:cxnSpLocks/>
-          </p:cNvCxnSpPr>
-          <p:nvPr/>
-        </p:nvCxnSpPr>
-        <p:spPr>
-          <a:xfrm>
-            <a:off x="9678456" y="6253162"/>
-            <a:ext cx="0" cy="288759"/>
-          </a:xfrm>
-          <a:prstGeom prst="line">
-            <a:avLst/>
-          </a:prstGeom>
-          <a:ln w="38100">
-            <a:solidFill>
-              <a:srgbClr val="002060"/>
-            </a:solidFill>
-          </a:ln>
-        </p:spPr>
-        <p:style>
-          <a:lnRef idx="2">
-            <a:schemeClr val="accent1"/>
-          </a:lnRef>
-          <a:fillRef idx="0">
-            <a:schemeClr val="accent1"/>
-          </a:fillRef>
-          <a:effectRef idx="1">
-            <a:schemeClr val="accent1"/>
-          </a:effectRef>
-          <a:fontRef idx="minor">
-            <a:schemeClr val="tx1"/>
-          </a:fontRef>
-        </p:style>
-      </p:cxnSp>
-      <p:cxnSp>
-        <p:nvCxnSpPr>
-          <p:cNvPr id="25" name="Straight Connector 24">
-            <a:extLst>
-              <a:ext uri="{FF2B5EF4-FFF2-40B4-BE49-F238E27FC236}">
-                <a16:creationId xmlns:a16="http://schemas.microsoft.com/office/drawing/2014/main" id="{EB087BC7-DC7A-C3F4-2294-95FAA4A6EDE7}"/>
-              </a:ext>
-            </a:extLst>
-          </p:cNvPr>
-          <p:cNvCxnSpPr>
-            <a:cxnSpLocks/>
-            <a:stCxn id="8" idx="3"/>
-            <a:endCxn id="2" idx="1"/>
-          </p:cNvCxnSpPr>
-          <p:nvPr/>
-        </p:nvCxnSpPr>
-        <p:spPr>
-          <a:xfrm>
-            <a:off x="9678455" y="5476074"/>
-            <a:ext cx="0" cy="154608"/>
-          </a:xfrm>
-          <a:prstGeom prst="line">
-            <a:avLst/>
-          </a:prstGeom>
-          <a:ln w="38100">
-            <a:solidFill>
-              <a:srgbClr val="006020"/>
-            </a:solidFill>
-          </a:ln>
-        </p:spPr>
-        <p:style>
-          <a:lnRef idx="2">
-            <a:schemeClr val="accent1"/>
-          </a:lnRef>
-          <a:fillRef idx="0">
-            <a:schemeClr val="accent1"/>
-          </a:fillRef>
-          <a:effectRef idx="1">
-            <a:schemeClr val="accent1"/>
-          </a:effectRef>
-          <a:fontRef idx="minor">
-            <a:schemeClr val="tx1"/>
-          </a:fontRef>
-        </p:style>
-      </p:cxnSp>
-      <p:cxnSp>
-        <p:nvCxnSpPr>
-          <p:cNvPr id="30" name="Straight Connector 29">
-            <a:extLst>
-              <a:ext uri="{FF2B5EF4-FFF2-40B4-BE49-F238E27FC236}">
-                <a16:creationId xmlns:a16="http://schemas.microsoft.com/office/drawing/2014/main" id="{C919562C-33FF-D774-462C-87D1195DA899}"/>
-              </a:ext>
-            </a:extLst>
-          </p:cNvPr>
-          <p:cNvCxnSpPr>
-            <a:cxnSpLocks/>
-          </p:cNvCxnSpPr>
-          <p:nvPr/>
-        </p:nvCxnSpPr>
-        <p:spPr>
-          <a:xfrm>
-            <a:off x="8511429" y="5975009"/>
-            <a:ext cx="822467" cy="0"/>
-          </a:xfrm>
-          <a:prstGeom prst="line">
-            <a:avLst/>
-          </a:prstGeom>
-          <a:ln w="38100">
-            <a:solidFill>
-              <a:srgbClr val="006020"/>
-            </a:solidFill>
-          </a:ln>
-        </p:spPr>
-        <p:style>
-          <a:lnRef idx="2">
-            <a:schemeClr val="accent1"/>
-          </a:lnRef>
-          <a:fillRef idx="0">
-            <a:schemeClr val="accent1"/>
-          </a:fillRef>
-          <a:effectRef idx="1">
-            <a:schemeClr val="accent1"/>
-          </a:effectRef>
-          <a:fontRef idx="minor">
-            <a:schemeClr val="tx1"/>
-          </a:fontRef>
-        </p:style>
-      </p:cxnSp>
-      <p:cxnSp>
-        <p:nvCxnSpPr>
-          <p:cNvPr id="34" name="Straight Connector 33">
-            <a:extLst>
-              <a:ext uri="{FF2B5EF4-FFF2-40B4-BE49-F238E27FC236}">
-                <a16:creationId xmlns:a16="http://schemas.microsoft.com/office/drawing/2014/main" id="{F61F22E3-D9BE-FCE7-601A-CF32546A5855}"/>
-              </a:ext>
-            </a:extLst>
-          </p:cNvPr>
-          <p:cNvCxnSpPr>
-            <a:cxnSpLocks/>
-          </p:cNvCxnSpPr>
-          <p:nvPr/>
-        </p:nvCxnSpPr>
-        <p:spPr>
-          <a:xfrm>
-            <a:off x="9309486" y="5578336"/>
-            <a:ext cx="0" cy="396673"/>
-          </a:xfrm>
-          <a:prstGeom prst="line">
-            <a:avLst/>
-          </a:prstGeom>
-          <a:ln w="38100">
-            <a:solidFill>
-              <a:srgbClr val="006020"/>
-            </a:solidFill>
-          </a:ln>
-        </p:spPr>
-        <p:style>
-          <a:lnRef idx="2">
-            <a:schemeClr val="accent1"/>
-          </a:lnRef>
-          <a:fillRef idx="0">
-            <a:schemeClr val="accent1"/>
-          </a:fillRef>
-          <a:effectRef idx="1">
-            <a:schemeClr val="accent1"/>
-          </a:effectRef>
-          <a:fontRef idx="minor">
-            <a:schemeClr val="tx1"/>
-          </a:fontRef>
-        </p:style>
-      </p:cxnSp>
-      <p:cxnSp>
-        <p:nvCxnSpPr>
-          <p:cNvPr id="36" name="Straight Connector 35">
-            <a:extLst>
-              <a:ext uri="{FF2B5EF4-FFF2-40B4-BE49-F238E27FC236}">
-                <a16:creationId xmlns:a16="http://schemas.microsoft.com/office/drawing/2014/main" id="{F552D576-40A5-7D6C-3CC5-60BC92C6C746}"/>
-              </a:ext>
-            </a:extLst>
-          </p:cNvPr>
-          <p:cNvCxnSpPr>
-            <a:cxnSpLocks/>
-          </p:cNvCxnSpPr>
-          <p:nvPr/>
-        </p:nvCxnSpPr>
-        <p:spPr>
-          <a:xfrm>
-            <a:off x="9312441" y="5578336"/>
-            <a:ext cx="366015" cy="0"/>
-          </a:xfrm>
-          <a:prstGeom prst="line">
-            <a:avLst/>
-          </a:prstGeom>
-          <a:ln w="38100">
-            <a:solidFill>
-              <a:srgbClr val="006020"/>
-            </a:solidFill>
-          </a:ln>
-        </p:spPr>
-        <p:style>
-          <a:lnRef idx="2">
-            <a:schemeClr val="accent1"/>
-          </a:lnRef>
-          <a:fillRef idx="0">
-            <a:schemeClr val="accent1"/>
-          </a:fillRef>
-          <a:effectRef idx="1">
-            <a:schemeClr val="accent1"/>
-          </a:effectRef>
-          <a:fontRef idx="minor">
-            <a:schemeClr val="tx1"/>
-          </a:fontRef>
-        </p:style>
-      </p:cxnSp>
-      <p:cxnSp>
-        <p:nvCxnSpPr>
-          <p:cNvPr id="40" name="Straight Connector 39">
-            <a:extLst>
-              <a:ext uri="{FF2B5EF4-FFF2-40B4-BE49-F238E27FC236}">
-                <a16:creationId xmlns:a16="http://schemas.microsoft.com/office/drawing/2014/main" id="{CE6ABE09-360B-8954-F9A2-25BF55A09EF4}"/>
-              </a:ext>
-            </a:extLst>
-          </p:cNvPr>
-          <p:cNvCxnSpPr>
-            <a:cxnSpLocks/>
-          </p:cNvCxnSpPr>
-          <p:nvPr/>
-        </p:nvCxnSpPr>
-        <p:spPr>
-          <a:xfrm>
-            <a:off x="10015340" y="2549656"/>
-            <a:ext cx="0" cy="3982536"/>
-          </a:xfrm>
-          <a:prstGeom prst="line">
-            <a:avLst/>
-          </a:prstGeom>
-          <a:ln w="38100">
-            <a:solidFill>
-              <a:schemeClr val="accent3">
-                <a:lumMod val="60000"/>
-                <a:lumOff val="40000"/>
-              </a:schemeClr>
-            </a:solidFill>
-          </a:ln>
-        </p:spPr>
-        <p:style>
-          <a:lnRef idx="2">
-            <a:schemeClr val="accent1"/>
-          </a:lnRef>
-          <a:fillRef idx="0">
-            <a:schemeClr val="accent1"/>
-          </a:fillRef>
-          <a:effectRef idx="1">
-            <a:schemeClr val="accent1"/>
-          </a:effectRef>
-          <a:fontRef idx="minor">
-            <a:schemeClr val="tx1"/>
-          </a:fontRef>
-        </p:style>
-      </p:cxnSp>
       <p:cxnSp>
         <p:nvCxnSpPr>
           <p:cNvPr id="42" name="Straight Connector 41">
@@ -7831,7 +6512,7 @@
         <p:spPr>
           <a:xfrm>
             <a:off x="11284537" y="7613004"/>
-            <a:ext cx="902105" cy="313932"/>
+            <a:ext cx="1025138" cy="313932"/>
           </a:xfrm>
           <a:prstGeom prst="rect">
             <a:avLst/>
@@ -7846,12 +6527,2975 @@
           <a:p>
             <a:r>
               <a:rPr lang="en-GB" sz="1440" dirty="0"/>
-              <a:t>Battery V</a:t>
+              <a:t>Encoder B</a:t>
             </a:r>
             <a:endParaRPr lang="en-US" sz="1440" dirty="0"/>
           </a:p>
         </p:txBody>
       </p:sp>
+      <p:cxnSp>
+        <p:nvCxnSpPr>
+          <p:cNvPr id="20" name="Straight Connector 19">
+            <a:extLst>
+              <a:ext uri="{FF2B5EF4-FFF2-40B4-BE49-F238E27FC236}">
+                <a16:creationId xmlns:a16="http://schemas.microsoft.com/office/drawing/2014/main" id="{C8E3903D-1604-D498-06E6-8616DECEDF20}"/>
+              </a:ext>
+            </a:extLst>
+          </p:cNvPr>
+          <p:cNvCxnSpPr>
+            <a:cxnSpLocks/>
+          </p:cNvCxnSpPr>
+          <p:nvPr/>
+        </p:nvCxnSpPr>
+        <p:spPr>
+          <a:xfrm>
+            <a:off x="8414084" y="4439263"/>
+            <a:ext cx="0" cy="158207"/>
+          </a:xfrm>
+          <a:prstGeom prst="line">
+            <a:avLst/>
+          </a:prstGeom>
+          <a:ln w="38100">
+            <a:solidFill>
+              <a:srgbClr val="002060"/>
+            </a:solidFill>
+          </a:ln>
+        </p:spPr>
+        <p:style>
+          <a:lnRef idx="2">
+            <a:schemeClr val="accent1"/>
+          </a:lnRef>
+          <a:fillRef idx="0">
+            <a:schemeClr val="accent1"/>
+          </a:fillRef>
+          <a:effectRef idx="1">
+            <a:schemeClr val="accent1"/>
+          </a:effectRef>
+          <a:fontRef idx="minor">
+            <a:schemeClr val="tx1"/>
+          </a:fontRef>
+        </p:style>
+      </p:cxnSp>
+      <p:cxnSp>
+        <p:nvCxnSpPr>
+          <p:cNvPr id="35" name="Straight Connector 34">
+            <a:extLst>
+              <a:ext uri="{FF2B5EF4-FFF2-40B4-BE49-F238E27FC236}">
+                <a16:creationId xmlns:a16="http://schemas.microsoft.com/office/drawing/2014/main" id="{EA35C7FD-A3BD-31AF-4711-E4BF5D9989DF}"/>
+              </a:ext>
+            </a:extLst>
+          </p:cNvPr>
+          <p:cNvCxnSpPr>
+            <a:cxnSpLocks/>
+          </p:cNvCxnSpPr>
+          <p:nvPr/>
+        </p:nvCxnSpPr>
+        <p:spPr>
+          <a:xfrm>
+            <a:off x="7347283" y="4439263"/>
+            <a:ext cx="0" cy="158207"/>
+          </a:xfrm>
+          <a:prstGeom prst="line">
+            <a:avLst/>
+          </a:prstGeom>
+          <a:ln w="38100">
+            <a:solidFill>
+              <a:srgbClr val="002060"/>
+            </a:solidFill>
+          </a:ln>
+        </p:spPr>
+        <p:style>
+          <a:lnRef idx="2">
+            <a:schemeClr val="accent1"/>
+          </a:lnRef>
+          <a:fillRef idx="0">
+            <a:schemeClr val="accent1"/>
+          </a:fillRef>
+          <a:effectRef idx="1">
+            <a:schemeClr val="accent1"/>
+          </a:effectRef>
+          <a:fontRef idx="minor">
+            <a:schemeClr val="tx1"/>
+          </a:fontRef>
+        </p:style>
+      </p:cxnSp>
+      <p:cxnSp>
+        <p:nvCxnSpPr>
+          <p:cNvPr id="55" name="Straight Connector 54">
+            <a:extLst>
+              <a:ext uri="{FF2B5EF4-FFF2-40B4-BE49-F238E27FC236}">
+                <a16:creationId xmlns:a16="http://schemas.microsoft.com/office/drawing/2014/main" id="{DECDE22B-39FD-68CA-FF9B-2F48FDF8E0BA}"/>
+              </a:ext>
+            </a:extLst>
+          </p:cNvPr>
+          <p:cNvCxnSpPr>
+            <a:cxnSpLocks/>
+          </p:cNvCxnSpPr>
+          <p:nvPr/>
+        </p:nvCxnSpPr>
+        <p:spPr>
+          <a:xfrm flipV="1">
+            <a:off x="7558820" y="3228341"/>
+            <a:ext cx="0" cy="266016"/>
+          </a:xfrm>
+          <a:prstGeom prst="line">
+            <a:avLst/>
+          </a:prstGeom>
+          <a:ln w="38100">
+            <a:solidFill>
+              <a:schemeClr val="accent3">
+                <a:lumMod val="60000"/>
+                <a:lumOff val="40000"/>
+              </a:schemeClr>
+            </a:solidFill>
+          </a:ln>
+        </p:spPr>
+        <p:style>
+          <a:lnRef idx="2">
+            <a:schemeClr val="accent1"/>
+          </a:lnRef>
+          <a:fillRef idx="0">
+            <a:schemeClr val="accent1"/>
+          </a:fillRef>
+          <a:effectRef idx="1">
+            <a:schemeClr val="accent1"/>
+          </a:effectRef>
+          <a:fontRef idx="minor">
+            <a:schemeClr val="tx1"/>
+          </a:fontRef>
+        </p:style>
+      </p:cxnSp>
+      <p:cxnSp>
+        <p:nvCxnSpPr>
+          <p:cNvPr id="1036" name="Straight Connector 1035">
+            <a:extLst>
+              <a:ext uri="{FF2B5EF4-FFF2-40B4-BE49-F238E27FC236}">
+                <a16:creationId xmlns:a16="http://schemas.microsoft.com/office/drawing/2014/main" id="{41D34E39-8CA6-3605-D322-D66F50619FFE}"/>
+              </a:ext>
+            </a:extLst>
+          </p:cNvPr>
+          <p:cNvCxnSpPr>
+            <a:cxnSpLocks/>
+          </p:cNvCxnSpPr>
+          <p:nvPr/>
+        </p:nvCxnSpPr>
+        <p:spPr>
+          <a:xfrm flipH="1">
+            <a:off x="7398799" y="3890142"/>
+            <a:ext cx="180254" cy="0"/>
+          </a:xfrm>
+          <a:prstGeom prst="line">
+            <a:avLst/>
+          </a:prstGeom>
+          <a:ln w="38100">
+            <a:solidFill>
+              <a:srgbClr val="FF0000"/>
+            </a:solidFill>
+          </a:ln>
+        </p:spPr>
+        <p:style>
+          <a:lnRef idx="2">
+            <a:schemeClr val="accent1"/>
+          </a:lnRef>
+          <a:fillRef idx="0">
+            <a:schemeClr val="accent1"/>
+          </a:fillRef>
+          <a:effectRef idx="1">
+            <a:schemeClr val="accent1"/>
+          </a:effectRef>
+          <a:fontRef idx="minor">
+            <a:schemeClr val="tx1"/>
+          </a:fontRef>
+        </p:style>
+      </p:cxnSp>
+      <p:cxnSp>
+        <p:nvCxnSpPr>
+          <p:cNvPr id="1038" name="Straight Connector 1037">
+            <a:extLst>
+              <a:ext uri="{FF2B5EF4-FFF2-40B4-BE49-F238E27FC236}">
+                <a16:creationId xmlns:a16="http://schemas.microsoft.com/office/drawing/2014/main" id="{D30DCFD6-D0F0-1A56-B994-13F99BA1D425}"/>
+              </a:ext>
+            </a:extLst>
+          </p:cNvPr>
+          <p:cNvCxnSpPr>
+            <a:cxnSpLocks/>
+          </p:cNvCxnSpPr>
+          <p:nvPr/>
+        </p:nvCxnSpPr>
+        <p:spPr>
+          <a:xfrm flipH="1">
+            <a:off x="7339058" y="4022603"/>
+            <a:ext cx="233325" cy="0"/>
+          </a:xfrm>
+          <a:prstGeom prst="line">
+            <a:avLst/>
+          </a:prstGeom>
+          <a:ln w="38100">
+            <a:solidFill>
+              <a:schemeClr val="bg1"/>
+            </a:solidFill>
+          </a:ln>
+        </p:spPr>
+        <p:style>
+          <a:lnRef idx="2">
+            <a:schemeClr val="accent1"/>
+          </a:lnRef>
+          <a:fillRef idx="0">
+            <a:schemeClr val="accent1"/>
+          </a:fillRef>
+          <a:effectRef idx="1">
+            <a:schemeClr val="accent1"/>
+          </a:effectRef>
+          <a:fontRef idx="minor">
+            <a:schemeClr val="tx1"/>
+          </a:fontRef>
+        </p:style>
+      </p:cxnSp>
+      <p:cxnSp>
+        <p:nvCxnSpPr>
+          <p:cNvPr id="1045" name="Straight Connector 1044">
+            <a:extLst>
+              <a:ext uri="{FF2B5EF4-FFF2-40B4-BE49-F238E27FC236}">
+                <a16:creationId xmlns:a16="http://schemas.microsoft.com/office/drawing/2014/main" id="{F2AD5D75-D949-374C-AA8B-B5BA9155F2C6}"/>
+              </a:ext>
+            </a:extLst>
+          </p:cNvPr>
+          <p:cNvCxnSpPr>
+            <a:cxnSpLocks/>
+          </p:cNvCxnSpPr>
+          <p:nvPr/>
+        </p:nvCxnSpPr>
+        <p:spPr>
+          <a:xfrm flipV="1">
+            <a:off x="7179723" y="2330925"/>
+            <a:ext cx="0" cy="1836844"/>
+          </a:xfrm>
+          <a:prstGeom prst="line">
+            <a:avLst/>
+          </a:prstGeom>
+          <a:ln w="38100">
+            <a:solidFill>
+              <a:srgbClr val="FF0000"/>
+            </a:solidFill>
+          </a:ln>
+        </p:spPr>
+        <p:style>
+          <a:lnRef idx="2">
+            <a:schemeClr val="accent1"/>
+          </a:lnRef>
+          <a:fillRef idx="0">
+            <a:schemeClr val="accent1"/>
+          </a:fillRef>
+          <a:effectRef idx="1">
+            <a:schemeClr val="accent1"/>
+          </a:effectRef>
+          <a:fontRef idx="minor">
+            <a:schemeClr val="tx1"/>
+          </a:fontRef>
+        </p:style>
+      </p:cxnSp>
+      <p:cxnSp>
+        <p:nvCxnSpPr>
+          <p:cNvPr id="1048" name="Straight Connector 1047">
+            <a:extLst>
+              <a:ext uri="{FF2B5EF4-FFF2-40B4-BE49-F238E27FC236}">
+                <a16:creationId xmlns:a16="http://schemas.microsoft.com/office/drawing/2014/main" id="{C9A2F697-C2C9-5713-9196-199A85DC02BE}"/>
+              </a:ext>
+            </a:extLst>
+          </p:cNvPr>
+          <p:cNvCxnSpPr>
+            <a:cxnSpLocks/>
+          </p:cNvCxnSpPr>
+          <p:nvPr/>
+        </p:nvCxnSpPr>
+        <p:spPr>
+          <a:xfrm flipH="1">
+            <a:off x="7198537" y="4151191"/>
+            <a:ext cx="380516" cy="0"/>
+          </a:xfrm>
+          <a:prstGeom prst="line">
+            <a:avLst/>
+          </a:prstGeom>
+          <a:ln w="38100">
+            <a:solidFill>
+              <a:srgbClr val="FF0000"/>
+            </a:solidFill>
+          </a:ln>
+        </p:spPr>
+        <p:style>
+          <a:lnRef idx="2">
+            <a:schemeClr val="accent1"/>
+          </a:lnRef>
+          <a:fillRef idx="0">
+            <a:schemeClr val="accent1"/>
+          </a:fillRef>
+          <a:effectRef idx="1">
+            <a:schemeClr val="accent1"/>
+          </a:effectRef>
+          <a:fontRef idx="minor">
+            <a:schemeClr val="tx1"/>
+          </a:fontRef>
+        </p:style>
+      </p:cxnSp>
+      <p:cxnSp>
+        <p:nvCxnSpPr>
+          <p:cNvPr id="1072" name="Straight Connector 1071">
+            <a:extLst>
+              <a:ext uri="{FF2B5EF4-FFF2-40B4-BE49-F238E27FC236}">
+                <a16:creationId xmlns:a16="http://schemas.microsoft.com/office/drawing/2014/main" id="{D7EE408A-CA8F-7DA2-D34E-9ECF1ECC72C1}"/>
+              </a:ext>
+            </a:extLst>
+          </p:cNvPr>
+          <p:cNvCxnSpPr>
+            <a:cxnSpLocks/>
+          </p:cNvCxnSpPr>
+          <p:nvPr/>
+        </p:nvCxnSpPr>
+        <p:spPr>
+          <a:xfrm flipH="1">
+            <a:off x="7104243" y="4304966"/>
+            <a:ext cx="474810" cy="0"/>
+          </a:xfrm>
+          <a:prstGeom prst="line">
+            <a:avLst/>
+          </a:prstGeom>
+          <a:ln w="38100">
+            <a:solidFill>
+              <a:schemeClr val="bg1"/>
+            </a:solidFill>
+          </a:ln>
+        </p:spPr>
+        <p:style>
+          <a:lnRef idx="2">
+            <a:schemeClr val="accent1"/>
+          </a:lnRef>
+          <a:fillRef idx="0">
+            <a:schemeClr val="accent1"/>
+          </a:fillRef>
+          <a:effectRef idx="1">
+            <a:schemeClr val="accent1"/>
+          </a:effectRef>
+          <a:fontRef idx="minor">
+            <a:schemeClr val="tx1"/>
+          </a:fontRef>
+        </p:style>
+      </p:cxnSp>
+      <p:cxnSp>
+        <p:nvCxnSpPr>
+          <p:cNvPr id="1105" name="Straight Connector 1104">
+            <a:extLst>
+              <a:ext uri="{FF2B5EF4-FFF2-40B4-BE49-F238E27FC236}">
+                <a16:creationId xmlns:a16="http://schemas.microsoft.com/office/drawing/2014/main" id="{0E998F13-ECE2-8F2D-5471-4D165CFCFC6F}"/>
+              </a:ext>
+            </a:extLst>
+          </p:cNvPr>
+          <p:cNvCxnSpPr>
+            <a:cxnSpLocks/>
+          </p:cNvCxnSpPr>
+          <p:nvPr/>
+        </p:nvCxnSpPr>
+        <p:spPr>
+          <a:xfrm flipH="1">
+            <a:off x="8394796" y="3473405"/>
+            <a:ext cx="306292" cy="0"/>
+          </a:xfrm>
+          <a:prstGeom prst="line">
+            <a:avLst/>
+          </a:prstGeom>
+          <a:ln w="38100" cmpd="sng">
+            <a:solidFill>
+              <a:schemeClr val="accent5">
+                <a:lumMod val="75000"/>
+              </a:schemeClr>
+            </a:solidFill>
+            <a:prstDash val="solid"/>
+            <a:round/>
+          </a:ln>
+        </p:spPr>
+        <p:style>
+          <a:lnRef idx="2">
+            <a:schemeClr val="accent1"/>
+          </a:lnRef>
+          <a:fillRef idx="0">
+            <a:schemeClr val="accent1"/>
+          </a:fillRef>
+          <a:effectRef idx="1">
+            <a:schemeClr val="accent1"/>
+          </a:effectRef>
+          <a:fontRef idx="minor">
+            <a:schemeClr val="tx1"/>
+          </a:fontRef>
+        </p:style>
+      </p:cxnSp>
+      <p:cxnSp>
+        <p:nvCxnSpPr>
+          <p:cNvPr id="1109" name="Straight Connector 1108">
+            <a:extLst>
+              <a:ext uri="{FF2B5EF4-FFF2-40B4-BE49-F238E27FC236}">
+                <a16:creationId xmlns:a16="http://schemas.microsoft.com/office/drawing/2014/main" id="{1A1D4365-DBB9-D75D-E31E-87F587A7D0F3}"/>
+              </a:ext>
+            </a:extLst>
+          </p:cNvPr>
+          <p:cNvCxnSpPr>
+            <a:cxnSpLocks/>
+          </p:cNvCxnSpPr>
+          <p:nvPr/>
+        </p:nvCxnSpPr>
+        <p:spPr>
+          <a:xfrm flipV="1">
+            <a:off x="8696326" y="3451286"/>
+            <a:ext cx="0" cy="1773177"/>
+          </a:xfrm>
+          <a:prstGeom prst="line">
+            <a:avLst/>
+          </a:prstGeom>
+          <a:ln w="38100" cmpd="sng">
+            <a:solidFill>
+              <a:schemeClr val="accent5">
+                <a:lumMod val="75000"/>
+              </a:schemeClr>
+            </a:solidFill>
+            <a:prstDash val="solid"/>
+            <a:round/>
+          </a:ln>
+        </p:spPr>
+        <p:style>
+          <a:lnRef idx="2">
+            <a:schemeClr val="accent1"/>
+          </a:lnRef>
+          <a:fillRef idx="0">
+            <a:schemeClr val="accent1"/>
+          </a:fillRef>
+          <a:effectRef idx="1">
+            <a:schemeClr val="accent1"/>
+          </a:effectRef>
+          <a:fontRef idx="minor">
+            <a:schemeClr val="tx1"/>
+          </a:fontRef>
+        </p:style>
+      </p:cxnSp>
+      <p:cxnSp>
+        <p:nvCxnSpPr>
+          <p:cNvPr id="1115" name="Straight Connector 1114">
+            <a:extLst>
+              <a:ext uri="{FF2B5EF4-FFF2-40B4-BE49-F238E27FC236}">
+                <a16:creationId xmlns:a16="http://schemas.microsoft.com/office/drawing/2014/main" id="{9AC671A4-4F9A-8520-4D39-2ED31BBA57CE}"/>
+              </a:ext>
+            </a:extLst>
+          </p:cNvPr>
+          <p:cNvCxnSpPr>
+            <a:cxnSpLocks/>
+          </p:cNvCxnSpPr>
+          <p:nvPr/>
+        </p:nvCxnSpPr>
+        <p:spPr>
+          <a:xfrm flipH="1">
+            <a:off x="8464235" y="5211717"/>
+            <a:ext cx="236853" cy="0"/>
+          </a:xfrm>
+          <a:prstGeom prst="line">
+            <a:avLst/>
+          </a:prstGeom>
+          <a:ln w="38100" cmpd="sng">
+            <a:solidFill>
+              <a:schemeClr val="accent5">
+                <a:lumMod val="75000"/>
+              </a:schemeClr>
+            </a:solidFill>
+            <a:prstDash val="solid"/>
+            <a:round/>
+          </a:ln>
+        </p:spPr>
+        <p:style>
+          <a:lnRef idx="2">
+            <a:schemeClr val="accent1"/>
+          </a:lnRef>
+          <a:fillRef idx="0">
+            <a:schemeClr val="accent1"/>
+          </a:fillRef>
+          <a:effectRef idx="1">
+            <a:schemeClr val="accent1"/>
+          </a:effectRef>
+          <a:fontRef idx="minor">
+            <a:schemeClr val="tx1"/>
+          </a:fontRef>
+        </p:style>
+      </p:cxnSp>
+      <p:cxnSp>
+        <p:nvCxnSpPr>
+          <p:cNvPr id="1118" name="Straight Connector 1117">
+            <a:extLst>
+              <a:ext uri="{FF2B5EF4-FFF2-40B4-BE49-F238E27FC236}">
+                <a16:creationId xmlns:a16="http://schemas.microsoft.com/office/drawing/2014/main" id="{0443605E-96C3-FFA7-59B4-7A02CE29DD34}"/>
+              </a:ext>
+            </a:extLst>
+          </p:cNvPr>
+          <p:cNvCxnSpPr>
+            <a:cxnSpLocks/>
+          </p:cNvCxnSpPr>
+          <p:nvPr/>
+        </p:nvCxnSpPr>
+        <p:spPr>
+          <a:xfrm flipH="1">
+            <a:off x="8394792" y="3613478"/>
+            <a:ext cx="387258" cy="0"/>
+          </a:xfrm>
+          <a:prstGeom prst="line">
+            <a:avLst/>
+          </a:prstGeom>
+          <a:ln w="38100" cmpd="thickThin">
+            <a:solidFill>
+              <a:schemeClr val="accent5">
+                <a:lumMod val="75000"/>
+              </a:schemeClr>
+            </a:solidFill>
+          </a:ln>
+        </p:spPr>
+        <p:style>
+          <a:lnRef idx="2">
+            <a:schemeClr val="accent1"/>
+          </a:lnRef>
+          <a:fillRef idx="0">
+            <a:schemeClr val="accent1"/>
+          </a:fillRef>
+          <a:effectRef idx="1">
+            <a:schemeClr val="accent1"/>
+          </a:effectRef>
+          <a:fontRef idx="minor">
+            <a:schemeClr val="tx1"/>
+          </a:fontRef>
+        </p:style>
+      </p:cxnSp>
+      <p:cxnSp>
+        <p:nvCxnSpPr>
+          <p:cNvPr id="1120" name="Straight Connector 1119">
+            <a:extLst>
+              <a:ext uri="{FF2B5EF4-FFF2-40B4-BE49-F238E27FC236}">
+                <a16:creationId xmlns:a16="http://schemas.microsoft.com/office/drawing/2014/main" id="{F2CC7E69-A96F-C3A2-91C5-BE485B378C9C}"/>
+              </a:ext>
+            </a:extLst>
+          </p:cNvPr>
+          <p:cNvCxnSpPr>
+            <a:cxnSpLocks/>
+          </p:cNvCxnSpPr>
+          <p:nvPr/>
+        </p:nvCxnSpPr>
+        <p:spPr>
+          <a:xfrm flipV="1">
+            <a:off x="8788005" y="3590925"/>
+            <a:ext cx="0" cy="1781175"/>
+          </a:xfrm>
+          <a:prstGeom prst="line">
+            <a:avLst/>
+          </a:prstGeom>
+          <a:ln w="38100" cmpd="thickThin">
+            <a:solidFill>
+              <a:schemeClr val="accent5">
+                <a:lumMod val="75000"/>
+              </a:schemeClr>
+            </a:solidFill>
+          </a:ln>
+        </p:spPr>
+        <p:style>
+          <a:lnRef idx="2">
+            <a:schemeClr val="accent1"/>
+          </a:lnRef>
+          <a:fillRef idx="0">
+            <a:schemeClr val="accent1"/>
+          </a:fillRef>
+          <a:effectRef idx="1">
+            <a:schemeClr val="accent1"/>
+          </a:effectRef>
+          <a:fontRef idx="minor">
+            <a:schemeClr val="tx1"/>
+          </a:fontRef>
+        </p:style>
+      </p:cxnSp>
+      <p:cxnSp>
+        <p:nvCxnSpPr>
+          <p:cNvPr id="1121" name="Straight Connector 1120">
+            <a:extLst>
+              <a:ext uri="{FF2B5EF4-FFF2-40B4-BE49-F238E27FC236}">
+                <a16:creationId xmlns:a16="http://schemas.microsoft.com/office/drawing/2014/main" id="{6F0577C7-3B3E-B0B3-076B-EF0FD0B0C45D}"/>
+              </a:ext>
+            </a:extLst>
+          </p:cNvPr>
+          <p:cNvCxnSpPr>
+            <a:cxnSpLocks/>
+          </p:cNvCxnSpPr>
+          <p:nvPr/>
+        </p:nvCxnSpPr>
+        <p:spPr>
+          <a:xfrm flipH="1">
+            <a:off x="8464231" y="5366075"/>
+            <a:ext cx="327344" cy="0"/>
+          </a:xfrm>
+          <a:prstGeom prst="line">
+            <a:avLst/>
+          </a:prstGeom>
+          <a:ln w="38100" cmpd="thickThin">
+            <a:solidFill>
+              <a:schemeClr val="accent5">
+                <a:lumMod val="75000"/>
+              </a:schemeClr>
+            </a:solidFill>
+          </a:ln>
+        </p:spPr>
+        <p:style>
+          <a:lnRef idx="2">
+            <a:schemeClr val="accent1"/>
+          </a:lnRef>
+          <a:fillRef idx="0">
+            <a:schemeClr val="accent1"/>
+          </a:fillRef>
+          <a:effectRef idx="1">
+            <a:schemeClr val="accent1"/>
+          </a:effectRef>
+          <a:fontRef idx="minor">
+            <a:schemeClr val="tx1"/>
+          </a:fontRef>
+        </p:style>
+      </p:cxnSp>
+      <p:cxnSp>
+        <p:nvCxnSpPr>
+          <p:cNvPr id="1125" name="Straight Connector 1124">
+            <a:extLst>
+              <a:ext uri="{FF2B5EF4-FFF2-40B4-BE49-F238E27FC236}">
+                <a16:creationId xmlns:a16="http://schemas.microsoft.com/office/drawing/2014/main" id="{E13949AC-F6D2-F48B-3FDF-79900A1D8DCC}"/>
+              </a:ext>
+            </a:extLst>
+          </p:cNvPr>
+          <p:cNvCxnSpPr>
+            <a:cxnSpLocks/>
+          </p:cNvCxnSpPr>
+          <p:nvPr/>
+        </p:nvCxnSpPr>
+        <p:spPr>
+          <a:xfrm flipH="1">
+            <a:off x="8394796" y="3753550"/>
+            <a:ext cx="484886" cy="0"/>
+          </a:xfrm>
+          <a:prstGeom prst="line">
+            <a:avLst/>
+          </a:prstGeom>
+          <a:ln w="38100" cmpd="dbl">
+            <a:solidFill>
+              <a:schemeClr val="accent5">
+                <a:lumMod val="75000"/>
+              </a:schemeClr>
+            </a:solidFill>
+          </a:ln>
+        </p:spPr>
+        <p:style>
+          <a:lnRef idx="2">
+            <a:schemeClr val="accent1"/>
+          </a:lnRef>
+          <a:fillRef idx="0">
+            <a:schemeClr val="accent1"/>
+          </a:fillRef>
+          <a:effectRef idx="1">
+            <a:schemeClr val="accent1"/>
+          </a:effectRef>
+          <a:fontRef idx="minor">
+            <a:schemeClr val="tx1"/>
+          </a:fontRef>
+        </p:style>
+      </p:cxnSp>
+      <p:cxnSp>
+        <p:nvCxnSpPr>
+          <p:cNvPr id="1126" name="Straight Connector 1125">
+            <a:extLst>
+              <a:ext uri="{FF2B5EF4-FFF2-40B4-BE49-F238E27FC236}">
+                <a16:creationId xmlns:a16="http://schemas.microsoft.com/office/drawing/2014/main" id="{A87DB142-59BF-0566-CC9E-8EF4EEFB0ECF}"/>
+              </a:ext>
+            </a:extLst>
+          </p:cNvPr>
+          <p:cNvCxnSpPr>
+            <a:cxnSpLocks/>
+          </p:cNvCxnSpPr>
+          <p:nvPr/>
+        </p:nvCxnSpPr>
+        <p:spPr>
+          <a:xfrm flipV="1">
+            <a:off x="8879684" y="3731431"/>
+            <a:ext cx="0" cy="1802594"/>
+          </a:xfrm>
+          <a:prstGeom prst="line">
+            <a:avLst/>
+          </a:prstGeom>
+          <a:ln w="38100" cmpd="dbl">
+            <a:solidFill>
+              <a:schemeClr val="accent5">
+                <a:lumMod val="75000"/>
+              </a:schemeClr>
+            </a:solidFill>
+          </a:ln>
+        </p:spPr>
+        <p:style>
+          <a:lnRef idx="2">
+            <a:schemeClr val="accent1"/>
+          </a:lnRef>
+          <a:fillRef idx="0">
+            <a:schemeClr val="accent1"/>
+          </a:fillRef>
+          <a:effectRef idx="1">
+            <a:schemeClr val="accent1"/>
+          </a:effectRef>
+          <a:fontRef idx="minor">
+            <a:schemeClr val="tx1"/>
+          </a:fontRef>
+        </p:style>
+      </p:cxnSp>
+      <p:cxnSp>
+        <p:nvCxnSpPr>
+          <p:cNvPr id="1127" name="Straight Connector 1126">
+            <a:extLst>
+              <a:ext uri="{FF2B5EF4-FFF2-40B4-BE49-F238E27FC236}">
+                <a16:creationId xmlns:a16="http://schemas.microsoft.com/office/drawing/2014/main" id="{FC783D8A-6C73-94A8-422B-35D5C97FE300}"/>
+              </a:ext>
+            </a:extLst>
+          </p:cNvPr>
+          <p:cNvCxnSpPr>
+            <a:cxnSpLocks/>
+          </p:cNvCxnSpPr>
+          <p:nvPr/>
+        </p:nvCxnSpPr>
+        <p:spPr>
+          <a:xfrm flipH="1">
+            <a:off x="8453438" y="5520434"/>
+            <a:ext cx="435769" cy="0"/>
+          </a:xfrm>
+          <a:prstGeom prst="line">
+            <a:avLst/>
+          </a:prstGeom>
+          <a:ln w="38100" cmpd="dbl">
+            <a:solidFill>
+              <a:schemeClr val="accent5">
+                <a:lumMod val="75000"/>
+              </a:schemeClr>
+            </a:solidFill>
+          </a:ln>
+        </p:spPr>
+        <p:style>
+          <a:lnRef idx="2">
+            <a:schemeClr val="accent1"/>
+          </a:lnRef>
+          <a:fillRef idx="0">
+            <a:schemeClr val="accent1"/>
+          </a:fillRef>
+          <a:effectRef idx="1">
+            <a:schemeClr val="accent1"/>
+          </a:effectRef>
+          <a:fontRef idx="minor">
+            <a:schemeClr val="tx1"/>
+          </a:fontRef>
+        </p:style>
+      </p:cxnSp>
+      <p:cxnSp>
+        <p:nvCxnSpPr>
+          <p:cNvPr id="1143" name="Straight Connector 1142">
+            <a:extLst>
+              <a:ext uri="{FF2B5EF4-FFF2-40B4-BE49-F238E27FC236}">
+                <a16:creationId xmlns:a16="http://schemas.microsoft.com/office/drawing/2014/main" id="{08C43701-FA0C-B39B-BAC7-65BEE8D5B834}"/>
+              </a:ext>
+            </a:extLst>
+          </p:cNvPr>
+          <p:cNvCxnSpPr>
+            <a:cxnSpLocks/>
+          </p:cNvCxnSpPr>
+          <p:nvPr/>
+        </p:nvCxnSpPr>
+        <p:spPr>
+          <a:xfrm flipH="1">
+            <a:off x="8394796" y="4299905"/>
+            <a:ext cx="611595" cy="0"/>
+          </a:xfrm>
+          <a:prstGeom prst="line">
+            <a:avLst/>
+          </a:prstGeom>
+          <a:ln w="38100">
+            <a:solidFill>
+              <a:schemeClr val="bg2">
+                <a:lumMod val="25000"/>
+              </a:schemeClr>
+            </a:solidFill>
+          </a:ln>
+        </p:spPr>
+        <p:style>
+          <a:lnRef idx="2">
+            <a:schemeClr val="accent1"/>
+          </a:lnRef>
+          <a:fillRef idx="0">
+            <a:schemeClr val="accent1"/>
+          </a:fillRef>
+          <a:effectRef idx="1">
+            <a:schemeClr val="accent1"/>
+          </a:effectRef>
+          <a:fontRef idx="minor">
+            <a:schemeClr val="tx1"/>
+          </a:fontRef>
+        </p:style>
+      </p:cxnSp>
+      <p:cxnSp>
+        <p:nvCxnSpPr>
+          <p:cNvPr id="1144" name="Straight Connector 1143">
+            <a:extLst>
+              <a:ext uri="{FF2B5EF4-FFF2-40B4-BE49-F238E27FC236}">
+                <a16:creationId xmlns:a16="http://schemas.microsoft.com/office/drawing/2014/main" id="{B9795412-6CC3-CAD4-A4BB-26AB98702FC6}"/>
+              </a:ext>
+            </a:extLst>
+          </p:cNvPr>
+          <p:cNvCxnSpPr>
+            <a:cxnSpLocks/>
+          </p:cNvCxnSpPr>
+          <p:nvPr/>
+        </p:nvCxnSpPr>
+        <p:spPr>
+          <a:xfrm flipV="1">
+            <a:off x="9001629" y="4277786"/>
+            <a:ext cx="0" cy="2830725"/>
+          </a:xfrm>
+          <a:prstGeom prst="line">
+            <a:avLst/>
+          </a:prstGeom>
+          <a:ln w="38100">
+            <a:solidFill>
+              <a:schemeClr val="bg2">
+                <a:lumMod val="25000"/>
+              </a:schemeClr>
+            </a:solidFill>
+          </a:ln>
+        </p:spPr>
+        <p:style>
+          <a:lnRef idx="2">
+            <a:schemeClr val="accent1"/>
+          </a:lnRef>
+          <a:fillRef idx="0">
+            <a:schemeClr val="accent1"/>
+          </a:fillRef>
+          <a:effectRef idx="1">
+            <a:schemeClr val="accent1"/>
+          </a:effectRef>
+          <a:fontRef idx="minor">
+            <a:schemeClr val="tx1"/>
+          </a:fontRef>
+        </p:style>
+      </p:cxnSp>
+      <p:cxnSp>
+        <p:nvCxnSpPr>
+          <p:cNvPr id="1145" name="Straight Connector 1144">
+            <a:extLst>
+              <a:ext uri="{FF2B5EF4-FFF2-40B4-BE49-F238E27FC236}">
+                <a16:creationId xmlns:a16="http://schemas.microsoft.com/office/drawing/2014/main" id="{5815556F-5658-BA4A-0D9A-6D503CE4DC9E}"/>
+              </a:ext>
+            </a:extLst>
+          </p:cNvPr>
+          <p:cNvCxnSpPr>
+            <a:cxnSpLocks/>
+          </p:cNvCxnSpPr>
+          <p:nvPr/>
+        </p:nvCxnSpPr>
+        <p:spPr>
+          <a:xfrm flipH="1">
+            <a:off x="7398799" y="7095178"/>
+            <a:ext cx="1607592" cy="0"/>
+          </a:xfrm>
+          <a:prstGeom prst="line">
+            <a:avLst/>
+          </a:prstGeom>
+          <a:ln w="38100">
+            <a:solidFill>
+              <a:schemeClr val="bg2">
+                <a:lumMod val="25000"/>
+              </a:schemeClr>
+            </a:solidFill>
+          </a:ln>
+        </p:spPr>
+        <p:style>
+          <a:lnRef idx="2">
+            <a:schemeClr val="accent1"/>
+          </a:lnRef>
+          <a:fillRef idx="0">
+            <a:schemeClr val="accent1"/>
+          </a:fillRef>
+          <a:effectRef idx="1">
+            <a:schemeClr val="accent1"/>
+          </a:effectRef>
+          <a:fontRef idx="minor">
+            <a:schemeClr val="tx1"/>
+          </a:fontRef>
+        </p:style>
+      </p:cxnSp>
+      <p:cxnSp>
+        <p:nvCxnSpPr>
+          <p:cNvPr id="1147" name="Straight Connector 1146">
+            <a:extLst>
+              <a:ext uri="{FF2B5EF4-FFF2-40B4-BE49-F238E27FC236}">
+                <a16:creationId xmlns:a16="http://schemas.microsoft.com/office/drawing/2014/main" id="{2BD7C420-B270-FEB8-B068-5076E2BE159F}"/>
+              </a:ext>
+            </a:extLst>
+          </p:cNvPr>
+          <p:cNvCxnSpPr>
+            <a:cxnSpLocks/>
+          </p:cNvCxnSpPr>
+          <p:nvPr/>
+        </p:nvCxnSpPr>
+        <p:spPr>
+          <a:xfrm flipH="1">
+            <a:off x="8401384" y="4026481"/>
+            <a:ext cx="964866" cy="0"/>
+          </a:xfrm>
+          <a:prstGeom prst="line">
+            <a:avLst/>
+          </a:prstGeom>
+          <a:ln w="38100" cmpd="dbl">
+            <a:solidFill>
+              <a:schemeClr val="bg2">
+                <a:lumMod val="25000"/>
+              </a:schemeClr>
+            </a:solidFill>
+          </a:ln>
+        </p:spPr>
+        <p:style>
+          <a:lnRef idx="2">
+            <a:schemeClr val="accent1"/>
+          </a:lnRef>
+          <a:fillRef idx="0">
+            <a:schemeClr val="accent1"/>
+          </a:fillRef>
+          <a:effectRef idx="1">
+            <a:schemeClr val="accent1"/>
+          </a:effectRef>
+          <a:fontRef idx="minor">
+            <a:schemeClr val="tx1"/>
+          </a:fontRef>
+        </p:style>
+      </p:cxnSp>
+      <p:cxnSp>
+        <p:nvCxnSpPr>
+          <p:cNvPr id="1148" name="Straight Connector 1147">
+            <a:extLst>
+              <a:ext uri="{FF2B5EF4-FFF2-40B4-BE49-F238E27FC236}">
+                <a16:creationId xmlns:a16="http://schemas.microsoft.com/office/drawing/2014/main" id="{A3DB7831-78AB-F4CB-4A2E-02051DC8E052}"/>
+              </a:ext>
+            </a:extLst>
+          </p:cNvPr>
+          <p:cNvCxnSpPr>
+            <a:cxnSpLocks/>
+          </p:cNvCxnSpPr>
+          <p:nvPr/>
+        </p:nvCxnSpPr>
+        <p:spPr>
+          <a:xfrm flipV="1">
+            <a:off x="9335558" y="4000757"/>
+            <a:ext cx="0" cy="3447234"/>
+          </a:xfrm>
+          <a:prstGeom prst="line">
+            <a:avLst/>
+          </a:prstGeom>
+          <a:ln w="38100" cmpd="dbl">
+            <a:solidFill>
+              <a:schemeClr val="bg2">
+                <a:lumMod val="25000"/>
+              </a:schemeClr>
+            </a:solidFill>
+          </a:ln>
+        </p:spPr>
+        <p:style>
+          <a:lnRef idx="2">
+            <a:schemeClr val="accent1"/>
+          </a:lnRef>
+          <a:fillRef idx="0">
+            <a:schemeClr val="accent1"/>
+          </a:fillRef>
+          <a:effectRef idx="1">
+            <a:schemeClr val="accent1"/>
+          </a:effectRef>
+          <a:fontRef idx="minor">
+            <a:schemeClr val="tx1"/>
+          </a:fontRef>
+        </p:style>
+      </p:cxnSp>
+      <p:cxnSp>
+        <p:nvCxnSpPr>
+          <p:cNvPr id="1165" name="Straight Connector 1164">
+            <a:extLst>
+              <a:ext uri="{FF2B5EF4-FFF2-40B4-BE49-F238E27FC236}">
+                <a16:creationId xmlns:a16="http://schemas.microsoft.com/office/drawing/2014/main" id="{FEF0A87C-0F7E-C80F-1AC8-B9D2A140C2E4}"/>
+              </a:ext>
+            </a:extLst>
+          </p:cNvPr>
+          <p:cNvCxnSpPr>
+            <a:cxnSpLocks/>
+          </p:cNvCxnSpPr>
+          <p:nvPr/>
+        </p:nvCxnSpPr>
+        <p:spPr>
+          <a:xfrm flipH="1">
+            <a:off x="8394796" y="4151191"/>
+            <a:ext cx="768254" cy="0"/>
+          </a:xfrm>
+          <a:prstGeom prst="line">
+            <a:avLst/>
+          </a:prstGeom>
+          <a:ln w="38100" cmpd="thickThin">
+            <a:solidFill>
+              <a:schemeClr val="bg2">
+                <a:lumMod val="25000"/>
+              </a:schemeClr>
+            </a:solidFill>
+          </a:ln>
+        </p:spPr>
+        <p:style>
+          <a:lnRef idx="2">
+            <a:schemeClr val="accent1"/>
+          </a:lnRef>
+          <a:fillRef idx="0">
+            <a:schemeClr val="accent1"/>
+          </a:fillRef>
+          <a:effectRef idx="1">
+            <a:schemeClr val="accent1"/>
+          </a:effectRef>
+          <a:fontRef idx="minor">
+            <a:schemeClr val="tx1"/>
+          </a:fontRef>
+        </p:style>
+      </p:cxnSp>
+      <p:cxnSp>
+        <p:nvCxnSpPr>
+          <p:cNvPr id="1169" name="Straight Connector 1168">
+            <a:extLst>
+              <a:ext uri="{FF2B5EF4-FFF2-40B4-BE49-F238E27FC236}">
+                <a16:creationId xmlns:a16="http://schemas.microsoft.com/office/drawing/2014/main" id="{DCECDAC3-5BE1-F093-79E8-6F531A911C63}"/>
+              </a:ext>
+            </a:extLst>
+          </p:cNvPr>
+          <p:cNvCxnSpPr>
+            <a:cxnSpLocks/>
+          </p:cNvCxnSpPr>
+          <p:nvPr/>
+        </p:nvCxnSpPr>
+        <p:spPr>
+          <a:xfrm flipH="1">
+            <a:off x="7388795" y="5207955"/>
+            <a:ext cx="190258" cy="0"/>
+          </a:xfrm>
+          <a:prstGeom prst="line">
+            <a:avLst/>
+          </a:prstGeom>
+          <a:ln w="38100">
+            <a:solidFill>
+              <a:schemeClr val="bg2">
+                <a:lumMod val="25000"/>
+              </a:schemeClr>
+            </a:solidFill>
+          </a:ln>
+        </p:spPr>
+        <p:style>
+          <a:lnRef idx="2">
+            <a:schemeClr val="accent1"/>
+          </a:lnRef>
+          <a:fillRef idx="0">
+            <a:schemeClr val="accent1"/>
+          </a:fillRef>
+          <a:effectRef idx="1">
+            <a:schemeClr val="accent1"/>
+          </a:effectRef>
+          <a:fontRef idx="minor">
+            <a:schemeClr val="tx1"/>
+          </a:fontRef>
+        </p:style>
+      </p:cxnSp>
+      <p:cxnSp>
+        <p:nvCxnSpPr>
+          <p:cNvPr id="1171" name="Straight Connector 1170">
+            <a:extLst>
+              <a:ext uri="{FF2B5EF4-FFF2-40B4-BE49-F238E27FC236}">
+                <a16:creationId xmlns:a16="http://schemas.microsoft.com/office/drawing/2014/main" id="{D17FDE0C-5D68-2DE1-23C0-7128FE15C172}"/>
+              </a:ext>
+            </a:extLst>
+          </p:cNvPr>
+          <p:cNvCxnSpPr>
+            <a:cxnSpLocks/>
+          </p:cNvCxnSpPr>
+          <p:nvPr/>
+        </p:nvCxnSpPr>
+        <p:spPr>
+          <a:xfrm flipV="1">
+            <a:off x="7377078" y="5187950"/>
+            <a:ext cx="0" cy="1920561"/>
+          </a:xfrm>
+          <a:prstGeom prst="line">
+            <a:avLst/>
+          </a:prstGeom>
+          <a:ln w="38100">
+            <a:solidFill>
+              <a:schemeClr val="bg2">
+                <a:lumMod val="25000"/>
+              </a:schemeClr>
+            </a:solidFill>
+          </a:ln>
+        </p:spPr>
+        <p:style>
+          <a:lnRef idx="2">
+            <a:schemeClr val="accent1"/>
+          </a:lnRef>
+          <a:fillRef idx="0">
+            <a:schemeClr val="accent1"/>
+          </a:fillRef>
+          <a:effectRef idx="1">
+            <a:schemeClr val="accent1"/>
+          </a:effectRef>
+          <a:fontRef idx="minor">
+            <a:schemeClr val="tx1"/>
+          </a:fontRef>
+        </p:style>
+      </p:cxnSp>
+      <p:cxnSp>
+        <p:nvCxnSpPr>
+          <p:cNvPr id="1177" name="Straight Connector 1176">
+            <a:extLst>
+              <a:ext uri="{FF2B5EF4-FFF2-40B4-BE49-F238E27FC236}">
+                <a16:creationId xmlns:a16="http://schemas.microsoft.com/office/drawing/2014/main" id="{5CD046CB-C3AD-F950-5B3A-E2DCB6C25329}"/>
+              </a:ext>
+            </a:extLst>
+          </p:cNvPr>
+          <p:cNvCxnSpPr>
+            <a:cxnSpLocks/>
+          </p:cNvCxnSpPr>
+          <p:nvPr/>
+        </p:nvCxnSpPr>
+        <p:spPr>
+          <a:xfrm flipV="1">
+            <a:off x="9168593" y="4151191"/>
+            <a:ext cx="0" cy="3114286"/>
+          </a:xfrm>
+          <a:prstGeom prst="line">
+            <a:avLst/>
+          </a:prstGeom>
+          <a:ln w="38100" cmpd="thickThin">
+            <a:solidFill>
+              <a:schemeClr val="bg2">
+                <a:lumMod val="25000"/>
+              </a:schemeClr>
+            </a:solidFill>
+          </a:ln>
+        </p:spPr>
+        <p:style>
+          <a:lnRef idx="2">
+            <a:schemeClr val="accent1"/>
+          </a:lnRef>
+          <a:fillRef idx="0">
+            <a:schemeClr val="accent1"/>
+          </a:fillRef>
+          <a:effectRef idx="1">
+            <a:schemeClr val="accent1"/>
+          </a:effectRef>
+          <a:fontRef idx="minor">
+            <a:schemeClr val="tx1"/>
+          </a:fontRef>
+        </p:style>
+      </p:cxnSp>
+      <p:cxnSp>
+        <p:nvCxnSpPr>
+          <p:cNvPr id="1182" name="Straight Connector 1181">
+            <a:extLst>
+              <a:ext uri="{FF2B5EF4-FFF2-40B4-BE49-F238E27FC236}">
+                <a16:creationId xmlns:a16="http://schemas.microsoft.com/office/drawing/2014/main" id="{BC30FF90-E2AC-C50E-E9CF-CEF09385F4FB}"/>
+              </a:ext>
+            </a:extLst>
+          </p:cNvPr>
+          <p:cNvCxnSpPr>
+            <a:cxnSpLocks/>
+          </p:cNvCxnSpPr>
+          <p:nvPr/>
+        </p:nvCxnSpPr>
+        <p:spPr>
+          <a:xfrm flipV="1">
+            <a:off x="7152993" y="5349912"/>
+            <a:ext cx="0" cy="1915565"/>
+          </a:xfrm>
+          <a:prstGeom prst="line">
+            <a:avLst/>
+          </a:prstGeom>
+          <a:ln w="38100" cmpd="thickThin">
+            <a:solidFill>
+              <a:schemeClr val="bg2">
+                <a:lumMod val="25000"/>
+              </a:schemeClr>
+            </a:solidFill>
+          </a:ln>
+        </p:spPr>
+        <p:style>
+          <a:lnRef idx="2">
+            <a:schemeClr val="accent1"/>
+          </a:lnRef>
+          <a:fillRef idx="0">
+            <a:schemeClr val="accent1"/>
+          </a:fillRef>
+          <a:effectRef idx="1">
+            <a:schemeClr val="accent1"/>
+          </a:effectRef>
+          <a:fontRef idx="minor">
+            <a:schemeClr val="tx1"/>
+          </a:fontRef>
+        </p:style>
+      </p:cxnSp>
+      <p:cxnSp>
+        <p:nvCxnSpPr>
+          <p:cNvPr id="1183" name="Straight Connector 1182">
+            <a:extLst>
+              <a:ext uri="{FF2B5EF4-FFF2-40B4-BE49-F238E27FC236}">
+                <a16:creationId xmlns:a16="http://schemas.microsoft.com/office/drawing/2014/main" id="{B1D009FE-F575-C9DF-7CE0-9D6123C82354}"/>
+              </a:ext>
+            </a:extLst>
+          </p:cNvPr>
+          <p:cNvCxnSpPr>
+            <a:cxnSpLocks/>
+          </p:cNvCxnSpPr>
+          <p:nvPr/>
+        </p:nvCxnSpPr>
+        <p:spPr>
+          <a:xfrm flipH="1">
+            <a:off x="7149291" y="5363343"/>
+            <a:ext cx="429762" cy="0"/>
+          </a:xfrm>
+          <a:prstGeom prst="line">
+            <a:avLst/>
+          </a:prstGeom>
+          <a:ln w="38100" cmpd="thickThin">
+            <a:solidFill>
+              <a:schemeClr val="bg2">
+                <a:lumMod val="25000"/>
+              </a:schemeClr>
+            </a:solidFill>
+          </a:ln>
+        </p:spPr>
+        <p:style>
+          <a:lnRef idx="2">
+            <a:schemeClr val="accent1"/>
+          </a:lnRef>
+          <a:fillRef idx="0">
+            <a:schemeClr val="accent1"/>
+          </a:fillRef>
+          <a:effectRef idx="1">
+            <a:schemeClr val="accent1"/>
+          </a:effectRef>
+          <a:fontRef idx="minor">
+            <a:schemeClr val="tx1"/>
+          </a:fontRef>
+        </p:style>
+      </p:cxnSp>
+      <p:cxnSp>
+        <p:nvCxnSpPr>
+          <p:cNvPr id="1186" name="Straight Connector 1185">
+            <a:extLst>
+              <a:ext uri="{FF2B5EF4-FFF2-40B4-BE49-F238E27FC236}">
+                <a16:creationId xmlns:a16="http://schemas.microsoft.com/office/drawing/2014/main" id="{908320B9-BDF1-1910-0D70-61E3E84C31CB}"/>
+              </a:ext>
+            </a:extLst>
+          </p:cNvPr>
+          <p:cNvCxnSpPr>
+            <a:cxnSpLocks/>
+          </p:cNvCxnSpPr>
+          <p:nvPr/>
+        </p:nvCxnSpPr>
+        <p:spPr>
+          <a:xfrm flipH="1">
+            <a:off x="7115784" y="7259175"/>
+            <a:ext cx="2072666" cy="0"/>
+          </a:xfrm>
+          <a:prstGeom prst="line">
+            <a:avLst/>
+          </a:prstGeom>
+          <a:ln w="38100" cmpd="thickThin">
+            <a:solidFill>
+              <a:schemeClr val="bg2">
+                <a:lumMod val="25000"/>
+              </a:schemeClr>
+            </a:solidFill>
+          </a:ln>
+        </p:spPr>
+        <p:style>
+          <a:lnRef idx="2">
+            <a:schemeClr val="accent1"/>
+          </a:lnRef>
+          <a:fillRef idx="0">
+            <a:schemeClr val="accent1"/>
+          </a:fillRef>
+          <a:effectRef idx="1">
+            <a:schemeClr val="accent1"/>
+          </a:effectRef>
+          <a:fontRef idx="minor">
+            <a:schemeClr val="tx1"/>
+          </a:fontRef>
+        </p:style>
+      </p:cxnSp>
+      <p:cxnSp>
+        <p:nvCxnSpPr>
+          <p:cNvPr id="1192" name="Straight Connector 1191">
+            <a:extLst>
+              <a:ext uri="{FF2B5EF4-FFF2-40B4-BE49-F238E27FC236}">
+                <a16:creationId xmlns:a16="http://schemas.microsoft.com/office/drawing/2014/main" id="{36FD166D-67EB-5C41-343C-C9B9ABCBA76D}"/>
+              </a:ext>
+            </a:extLst>
+          </p:cNvPr>
+          <p:cNvCxnSpPr>
+            <a:cxnSpLocks/>
+          </p:cNvCxnSpPr>
+          <p:nvPr/>
+        </p:nvCxnSpPr>
+        <p:spPr>
+          <a:xfrm flipH="1">
+            <a:off x="6927850" y="7423172"/>
+            <a:ext cx="2400300" cy="24819"/>
+          </a:xfrm>
+          <a:prstGeom prst="line">
+            <a:avLst/>
+          </a:prstGeom>
+          <a:ln w="38100" cmpd="dbl">
+            <a:solidFill>
+              <a:schemeClr val="bg2">
+                <a:lumMod val="25000"/>
+              </a:schemeClr>
+            </a:solidFill>
+          </a:ln>
+        </p:spPr>
+        <p:style>
+          <a:lnRef idx="2">
+            <a:schemeClr val="accent1"/>
+          </a:lnRef>
+          <a:fillRef idx="0">
+            <a:schemeClr val="accent1"/>
+          </a:fillRef>
+          <a:effectRef idx="1">
+            <a:schemeClr val="accent1"/>
+          </a:effectRef>
+          <a:fontRef idx="minor">
+            <a:schemeClr val="tx1"/>
+          </a:fontRef>
+        </p:style>
+      </p:cxnSp>
+      <p:cxnSp>
+        <p:nvCxnSpPr>
+          <p:cNvPr id="1195" name="Straight Connector 1194">
+            <a:extLst>
+              <a:ext uri="{FF2B5EF4-FFF2-40B4-BE49-F238E27FC236}">
+                <a16:creationId xmlns:a16="http://schemas.microsoft.com/office/drawing/2014/main" id="{0AE5D181-A139-E172-89B9-0D9689CDEA91}"/>
+              </a:ext>
+            </a:extLst>
+          </p:cNvPr>
+          <p:cNvCxnSpPr>
+            <a:cxnSpLocks/>
+          </p:cNvCxnSpPr>
+          <p:nvPr/>
+        </p:nvCxnSpPr>
+        <p:spPr>
+          <a:xfrm flipH="1">
+            <a:off x="6940550" y="5518731"/>
+            <a:ext cx="646126" cy="0"/>
+          </a:xfrm>
+          <a:prstGeom prst="line">
+            <a:avLst/>
+          </a:prstGeom>
+          <a:ln w="38100" cmpd="dbl">
+            <a:solidFill>
+              <a:schemeClr val="bg2">
+                <a:lumMod val="25000"/>
+              </a:schemeClr>
+            </a:solidFill>
+          </a:ln>
+        </p:spPr>
+        <p:style>
+          <a:lnRef idx="2">
+            <a:schemeClr val="accent1"/>
+          </a:lnRef>
+          <a:fillRef idx="0">
+            <a:schemeClr val="accent1"/>
+          </a:fillRef>
+          <a:effectRef idx="1">
+            <a:schemeClr val="accent1"/>
+          </a:effectRef>
+          <a:fontRef idx="minor">
+            <a:schemeClr val="tx1"/>
+          </a:fontRef>
+        </p:style>
+      </p:cxnSp>
+      <p:cxnSp>
+        <p:nvCxnSpPr>
+          <p:cNvPr id="1197" name="Straight Connector 1196">
+            <a:extLst>
+              <a:ext uri="{FF2B5EF4-FFF2-40B4-BE49-F238E27FC236}">
+                <a16:creationId xmlns:a16="http://schemas.microsoft.com/office/drawing/2014/main" id="{5B437DD7-1D52-FEB9-6A01-DBBF9E665527}"/>
+              </a:ext>
+            </a:extLst>
+          </p:cNvPr>
+          <p:cNvCxnSpPr>
+            <a:cxnSpLocks/>
+          </p:cNvCxnSpPr>
+          <p:nvPr/>
+        </p:nvCxnSpPr>
+        <p:spPr>
+          <a:xfrm flipV="1">
+            <a:off x="6928908" y="5499100"/>
+            <a:ext cx="0" cy="1948891"/>
+          </a:xfrm>
+          <a:prstGeom prst="line">
+            <a:avLst/>
+          </a:prstGeom>
+          <a:ln w="38100" cmpd="dbl">
+            <a:solidFill>
+              <a:schemeClr val="bg2">
+                <a:lumMod val="25000"/>
+              </a:schemeClr>
+            </a:solidFill>
+          </a:ln>
+        </p:spPr>
+        <p:style>
+          <a:lnRef idx="2">
+            <a:schemeClr val="accent1"/>
+          </a:lnRef>
+          <a:fillRef idx="0">
+            <a:schemeClr val="accent1"/>
+          </a:fillRef>
+          <a:effectRef idx="1">
+            <a:schemeClr val="accent1"/>
+          </a:effectRef>
+          <a:fontRef idx="minor">
+            <a:schemeClr val="tx1"/>
+          </a:fontRef>
+        </p:style>
+      </p:cxnSp>
+      <p:cxnSp>
+        <p:nvCxnSpPr>
+          <p:cNvPr id="1207" name="Straight Connector 1206">
+            <a:extLst>
+              <a:ext uri="{FF2B5EF4-FFF2-40B4-BE49-F238E27FC236}">
+                <a16:creationId xmlns:a16="http://schemas.microsoft.com/office/drawing/2014/main" id="{B31B91D0-9643-D8AF-455E-3E69F5903DE5}"/>
+              </a:ext>
+            </a:extLst>
+          </p:cNvPr>
+          <p:cNvCxnSpPr>
+            <a:cxnSpLocks/>
+          </p:cNvCxnSpPr>
+          <p:nvPr/>
+        </p:nvCxnSpPr>
+        <p:spPr>
+          <a:xfrm flipH="1">
+            <a:off x="8376695" y="3899127"/>
+            <a:ext cx="1176242" cy="0"/>
+          </a:xfrm>
+          <a:prstGeom prst="line">
+            <a:avLst/>
+          </a:prstGeom>
+          <a:ln w="38100">
+            <a:solidFill>
+              <a:schemeClr val="accent5">
+                <a:lumMod val="60000"/>
+                <a:lumOff val="40000"/>
+              </a:schemeClr>
+            </a:solidFill>
+          </a:ln>
+        </p:spPr>
+        <p:style>
+          <a:lnRef idx="2">
+            <a:schemeClr val="accent1"/>
+          </a:lnRef>
+          <a:fillRef idx="0">
+            <a:schemeClr val="accent1"/>
+          </a:fillRef>
+          <a:effectRef idx="1">
+            <a:schemeClr val="accent1"/>
+          </a:effectRef>
+          <a:fontRef idx="minor">
+            <a:schemeClr val="tx1"/>
+          </a:fontRef>
+        </p:style>
+      </p:cxnSp>
+      <p:cxnSp>
+        <p:nvCxnSpPr>
+          <p:cNvPr id="1209" name="Straight Connector 1208">
+            <a:extLst>
+              <a:ext uri="{FF2B5EF4-FFF2-40B4-BE49-F238E27FC236}">
+                <a16:creationId xmlns:a16="http://schemas.microsoft.com/office/drawing/2014/main" id="{FA0CDD07-29B7-F1B9-FFD0-96EC59E93EC9}"/>
+              </a:ext>
+            </a:extLst>
+          </p:cNvPr>
+          <p:cNvCxnSpPr>
+            <a:cxnSpLocks/>
+          </p:cNvCxnSpPr>
+          <p:nvPr/>
+        </p:nvCxnSpPr>
+        <p:spPr>
+          <a:xfrm flipH="1">
+            <a:off x="6781800" y="5677127"/>
+            <a:ext cx="808987" cy="0"/>
+          </a:xfrm>
+          <a:prstGeom prst="line">
+            <a:avLst/>
+          </a:prstGeom>
+          <a:ln w="38100">
+            <a:solidFill>
+              <a:schemeClr val="accent5">
+                <a:lumMod val="60000"/>
+                <a:lumOff val="40000"/>
+              </a:schemeClr>
+            </a:solidFill>
+          </a:ln>
+        </p:spPr>
+        <p:style>
+          <a:lnRef idx="2">
+            <a:schemeClr val="accent1"/>
+          </a:lnRef>
+          <a:fillRef idx="0">
+            <a:schemeClr val="accent1"/>
+          </a:fillRef>
+          <a:effectRef idx="1">
+            <a:schemeClr val="accent1"/>
+          </a:effectRef>
+          <a:fontRef idx="minor">
+            <a:schemeClr val="tx1"/>
+          </a:fontRef>
+        </p:style>
+      </p:cxnSp>
+      <p:cxnSp>
+        <p:nvCxnSpPr>
+          <p:cNvPr id="1211" name="Straight Connector 1210">
+            <a:extLst>
+              <a:ext uri="{FF2B5EF4-FFF2-40B4-BE49-F238E27FC236}">
+                <a16:creationId xmlns:a16="http://schemas.microsoft.com/office/drawing/2014/main" id="{3FFA9011-4D69-744F-CDB6-F6BB185AB153}"/>
+              </a:ext>
+            </a:extLst>
+          </p:cNvPr>
+          <p:cNvCxnSpPr>
+            <a:cxnSpLocks/>
+          </p:cNvCxnSpPr>
+          <p:nvPr/>
+        </p:nvCxnSpPr>
+        <p:spPr>
+          <a:xfrm flipV="1">
+            <a:off x="9531350" y="3905547"/>
+            <a:ext cx="0" cy="2889540"/>
+          </a:xfrm>
+          <a:prstGeom prst="line">
+            <a:avLst/>
+          </a:prstGeom>
+          <a:ln w="38100">
+            <a:solidFill>
+              <a:schemeClr val="accent5">
+                <a:lumMod val="60000"/>
+                <a:lumOff val="40000"/>
+              </a:schemeClr>
+            </a:solidFill>
+          </a:ln>
+        </p:spPr>
+        <p:style>
+          <a:lnRef idx="2">
+            <a:schemeClr val="accent1"/>
+          </a:lnRef>
+          <a:fillRef idx="0">
+            <a:schemeClr val="accent1"/>
+          </a:fillRef>
+          <a:effectRef idx="1">
+            <a:schemeClr val="accent1"/>
+          </a:effectRef>
+          <a:fontRef idx="minor">
+            <a:schemeClr val="tx1"/>
+          </a:fontRef>
+        </p:style>
+      </p:cxnSp>
+      <p:cxnSp>
+        <p:nvCxnSpPr>
+          <p:cNvPr id="1215" name="Straight Connector 1214">
+            <a:extLst>
+              <a:ext uri="{FF2B5EF4-FFF2-40B4-BE49-F238E27FC236}">
+                <a16:creationId xmlns:a16="http://schemas.microsoft.com/office/drawing/2014/main" id="{E75015D0-58C8-9903-5446-B444FC89BE77}"/>
+              </a:ext>
+            </a:extLst>
+          </p:cNvPr>
+          <p:cNvCxnSpPr>
+            <a:cxnSpLocks/>
+          </p:cNvCxnSpPr>
+          <p:nvPr/>
+        </p:nvCxnSpPr>
+        <p:spPr>
+          <a:xfrm flipH="1">
+            <a:off x="6781800" y="6782387"/>
+            <a:ext cx="2770188" cy="0"/>
+          </a:xfrm>
+          <a:prstGeom prst="line">
+            <a:avLst/>
+          </a:prstGeom>
+          <a:ln w="38100">
+            <a:solidFill>
+              <a:schemeClr val="accent5">
+                <a:lumMod val="60000"/>
+                <a:lumOff val="40000"/>
+              </a:schemeClr>
+            </a:solidFill>
+          </a:ln>
+        </p:spPr>
+        <p:style>
+          <a:lnRef idx="2">
+            <a:schemeClr val="accent1"/>
+          </a:lnRef>
+          <a:fillRef idx="0">
+            <a:schemeClr val="accent1"/>
+          </a:fillRef>
+          <a:effectRef idx="1">
+            <a:schemeClr val="accent1"/>
+          </a:effectRef>
+          <a:fontRef idx="minor">
+            <a:schemeClr val="tx1"/>
+          </a:fontRef>
+        </p:style>
+      </p:cxnSp>
+      <p:cxnSp>
+        <p:nvCxnSpPr>
+          <p:cNvPr id="1217" name="Straight Connector 1216">
+            <a:extLst>
+              <a:ext uri="{FF2B5EF4-FFF2-40B4-BE49-F238E27FC236}">
+                <a16:creationId xmlns:a16="http://schemas.microsoft.com/office/drawing/2014/main" id="{202FF405-D8F0-2430-1201-553313535D4C}"/>
+              </a:ext>
+            </a:extLst>
+          </p:cNvPr>
+          <p:cNvCxnSpPr>
+            <a:cxnSpLocks/>
+          </p:cNvCxnSpPr>
+          <p:nvPr/>
+        </p:nvCxnSpPr>
+        <p:spPr>
+          <a:xfrm flipV="1">
+            <a:off x="6800850" y="5665084"/>
+            <a:ext cx="0" cy="1130003"/>
+          </a:xfrm>
+          <a:prstGeom prst="line">
+            <a:avLst/>
+          </a:prstGeom>
+          <a:ln w="38100">
+            <a:solidFill>
+              <a:schemeClr val="accent5">
+                <a:lumMod val="60000"/>
+                <a:lumOff val="40000"/>
+              </a:schemeClr>
+            </a:solidFill>
+          </a:ln>
+        </p:spPr>
+        <p:style>
+          <a:lnRef idx="2">
+            <a:schemeClr val="accent1"/>
+          </a:lnRef>
+          <a:fillRef idx="0">
+            <a:schemeClr val="accent1"/>
+          </a:fillRef>
+          <a:effectRef idx="1">
+            <a:schemeClr val="accent1"/>
+          </a:effectRef>
+          <a:fontRef idx="minor">
+            <a:schemeClr val="tx1"/>
+          </a:fontRef>
+        </p:style>
+      </p:cxnSp>
+      <p:cxnSp>
+        <p:nvCxnSpPr>
+          <p:cNvPr id="1222" name="Straight Connector 1221">
+            <a:extLst>
+              <a:ext uri="{FF2B5EF4-FFF2-40B4-BE49-F238E27FC236}">
+                <a16:creationId xmlns:a16="http://schemas.microsoft.com/office/drawing/2014/main" id="{C9E5D2EE-AA64-3AEA-84A5-41204DEC1A1E}"/>
+              </a:ext>
+            </a:extLst>
+          </p:cNvPr>
+          <p:cNvCxnSpPr>
+            <a:cxnSpLocks/>
+          </p:cNvCxnSpPr>
+          <p:nvPr/>
+        </p:nvCxnSpPr>
+        <p:spPr>
+          <a:xfrm>
+            <a:off x="2635250" y="3401844"/>
+            <a:ext cx="0" cy="3140077"/>
+          </a:xfrm>
+          <a:prstGeom prst="line">
+            <a:avLst/>
+          </a:prstGeom>
+          <a:ln w="38100">
+            <a:solidFill>
+              <a:schemeClr val="tx1"/>
+            </a:solidFill>
+          </a:ln>
+        </p:spPr>
+        <p:style>
+          <a:lnRef idx="2">
+            <a:schemeClr val="accent1"/>
+          </a:lnRef>
+          <a:fillRef idx="0">
+            <a:schemeClr val="accent1"/>
+          </a:fillRef>
+          <a:effectRef idx="1">
+            <a:schemeClr val="accent1"/>
+          </a:effectRef>
+          <a:fontRef idx="minor">
+            <a:schemeClr val="tx1"/>
+          </a:fontRef>
+        </p:style>
+      </p:cxnSp>
+      <p:cxnSp>
+        <p:nvCxnSpPr>
+          <p:cNvPr id="1224" name="Straight Connector 1223">
+            <a:extLst>
+              <a:ext uri="{FF2B5EF4-FFF2-40B4-BE49-F238E27FC236}">
+                <a16:creationId xmlns:a16="http://schemas.microsoft.com/office/drawing/2014/main" id="{AA8479D3-A65D-5719-F60D-48B45A3ACF6F}"/>
+              </a:ext>
+            </a:extLst>
+          </p:cNvPr>
+          <p:cNvCxnSpPr>
+            <a:cxnSpLocks/>
+          </p:cNvCxnSpPr>
+          <p:nvPr/>
+        </p:nvCxnSpPr>
+        <p:spPr>
+          <a:xfrm flipH="1">
+            <a:off x="2635250" y="5182213"/>
+            <a:ext cx="158750" cy="0"/>
+          </a:xfrm>
+          <a:prstGeom prst="line">
+            <a:avLst/>
+          </a:prstGeom>
+          <a:ln w="38100">
+            <a:solidFill>
+              <a:schemeClr val="tx1"/>
+            </a:solidFill>
+          </a:ln>
+        </p:spPr>
+        <p:style>
+          <a:lnRef idx="2">
+            <a:schemeClr val="accent1"/>
+          </a:lnRef>
+          <a:fillRef idx="0">
+            <a:schemeClr val="accent1"/>
+          </a:fillRef>
+          <a:effectRef idx="1">
+            <a:schemeClr val="accent1"/>
+          </a:effectRef>
+          <a:fontRef idx="minor">
+            <a:schemeClr val="tx1"/>
+          </a:fontRef>
+        </p:style>
+      </p:cxnSp>
+      <p:cxnSp>
+        <p:nvCxnSpPr>
+          <p:cNvPr id="1228" name="Straight Connector 1227">
+            <a:extLst>
+              <a:ext uri="{FF2B5EF4-FFF2-40B4-BE49-F238E27FC236}">
+                <a16:creationId xmlns:a16="http://schemas.microsoft.com/office/drawing/2014/main" id="{6B41C633-2B98-F4B6-B551-A58A84F5B628}"/>
+              </a:ext>
+            </a:extLst>
+          </p:cNvPr>
+          <p:cNvCxnSpPr>
+            <a:cxnSpLocks/>
+          </p:cNvCxnSpPr>
+          <p:nvPr/>
+        </p:nvCxnSpPr>
+        <p:spPr>
+          <a:xfrm>
+            <a:off x="2989789" y="3454538"/>
+            <a:ext cx="0" cy="2918986"/>
+          </a:xfrm>
+          <a:prstGeom prst="line">
+            <a:avLst/>
+          </a:prstGeom>
+          <a:ln w="38100">
+            <a:solidFill>
+              <a:schemeClr val="accent1">
+                <a:lumMod val="75000"/>
+              </a:schemeClr>
+            </a:solidFill>
+          </a:ln>
+        </p:spPr>
+        <p:style>
+          <a:lnRef idx="2">
+            <a:schemeClr val="accent1"/>
+          </a:lnRef>
+          <a:fillRef idx="0">
+            <a:schemeClr val="accent1"/>
+          </a:fillRef>
+          <a:effectRef idx="1">
+            <a:schemeClr val="accent1"/>
+          </a:effectRef>
+          <a:fontRef idx="minor">
+            <a:schemeClr val="tx1"/>
+          </a:fontRef>
+        </p:style>
+      </p:cxnSp>
+      <p:cxnSp>
+        <p:nvCxnSpPr>
+          <p:cNvPr id="1231" name="Straight Connector 1230">
+            <a:extLst>
+              <a:ext uri="{FF2B5EF4-FFF2-40B4-BE49-F238E27FC236}">
+                <a16:creationId xmlns:a16="http://schemas.microsoft.com/office/drawing/2014/main" id="{FCAE815A-6ADB-8F7F-80B2-EB8AA0D01F37}"/>
+              </a:ext>
+            </a:extLst>
+          </p:cNvPr>
+          <p:cNvCxnSpPr>
+            <a:cxnSpLocks/>
+          </p:cNvCxnSpPr>
+          <p:nvPr/>
+        </p:nvCxnSpPr>
+        <p:spPr>
+          <a:xfrm flipH="1">
+            <a:off x="2978073" y="5259496"/>
+            <a:ext cx="158750" cy="0"/>
+          </a:xfrm>
+          <a:prstGeom prst="line">
+            <a:avLst/>
+          </a:prstGeom>
+          <a:ln w="38100">
+            <a:solidFill>
+              <a:schemeClr val="accent1">
+                <a:lumMod val="75000"/>
+              </a:schemeClr>
+            </a:solidFill>
+          </a:ln>
+        </p:spPr>
+        <p:style>
+          <a:lnRef idx="2">
+            <a:schemeClr val="accent1"/>
+          </a:lnRef>
+          <a:fillRef idx="0">
+            <a:schemeClr val="accent1"/>
+          </a:fillRef>
+          <a:effectRef idx="1">
+            <a:schemeClr val="accent1"/>
+          </a:effectRef>
+          <a:fontRef idx="minor">
+            <a:schemeClr val="tx1"/>
+          </a:fontRef>
+        </p:style>
+      </p:cxnSp>
+      <p:cxnSp>
+        <p:nvCxnSpPr>
+          <p:cNvPr id="1232" name="Straight Connector 1231">
+            <a:extLst>
+              <a:ext uri="{FF2B5EF4-FFF2-40B4-BE49-F238E27FC236}">
+                <a16:creationId xmlns:a16="http://schemas.microsoft.com/office/drawing/2014/main" id="{66A2E19E-DC7A-8C8B-A064-DCC7FAEB1469}"/>
+              </a:ext>
+            </a:extLst>
+          </p:cNvPr>
+          <p:cNvCxnSpPr>
+            <a:cxnSpLocks/>
+          </p:cNvCxnSpPr>
+          <p:nvPr/>
+        </p:nvCxnSpPr>
+        <p:spPr>
+          <a:xfrm flipH="1">
+            <a:off x="6857738" y="5045196"/>
+            <a:ext cx="688380" cy="0"/>
+          </a:xfrm>
+          <a:prstGeom prst="line">
+            <a:avLst/>
+          </a:prstGeom>
+          <a:ln w="38100">
+            <a:solidFill>
+              <a:srgbClr val="00B0F0"/>
+            </a:solidFill>
+          </a:ln>
+        </p:spPr>
+        <p:style>
+          <a:lnRef idx="2">
+            <a:schemeClr val="accent1"/>
+          </a:lnRef>
+          <a:fillRef idx="0">
+            <a:schemeClr val="accent1"/>
+          </a:fillRef>
+          <a:effectRef idx="1">
+            <a:schemeClr val="accent1"/>
+          </a:effectRef>
+          <a:fontRef idx="minor">
+            <a:schemeClr val="tx1"/>
+          </a:fontRef>
+        </p:style>
+      </p:cxnSp>
+      <p:cxnSp>
+        <p:nvCxnSpPr>
+          <p:cNvPr id="1234" name="Straight Connector 1233">
+            <a:extLst>
+              <a:ext uri="{FF2B5EF4-FFF2-40B4-BE49-F238E27FC236}">
+                <a16:creationId xmlns:a16="http://schemas.microsoft.com/office/drawing/2014/main" id="{1C08B4E7-400E-5D25-97DA-4B18AE4BBD55}"/>
+              </a:ext>
+            </a:extLst>
+          </p:cNvPr>
+          <p:cNvCxnSpPr>
+            <a:cxnSpLocks/>
+          </p:cNvCxnSpPr>
+          <p:nvPr/>
+        </p:nvCxnSpPr>
+        <p:spPr>
+          <a:xfrm flipV="1">
+            <a:off x="6856954" y="5026819"/>
+            <a:ext cx="0" cy="592931"/>
+          </a:xfrm>
+          <a:prstGeom prst="line">
+            <a:avLst/>
+          </a:prstGeom>
+          <a:ln w="38100">
+            <a:solidFill>
+              <a:srgbClr val="00B0F0"/>
+            </a:solidFill>
+          </a:ln>
+        </p:spPr>
+        <p:style>
+          <a:lnRef idx="2">
+            <a:schemeClr val="accent1"/>
+          </a:lnRef>
+          <a:fillRef idx="0">
+            <a:schemeClr val="accent1"/>
+          </a:fillRef>
+          <a:effectRef idx="1">
+            <a:schemeClr val="accent1"/>
+          </a:effectRef>
+          <a:fontRef idx="minor">
+            <a:schemeClr val="tx1"/>
+          </a:fontRef>
+        </p:style>
+      </p:cxnSp>
+      <p:cxnSp>
+        <p:nvCxnSpPr>
+          <p:cNvPr id="1236" name="Straight Connector 1235">
+            <a:extLst>
+              <a:ext uri="{FF2B5EF4-FFF2-40B4-BE49-F238E27FC236}">
+                <a16:creationId xmlns:a16="http://schemas.microsoft.com/office/drawing/2014/main" id="{66092858-2E03-3721-3BB0-6857DF640024}"/>
+              </a:ext>
+            </a:extLst>
+          </p:cNvPr>
+          <p:cNvCxnSpPr>
+            <a:cxnSpLocks/>
+          </p:cNvCxnSpPr>
+          <p:nvPr/>
+        </p:nvCxnSpPr>
+        <p:spPr>
+          <a:xfrm flipH="1">
+            <a:off x="3298031" y="5598441"/>
+            <a:ext cx="3559707" cy="0"/>
+          </a:xfrm>
+          <a:prstGeom prst="line">
+            <a:avLst/>
+          </a:prstGeom>
+          <a:ln w="38100">
+            <a:solidFill>
+              <a:srgbClr val="00B0F0"/>
+            </a:solidFill>
+          </a:ln>
+        </p:spPr>
+        <p:style>
+          <a:lnRef idx="2">
+            <a:schemeClr val="accent1"/>
+          </a:lnRef>
+          <a:fillRef idx="0">
+            <a:schemeClr val="accent1"/>
+          </a:fillRef>
+          <a:effectRef idx="1">
+            <a:schemeClr val="accent1"/>
+          </a:effectRef>
+          <a:fontRef idx="minor">
+            <a:schemeClr val="tx1"/>
+          </a:fontRef>
+        </p:style>
+      </p:cxnSp>
+      <p:cxnSp>
+        <p:nvCxnSpPr>
+          <p:cNvPr id="1239" name="Straight Connector 1238">
+            <a:extLst>
+              <a:ext uri="{FF2B5EF4-FFF2-40B4-BE49-F238E27FC236}">
+                <a16:creationId xmlns:a16="http://schemas.microsoft.com/office/drawing/2014/main" id="{03D3ADB5-D769-26F8-C7B6-82C7F8131A11}"/>
+              </a:ext>
+            </a:extLst>
+          </p:cNvPr>
+          <p:cNvCxnSpPr>
+            <a:cxnSpLocks/>
+          </p:cNvCxnSpPr>
+          <p:nvPr/>
+        </p:nvCxnSpPr>
+        <p:spPr>
+          <a:xfrm flipV="1">
+            <a:off x="3315188" y="5097796"/>
+            <a:ext cx="0" cy="516296"/>
+          </a:xfrm>
+          <a:prstGeom prst="line">
+            <a:avLst/>
+          </a:prstGeom>
+          <a:ln w="38100">
+            <a:solidFill>
+              <a:srgbClr val="FFC000"/>
+            </a:solidFill>
+          </a:ln>
+        </p:spPr>
+        <p:style>
+          <a:lnRef idx="2">
+            <a:schemeClr val="accent1"/>
+          </a:lnRef>
+          <a:fillRef idx="0">
+            <a:schemeClr val="accent1"/>
+          </a:fillRef>
+          <a:effectRef idx="1">
+            <a:schemeClr val="accent1"/>
+          </a:effectRef>
+          <a:fontRef idx="minor">
+            <a:schemeClr val="tx1"/>
+          </a:fontRef>
+        </p:style>
+      </p:cxnSp>
+      <p:cxnSp>
+        <p:nvCxnSpPr>
+          <p:cNvPr id="1242" name="Straight Connector 1241">
+            <a:extLst>
+              <a:ext uri="{FF2B5EF4-FFF2-40B4-BE49-F238E27FC236}">
+                <a16:creationId xmlns:a16="http://schemas.microsoft.com/office/drawing/2014/main" id="{5C3101C7-7AD1-00C8-C46F-653504587C37}"/>
+              </a:ext>
+            </a:extLst>
+          </p:cNvPr>
+          <p:cNvCxnSpPr>
+            <a:cxnSpLocks/>
+          </p:cNvCxnSpPr>
+          <p:nvPr/>
+        </p:nvCxnSpPr>
+        <p:spPr>
+          <a:xfrm flipH="1">
+            <a:off x="3101588" y="5115597"/>
+            <a:ext cx="234543" cy="0"/>
+          </a:xfrm>
+          <a:prstGeom prst="line">
+            <a:avLst/>
+          </a:prstGeom>
+          <a:ln w="38100">
+            <a:solidFill>
+              <a:srgbClr val="FFC000"/>
+            </a:solidFill>
+          </a:ln>
+        </p:spPr>
+        <p:style>
+          <a:lnRef idx="2">
+            <a:schemeClr val="accent1"/>
+          </a:lnRef>
+          <a:fillRef idx="0">
+            <a:schemeClr val="accent1"/>
+          </a:fillRef>
+          <a:effectRef idx="1">
+            <a:schemeClr val="accent1"/>
+          </a:effectRef>
+          <a:fontRef idx="minor">
+            <a:schemeClr val="tx1"/>
+          </a:fontRef>
+        </p:style>
+      </p:cxnSp>
+      <p:cxnSp>
+        <p:nvCxnSpPr>
+          <p:cNvPr id="1246" name="Straight Connector 1245">
+            <a:extLst>
+              <a:ext uri="{FF2B5EF4-FFF2-40B4-BE49-F238E27FC236}">
+                <a16:creationId xmlns:a16="http://schemas.microsoft.com/office/drawing/2014/main" id="{5864A5DC-1204-D60F-824D-416BBA18C109}"/>
+              </a:ext>
+            </a:extLst>
+          </p:cNvPr>
+          <p:cNvCxnSpPr>
+            <a:cxnSpLocks/>
+          </p:cNvCxnSpPr>
+          <p:nvPr/>
+        </p:nvCxnSpPr>
+        <p:spPr>
+          <a:xfrm flipV="1">
+            <a:off x="3266502" y="3249347"/>
+            <a:ext cx="0" cy="1065965"/>
+          </a:xfrm>
+          <a:prstGeom prst="line">
+            <a:avLst/>
+          </a:prstGeom>
+          <a:ln w="38100">
+            <a:solidFill>
+              <a:srgbClr val="FFC000"/>
+            </a:solidFill>
+          </a:ln>
+        </p:spPr>
+        <p:style>
+          <a:lnRef idx="2">
+            <a:schemeClr val="accent1"/>
+          </a:lnRef>
+          <a:fillRef idx="0">
+            <a:schemeClr val="accent1"/>
+          </a:fillRef>
+          <a:effectRef idx="1">
+            <a:schemeClr val="accent1"/>
+          </a:effectRef>
+          <a:fontRef idx="minor">
+            <a:schemeClr val="tx1"/>
+          </a:fontRef>
+        </p:style>
+      </p:cxnSp>
+      <p:cxnSp>
+        <p:nvCxnSpPr>
+          <p:cNvPr id="1247" name="Straight Connector 1246">
+            <a:extLst>
+              <a:ext uri="{FF2B5EF4-FFF2-40B4-BE49-F238E27FC236}">
+                <a16:creationId xmlns:a16="http://schemas.microsoft.com/office/drawing/2014/main" id="{59DFCBBA-2139-E49D-8107-3A6536E5251A}"/>
+              </a:ext>
+            </a:extLst>
+          </p:cNvPr>
+          <p:cNvCxnSpPr>
+            <a:cxnSpLocks/>
+          </p:cNvCxnSpPr>
+          <p:nvPr/>
+        </p:nvCxnSpPr>
+        <p:spPr>
+          <a:xfrm flipH="1">
+            <a:off x="2971940" y="3254443"/>
+            <a:ext cx="304077" cy="0"/>
+          </a:xfrm>
+          <a:prstGeom prst="line">
+            <a:avLst/>
+          </a:prstGeom>
+          <a:ln w="38100">
+            <a:solidFill>
+              <a:srgbClr val="FFC000"/>
+            </a:solidFill>
+          </a:ln>
+        </p:spPr>
+        <p:style>
+          <a:lnRef idx="2">
+            <a:schemeClr val="accent1"/>
+          </a:lnRef>
+          <a:fillRef idx="0">
+            <a:schemeClr val="accent1"/>
+          </a:fillRef>
+          <a:effectRef idx="1">
+            <a:schemeClr val="accent1"/>
+          </a:effectRef>
+          <a:fontRef idx="minor">
+            <a:schemeClr val="tx1"/>
+          </a:fontRef>
+        </p:style>
+      </p:cxnSp>
+      <p:cxnSp>
+        <p:nvCxnSpPr>
+          <p:cNvPr id="1250" name="Straight Connector 1249">
+            <a:extLst>
+              <a:ext uri="{FF2B5EF4-FFF2-40B4-BE49-F238E27FC236}">
+                <a16:creationId xmlns:a16="http://schemas.microsoft.com/office/drawing/2014/main" id="{4C32E461-B9EB-46B5-0458-E41301651739}"/>
+              </a:ext>
+            </a:extLst>
+          </p:cNvPr>
+          <p:cNvCxnSpPr>
+            <a:cxnSpLocks/>
+          </p:cNvCxnSpPr>
+          <p:nvPr/>
+        </p:nvCxnSpPr>
+        <p:spPr>
+          <a:xfrm flipH="1">
+            <a:off x="1035050" y="4297241"/>
+            <a:ext cx="2238902" cy="0"/>
+          </a:xfrm>
+          <a:prstGeom prst="line">
+            <a:avLst/>
+          </a:prstGeom>
+          <a:ln w="38100">
+            <a:solidFill>
+              <a:srgbClr val="00B0F0"/>
+            </a:solidFill>
+          </a:ln>
+        </p:spPr>
+        <p:style>
+          <a:lnRef idx="2">
+            <a:schemeClr val="accent1"/>
+          </a:lnRef>
+          <a:fillRef idx="0">
+            <a:schemeClr val="accent1"/>
+          </a:fillRef>
+          <a:effectRef idx="1">
+            <a:schemeClr val="accent1"/>
+          </a:effectRef>
+          <a:fontRef idx="minor">
+            <a:schemeClr val="tx1"/>
+          </a:fontRef>
+        </p:style>
+      </p:cxnSp>
+      <p:cxnSp>
+        <p:nvCxnSpPr>
+          <p:cNvPr id="1253" name="Straight Connector 1252">
+            <a:extLst>
+              <a:ext uri="{FF2B5EF4-FFF2-40B4-BE49-F238E27FC236}">
+                <a16:creationId xmlns:a16="http://schemas.microsoft.com/office/drawing/2014/main" id="{76CB76FB-48CB-51CB-4305-DB53005E0E2D}"/>
+              </a:ext>
+            </a:extLst>
+          </p:cNvPr>
+          <p:cNvCxnSpPr>
+            <a:cxnSpLocks/>
+          </p:cNvCxnSpPr>
+          <p:nvPr/>
+        </p:nvCxnSpPr>
+        <p:spPr>
+          <a:xfrm flipV="1">
+            <a:off x="1031302" y="4281379"/>
+            <a:ext cx="0" cy="2379771"/>
+          </a:xfrm>
+          <a:prstGeom prst="line">
+            <a:avLst/>
+          </a:prstGeom>
+          <a:ln w="38100">
+            <a:solidFill>
+              <a:srgbClr val="00B0F0"/>
+            </a:solidFill>
+          </a:ln>
+        </p:spPr>
+        <p:style>
+          <a:lnRef idx="2">
+            <a:schemeClr val="accent1"/>
+          </a:lnRef>
+          <a:fillRef idx="0">
+            <a:schemeClr val="accent1"/>
+          </a:fillRef>
+          <a:effectRef idx="1">
+            <a:schemeClr val="accent1"/>
+          </a:effectRef>
+          <a:fontRef idx="minor">
+            <a:schemeClr val="tx1"/>
+          </a:fontRef>
+        </p:style>
+      </p:cxnSp>
+      <p:cxnSp>
+        <p:nvCxnSpPr>
+          <p:cNvPr id="1255" name="Straight Connector 1254">
+            <a:extLst>
+              <a:ext uri="{FF2B5EF4-FFF2-40B4-BE49-F238E27FC236}">
+                <a16:creationId xmlns:a16="http://schemas.microsoft.com/office/drawing/2014/main" id="{B8148F18-63D8-C86D-8E6C-2BD5C4E94D86}"/>
+              </a:ext>
+            </a:extLst>
+          </p:cNvPr>
+          <p:cNvCxnSpPr>
+            <a:cxnSpLocks/>
+          </p:cNvCxnSpPr>
+          <p:nvPr/>
+        </p:nvCxnSpPr>
+        <p:spPr>
+          <a:xfrm flipH="1">
+            <a:off x="8434389" y="5680196"/>
+            <a:ext cx="360361" cy="0"/>
+          </a:xfrm>
+          <a:prstGeom prst="line">
+            <a:avLst/>
+          </a:prstGeom>
+          <a:ln w="38100">
+            <a:solidFill>
+              <a:srgbClr val="00B0F0"/>
+            </a:solidFill>
+          </a:ln>
+        </p:spPr>
+        <p:style>
+          <a:lnRef idx="2">
+            <a:schemeClr val="accent1"/>
+          </a:lnRef>
+          <a:fillRef idx="0">
+            <a:schemeClr val="accent1"/>
+          </a:fillRef>
+          <a:effectRef idx="1">
+            <a:schemeClr val="accent1"/>
+          </a:effectRef>
+          <a:fontRef idx="minor">
+            <a:schemeClr val="tx1"/>
+          </a:fontRef>
+        </p:style>
+      </p:cxnSp>
+      <p:cxnSp>
+        <p:nvCxnSpPr>
+          <p:cNvPr id="1257" name="Straight Connector 1256">
+            <a:extLst>
+              <a:ext uri="{FF2B5EF4-FFF2-40B4-BE49-F238E27FC236}">
+                <a16:creationId xmlns:a16="http://schemas.microsoft.com/office/drawing/2014/main" id="{E0680223-12E6-CCCB-B1BB-71C44341D174}"/>
+              </a:ext>
+            </a:extLst>
+          </p:cNvPr>
+          <p:cNvCxnSpPr>
+            <a:cxnSpLocks/>
+          </p:cNvCxnSpPr>
+          <p:nvPr/>
+        </p:nvCxnSpPr>
+        <p:spPr>
+          <a:xfrm flipV="1">
+            <a:off x="8791585" y="5669235"/>
+            <a:ext cx="0" cy="968886"/>
+          </a:xfrm>
+          <a:prstGeom prst="line">
+            <a:avLst/>
+          </a:prstGeom>
+          <a:ln w="38100">
+            <a:solidFill>
+              <a:srgbClr val="00B0F0"/>
+            </a:solidFill>
+          </a:ln>
+        </p:spPr>
+        <p:style>
+          <a:lnRef idx="2">
+            <a:schemeClr val="accent1"/>
+          </a:lnRef>
+          <a:fillRef idx="0">
+            <a:schemeClr val="accent1"/>
+          </a:fillRef>
+          <a:effectRef idx="1">
+            <a:schemeClr val="accent1"/>
+          </a:effectRef>
+          <a:fontRef idx="minor">
+            <a:schemeClr val="tx1"/>
+          </a:fontRef>
+        </p:style>
+      </p:cxnSp>
+      <p:cxnSp>
+        <p:nvCxnSpPr>
+          <p:cNvPr id="1259" name="Straight Connector 1258">
+            <a:extLst>
+              <a:ext uri="{FF2B5EF4-FFF2-40B4-BE49-F238E27FC236}">
+                <a16:creationId xmlns:a16="http://schemas.microsoft.com/office/drawing/2014/main" id="{2601BA2A-7ACF-50B8-38E8-B15999FFAB1E}"/>
+              </a:ext>
+            </a:extLst>
+          </p:cNvPr>
+          <p:cNvCxnSpPr>
+            <a:cxnSpLocks/>
+          </p:cNvCxnSpPr>
+          <p:nvPr/>
+        </p:nvCxnSpPr>
+        <p:spPr>
+          <a:xfrm flipH="1">
+            <a:off x="1041400" y="6650821"/>
+            <a:ext cx="7770018" cy="0"/>
+          </a:xfrm>
+          <a:prstGeom prst="line">
+            <a:avLst/>
+          </a:prstGeom>
+          <a:ln w="38100">
+            <a:solidFill>
+              <a:srgbClr val="00B0F0"/>
+            </a:solidFill>
+          </a:ln>
+        </p:spPr>
+        <p:style>
+          <a:lnRef idx="2">
+            <a:schemeClr val="accent1"/>
+          </a:lnRef>
+          <a:fillRef idx="0">
+            <a:schemeClr val="accent1"/>
+          </a:fillRef>
+          <a:effectRef idx="1">
+            <a:schemeClr val="accent1"/>
+          </a:effectRef>
+          <a:fontRef idx="minor">
+            <a:schemeClr val="tx1"/>
+          </a:fontRef>
+        </p:style>
+      </p:cxnSp>
+      <p:cxnSp>
+        <p:nvCxnSpPr>
+          <p:cNvPr id="1262" name="Straight Connector 1261">
+            <a:extLst>
+              <a:ext uri="{FF2B5EF4-FFF2-40B4-BE49-F238E27FC236}">
+                <a16:creationId xmlns:a16="http://schemas.microsoft.com/office/drawing/2014/main" id="{57A6A912-DD86-87D3-335F-03AA3031A17F}"/>
+              </a:ext>
+            </a:extLst>
+          </p:cNvPr>
+          <p:cNvCxnSpPr>
+            <a:cxnSpLocks/>
+          </p:cNvCxnSpPr>
+          <p:nvPr/>
+        </p:nvCxnSpPr>
+        <p:spPr>
+          <a:xfrm flipH="1">
+            <a:off x="8434389" y="5829945"/>
+            <a:ext cx="214311" cy="0"/>
+          </a:xfrm>
+          <a:prstGeom prst="line">
+            <a:avLst/>
+          </a:prstGeom>
+          <a:ln w="38100">
+            <a:solidFill>
+              <a:srgbClr val="006020"/>
+            </a:solidFill>
+          </a:ln>
+        </p:spPr>
+        <p:style>
+          <a:lnRef idx="2">
+            <a:schemeClr val="accent1"/>
+          </a:lnRef>
+          <a:fillRef idx="0">
+            <a:schemeClr val="accent1"/>
+          </a:fillRef>
+          <a:effectRef idx="1">
+            <a:schemeClr val="accent1"/>
+          </a:effectRef>
+          <a:fontRef idx="minor">
+            <a:schemeClr val="tx1"/>
+          </a:fontRef>
+        </p:style>
+      </p:cxnSp>
+      <p:cxnSp>
+        <p:nvCxnSpPr>
+          <p:cNvPr id="1263" name="Straight Connector 1262">
+            <a:extLst>
+              <a:ext uri="{FF2B5EF4-FFF2-40B4-BE49-F238E27FC236}">
+                <a16:creationId xmlns:a16="http://schemas.microsoft.com/office/drawing/2014/main" id="{2E1AE1E5-576E-9C5B-F857-21F2B657AD1A}"/>
+              </a:ext>
+            </a:extLst>
+          </p:cNvPr>
+          <p:cNvCxnSpPr>
+            <a:cxnSpLocks/>
+          </p:cNvCxnSpPr>
+          <p:nvPr/>
+        </p:nvCxnSpPr>
+        <p:spPr>
+          <a:xfrm flipV="1">
+            <a:off x="8645535" y="5818984"/>
+            <a:ext cx="0" cy="1115216"/>
+          </a:xfrm>
+          <a:prstGeom prst="line">
+            <a:avLst/>
+          </a:prstGeom>
+          <a:ln w="38100">
+            <a:solidFill>
+              <a:srgbClr val="006020"/>
+            </a:solidFill>
+          </a:ln>
+        </p:spPr>
+        <p:style>
+          <a:lnRef idx="2">
+            <a:schemeClr val="accent1"/>
+          </a:lnRef>
+          <a:fillRef idx="0">
+            <a:schemeClr val="accent1"/>
+          </a:fillRef>
+          <a:effectRef idx="1">
+            <a:schemeClr val="accent1"/>
+          </a:effectRef>
+          <a:fontRef idx="minor">
+            <a:schemeClr val="tx1"/>
+          </a:fontRef>
+        </p:style>
+      </p:cxnSp>
+      <p:cxnSp>
+        <p:nvCxnSpPr>
+          <p:cNvPr id="1268" name="Straight Connector 1267">
+            <a:extLst>
+              <a:ext uri="{FF2B5EF4-FFF2-40B4-BE49-F238E27FC236}">
+                <a16:creationId xmlns:a16="http://schemas.microsoft.com/office/drawing/2014/main" id="{44D841F6-9BF4-4426-D9F7-4AD2E5801ED7}"/>
+              </a:ext>
+            </a:extLst>
+          </p:cNvPr>
+          <p:cNvCxnSpPr>
+            <a:cxnSpLocks/>
+          </p:cNvCxnSpPr>
+          <p:nvPr/>
+        </p:nvCxnSpPr>
+        <p:spPr>
+          <a:xfrm flipH="1">
+            <a:off x="875682" y="6922166"/>
+            <a:ext cx="7770018" cy="0"/>
+          </a:xfrm>
+          <a:prstGeom prst="line">
+            <a:avLst/>
+          </a:prstGeom>
+          <a:ln w="38100">
+            <a:solidFill>
+              <a:srgbClr val="006020"/>
+            </a:solidFill>
+          </a:ln>
+        </p:spPr>
+        <p:style>
+          <a:lnRef idx="2">
+            <a:schemeClr val="accent1"/>
+          </a:lnRef>
+          <a:fillRef idx="0">
+            <a:schemeClr val="accent1"/>
+          </a:fillRef>
+          <a:effectRef idx="1">
+            <a:schemeClr val="accent1"/>
+          </a:effectRef>
+          <a:fontRef idx="minor">
+            <a:schemeClr val="tx1"/>
+          </a:fontRef>
+        </p:style>
+      </p:cxnSp>
+      <p:cxnSp>
+        <p:nvCxnSpPr>
+          <p:cNvPr id="1269" name="Straight Connector 1268">
+            <a:extLst>
+              <a:ext uri="{FF2B5EF4-FFF2-40B4-BE49-F238E27FC236}">
+                <a16:creationId xmlns:a16="http://schemas.microsoft.com/office/drawing/2014/main" id="{96014400-274D-11F2-A939-B7D2838AE68A}"/>
+              </a:ext>
+            </a:extLst>
+          </p:cNvPr>
+          <p:cNvCxnSpPr>
+            <a:cxnSpLocks/>
+          </p:cNvCxnSpPr>
+          <p:nvPr/>
+        </p:nvCxnSpPr>
+        <p:spPr>
+          <a:xfrm flipV="1">
+            <a:off x="881888" y="4167769"/>
+            <a:ext cx="0" cy="2770668"/>
+          </a:xfrm>
+          <a:prstGeom prst="line">
+            <a:avLst/>
+          </a:prstGeom>
+          <a:ln w="38100">
+            <a:solidFill>
+              <a:srgbClr val="006020"/>
+            </a:solidFill>
+          </a:ln>
+        </p:spPr>
+        <p:style>
+          <a:lnRef idx="2">
+            <a:schemeClr val="accent1"/>
+          </a:lnRef>
+          <a:fillRef idx="0">
+            <a:schemeClr val="accent1"/>
+          </a:fillRef>
+          <a:effectRef idx="1">
+            <a:schemeClr val="accent1"/>
+          </a:effectRef>
+          <a:fontRef idx="minor">
+            <a:schemeClr val="tx1"/>
+          </a:fontRef>
+        </p:style>
+      </p:cxnSp>
+      <p:cxnSp>
+        <p:nvCxnSpPr>
+          <p:cNvPr id="1271" name="Straight Connector 1270">
+            <a:extLst>
+              <a:ext uri="{FF2B5EF4-FFF2-40B4-BE49-F238E27FC236}">
+                <a16:creationId xmlns:a16="http://schemas.microsoft.com/office/drawing/2014/main" id="{53C14AC3-0E8D-266F-F606-2800919F2CA9}"/>
+              </a:ext>
+            </a:extLst>
+          </p:cNvPr>
+          <p:cNvCxnSpPr>
+            <a:cxnSpLocks/>
+          </p:cNvCxnSpPr>
+          <p:nvPr/>
+        </p:nvCxnSpPr>
+        <p:spPr>
+          <a:xfrm flipH="1">
+            <a:off x="869188" y="4157541"/>
+            <a:ext cx="2238902" cy="0"/>
+          </a:xfrm>
+          <a:prstGeom prst="line">
+            <a:avLst/>
+          </a:prstGeom>
+          <a:ln w="38100">
+            <a:solidFill>
+              <a:srgbClr val="006020"/>
+            </a:solidFill>
+          </a:ln>
+        </p:spPr>
+        <p:style>
+          <a:lnRef idx="2">
+            <a:schemeClr val="accent1"/>
+          </a:lnRef>
+          <a:fillRef idx="0">
+            <a:schemeClr val="accent1"/>
+          </a:fillRef>
+          <a:effectRef idx="1">
+            <a:schemeClr val="accent1"/>
+          </a:effectRef>
+          <a:fontRef idx="minor">
+            <a:schemeClr val="tx1"/>
+          </a:fontRef>
+        </p:style>
+      </p:cxnSp>
+      <p:cxnSp>
+        <p:nvCxnSpPr>
+          <p:cNvPr id="1272" name="Straight Connector 1271">
+            <a:extLst>
+              <a:ext uri="{FF2B5EF4-FFF2-40B4-BE49-F238E27FC236}">
+                <a16:creationId xmlns:a16="http://schemas.microsoft.com/office/drawing/2014/main" id="{7EBF6FCB-DC30-AD36-7A17-D739E53C3CF3}"/>
+              </a:ext>
+            </a:extLst>
+          </p:cNvPr>
+          <p:cNvCxnSpPr>
+            <a:cxnSpLocks/>
+          </p:cNvCxnSpPr>
+          <p:nvPr/>
+        </p:nvCxnSpPr>
+        <p:spPr>
+          <a:xfrm flipV="1">
+            <a:off x="3094362" y="3374998"/>
+            <a:ext cx="0" cy="803386"/>
+          </a:xfrm>
+          <a:prstGeom prst="line">
+            <a:avLst/>
+          </a:prstGeom>
+          <a:ln w="38100">
+            <a:solidFill>
+              <a:schemeClr val="accent6">
+                <a:lumMod val="75000"/>
+              </a:schemeClr>
+            </a:solidFill>
+          </a:ln>
+        </p:spPr>
+        <p:style>
+          <a:lnRef idx="2">
+            <a:schemeClr val="accent1"/>
+          </a:lnRef>
+          <a:fillRef idx="0">
+            <a:schemeClr val="accent1"/>
+          </a:fillRef>
+          <a:effectRef idx="1">
+            <a:schemeClr val="accent1"/>
+          </a:effectRef>
+          <a:fontRef idx="minor">
+            <a:schemeClr val="tx1"/>
+          </a:fontRef>
+        </p:style>
+      </p:cxnSp>
+      <p:cxnSp>
+        <p:nvCxnSpPr>
+          <p:cNvPr id="1274" name="Straight Connector 1273">
+            <a:extLst>
+              <a:ext uri="{FF2B5EF4-FFF2-40B4-BE49-F238E27FC236}">
+                <a16:creationId xmlns:a16="http://schemas.microsoft.com/office/drawing/2014/main" id="{1EC3C81F-660F-DA7E-9E35-F6F6E7A6E551}"/>
+              </a:ext>
+            </a:extLst>
+          </p:cNvPr>
+          <p:cNvCxnSpPr>
+            <a:cxnSpLocks/>
+          </p:cNvCxnSpPr>
+          <p:nvPr/>
+        </p:nvCxnSpPr>
+        <p:spPr>
+          <a:xfrm flipH="1">
+            <a:off x="8448677" y="5049423"/>
+            <a:ext cx="164304" cy="0"/>
+          </a:xfrm>
+          <a:prstGeom prst="line">
+            <a:avLst/>
+          </a:prstGeom>
+          <a:ln w="38100">
+            <a:solidFill>
+              <a:srgbClr val="006020"/>
+            </a:solidFill>
+          </a:ln>
+        </p:spPr>
+        <p:style>
+          <a:lnRef idx="2">
+            <a:schemeClr val="accent1"/>
+          </a:lnRef>
+          <a:fillRef idx="0">
+            <a:schemeClr val="accent1"/>
+          </a:fillRef>
+          <a:effectRef idx="1">
+            <a:schemeClr val="accent1"/>
+          </a:effectRef>
+          <a:fontRef idx="minor">
+            <a:schemeClr val="tx1"/>
+          </a:fontRef>
+        </p:style>
+      </p:cxnSp>
+      <p:cxnSp>
+        <p:nvCxnSpPr>
+          <p:cNvPr id="1275" name="Straight Connector 1274">
+            <a:extLst>
+              <a:ext uri="{FF2B5EF4-FFF2-40B4-BE49-F238E27FC236}">
+                <a16:creationId xmlns:a16="http://schemas.microsoft.com/office/drawing/2014/main" id="{A53B163B-44B0-8818-5ABB-33128594FFF1}"/>
+              </a:ext>
+            </a:extLst>
+          </p:cNvPr>
+          <p:cNvCxnSpPr>
+            <a:cxnSpLocks/>
+          </p:cNvCxnSpPr>
+          <p:nvPr/>
+        </p:nvCxnSpPr>
+        <p:spPr>
+          <a:xfrm>
+            <a:off x="8597165" y="4744861"/>
+            <a:ext cx="0" cy="289096"/>
+          </a:xfrm>
+          <a:prstGeom prst="line">
+            <a:avLst/>
+          </a:prstGeom>
+          <a:ln w="38100">
+            <a:solidFill>
+              <a:srgbClr val="006020"/>
+            </a:solidFill>
+          </a:ln>
+        </p:spPr>
+        <p:style>
+          <a:lnRef idx="2">
+            <a:schemeClr val="accent1"/>
+          </a:lnRef>
+          <a:fillRef idx="0">
+            <a:schemeClr val="accent1"/>
+          </a:fillRef>
+          <a:effectRef idx="1">
+            <a:schemeClr val="accent1"/>
+          </a:effectRef>
+          <a:fontRef idx="minor">
+            <a:schemeClr val="tx1"/>
+          </a:fontRef>
+        </p:style>
+      </p:cxnSp>
+      <p:cxnSp>
+        <p:nvCxnSpPr>
+          <p:cNvPr id="1279" name="Straight Connector 1278">
+            <a:extLst>
+              <a:ext uri="{FF2B5EF4-FFF2-40B4-BE49-F238E27FC236}">
+                <a16:creationId xmlns:a16="http://schemas.microsoft.com/office/drawing/2014/main" id="{F7570C5D-1477-3F4B-A345-45EC437EE572}"/>
+              </a:ext>
+            </a:extLst>
+          </p:cNvPr>
+          <p:cNvCxnSpPr>
+            <a:cxnSpLocks/>
+          </p:cNvCxnSpPr>
+          <p:nvPr/>
+        </p:nvCxnSpPr>
+        <p:spPr>
+          <a:xfrm flipH="1">
+            <a:off x="8601077" y="5201823"/>
+            <a:ext cx="164304" cy="0"/>
+          </a:xfrm>
+          <a:prstGeom prst="line">
+            <a:avLst/>
+          </a:prstGeom>
+          <a:ln w="38100">
+            <a:solidFill>
+              <a:srgbClr val="006020"/>
+            </a:solidFill>
+          </a:ln>
+        </p:spPr>
+        <p:style>
+          <a:lnRef idx="2">
+            <a:schemeClr val="accent1"/>
+          </a:lnRef>
+          <a:fillRef idx="0">
+            <a:schemeClr val="accent1"/>
+          </a:fillRef>
+          <a:effectRef idx="1">
+            <a:schemeClr val="accent1"/>
+          </a:effectRef>
+          <a:fontRef idx="minor">
+            <a:schemeClr val="tx1"/>
+          </a:fontRef>
+        </p:style>
+      </p:cxnSp>
+      <p:cxnSp>
+        <p:nvCxnSpPr>
+          <p:cNvPr id="1280" name="Straight Connector 1279">
+            <a:extLst>
+              <a:ext uri="{FF2B5EF4-FFF2-40B4-BE49-F238E27FC236}">
+                <a16:creationId xmlns:a16="http://schemas.microsoft.com/office/drawing/2014/main" id="{65543063-2165-A129-5C62-F5AB20D6B7D4}"/>
+              </a:ext>
+            </a:extLst>
+          </p:cNvPr>
+          <p:cNvCxnSpPr>
+            <a:cxnSpLocks/>
+          </p:cNvCxnSpPr>
+          <p:nvPr/>
+        </p:nvCxnSpPr>
+        <p:spPr>
+          <a:xfrm flipH="1">
+            <a:off x="6719888" y="4741014"/>
+            <a:ext cx="1899534" cy="0"/>
+          </a:xfrm>
+          <a:prstGeom prst="line">
+            <a:avLst/>
+          </a:prstGeom>
+          <a:ln w="38100">
+            <a:solidFill>
+              <a:srgbClr val="006020"/>
+            </a:solidFill>
+          </a:ln>
+        </p:spPr>
+        <p:style>
+          <a:lnRef idx="2">
+            <a:schemeClr val="accent1"/>
+          </a:lnRef>
+          <a:fillRef idx="0">
+            <a:schemeClr val="accent1"/>
+          </a:fillRef>
+          <a:effectRef idx="1">
+            <a:schemeClr val="accent1"/>
+          </a:effectRef>
+          <a:fontRef idx="minor">
+            <a:schemeClr val="tx1"/>
+          </a:fontRef>
+        </p:style>
+      </p:cxnSp>
+      <p:cxnSp>
+        <p:nvCxnSpPr>
+          <p:cNvPr id="1288" name="Straight Connector 1287">
+            <a:extLst>
+              <a:ext uri="{FF2B5EF4-FFF2-40B4-BE49-F238E27FC236}">
+                <a16:creationId xmlns:a16="http://schemas.microsoft.com/office/drawing/2014/main" id="{A43B25C6-D991-A9EF-FDBE-2CE823EB3EEB}"/>
+              </a:ext>
+            </a:extLst>
+          </p:cNvPr>
+          <p:cNvCxnSpPr>
+            <a:cxnSpLocks/>
+          </p:cNvCxnSpPr>
+          <p:nvPr/>
+        </p:nvCxnSpPr>
+        <p:spPr>
+          <a:xfrm flipV="1">
+            <a:off x="6737892" y="4723717"/>
+            <a:ext cx="0" cy="755539"/>
+          </a:xfrm>
+          <a:prstGeom prst="line">
+            <a:avLst/>
+          </a:prstGeom>
+          <a:ln w="38100">
+            <a:solidFill>
+              <a:srgbClr val="006020"/>
+            </a:solidFill>
+          </a:ln>
+        </p:spPr>
+        <p:style>
+          <a:lnRef idx="2">
+            <a:schemeClr val="accent1"/>
+          </a:lnRef>
+          <a:fillRef idx="0">
+            <a:schemeClr val="accent1"/>
+          </a:fillRef>
+          <a:effectRef idx="1">
+            <a:schemeClr val="accent1"/>
+          </a:effectRef>
+          <a:fontRef idx="minor">
+            <a:schemeClr val="tx1"/>
+          </a:fontRef>
+        </p:style>
+      </p:cxnSp>
+      <p:cxnSp>
+        <p:nvCxnSpPr>
+          <p:cNvPr id="1291" name="Straight Connector 1290">
+            <a:extLst>
+              <a:ext uri="{FF2B5EF4-FFF2-40B4-BE49-F238E27FC236}">
+                <a16:creationId xmlns:a16="http://schemas.microsoft.com/office/drawing/2014/main" id="{B693FCD8-EC36-7F7A-554C-05BE7C7BC87C}"/>
+              </a:ext>
+            </a:extLst>
+          </p:cNvPr>
+          <p:cNvCxnSpPr>
+            <a:cxnSpLocks/>
+          </p:cNvCxnSpPr>
+          <p:nvPr/>
+        </p:nvCxnSpPr>
+        <p:spPr>
+          <a:xfrm flipH="1">
+            <a:off x="3490913" y="5460329"/>
+            <a:ext cx="3271308" cy="0"/>
+          </a:xfrm>
+          <a:prstGeom prst="line">
+            <a:avLst/>
+          </a:prstGeom>
+          <a:ln w="38100">
+            <a:solidFill>
+              <a:srgbClr val="006020"/>
+            </a:solidFill>
+          </a:ln>
+        </p:spPr>
+        <p:style>
+          <a:lnRef idx="2">
+            <a:schemeClr val="accent1"/>
+          </a:lnRef>
+          <a:fillRef idx="0">
+            <a:schemeClr val="accent1"/>
+          </a:fillRef>
+          <a:effectRef idx="1">
+            <a:schemeClr val="accent1"/>
+          </a:effectRef>
+          <a:fontRef idx="minor">
+            <a:schemeClr val="tx1"/>
+          </a:fontRef>
+        </p:style>
+      </p:cxnSp>
+      <p:cxnSp>
+        <p:nvCxnSpPr>
+          <p:cNvPr id="1298" name="Straight Connector 1297">
+            <a:extLst>
+              <a:ext uri="{FF2B5EF4-FFF2-40B4-BE49-F238E27FC236}">
+                <a16:creationId xmlns:a16="http://schemas.microsoft.com/office/drawing/2014/main" id="{21E965DF-7924-A9D5-E2DA-FE667FB4D3A2}"/>
+              </a:ext>
+            </a:extLst>
+          </p:cNvPr>
+          <p:cNvCxnSpPr>
+            <a:cxnSpLocks/>
+          </p:cNvCxnSpPr>
+          <p:nvPr/>
+        </p:nvCxnSpPr>
+        <p:spPr>
+          <a:xfrm flipV="1">
+            <a:off x="3489019" y="4999161"/>
+            <a:ext cx="0" cy="481214"/>
+          </a:xfrm>
+          <a:prstGeom prst="line">
+            <a:avLst/>
+          </a:prstGeom>
+          <a:ln w="38100">
+            <a:solidFill>
+              <a:schemeClr val="accent6">
+                <a:lumMod val="75000"/>
+              </a:schemeClr>
+            </a:solidFill>
+          </a:ln>
+        </p:spPr>
+        <p:style>
+          <a:lnRef idx="2">
+            <a:schemeClr val="accent1"/>
+          </a:lnRef>
+          <a:fillRef idx="0">
+            <a:schemeClr val="accent1"/>
+          </a:fillRef>
+          <a:effectRef idx="1">
+            <a:schemeClr val="accent1"/>
+          </a:effectRef>
+          <a:fontRef idx="minor">
+            <a:schemeClr val="tx1"/>
+          </a:fontRef>
+        </p:style>
+      </p:cxnSp>
+      <p:cxnSp>
+        <p:nvCxnSpPr>
+          <p:cNvPr id="1300" name="Straight Connector 1299">
+            <a:extLst>
+              <a:ext uri="{FF2B5EF4-FFF2-40B4-BE49-F238E27FC236}">
+                <a16:creationId xmlns:a16="http://schemas.microsoft.com/office/drawing/2014/main" id="{C43E12DA-739C-D747-E0F7-7A42429EF9D0}"/>
+              </a:ext>
+            </a:extLst>
+          </p:cNvPr>
+          <p:cNvCxnSpPr>
+            <a:cxnSpLocks/>
+          </p:cNvCxnSpPr>
+          <p:nvPr/>
+        </p:nvCxnSpPr>
+        <p:spPr>
+          <a:xfrm flipH="1">
+            <a:off x="3132277" y="5022395"/>
+            <a:ext cx="356254" cy="0"/>
+          </a:xfrm>
+          <a:prstGeom prst="line">
+            <a:avLst/>
+          </a:prstGeom>
+          <a:ln w="38100">
+            <a:solidFill>
+              <a:schemeClr val="accent6">
+                <a:lumMod val="75000"/>
+              </a:schemeClr>
+            </a:solidFill>
+          </a:ln>
+        </p:spPr>
+        <p:style>
+          <a:lnRef idx="2">
+            <a:schemeClr val="accent1"/>
+          </a:lnRef>
+          <a:fillRef idx="0">
+            <a:schemeClr val="accent1"/>
+          </a:fillRef>
+          <a:effectRef idx="1">
+            <a:schemeClr val="accent1"/>
+          </a:effectRef>
+          <a:fontRef idx="minor">
+            <a:schemeClr val="tx1"/>
+          </a:fontRef>
+        </p:style>
+      </p:cxnSp>
     </p:spTree>
     <p:extLst>
       <p:ext uri="{BB962C8B-B14F-4D97-AF65-F5344CB8AC3E}">

--- a/assets/Diagram.pptx
+++ b/assets/Diagram.pptx
@@ -208,7 +208,7 @@
           <a:p>
             <a:fld id="{5F4790EC-F85E-4BC9-9E2D-31011507022E}" type="datetimeFigureOut">
               <a:rPr lang="en-US" smtClean="0"/>
-              <a:t>8/31/2025</a:t>
+              <a:t>11/16/2025</a:t>
             </a:fld>
             <a:endParaRPr lang="en-US"/>
           </a:p>
@@ -690,7 +690,7 @@
           <a:p>
             <a:fld id="{7F5102BF-3E1C-4FEC-B8AE-4CD23D8F5F17}" type="datetimeFigureOut">
               <a:rPr lang="en-US" smtClean="0"/>
-              <a:t>8/31/2025</a:t>
+              <a:t>11/16/2025</a:t>
             </a:fld>
             <a:endParaRPr lang="en-US"/>
           </a:p>
@@ -860,7 +860,7 @@
           <a:p>
             <a:fld id="{7F5102BF-3E1C-4FEC-B8AE-4CD23D8F5F17}" type="datetimeFigureOut">
               <a:rPr lang="en-US" smtClean="0"/>
-              <a:t>8/31/2025</a:t>
+              <a:t>11/16/2025</a:t>
             </a:fld>
             <a:endParaRPr lang="en-US"/>
           </a:p>
@@ -1040,7 +1040,7 @@
           <a:p>
             <a:fld id="{7F5102BF-3E1C-4FEC-B8AE-4CD23D8F5F17}" type="datetimeFigureOut">
               <a:rPr lang="en-US" smtClean="0"/>
-              <a:t>8/31/2025</a:t>
+              <a:t>11/16/2025</a:t>
             </a:fld>
             <a:endParaRPr lang="en-US"/>
           </a:p>
@@ -1210,7 +1210,7 @@
           <a:p>
             <a:fld id="{7F5102BF-3E1C-4FEC-B8AE-4CD23D8F5F17}" type="datetimeFigureOut">
               <a:rPr lang="en-US" smtClean="0"/>
-              <a:t>8/31/2025</a:t>
+              <a:t>11/16/2025</a:t>
             </a:fld>
             <a:endParaRPr lang="en-US"/>
           </a:p>
@@ -1456,7 +1456,7 @@
           <a:p>
             <a:fld id="{7F5102BF-3E1C-4FEC-B8AE-4CD23D8F5F17}" type="datetimeFigureOut">
               <a:rPr lang="en-US" smtClean="0"/>
-              <a:t>8/31/2025</a:t>
+              <a:t>11/16/2025</a:t>
             </a:fld>
             <a:endParaRPr lang="en-US"/>
           </a:p>
@@ -1688,7 +1688,7 @@
           <a:p>
             <a:fld id="{7F5102BF-3E1C-4FEC-B8AE-4CD23D8F5F17}" type="datetimeFigureOut">
               <a:rPr lang="en-US" smtClean="0"/>
-              <a:t>8/31/2025</a:t>
+              <a:t>11/16/2025</a:t>
             </a:fld>
             <a:endParaRPr lang="en-US"/>
           </a:p>
@@ -2055,7 +2055,7 @@
           <a:p>
             <a:fld id="{7F5102BF-3E1C-4FEC-B8AE-4CD23D8F5F17}" type="datetimeFigureOut">
               <a:rPr lang="en-US" smtClean="0"/>
-              <a:t>8/31/2025</a:t>
+              <a:t>11/16/2025</a:t>
             </a:fld>
             <a:endParaRPr lang="en-US"/>
           </a:p>
@@ -2173,7 +2173,7 @@
           <a:p>
             <a:fld id="{7F5102BF-3E1C-4FEC-B8AE-4CD23D8F5F17}" type="datetimeFigureOut">
               <a:rPr lang="en-US" smtClean="0"/>
-              <a:t>8/31/2025</a:t>
+              <a:t>11/16/2025</a:t>
             </a:fld>
             <a:endParaRPr lang="en-US"/>
           </a:p>
@@ -2268,7 +2268,7 @@
           <a:p>
             <a:fld id="{7F5102BF-3E1C-4FEC-B8AE-4CD23D8F5F17}" type="datetimeFigureOut">
               <a:rPr lang="en-US" smtClean="0"/>
-              <a:t>8/31/2025</a:t>
+              <a:t>11/16/2025</a:t>
             </a:fld>
             <a:endParaRPr lang="en-US"/>
           </a:p>
@@ -2545,7 +2545,7 @@
           <a:p>
             <a:fld id="{7F5102BF-3E1C-4FEC-B8AE-4CD23D8F5F17}" type="datetimeFigureOut">
               <a:rPr lang="en-US" smtClean="0"/>
-              <a:t>8/31/2025</a:t>
+              <a:t>11/16/2025</a:t>
             </a:fld>
             <a:endParaRPr lang="en-US"/>
           </a:p>
@@ -2802,7 +2802,7 @@
           <a:p>
             <a:fld id="{7F5102BF-3E1C-4FEC-B8AE-4CD23D8F5F17}" type="datetimeFigureOut">
               <a:rPr lang="en-US" smtClean="0"/>
-              <a:t>8/31/2025</a:t>
+              <a:t>11/16/2025</a:t>
             </a:fld>
             <a:endParaRPr lang="en-US"/>
           </a:p>
@@ -3015,7 +3015,7 @@
           <a:p>
             <a:fld id="{7F5102BF-3E1C-4FEC-B8AE-4CD23D8F5F17}" type="datetimeFigureOut">
               <a:rPr lang="en-US" smtClean="0"/>
-              <a:t>8/31/2025</a:t>
+              <a:t>11/16/2025</a:t>
             </a:fld>
             <a:endParaRPr lang="en-US"/>
           </a:p>
@@ -3480,49 +3480,6 @@
       </p:pic>
       <p:cxnSp>
         <p:nvCxnSpPr>
-          <p:cNvPr id="13" name="Straight Connector 12">
-            <a:extLst>
-              <a:ext uri="{FF2B5EF4-FFF2-40B4-BE49-F238E27FC236}">
-                <a16:creationId xmlns:a16="http://schemas.microsoft.com/office/drawing/2014/main" id="{6F2C2124-4E0D-453C-5725-174151235711}"/>
-              </a:ext>
-            </a:extLst>
-          </p:cNvPr>
-          <p:cNvCxnSpPr>
-            <a:cxnSpLocks/>
-          </p:cNvCxnSpPr>
-          <p:nvPr/>
-        </p:nvCxnSpPr>
-        <p:spPr>
-          <a:xfrm flipH="1">
-            <a:off x="7329489" y="4608496"/>
-            <a:ext cx="1104900" cy="0"/>
-          </a:xfrm>
-          <a:prstGeom prst="line">
-            <a:avLst/>
-          </a:prstGeom>
-          <a:ln w="38100">
-            <a:solidFill>
-              <a:srgbClr val="002060"/>
-            </a:solidFill>
-          </a:ln>
-        </p:spPr>
-        <p:style>
-          <a:lnRef idx="2">
-            <a:schemeClr val="accent1"/>
-          </a:lnRef>
-          <a:fillRef idx="0">
-            <a:schemeClr val="accent1"/>
-          </a:fillRef>
-          <a:effectRef idx="1">
-            <a:schemeClr val="accent1"/>
-          </a:effectRef>
-          <a:fontRef idx="minor">
-            <a:schemeClr val="tx1"/>
-          </a:fontRef>
-        </p:style>
-      </p:cxnSp>
-      <p:cxnSp>
-        <p:nvCxnSpPr>
           <p:cNvPr id="6" name="Straight Connector 5">
             <a:extLst>
               <a:ext uri="{FF2B5EF4-FFF2-40B4-BE49-F238E27FC236}">
@@ -3538,7 +3495,7 @@
         <p:spPr>
           <a:xfrm flipH="1">
             <a:off x="7036231" y="4439263"/>
-            <a:ext cx="508300" cy="0"/>
+            <a:ext cx="1402573" cy="0"/>
           </a:xfrm>
           <a:prstGeom prst="line">
             <a:avLst/>
@@ -3818,7 +3775,7 @@
         <p:spPr>
           <a:xfrm>
             <a:off x="7036231" y="3747244"/>
-            <a:ext cx="0" cy="2794679"/>
+            <a:ext cx="0" cy="2077900"/>
           </a:xfrm>
           <a:prstGeom prst="line">
             <a:avLst/>
@@ -3945,9 +3902,9 @@
           <p:nvPr/>
         </p:nvCxnSpPr>
         <p:spPr>
-          <a:xfrm flipH="1">
-            <a:off x="7251469" y="3590925"/>
-            <a:ext cx="3836" cy="2816472"/>
+          <a:xfrm>
+            <a:off x="7255305" y="3590925"/>
+            <a:ext cx="0" cy="2384084"/>
           </a:xfrm>
           <a:prstGeom prst="line">
             <a:avLst/>
@@ -5525,72 +5482,6 @@
           </a:p>
         </p:txBody>
       </p:sp>
-      <p:pic>
-        <p:nvPicPr>
-          <p:cNvPr id="4" name="Picture 3">
-            <a:extLst>
-              <a:ext uri="{FF2B5EF4-FFF2-40B4-BE49-F238E27FC236}">
-                <a16:creationId xmlns:a16="http://schemas.microsoft.com/office/drawing/2014/main" id="{50A1A1C5-5EC5-6E39-4AC6-51176639A8C8}"/>
-              </a:ext>
-            </a:extLst>
-          </p:cNvPr>
-          <p:cNvPicPr>
-            <a:picLocks noChangeAspect="1"/>
-          </p:cNvPicPr>
-          <p:nvPr/>
-        </p:nvPicPr>
-        <p:blipFill>
-          <a:blip r:embed="rId10">
-            <a:extLst>
-              <a:ext uri="{BEBA8EAE-BF5A-486C-A8C5-ECC9F3942E4B}">
-                <a14:imgProps xmlns:a14="http://schemas.microsoft.com/office/drawing/2010/main">
-                  <a14:imgLayer r:embed="rId11">
-                    <a14:imgEffect>
-                      <a14:backgroundRemoval t="9772" b="99349" l="9827" r="92678">
-                        <a14:foregroundMark x1="48362" y1="26384" x2="48362" y2="26384"/>
-                        <a14:foregroundMark x1="56647" y1="21498" x2="46435" y2="24430"/>
-                        <a14:foregroundMark x1="46435" y1="24430" x2="35453" y2="36482"/>
-                        <a14:foregroundMark x1="35453" y1="36482" x2="36802" y2="41042"/>
-                        <a14:foregroundMark x1="37958" y1="43648" x2="39306" y2="45928"/>
-                        <a14:foregroundMark x1="25241" y1="10098" x2="77649" y2="16938"/>
-                        <a14:foregroundMark x1="77649" y1="16938" x2="81503" y2="34202"/>
-                        <a14:foregroundMark x1="81503" y1="34202" x2="79383" y2="78502"/>
-                        <a14:foregroundMark x1="79383" y1="78502" x2="36802" y2="78502"/>
-                        <a14:foregroundMark x1="36802" y1="78502" x2="25241" y2="72964"/>
-                        <a14:foregroundMark x1="25241" y1="72964" x2="22929" y2="56352"/>
-                        <a14:foregroundMark x1="22929" y1="56352" x2="25241" y2="11726"/>
-                        <a14:foregroundMark x1="31792" y1="16612" x2="32948" y2="37134"/>
-                        <a14:foregroundMark x1="32948" y1="37134" x2="40462" y2="45928"/>
-                        <a14:foregroundMark x1="57033" y1="29316" x2="52408" y2="47883"/>
-                        <a14:foregroundMark x1="52408" y1="47883" x2="41426" y2="64821"/>
-                        <a14:foregroundMark x1="41426" y1="64821" x2="41233" y2="64821"/>
-                        <a14:foregroundMark x1="50674" y1="30619" x2="50096" y2="38111"/>
-                        <a14:foregroundMark x1="51060" y1="52769" x2="42967" y2="64169"/>
-                        <a14:foregroundMark x1="47977" y1="62866" x2="60694" y2="63192"/>
-                        <a14:foregroundMark x1="67245" y1="82085" x2="66474" y2="99674"/>
-                        <a14:foregroundMark x1="91522" y1="42345" x2="88439" y2="41368"/>
-                        <a14:foregroundMark x1="92100" y1="57655" x2="89403" y2="57003"/>
-                        <a14:foregroundMark x1="92678" y1="42020" x2="90366" y2="42020"/>
-                      </a14:backgroundRemoval>
-                    </a14:imgEffect>
-                  </a14:imgLayer>
-                </a14:imgProps>
-              </a:ext>
-            </a:extLst>
-          </a:blip>
-          <a:srcRect l="10130" t="7009" r="6710" b="12227"/>
-          <a:stretch/>
-        </p:blipFill>
-        <p:spPr>
-          <a:xfrm rot="10800000">
-            <a:off x="10880933" y="4310550"/>
-            <a:ext cx="1239124" cy="711845"/>
-          </a:xfrm>
-          <a:prstGeom prst="rect">
-            <a:avLst/>
-          </a:prstGeom>
-        </p:spPr>
-      </p:pic>
       <p:cxnSp>
         <p:nvCxnSpPr>
           <p:cNvPr id="5" name="Straight Connector 4">
@@ -5680,307 +5571,6 @@
           </a:fontRef>
         </p:style>
       </p:cxnSp>
-      <p:cxnSp>
-        <p:nvCxnSpPr>
-          <p:cNvPr id="9" name="Straight Connector 8">
-            <a:extLst>
-              <a:ext uri="{FF2B5EF4-FFF2-40B4-BE49-F238E27FC236}">
-                <a16:creationId xmlns:a16="http://schemas.microsoft.com/office/drawing/2014/main" id="{6D1057F5-A32D-21FE-436C-8DE757948A75}"/>
-              </a:ext>
-            </a:extLst>
-          </p:cNvPr>
-          <p:cNvCxnSpPr>
-            <a:cxnSpLocks/>
-          </p:cNvCxnSpPr>
-          <p:nvPr/>
-        </p:nvCxnSpPr>
-        <p:spPr>
-          <a:xfrm flipH="1">
-            <a:off x="10737404" y="4231758"/>
-            <a:ext cx="532818" cy="0"/>
-          </a:xfrm>
-          <a:prstGeom prst="line">
-            <a:avLst/>
-          </a:prstGeom>
-          <a:ln w="38100">
-            <a:solidFill>
-              <a:srgbClr val="FFFF00"/>
-            </a:solidFill>
-          </a:ln>
-        </p:spPr>
-        <p:style>
-          <a:lnRef idx="2">
-            <a:schemeClr val="accent1"/>
-          </a:lnRef>
-          <a:fillRef idx="0">
-            <a:schemeClr val="accent1"/>
-          </a:fillRef>
-          <a:effectRef idx="1">
-            <a:schemeClr val="accent1"/>
-          </a:effectRef>
-          <a:fontRef idx="minor">
-            <a:schemeClr val="tx1"/>
-          </a:fontRef>
-        </p:style>
-      </p:cxnSp>
-      <p:cxnSp>
-        <p:nvCxnSpPr>
-          <p:cNvPr id="10" name="Straight Connector 9">
-            <a:extLst>
-              <a:ext uri="{FF2B5EF4-FFF2-40B4-BE49-F238E27FC236}">
-                <a16:creationId xmlns:a16="http://schemas.microsoft.com/office/drawing/2014/main" id="{5CC36B6A-E8A8-07F2-DC24-6C8B6AFB2B9E}"/>
-              </a:ext>
-            </a:extLst>
-          </p:cNvPr>
-          <p:cNvCxnSpPr>
-            <a:cxnSpLocks/>
-          </p:cNvCxnSpPr>
-          <p:nvPr/>
-        </p:nvCxnSpPr>
-        <p:spPr>
-          <a:xfrm>
-            <a:off x="10737404" y="4213730"/>
-            <a:ext cx="0" cy="2183465"/>
-          </a:xfrm>
-          <a:prstGeom prst="line">
-            <a:avLst/>
-          </a:prstGeom>
-          <a:ln w="38100">
-            <a:solidFill>
-              <a:srgbClr val="FFFF00"/>
-            </a:solidFill>
-          </a:ln>
-        </p:spPr>
-        <p:style>
-          <a:lnRef idx="2">
-            <a:schemeClr val="accent1"/>
-          </a:lnRef>
-          <a:fillRef idx="0">
-            <a:schemeClr val="accent1"/>
-          </a:fillRef>
-          <a:effectRef idx="1">
-            <a:schemeClr val="accent1"/>
-          </a:effectRef>
-          <a:fontRef idx="minor">
-            <a:schemeClr val="tx1"/>
-          </a:fontRef>
-        </p:style>
-      </p:cxnSp>
-      <p:cxnSp>
-        <p:nvCxnSpPr>
-          <p:cNvPr id="15" name="Straight Connector 14">
-            <a:extLst>
-              <a:ext uri="{FF2B5EF4-FFF2-40B4-BE49-F238E27FC236}">
-                <a16:creationId xmlns:a16="http://schemas.microsoft.com/office/drawing/2014/main" id="{C3E29539-09AB-E36B-EDEF-0CAE552FFD70}"/>
-              </a:ext>
-            </a:extLst>
-          </p:cNvPr>
-          <p:cNvCxnSpPr>
-            <a:cxnSpLocks/>
-          </p:cNvCxnSpPr>
-          <p:nvPr/>
-        </p:nvCxnSpPr>
-        <p:spPr>
-          <a:xfrm>
-            <a:off x="11270222" y="4215875"/>
-            <a:ext cx="0" cy="149223"/>
-          </a:xfrm>
-          <a:prstGeom prst="line">
-            <a:avLst/>
-          </a:prstGeom>
-          <a:ln w="38100">
-            <a:solidFill>
-              <a:srgbClr val="FFFF00"/>
-            </a:solidFill>
-          </a:ln>
-        </p:spPr>
-        <p:style>
-          <a:lnRef idx="2">
-            <a:schemeClr val="accent1"/>
-          </a:lnRef>
-          <a:fillRef idx="0">
-            <a:schemeClr val="accent1"/>
-          </a:fillRef>
-          <a:effectRef idx="1">
-            <a:schemeClr val="accent1"/>
-          </a:effectRef>
-          <a:fontRef idx="minor">
-            <a:schemeClr val="tx1"/>
-          </a:fontRef>
-        </p:style>
-      </p:cxnSp>
-      <p:cxnSp>
-        <p:nvCxnSpPr>
-          <p:cNvPr id="21" name="Straight Connector 20">
-            <a:extLst>
-              <a:ext uri="{FF2B5EF4-FFF2-40B4-BE49-F238E27FC236}">
-                <a16:creationId xmlns:a16="http://schemas.microsoft.com/office/drawing/2014/main" id="{4DCF0BD1-8FDA-4E41-C75F-D3AF291653B3}"/>
-              </a:ext>
-            </a:extLst>
-          </p:cNvPr>
-          <p:cNvCxnSpPr>
-            <a:cxnSpLocks/>
-          </p:cNvCxnSpPr>
-          <p:nvPr/>
-        </p:nvCxnSpPr>
-        <p:spPr>
-          <a:xfrm flipH="1">
-            <a:off x="2978073" y="6388622"/>
-            <a:ext cx="7759331" cy="0"/>
-          </a:xfrm>
-          <a:prstGeom prst="line">
-            <a:avLst/>
-          </a:prstGeom>
-          <a:ln w="38100">
-            <a:solidFill>
-              <a:srgbClr val="FFFF00"/>
-            </a:solidFill>
-          </a:ln>
-        </p:spPr>
-        <p:style>
-          <a:lnRef idx="2">
-            <a:schemeClr val="accent1"/>
-          </a:lnRef>
-          <a:fillRef idx="0">
-            <a:schemeClr val="accent1"/>
-          </a:fillRef>
-          <a:effectRef idx="1">
-            <a:schemeClr val="accent1"/>
-          </a:effectRef>
-          <a:fontRef idx="minor">
-            <a:schemeClr val="tx1"/>
-          </a:fontRef>
-        </p:style>
-      </p:cxnSp>
-      <p:cxnSp>
-        <p:nvCxnSpPr>
-          <p:cNvPr id="28" name="Straight Connector 27">
-            <a:extLst>
-              <a:ext uri="{FF2B5EF4-FFF2-40B4-BE49-F238E27FC236}">
-                <a16:creationId xmlns:a16="http://schemas.microsoft.com/office/drawing/2014/main" id="{ED7ABC7B-AA56-990B-A22E-F804760E02C9}"/>
-              </a:ext>
-            </a:extLst>
-          </p:cNvPr>
-          <p:cNvCxnSpPr>
-            <a:cxnSpLocks/>
-          </p:cNvCxnSpPr>
-          <p:nvPr/>
-        </p:nvCxnSpPr>
-        <p:spPr>
-          <a:xfrm>
-            <a:off x="10533399" y="4294770"/>
-            <a:ext cx="0" cy="2247151"/>
-          </a:xfrm>
-          <a:prstGeom prst="line">
-            <a:avLst/>
-          </a:prstGeom>
-          <a:ln w="38100">
-            <a:solidFill>
-              <a:srgbClr val="002060"/>
-            </a:solidFill>
-          </a:ln>
-        </p:spPr>
-        <p:style>
-          <a:lnRef idx="2">
-            <a:schemeClr val="accent1"/>
-          </a:lnRef>
-          <a:fillRef idx="0">
-            <a:schemeClr val="accent1"/>
-          </a:fillRef>
-          <a:effectRef idx="1">
-            <a:schemeClr val="accent1"/>
-          </a:effectRef>
-          <a:fontRef idx="minor">
-            <a:schemeClr val="tx1"/>
-          </a:fontRef>
-        </p:style>
-      </p:cxnSp>
-      <p:cxnSp>
-        <p:nvCxnSpPr>
-          <p:cNvPr id="29" name="Straight Connector 28">
-            <a:extLst>
-              <a:ext uri="{FF2B5EF4-FFF2-40B4-BE49-F238E27FC236}">
-                <a16:creationId xmlns:a16="http://schemas.microsoft.com/office/drawing/2014/main" id="{AE43BEC1-FE1B-9206-9F9A-3A16D1329CB7}"/>
-              </a:ext>
-            </a:extLst>
-          </p:cNvPr>
-          <p:cNvCxnSpPr>
-            <a:cxnSpLocks/>
-          </p:cNvCxnSpPr>
-          <p:nvPr/>
-        </p:nvCxnSpPr>
-        <p:spPr>
-          <a:xfrm flipH="1">
-            <a:off x="10533401" y="4294770"/>
-            <a:ext cx="641177" cy="0"/>
-          </a:xfrm>
-          <a:prstGeom prst="line">
-            <a:avLst/>
-          </a:prstGeom>
-          <a:ln w="38100">
-            <a:solidFill>
-              <a:srgbClr val="002060"/>
-            </a:solidFill>
-          </a:ln>
-        </p:spPr>
-        <p:style>
-          <a:lnRef idx="2">
-            <a:schemeClr val="accent1"/>
-          </a:lnRef>
-          <a:fillRef idx="0">
-            <a:schemeClr val="accent1"/>
-          </a:fillRef>
-          <a:effectRef idx="1">
-            <a:schemeClr val="accent1"/>
-          </a:effectRef>
-          <a:fontRef idx="minor">
-            <a:schemeClr val="tx1"/>
-          </a:fontRef>
-        </p:style>
-      </p:cxnSp>
-      <p:cxnSp>
-        <p:nvCxnSpPr>
-          <p:cNvPr id="32" name="Straight Connector 31">
-            <a:extLst>
-              <a:ext uri="{FF2B5EF4-FFF2-40B4-BE49-F238E27FC236}">
-                <a16:creationId xmlns:a16="http://schemas.microsoft.com/office/drawing/2014/main" id="{7CCAB92B-AB74-3282-4B02-C4F4976F111E}"/>
-              </a:ext>
-            </a:extLst>
-          </p:cNvPr>
-          <p:cNvCxnSpPr>
-            <a:cxnSpLocks/>
-          </p:cNvCxnSpPr>
-          <p:nvPr/>
-        </p:nvCxnSpPr>
-        <p:spPr>
-          <a:xfrm flipH="1">
-            <a:off x="2635250" y="6532192"/>
-            <a:ext cx="7898149" cy="0"/>
-          </a:xfrm>
-          <a:prstGeom prst="line">
-            <a:avLst/>
-          </a:prstGeom>
-          <a:ln w="38100">
-            <a:solidFill>
-              <a:srgbClr val="002060"/>
-            </a:solidFill>
-          </a:ln>
-        </p:spPr>
-        <p:style>
-          <a:lnRef idx="2">
-            <a:schemeClr val="accent1"/>
-          </a:lnRef>
-          <a:fillRef idx="0">
-            <a:schemeClr val="accent1"/>
-          </a:fillRef>
-          <a:effectRef idx="1">
-            <a:schemeClr val="accent1"/>
-          </a:effectRef>
-          <a:fontRef idx="minor">
-            <a:schemeClr val="tx1"/>
-          </a:fontRef>
-        </p:style>
-      </p:cxnSp>
       <p:pic>
         <p:nvPicPr>
           <p:cNvPr id="57" name="Picture 2" descr="NVIDIA Jetson Xavier NX Developer Kit (812674024318), 16 GB">
@@ -5996,11 +5586,11 @@
           <p:nvPr/>
         </p:nvPicPr>
         <p:blipFill>
-          <a:blip r:embed="rId12">
+          <a:blip r:embed="rId10">
             <a:extLst>
               <a:ext uri="{BEBA8EAE-BF5A-486C-A8C5-ECC9F3942E4B}">
                 <a14:imgProps xmlns:a14="http://schemas.microsoft.com/office/drawing/2010/main">
-                  <a14:imgLayer r:embed="rId13">
+                  <a14:imgLayer r:embed="rId11">
                     <a14:imgEffect>
                       <a14:backgroundRemoval t="1217" b="95499" l="1230" r="96421">
                         <a14:foregroundMark x1="83893" y1="85280" x2="36465" y2="84428"/>
@@ -6535,92 +6125,6 @@
       </p:sp>
       <p:cxnSp>
         <p:nvCxnSpPr>
-          <p:cNvPr id="20" name="Straight Connector 19">
-            <a:extLst>
-              <a:ext uri="{FF2B5EF4-FFF2-40B4-BE49-F238E27FC236}">
-                <a16:creationId xmlns:a16="http://schemas.microsoft.com/office/drawing/2014/main" id="{C8E3903D-1604-D498-06E6-8616DECEDF20}"/>
-              </a:ext>
-            </a:extLst>
-          </p:cNvPr>
-          <p:cNvCxnSpPr>
-            <a:cxnSpLocks/>
-          </p:cNvCxnSpPr>
-          <p:nvPr/>
-        </p:nvCxnSpPr>
-        <p:spPr>
-          <a:xfrm>
-            <a:off x="8414084" y="4439263"/>
-            <a:ext cx="0" cy="158207"/>
-          </a:xfrm>
-          <a:prstGeom prst="line">
-            <a:avLst/>
-          </a:prstGeom>
-          <a:ln w="38100">
-            <a:solidFill>
-              <a:srgbClr val="002060"/>
-            </a:solidFill>
-          </a:ln>
-        </p:spPr>
-        <p:style>
-          <a:lnRef idx="2">
-            <a:schemeClr val="accent1"/>
-          </a:lnRef>
-          <a:fillRef idx="0">
-            <a:schemeClr val="accent1"/>
-          </a:fillRef>
-          <a:effectRef idx="1">
-            <a:schemeClr val="accent1"/>
-          </a:effectRef>
-          <a:fontRef idx="minor">
-            <a:schemeClr val="tx1"/>
-          </a:fontRef>
-        </p:style>
-      </p:cxnSp>
-      <p:cxnSp>
-        <p:nvCxnSpPr>
-          <p:cNvPr id="35" name="Straight Connector 34">
-            <a:extLst>
-              <a:ext uri="{FF2B5EF4-FFF2-40B4-BE49-F238E27FC236}">
-                <a16:creationId xmlns:a16="http://schemas.microsoft.com/office/drawing/2014/main" id="{EA35C7FD-A3BD-31AF-4711-E4BF5D9989DF}"/>
-              </a:ext>
-            </a:extLst>
-          </p:cNvPr>
-          <p:cNvCxnSpPr>
-            <a:cxnSpLocks/>
-          </p:cNvCxnSpPr>
-          <p:nvPr/>
-        </p:nvCxnSpPr>
-        <p:spPr>
-          <a:xfrm>
-            <a:off x="7347283" y="4439263"/>
-            <a:ext cx="0" cy="158207"/>
-          </a:xfrm>
-          <a:prstGeom prst="line">
-            <a:avLst/>
-          </a:prstGeom>
-          <a:ln w="38100">
-            <a:solidFill>
-              <a:srgbClr val="002060"/>
-            </a:solidFill>
-          </a:ln>
-        </p:spPr>
-        <p:style>
-          <a:lnRef idx="2">
-            <a:schemeClr val="accent1"/>
-          </a:lnRef>
-          <a:fillRef idx="0">
-            <a:schemeClr val="accent1"/>
-          </a:fillRef>
-          <a:effectRef idx="1">
-            <a:schemeClr val="accent1"/>
-          </a:effectRef>
-          <a:fontRef idx="minor">
-            <a:schemeClr val="tx1"/>
-          </a:fontRef>
-        </p:style>
-      </p:cxnSp>
-      <p:cxnSp>
-        <p:nvCxnSpPr>
           <p:cNvPr id="55" name="Straight Connector 54">
             <a:extLst>
               <a:ext uri="{FF2B5EF4-FFF2-40B4-BE49-F238E27FC236}">
@@ -6943,8 +6447,8 @@
         </p:nvCxnSpPr>
         <p:spPr>
           <a:xfrm flipV="1">
-            <a:off x="8696326" y="3451286"/>
-            <a:ext cx="0" cy="1773177"/>
+            <a:off x="8696326" y="3454461"/>
+            <a:ext cx="0" cy="1603314"/>
           </a:xfrm>
           <a:prstGeom prst="line">
             <a:avLst/>
@@ -6990,7 +6494,7 @@
         </p:nvCxnSpPr>
         <p:spPr>
           <a:xfrm flipH="1">
-            <a:off x="8464235" y="5211717"/>
+            <a:off x="8438804" y="5046617"/>
             <a:ext cx="236853" cy="0"/>
           </a:xfrm>
           <a:prstGeom prst="line">
@@ -7083,7 +6587,7 @@
         <p:spPr>
           <a:xfrm flipV="1">
             <a:off x="8788005" y="3590925"/>
-            <a:ext cx="0" cy="1781175"/>
+            <a:ext cx="0" cy="1628775"/>
           </a:xfrm>
           <a:prstGeom prst="line">
             <a:avLst/>
@@ -7127,7 +6631,7 @@
         </p:nvCxnSpPr>
         <p:spPr>
           <a:xfrm flipH="1">
-            <a:off x="8464231" y="5366075"/>
+            <a:off x="8464231" y="5210500"/>
             <a:ext cx="327344" cy="0"/>
           </a:xfrm>
           <a:prstGeom prst="line">
@@ -7218,7 +6722,7 @@
         <p:spPr>
           <a:xfrm flipV="1">
             <a:off x="8879684" y="3731431"/>
-            <a:ext cx="0" cy="1802594"/>
+            <a:ext cx="0" cy="1659719"/>
           </a:xfrm>
           <a:prstGeom prst="line">
             <a:avLst/>
@@ -7262,7 +6766,7 @@
         </p:nvCxnSpPr>
         <p:spPr>
           <a:xfrm flipH="1">
-            <a:off x="8453438" y="5520434"/>
+            <a:off x="8453438" y="5368034"/>
             <a:ext cx="435769" cy="0"/>
           </a:xfrm>
           <a:prstGeom prst="line">
@@ -7577,7 +7081,7 @@
         </p:nvCxnSpPr>
         <p:spPr>
           <a:xfrm flipH="1">
-            <a:off x="7388795" y="5207955"/>
+            <a:off x="7388795" y="5058730"/>
             <a:ext cx="190258" cy="0"/>
           </a:xfrm>
           <a:prstGeom prst="line">
@@ -7622,8 +7126,8 @@
         </p:nvCxnSpPr>
         <p:spPr>
           <a:xfrm flipV="1">
-            <a:off x="7377078" y="5187950"/>
-            <a:ext cx="0" cy="1920561"/>
+            <a:off x="7377078" y="5051425"/>
+            <a:ext cx="0" cy="2057086"/>
           </a:xfrm>
           <a:prstGeom prst="line">
             <a:avLst/>
@@ -7712,8 +7216,8 @@
         </p:nvCxnSpPr>
         <p:spPr>
           <a:xfrm flipV="1">
-            <a:off x="7152993" y="5349912"/>
-            <a:ext cx="0" cy="1915565"/>
+            <a:off x="7133943" y="5191125"/>
+            <a:ext cx="0" cy="2074352"/>
           </a:xfrm>
           <a:prstGeom prst="line">
             <a:avLst/>
@@ -7757,7 +7261,7 @@
         </p:nvCxnSpPr>
         <p:spPr>
           <a:xfrm flipH="1">
-            <a:off x="7149291" y="5363343"/>
+            <a:off x="7149291" y="5214118"/>
             <a:ext cx="429762" cy="0"/>
           </a:xfrm>
           <a:prstGeom prst="line">
@@ -7892,7 +7396,7 @@
         </p:nvCxnSpPr>
         <p:spPr>
           <a:xfrm flipH="1">
-            <a:off x="6940550" y="5518731"/>
+            <a:off x="6926257" y="5363156"/>
             <a:ext cx="646126" cy="0"/>
           </a:xfrm>
           <a:prstGeom prst="line">
@@ -7937,8 +7441,8 @@
         </p:nvCxnSpPr>
         <p:spPr>
           <a:xfrm flipV="1">
-            <a:off x="6928908" y="5499100"/>
-            <a:ext cx="0" cy="1948891"/>
+            <a:off x="6928908" y="5343525"/>
+            <a:ext cx="0" cy="2114550"/>
           </a:xfrm>
           <a:prstGeom prst="line">
             <a:avLst/>
@@ -7981,9 +7485,9 @@
           <p:nvPr/>
         </p:nvCxnSpPr>
         <p:spPr>
-          <a:xfrm flipH="1">
-            <a:off x="8376695" y="3899127"/>
-            <a:ext cx="1176242" cy="0"/>
+          <a:xfrm>
+            <a:off x="7953375" y="3899127"/>
+            <a:ext cx="423320" cy="0"/>
           </a:xfrm>
           <a:prstGeom prst="line">
             <a:avLst/>
@@ -8027,9 +7531,9 @@
           <p:nvPr/>
         </p:nvCxnSpPr>
         <p:spPr>
-          <a:xfrm flipH="1">
-            <a:off x="6781800" y="5677127"/>
-            <a:ext cx="808987" cy="0"/>
+          <a:xfrm>
+            <a:off x="7558820" y="5518377"/>
+            <a:ext cx="413605" cy="0"/>
           </a:xfrm>
           <a:prstGeom prst="line">
             <a:avLst/>
@@ -8074,8 +7578,8 @@
         </p:nvCxnSpPr>
         <p:spPr>
           <a:xfrm flipV="1">
-            <a:off x="9531350" y="3905547"/>
-            <a:ext cx="0" cy="2889540"/>
+            <a:off x="7972425" y="3890142"/>
+            <a:ext cx="0" cy="1653408"/>
           </a:xfrm>
           <a:prstGeom prst="line">
             <a:avLst/>
@@ -8106,98 +7610,6 @@
       </p:cxnSp>
       <p:cxnSp>
         <p:nvCxnSpPr>
-          <p:cNvPr id="1215" name="Straight Connector 1214">
-            <a:extLst>
-              <a:ext uri="{FF2B5EF4-FFF2-40B4-BE49-F238E27FC236}">
-                <a16:creationId xmlns:a16="http://schemas.microsoft.com/office/drawing/2014/main" id="{E75015D0-58C8-9903-5446-B444FC89BE77}"/>
-              </a:ext>
-            </a:extLst>
-          </p:cNvPr>
-          <p:cNvCxnSpPr>
-            <a:cxnSpLocks/>
-          </p:cNvCxnSpPr>
-          <p:nvPr/>
-        </p:nvCxnSpPr>
-        <p:spPr>
-          <a:xfrm flipH="1">
-            <a:off x="6781800" y="6782387"/>
-            <a:ext cx="2770188" cy="0"/>
-          </a:xfrm>
-          <a:prstGeom prst="line">
-            <a:avLst/>
-          </a:prstGeom>
-          <a:ln w="38100">
-            <a:solidFill>
-              <a:schemeClr val="accent5">
-                <a:lumMod val="60000"/>
-                <a:lumOff val="40000"/>
-              </a:schemeClr>
-            </a:solidFill>
-          </a:ln>
-        </p:spPr>
-        <p:style>
-          <a:lnRef idx="2">
-            <a:schemeClr val="accent1"/>
-          </a:lnRef>
-          <a:fillRef idx="0">
-            <a:schemeClr val="accent1"/>
-          </a:fillRef>
-          <a:effectRef idx="1">
-            <a:schemeClr val="accent1"/>
-          </a:effectRef>
-          <a:fontRef idx="minor">
-            <a:schemeClr val="tx1"/>
-          </a:fontRef>
-        </p:style>
-      </p:cxnSp>
-      <p:cxnSp>
-        <p:nvCxnSpPr>
-          <p:cNvPr id="1217" name="Straight Connector 1216">
-            <a:extLst>
-              <a:ext uri="{FF2B5EF4-FFF2-40B4-BE49-F238E27FC236}">
-                <a16:creationId xmlns:a16="http://schemas.microsoft.com/office/drawing/2014/main" id="{202FF405-D8F0-2430-1201-553313535D4C}"/>
-              </a:ext>
-            </a:extLst>
-          </p:cNvPr>
-          <p:cNvCxnSpPr>
-            <a:cxnSpLocks/>
-          </p:cNvCxnSpPr>
-          <p:nvPr/>
-        </p:nvCxnSpPr>
-        <p:spPr>
-          <a:xfrm flipV="1">
-            <a:off x="6800850" y="5665084"/>
-            <a:ext cx="0" cy="1130003"/>
-          </a:xfrm>
-          <a:prstGeom prst="line">
-            <a:avLst/>
-          </a:prstGeom>
-          <a:ln w="38100">
-            <a:solidFill>
-              <a:schemeClr val="accent5">
-                <a:lumMod val="60000"/>
-                <a:lumOff val="40000"/>
-              </a:schemeClr>
-            </a:solidFill>
-          </a:ln>
-        </p:spPr>
-        <p:style>
-          <a:lnRef idx="2">
-            <a:schemeClr val="accent1"/>
-          </a:lnRef>
-          <a:fillRef idx="0">
-            <a:schemeClr val="accent1"/>
-          </a:fillRef>
-          <a:effectRef idx="1">
-            <a:schemeClr val="accent1"/>
-          </a:effectRef>
-          <a:fontRef idx="minor">
-            <a:schemeClr val="tx1"/>
-          </a:fontRef>
-        </p:style>
-      </p:cxnSp>
-      <p:cxnSp>
-        <p:nvCxnSpPr>
           <p:cNvPr id="1222" name="Straight Connector 1221">
             <a:extLst>
               <a:ext uri="{FF2B5EF4-FFF2-40B4-BE49-F238E27FC236}">
@@ -8388,8 +7800,8 @@
         </p:nvCxnSpPr>
         <p:spPr>
           <a:xfrm flipH="1">
-            <a:off x="6857738" y="5045196"/>
-            <a:ext cx="688380" cy="0"/>
+            <a:off x="7915275" y="5975009"/>
+            <a:ext cx="557943" cy="0"/>
           </a:xfrm>
           <a:prstGeom prst="line">
             <a:avLst/>
@@ -8431,8 +7843,8 @@
         </p:nvCxnSpPr>
         <p:spPr>
           <a:xfrm flipV="1">
-            <a:off x="6856954" y="5026819"/>
-            <a:ext cx="0" cy="592931"/>
+            <a:off x="7926929" y="5954971"/>
+            <a:ext cx="0" cy="235102"/>
           </a:xfrm>
           <a:prstGeom prst="line">
             <a:avLst/>
@@ -8474,8 +7886,8 @@
         </p:nvCxnSpPr>
         <p:spPr>
           <a:xfrm flipH="1">
-            <a:off x="3298031" y="5598441"/>
-            <a:ext cx="3559707" cy="0"/>
+            <a:off x="3298825" y="6190073"/>
+            <a:ext cx="4645091" cy="0"/>
           </a:xfrm>
           <a:prstGeom prst="line">
             <a:avLst/>
@@ -8518,7 +7930,7 @@
         <p:spPr>
           <a:xfrm flipV="1">
             <a:off x="3315188" y="5097796"/>
-            <a:ext cx="0" cy="516296"/>
+            <a:ext cx="0" cy="1092277"/>
           </a:xfrm>
           <a:prstGeom prst="line">
             <a:avLst/>
@@ -8890,49 +8302,6 @@
       </p:cxnSp>
       <p:cxnSp>
         <p:nvCxnSpPr>
-          <p:cNvPr id="1262" name="Straight Connector 1261">
-            <a:extLst>
-              <a:ext uri="{FF2B5EF4-FFF2-40B4-BE49-F238E27FC236}">
-                <a16:creationId xmlns:a16="http://schemas.microsoft.com/office/drawing/2014/main" id="{57A6A912-DD86-87D3-335F-03AA3031A17F}"/>
-              </a:ext>
-            </a:extLst>
-          </p:cNvPr>
-          <p:cNvCxnSpPr>
-            <a:cxnSpLocks/>
-          </p:cNvCxnSpPr>
-          <p:nvPr/>
-        </p:nvCxnSpPr>
-        <p:spPr>
-          <a:xfrm flipH="1">
-            <a:off x="8434389" y="5829945"/>
-            <a:ext cx="214311" cy="0"/>
-          </a:xfrm>
-          <a:prstGeom prst="line">
-            <a:avLst/>
-          </a:prstGeom>
-          <a:ln w="38100">
-            <a:solidFill>
-              <a:srgbClr val="006020"/>
-            </a:solidFill>
-          </a:ln>
-        </p:spPr>
-        <p:style>
-          <a:lnRef idx="2">
-            <a:schemeClr val="accent1"/>
-          </a:lnRef>
-          <a:fillRef idx="0">
-            <a:schemeClr val="accent1"/>
-          </a:fillRef>
-          <a:effectRef idx="1">
-            <a:schemeClr val="accent1"/>
-          </a:effectRef>
-          <a:fontRef idx="minor">
-            <a:schemeClr val="tx1"/>
-          </a:fontRef>
-        </p:style>
-      </p:cxnSp>
-      <p:cxnSp>
-        <p:nvCxnSpPr>
           <p:cNvPr id="1263" name="Straight Connector 1262">
             <a:extLst>
               <a:ext uri="{FF2B5EF4-FFF2-40B4-BE49-F238E27FC236}">
@@ -8947,8 +8316,8 @@
         </p:nvCxnSpPr>
         <p:spPr>
           <a:xfrm flipV="1">
-            <a:off x="8645535" y="5818984"/>
-            <a:ext cx="0" cy="1115216"/>
+            <a:off x="8645535" y="5505450"/>
+            <a:ext cx="0" cy="1428750"/>
           </a:xfrm>
           <a:prstGeom prst="line">
             <a:avLst/>
@@ -9150,10 +8519,10 @@
       </p:cxnSp>
       <p:cxnSp>
         <p:nvCxnSpPr>
-          <p:cNvPr id="1274" name="Straight Connector 1273">
-            <a:extLst>
-              <a:ext uri="{FF2B5EF4-FFF2-40B4-BE49-F238E27FC236}">
-                <a16:creationId xmlns:a16="http://schemas.microsoft.com/office/drawing/2014/main" id="{1EC3C81F-660F-DA7E-9E35-F6F6E7A6E551}"/>
+          <p:cNvPr id="1280" name="Straight Connector 1279">
+            <a:extLst>
+              <a:ext uri="{FF2B5EF4-FFF2-40B4-BE49-F238E27FC236}">
+                <a16:creationId xmlns:a16="http://schemas.microsoft.com/office/drawing/2014/main" id="{65543063-2165-A129-5C62-F5AB20D6B7D4}"/>
               </a:ext>
             </a:extLst>
           </p:cNvPr>
@@ -9164,8 +8533,8 @@
         </p:nvCxnSpPr>
         <p:spPr>
           <a:xfrm flipH="1">
-            <a:off x="8448677" y="5049423"/>
-            <a:ext cx="164304" cy="0"/>
+            <a:off x="7804150" y="5825144"/>
+            <a:ext cx="654050" cy="0"/>
           </a:xfrm>
           <a:prstGeom prst="line">
             <a:avLst/>
@@ -9193,22 +8562,22 @@
       </p:cxnSp>
       <p:cxnSp>
         <p:nvCxnSpPr>
-          <p:cNvPr id="1275" name="Straight Connector 1274">
-            <a:extLst>
-              <a:ext uri="{FF2B5EF4-FFF2-40B4-BE49-F238E27FC236}">
-                <a16:creationId xmlns:a16="http://schemas.microsoft.com/office/drawing/2014/main" id="{A53B163B-44B0-8818-5ABB-33128594FFF1}"/>
-              </a:ext>
-            </a:extLst>
-          </p:cNvPr>
-          <p:cNvCxnSpPr>
-            <a:cxnSpLocks/>
-          </p:cNvCxnSpPr>
-          <p:nvPr/>
-        </p:nvCxnSpPr>
-        <p:spPr>
-          <a:xfrm>
-            <a:off x="8597165" y="4744861"/>
-            <a:ext cx="0" cy="289096"/>
+          <p:cNvPr id="1288" name="Straight Connector 1287">
+            <a:extLst>
+              <a:ext uri="{FF2B5EF4-FFF2-40B4-BE49-F238E27FC236}">
+                <a16:creationId xmlns:a16="http://schemas.microsoft.com/office/drawing/2014/main" id="{A43B25C6-D991-A9EF-FDBE-2CE823EB3EEB}"/>
+              </a:ext>
+            </a:extLst>
+          </p:cNvPr>
+          <p:cNvCxnSpPr>
+            <a:cxnSpLocks/>
+          </p:cNvCxnSpPr>
+          <p:nvPr/>
+        </p:nvCxnSpPr>
+        <p:spPr>
+          <a:xfrm flipV="1">
+            <a:off x="7823742" y="5807444"/>
+            <a:ext cx="0" cy="317131"/>
           </a:xfrm>
           <a:prstGeom prst="line">
             <a:avLst/>
@@ -9236,10 +8605,10 @@
       </p:cxnSp>
       <p:cxnSp>
         <p:nvCxnSpPr>
-          <p:cNvPr id="1279" name="Straight Connector 1278">
-            <a:extLst>
-              <a:ext uri="{FF2B5EF4-FFF2-40B4-BE49-F238E27FC236}">
-                <a16:creationId xmlns:a16="http://schemas.microsoft.com/office/drawing/2014/main" id="{F7570C5D-1477-3F4B-A345-45EC437EE572}"/>
+          <p:cNvPr id="1291" name="Straight Connector 1290">
+            <a:extLst>
+              <a:ext uri="{FF2B5EF4-FFF2-40B4-BE49-F238E27FC236}">
+                <a16:creationId xmlns:a16="http://schemas.microsoft.com/office/drawing/2014/main" id="{B693FCD8-EC36-7F7A-554C-05BE7C7BC87C}"/>
               </a:ext>
             </a:extLst>
           </p:cNvPr>
@@ -9250,137 +8619,8 @@
         </p:nvCxnSpPr>
         <p:spPr>
           <a:xfrm flipH="1">
-            <a:off x="8601077" y="5201823"/>
-            <a:ext cx="164304" cy="0"/>
-          </a:xfrm>
-          <a:prstGeom prst="line">
-            <a:avLst/>
-          </a:prstGeom>
-          <a:ln w="38100">
-            <a:solidFill>
-              <a:srgbClr val="006020"/>
-            </a:solidFill>
-          </a:ln>
-        </p:spPr>
-        <p:style>
-          <a:lnRef idx="2">
-            <a:schemeClr val="accent1"/>
-          </a:lnRef>
-          <a:fillRef idx="0">
-            <a:schemeClr val="accent1"/>
-          </a:fillRef>
-          <a:effectRef idx="1">
-            <a:schemeClr val="accent1"/>
-          </a:effectRef>
-          <a:fontRef idx="minor">
-            <a:schemeClr val="tx1"/>
-          </a:fontRef>
-        </p:style>
-      </p:cxnSp>
-      <p:cxnSp>
-        <p:nvCxnSpPr>
-          <p:cNvPr id="1280" name="Straight Connector 1279">
-            <a:extLst>
-              <a:ext uri="{FF2B5EF4-FFF2-40B4-BE49-F238E27FC236}">
-                <a16:creationId xmlns:a16="http://schemas.microsoft.com/office/drawing/2014/main" id="{65543063-2165-A129-5C62-F5AB20D6B7D4}"/>
-              </a:ext>
-            </a:extLst>
-          </p:cNvPr>
-          <p:cNvCxnSpPr>
-            <a:cxnSpLocks/>
-          </p:cNvCxnSpPr>
-          <p:nvPr/>
-        </p:nvCxnSpPr>
-        <p:spPr>
-          <a:xfrm flipH="1">
-            <a:off x="6719888" y="4741014"/>
-            <a:ext cx="1899534" cy="0"/>
-          </a:xfrm>
-          <a:prstGeom prst="line">
-            <a:avLst/>
-          </a:prstGeom>
-          <a:ln w="38100">
-            <a:solidFill>
-              <a:srgbClr val="006020"/>
-            </a:solidFill>
-          </a:ln>
-        </p:spPr>
-        <p:style>
-          <a:lnRef idx="2">
-            <a:schemeClr val="accent1"/>
-          </a:lnRef>
-          <a:fillRef idx="0">
-            <a:schemeClr val="accent1"/>
-          </a:fillRef>
-          <a:effectRef idx="1">
-            <a:schemeClr val="accent1"/>
-          </a:effectRef>
-          <a:fontRef idx="minor">
-            <a:schemeClr val="tx1"/>
-          </a:fontRef>
-        </p:style>
-      </p:cxnSp>
-      <p:cxnSp>
-        <p:nvCxnSpPr>
-          <p:cNvPr id="1288" name="Straight Connector 1287">
-            <a:extLst>
-              <a:ext uri="{FF2B5EF4-FFF2-40B4-BE49-F238E27FC236}">
-                <a16:creationId xmlns:a16="http://schemas.microsoft.com/office/drawing/2014/main" id="{A43B25C6-D991-A9EF-FDBE-2CE823EB3EEB}"/>
-              </a:ext>
-            </a:extLst>
-          </p:cNvPr>
-          <p:cNvCxnSpPr>
-            <a:cxnSpLocks/>
-          </p:cNvCxnSpPr>
-          <p:nvPr/>
-        </p:nvCxnSpPr>
-        <p:spPr>
-          <a:xfrm flipV="1">
-            <a:off x="6737892" y="4723717"/>
-            <a:ext cx="0" cy="755539"/>
-          </a:xfrm>
-          <a:prstGeom prst="line">
-            <a:avLst/>
-          </a:prstGeom>
-          <a:ln w="38100">
-            <a:solidFill>
-              <a:srgbClr val="006020"/>
-            </a:solidFill>
-          </a:ln>
-        </p:spPr>
-        <p:style>
-          <a:lnRef idx="2">
-            <a:schemeClr val="accent1"/>
-          </a:lnRef>
-          <a:fillRef idx="0">
-            <a:schemeClr val="accent1"/>
-          </a:fillRef>
-          <a:effectRef idx="1">
-            <a:schemeClr val="accent1"/>
-          </a:effectRef>
-          <a:fontRef idx="minor">
-            <a:schemeClr val="tx1"/>
-          </a:fontRef>
-        </p:style>
-      </p:cxnSp>
-      <p:cxnSp>
-        <p:nvCxnSpPr>
-          <p:cNvPr id="1291" name="Straight Connector 1290">
-            <a:extLst>
-              <a:ext uri="{FF2B5EF4-FFF2-40B4-BE49-F238E27FC236}">
-                <a16:creationId xmlns:a16="http://schemas.microsoft.com/office/drawing/2014/main" id="{B693FCD8-EC36-7F7A-554C-05BE7C7BC87C}"/>
-              </a:ext>
-            </a:extLst>
-          </p:cNvPr>
-          <p:cNvCxnSpPr>
-            <a:cxnSpLocks/>
-          </p:cNvCxnSpPr>
-          <p:nvPr/>
-        </p:nvCxnSpPr>
-        <p:spPr>
-          <a:xfrm flipH="1">
-            <a:off x="3490913" y="5460329"/>
-            <a:ext cx="3271308" cy="0"/>
+            <a:off x="3482975" y="6104854"/>
+            <a:ext cx="4348339" cy="0"/>
           </a:xfrm>
           <a:prstGeom prst="line">
             <a:avLst/>
@@ -9423,7 +8663,7 @@
         <p:spPr>
           <a:xfrm flipV="1">
             <a:off x="3489019" y="4999161"/>
-            <a:ext cx="0" cy="481214"/>
+            <a:ext cx="0" cy="1112714"/>
           </a:xfrm>
           <a:prstGeom prst="line">
             <a:avLst/>
@@ -9478,6 +8718,49 @@
               <a:schemeClr val="accent6">
                 <a:lumMod val="75000"/>
               </a:schemeClr>
+            </a:solidFill>
+          </a:ln>
+        </p:spPr>
+        <p:style>
+          <a:lnRef idx="2">
+            <a:schemeClr val="accent1"/>
+          </a:lnRef>
+          <a:fillRef idx="0">
+            <a:schemeClr val="accent1"/>
+          </a:fillRef>
+          <a:effectRef idx="1">
+            <a:schemeClr val="accent1"/>
+          </a:effectRef>
+          <a:fontRef idx="minor">
+            <a:schemeClr val="tx1"/>
+          </a:fontRef>
+        </p:style>
+      </p:cxnSp>
+      <p:cxnSp>
+        <p:nvCxnSpPr>
+          <p:cNvPr id="16" name="Straight Connector 15">
+            <a:extLst>
+              <a:ext uri="{FF2B5EF4-FFF2-40B4-BE49-F238E27FC236}">
+                <a16:creationId xmlns:a16="http://schemas.microsoft.com/office/drawing/2014/main" id="{FBC28DEF-1E6C-322C-4753-F97AA6BC53FF}"/>
+              </a:ext>
+            </a:extLst>
+          </p:cNvPr>
+          <p:cNvCxnSpPr>
+            <a:cxnSpLocks/>
+          </p:cNvCxnSpPr>
+          <p:nvPr/>
+        </p:nvCxnSpPr>
+        <p:spPr>
+          <a:xfrm flipH="1">
+            <a:off x="8443088" y="5521970"/>
+            <a:ext cx="211962" cy="0"/>
+          </a:xfrm>
+          <a:prstGeom prst="line">
+            <a:avLst/>
+          </a:prstGeom>
+          <a:ln w="38100">
+            <a:solidFill>
+              <a:srgbClr val="006020"/>
             </a:solidFill>
           </a:ln>
         </p:spPr>

--- a/assets/Diagram.pptx
+++ b/assets/Diagram.pptx
@@ -208,7 +208,7 @@
           <a:p>
             <a:fld id="{5F4790EC-F85E-4BC9-9E2D-31011507022E}" type="datetimeFigureOut">
               <a:rPr lang="en-US" smtClean="0"/>
-              <a:t>11/16/2025</a:t>
+              <a:t>12/29/2025</a:t>
             </a:fld>
             <a:endParaRPr lang="en-US"/>
           </a:p>
@@ -690,7 +690,7 @@
           <a:p>
             <a:fld id="{7F5102BF-3E1C-4FEC-B8AE-4CD23D8F5F17}" type="datetimeFigureOut">
               <a:rPr lang="en-US" smtClean="0"/>
-              <a:t>11/16/2025</a:t>
+              <a:t>12/29/2025</a:t>
             </a:fld>
             <a:endParaRPr lang="en-US"/>
           </a:p>
@@ -860,7 +860,7 @@
           <a:p>
             <a:fld id="{7F5102BF-3E1C-4FEC-B8AE-4CD23D8F5F17}" type="datetimeFigureOut">
               <a:rPr lang="en-US" smtClean="0"/>
-              <a:t>11/16/2025</a:t>
+              <a:t>12/29/2025</a:t>
             </a:fld>
             <a:endParaRPr lang="en-US"/>
           </a:p>
@@ -1040,7 +1040,7 @@
           <a:p>
             <a:fld id="{7F5102BF-3E1C-4FEC-B8AE-4CD23D8F5F17}" type="datetimeFigureOut">
               <a:rPr lang="en-US" smtClean="0"/>
-              <a:t>11/16/2025</a:t>
+              <a:t>12/29/2025</a:t>
             </a:fld>
             <a:endParaRPr lang="en-US"/>
           </a:p>
@@ -1210,7 +1210,7 @@
           <a:p>
             <a:fld id="{7F5102BF-3E1C-4FEC-B8AE-4CD23D8F5F17}" type="datetimeFigureOut">
               <a:rPr lang="en-US" smtClean="0"/>
-              <a:t>11/16/2025</a:t>
+              <a:t>12/29/2025</a:t>
             </a:fld>
             <a:endParaRPr lang="en-US"/>
           </a:p>
@@ -1456,7 +1456,7 @@
           <a:p>
             <a:fld id="{7F5102BF-3E1C-4FEC-B8AE-4CD23D8F5F17}" type="datetimeFigureOut">
               <a:rPr lang="en-US" smtClean="0"/>
-              <a:t>11/16/2025</a:t>
+              <a:t>12/29/2025</a:t>
             </a:fld>
             <a:endParaRPr lang="en-US"/>
           </a:p>
@@ -1688,7 +1688,7 @@
           <a:p>
             <a:fld id="{7F5102BF-3E1C-4FEC-B8AE-4CD23D8F5F17}" type="datetimeFigureOut">
               <a:rPr lang="en-US" smtClean="0"/>
-              <a:t>11/16/2025</a:t>
+              <a:t>12/29/2025</a:t>
             </a:fld>
             <a:endParaRPr lang="en-US"/>
           </a:p>
@@ -2055,7 +2055,7 @@
           <a:p>
             <a:fld id="{7F5102BF-3E1C-4FEC-B8AE-4CD23D8F5F17}" type="datetimeFigureOut">
               <a:rPr lang="en-US" smtClean="0"/>
-              <a:t>11/16/2025</a:t>
+              <a:t>12/29/2025</a:t>
             </a:fld>
             <a:endParaRPr lang="en-US"/>
           </a:p>
@@ -2173,7 +2173,7 @@
           <a:p>
             <a:fld id="{7F5102BF-3E1C-4FEC-B8AE-4CD23D8F5F17}" type="datetimeFigureOut">
               <a:rPr lang="en-US" smtClean="0"/>
-              <a:t>11/16/2025</a:t>
+              <a:t>12/29/2025</a:t>
             </a:fld>
             <a:endParaRPr lang="en-US"/>
           </a:p>
@@ -2268,7 +2268,7 @@
           <a:p>
             <a:fld id="{7F5102BF-3E1C-4FEC-B8AE-4CD23D8F5F17}" type="datetimeFigureOut">
               <a:rPr lang="en-US" smtClean="0"/>
-              <a:t>11/16/2025</a:t>
+              <a:t>12/29/2025</a:t>
             </a:fld>
             <a:endParaRPr lang="en-US"/>
           </a:p>
@@ -2545,7 +2545,7 @@
           <a:p>
             <a:fld id="{7F5102BF-3E1C-4FEC-B8AE-4CD23D8F5F17}" type="datetimeFigureOut">
               <a:rPr lang="en-US" smtClean="0"/>
-              <a:t>11/16/2025</a:t>
+              <a:t>12/29/2025</a:t>
             </a:fld>
             <a:endParaRPr lang="en-US"/>
           </a:p>
@@ -2802,7 +2802,7 @@
           <a:p>
             <a:fld id="{7F5102BF-3E1C-4FEC-B8AE-4CD23D8F5F17}" type="datetimeFigureOut">
               <a:rPr lang="en-US" smtClean="0"/>
-              <a:t>11/16/2025</a:t>
+              <a:t>12/29/2025</a:t>
             </a:fld>
             <a:endParaRPr lang="en-US"/>
           </a:p>
@@ -3015,7 +3015,7 @@
           <a:p>
             <a:fld id="{7F5102BF-3E1C-4FEC-B8AE-4CD23D8F5F17}" type="datetimeFigureOut">
               <a:rPr lang="en-US" smtClean="0"/>
-              <a:t>11/16/2025</a:t>
+              <a:t>12/29/2025</a:t>
             </a:fld>
             <a:endParaRPr lang="en-US"/>
           </a:p>
@@ -4073,10 +4073,7 @@
           </a:prstGeom>
           <a:ln w="38100">
             <a:solidFill>
-              <a:schemeClr val="accent3">
-                <a:lumMod val="60000"/>
-                <a:lumOff val="40000"/>
-              </a:schemeClr>
+              <a:srgbClr val="006020"/>
             </a:solidFill>
           </a:ln>
         </p:spPr>
@@ -4119,10 +4116,7 @@
           </a:prstGeom>
           <a:ln w="38100">
             <a:solidFill>
-              <a:schemeClr val="accent3">
-                <a:lumMod val="60000"/>
-                <a:lumOff val="40000"/>
-              </a:schemeClr>
+              <a:srgbClr val="006020"/>
             </a:solidFill>
           </a:ln>
         </p:spPr>
@@ -5424,10 +5418,7 @@
           </a:prstGeom>
           <a:ln w="38100">
             <a:solidFill>
-              <a:schemeClr val="accent3">
-                <a:lumMod val="60000"/>
-                <a:lumOff val="40000"/>
-              </a:schemeClr>
+              <a:srgbClr val="006020"/>
             </a:solidFill>
           </a:ln>
         </p:spPr>
@@ -5482,95 +5473,6 @@
           </a:p>
         </p:txBody>
       </p:sp>
-      <p:cxnSp>
-        <p:nvCxnSpPr>
-          <p:cNvPr id="5" name="Straight Connector 4">
-            <a:extLst>
-              <a:ext uri="{FF2B5EF4-FFF2-40B4-BE49-F238E27FC236}">
-                <a16:creationId xmlns:a16="http://schemas.microsoft.com/office/drawing/2014/main" id="{D0F82940-742A-1B74-5646-5BEA141C6AF8}"/>
-              </a:ext>
-            </a:extLst>
-          </p:cNvPr>
-          <p:cNvCxnSpPr>
-            <a:cxnSpLocks/>
-          </p:cNvCxnSpPr>
-          <p:nvPr/>
-        </p:nvCxnSpPr>
-        <p:spPr>
-          <a:xfrm flipV="1">
-            <a:off x="11833443" y="1799648"/>
-            <a:ext cx="0" cy="2575447"/>
-          </a:xfrm>
-          <a:prstGeom prst="line">
-            <a:avLst/>
-          </a:prstGeom>
-          <a:ln w="38100">
-            <a:solidFill>
-              <a:schemeClr val="accent2"/>
-            </a:solidFill>
-          </a:ln>
-        </p:spPr>
-        <p:style>
-          <a:lnRef idx="2">
-            <a:schemeClr val="accent1"/>
-          </a:lnRef>
-          <a:fillRef idx="0">
-            <a:schemeClr val="accent1"/>
-          </a:fillRef>
-          <a:effectRef idx="1">
-            <a:schemeClr val="accent1"/>
-          </a:effectRef>
-          <a:fontRef idx="minor">
-            <a:schemeClr val="tx1"/>
-          </a:fontRef>
-        </p:style>
-      </p:cxnSp>
-      <p:cxnSp>
-        <p:nvCxnSpPr>
-          <p:cNvPr id="7" name="Straight Connector 6">
-            <a:extLst>
-              <a:ext uri="{FF2B5EF4-FFF2-40B4-BE49-F238E27FC236}">
-                <a16:creationId xmlns:a16="http://schemas.microsoft.com/office/drawing/2014/main" id="{A6D604FD-8E32-7727-BB68-21C53B09D0E5}"/>
-              </a:ext>
-            </a:extLst>
-          </p:cNvPr>
-          <p:cNvCxnSpPr>
-            <a:cxnSpLocks/>
-          </p:cNvCxnSpPr>
-          <p:nvPr/>
-        </p:nvCxnSpPr>
-        <p:spPr>
-          <a:xfrm flipV="1">
-            <a:off x="11730311" y="3228341"/>
-            <a:ext cx="0" cy="1134613"/>
-          </a:xfrm>
-          <a:prstGeom prst="line">
-            <a:avLst/>
-          </a:prstGeom>
-          <a:ln w="38100">
-            <a:solidFill>
-              <a:schemeClr val="accent3">
-                <a:lumMod val="60000"/>
-                <a:lumOff val="40000"/>
-              </a:schemeClr>
-            </a:solidFill>
-          </a:ln>
-        </p:spPr>
-        <p:style>
-          <a:lnRef idx="2">
-            <a:schemeClr val="accent1"/>
-          </a:lnRef>
-          <a:fillRef idx="0">
-            <a:schemeClr val="accent1"/>
-          </a:fillRef>
-          <a:effectRef idx="1">
-            <a:schemeClr val="accent1"/>
-          </a:effectRef>
-          <a:fontRef idx="minor">
-            <a:schemeClr val="tx1"/>
-          </a:fontRef>
-        </p:style>
-      </p:cxnSp>
       <p:pic>
         <p:nvPicPr>
           <p:cNvPr id="57" name="Picture 2" descr="NVIDIA Jetson Xavier NX Developer Kit (812674024318), 16 GB">
@@ -5729,10 +5631,7 @@
           </a:prstGeom>
           <a:ln w="38100">
             <a:solidFill>
-              <a:schemeClr val="accent3">
-                <a:lumMod val="60000"/>
-                <a:lumOff val="40000"/>
-              </a:schemeClr>
+              <a:srgbClr val="006020"/>
             </a:solidFill>
           </a:ln>
         </p:spPr>
@@ -5818,10 +5717,7 @@
           </a:prstGeom>
           <a:ln w="38100">
             <a:solidFill>
-              <a:schemeClr val="accent3">
-                <a:lumMod val="60000"/>
-                <a:lumOff val="40000"/>
-              </a:schemeClr>
+              <a:srgbClr val="006020"/>
             </a:solidFill>
           </a:ln>
         </p:spPr>
@@ -6068,7 +5964,10 @@
           </a:prstGeom>
           <a:ln w="38100">
             <a:solidFill>
-              <a:srgbClr val="006020"/>
+              <a:schemeClr val="accent3">
+                <a:lumMod val="60000"/>
+                <a:lumOff val="40000"/>
+              </a:schemeClr>
             </a:solidFill>
           </a:ln>
         </p:spPr>
@@ -6147,6 +6046,2137 @@
           </a:prstGeom>
           <a:ln w="38100">
             <a:solidFill>
+              <a:srgbClr val="006020"/>
+            </a:solidFill>
+          </a:ln>
+        </p:spPr>
+        <p:style>
+          <a:lnRef idx="2">
+            <a:schemeClr val="accent1"/>
+          </a:lnRef>
+          <a:fillRef idx="0">
+            <a:schemeClr val="accent1"/>
+          </a:fillRef>
+          <a:effectRef idx="1">
+            <a:schemeClr val="accent1"/>
+          </a:effectRef>
+          <a:fontRef idx="minor">
+            <a:schemeClr val="tx1"/>
+          </a:fontRef>
+        </p:style>
+      </p:cxnSp>
+      <p:cxnSp>
+        <p:nvCxnSpPr>
+          <p:cNvPr id="1036" name="Straight Connector 1035">
+            <a:extLst>
+              <a:ext uri="{FF2B5EF4-FFF2-40B4-BE49-F238E27FC236}">
+                <a16:creationId xmlns:a16="http://schemas.microsoft.com/office/drawing/2014/main" id="{41D34E39-8CA6-3605-D322-D66F50619FFE}"/>
+              </a:ext>
+            </a:extLst>
+          </p:cNvPr>
+          <p:cNvCxnSpPr>
+            <a:cxnSpLocks/>
+          </p:cNvCxnSpPr>
+          <p:nvPr/>
+        </p:nvCxnSpPr>
+        <p:spPr>
+          <a:xfrm flipH="1">
+            <a:off x="7398799" y="3890142"/>
+            <a:ext cx="180254" cy="0"/>
+          </a:xfrm>
+          <a:prstGeom prst="line">
+            <a:avLst/>
+          </a:prstGeom>
+          <a:ln w="38100">
+            <a:solidFill>
+              <a:srgbClr val="FF0000"/>
+            </a:solidFill>
+          </a:ln>
+        </p:spPr>
+        <p:style>
+          <a:lnRef idx="2">
+            <a:schemeClr val="accent1"/>
+          </a:lnRef>
+          <a:fillRef idx="0">
+            <a:schemeClr val="accent1"/>
+          </a:fillRef>
+          <a:effectRef idx="1">
+            <a:schemeClr val="accent1"/>
+          </a:effectRef>
+          <a:fontRef idx="minor">
+            <a:schemeClr val="tx1"/>
+          </a:fontRef>
+        </p:style>
+      </p:cxnSp>
+      <p:cxnSp>
+        <p:nvCxnSpPr>
+          <p:cNvPr id="1038" name="Straight Connector 1037">
+            <a:extLst>
+              <a:ext uri="{FF2B5EF4-FFF2-40B4-BE49-F238E27FC236}">
+                <a16:creationId xmlns:a16="http://schemas.microsoft.com/office/drawing/2014/main" id="{D30DCFD6-D0F0-1A56-B994-13F99BA1D425}"/>
+              </a:ext>
+            </a:extLst>
+          </p:cNvPr>
+          <p:cNvCxnSpPr>
+            <a:cxnSpLocks/>
+          </p:cNvCxnSpPr>
+          <p:nvPr/>
+        </p:nvCxnSpPr>
+        <p:spPr>
+          <a:xfrm flipH="1">
+            <a:off x="7339058" y="4022603"/>
+            <a:ext cx="233325" cy="0"/>
+          </a:xfrm>
+          <a:prstGeom prst="line">
+            <a:avLst/>
+          </a:prstGeom>
+          <a:ln w="38100">
+            <a:solidFill>
+              <a:schemeClr val="bg1"/>
+            </a:solidFill>
+          </a:ln>
+        </p:spPr>
+        <p:style>
+          <a:lnRef idx="2">
+            <a:schemeClr val="accent1"/>
+          </a:lnRef>
+          <a:fillRef idx="0">
+            <a:schemeClr val="accent1"/>
+          </a:fillRef>
+          <a:effectRef idx="1">
+            <a:schemeClr val="accent1"/>
+          </a:effectRef>
+          <a:fontRef idx="minor">
+            <a:schemeClr val="tx1"/>
+          </a:fontRef>
+        </p:style>
+      </p:cxnSp>
+      <p:cxnSp>
+        <p:nvCxnSpPr>
+          <p:cNvPr id="1045" name="Straight Connector 1044">
+            <a:extLst>
+              <a:ext uri="{FF2B5EF4-FFF2-40B4-BE49-F238E27FC236}">
+                <a16:creationId xmlns:a16="http://schemas.microsoft.com/office/drawing/2014/main" id="{F2AD5D75-D949-374C-AA8B-B5BA9155F2C6}"/>
+              </a:ext>
+            </a:extLst>
+          </p:cNvPr>
+          <p:cNvCxnSpPr>
+            <a:cxnSpLocks/>
+          </p:cNvCxnSpPr>
+          <p:nvPr/>
+        </p:nvCxnSpPr>
+        <p:spPr>
+          <a:xfrm flipV="1">
+            <a:off x="7179723" y="2330925"/>
+            <a:ext cx="0" cy="1836844"/>
+          </a:xfrm>
+          <a:prstGeom prst="line">
+            <a:avLst/>
+          </a:prstGeom>
+          <a:ln w="38100">
+            <a:solidFill>
+              <a:srgbClr val="FF0000"/>
+            </a:solidFill>
+          </a:ln>
+        </p:spPr>
+        <p:style>
+          <a:lnRef idx="2">
+            <a:schemeClr val="accent1"/>
+          </a:lnRef>
+          <a:fillRef idx="0">
+            <a:schemeClr val="accent1"/>
+          </a:fillRef>
+          <a:effectRef idx="1">
+            <a:schemeClr val="accent1"/>
+          </a:effectRef>
+          <a:fontRef idx="minor">
+            <a:schemeClr val="tx1"/>
+          </a:fontRef>
+        </p:style>
+      </p:cxnSp>
+      <p:cxnSp>
+        <p:nvCxnSpPr>
+          <p:cNvPr id="1048" name="Straight Connector 1047">
+            <a:extLst>
+              <a:ext uri="{FF2B5EF4-FFF2-40B4-BE49-F238E27FC236}">
+                <a16:creationId xmlns:a16="http://schemas.microsoft.com/office/drawing/2014/main" id="{C9A2F697-C2C9-5713-9196-199A85DC02BE}"/>
+              </a:ext>
+            </a:extLst>
+          </p:cNvPr>
+          <p:cNvCxnSpPr>
+            <a:cxnSpLocks/>
+          </p:cNvCxnSpPr>
+          <p:nvPr/>
+        </p:nvCxnSpPr>
+        <p:spPr>
+          <a:xfrm flipH="1">
+            <a:off x="7198537" y="4151191"/>
+            <a:ext cx="380516" cy="0"/>
+          </a:xfrm>
+          <a:prstGeom prst="line">
+            <a:avLst/>
+          </a:prstGeom>
+          <a:ln w="38100">
+            <a:solidFill>
+              <a:srgbClr val="FF0000"/>
+            </a:solidFill>
+          </a:ln>
+        </p:spPr>
+        <p:style>
+          <a:lnRef idx="2">
+            <a:schemeClr val="accent1"/>
+          </a:lnRef>
+          <a:fillRef idx="0">
+            <a:schemeClr val="accent1"/>
+          </a:fillRef>
+          <a:effectRef idx="1">
+            <a:schemeClr val="accent1"/>
+          </a:effectRef>
+          <a:fontRef idx="minor">
+            <a:schemeClr val="tx1"/>
+          </a:fontRef>
+        </p:style>
+      </p:cxnSp>
+      <p:cxnSp>
+        <p:nvCxnSpPr>
+          <p:cNvPr id="1072" name="Straight Connector 1071">
+            <a:extLst>
+              <a:ext uri="{FF2B5EF4-FFF2-40B4-BE49-F238E27FC236}">
+                <a16:creationId xmlns:a16="http://schemas.microsoft.com/office/drawing/2014/main" id="{D7EE408A-CA8F-7DA2-D34E-9ECF1ECC72C1}"/>
+              </a:ext>
+            </a:extLst>
+          </p:cNvPr>
+          <p:cNvCxnSpPr>
+            <a:cxnSpLocks/>
+          </p:cNvCxnSpPr>
+          <p:nvPr/>
+        </p:nvCxnSpPr>
+        <p:spPr>
+          <a:xfrm flipH="1">
+            <a:off x="7104243" y="4304966"/>
+            <a:ext cx="474810" cy="0"/>
+          </a:xfrm>
+          <a:prstGeom prst="line">
+            <a:avLst/>
+          </a:prstGeom>
+          <a:ln w="38100">
+            <a:solidFill>
+              <a:schemeClr val="bg1"/>
+            </a:solidFill>
+          </a:ln>
+        </p:spPr>
+        <p:style>
+          <a:lnRef idx="2">
+            <a:schemeClr val="accent1"/>
+          </a:lnRef>
+          <a:fillRef idx="0">
+            <a:schemeClr val="accent1"/>
+          </a:fillRef>
+          <a:effectRef idx="1">
+            <a:schemeClr val="accent1"/>
+          </a:effectRef>
+          <a:fontRef idx="minor">
+            <a:schemeClr val="tx1"/>
+          </a:fontRef>
+        </p:style>
+      </p:cxnSp>
+      <p:cxnSp>
+        <p:nvCxnSpPr>
+          <p:cNvPr id="1105" name="Straight Connector 1104">
+            <a:extLst>
+              <a:ext uri="{FF2B5EF4-FFF2-40B4-BE49-F238E27FC236}">
+                <a16:creationId xmlns:a16="http://schemas.microsoft.com/office/drawing/2014/main" id="{0E998F13-ECE2-8F2D-5471-4D165CFCFC6F}"/>
+              </a:ext>
+            </a:extLst>
+          </p:cNvPr>
+          <p:cNvCxnSpPr>
+            <a:cxnSpLocks/>
+          </p:cNvCxnSpPr>
+          <p:nvPr/>
+        </p:nvCxnSpPr>
+        <p:spPr>
+          <a:xfrm flipH="1">
+            <a:off x="8394796" y="3473405"/>
+            <a:ext cx="306292" cy="0"/>
+          </a:xfrm>
+          <a:prstGeom prst="line">
+            <a:avLst/>
+          </a:prstGeom>
+          <a:ln w="38100" cmpd="sng">
+            <a:solidFill>
+              <a:schemeClr val="accent5">
+                <a:lumMod val="75000"/>
+              </a:schemeClr>
+            </a:solidFill>
+            <a:prstDash val="solid"/>
+            <a:round/>
+          </a:ln>
+        </p:spPr>
+        <p:style>
+          <a:lnRef idx="2">
+            <a:schemeClr val="accent1"/>
+          </a:lnRef>
+          <a:fillRef idx="0">
+            <a:schemeClr val="accent1"/>
+          </a:fillRef>
+          <a:effectRef idx="1">
+            <a:schemeClr val="accent1"/>
+          </a:effectRef>
+          <a:fontRef idx="minor">
+            <a:schemeClr val="tx1"/>
+          </a:fontRef>
+        </p:style>
+      </p:cxnSp>
+      <p:cxnSp>
+        <p:nvCxnSpPr>
+          <p:cNvPr id="1109" name="Straight Connector 1108">
+            <a:extLst>
+              <a:ext uri="{FF2B5EF4-FFF2-40B4-BE49-F238E27FC236}">
+                <a16:creationId xmlns:a16="http://schemas.microsoft.com/office/drawing/2014/main" id="{1A1D4365-DBB9-D75D-E31E-87F587A7D0F3}"/>
+              </a:ext>
+            </a:extLst>
+          </p:cNvPr>
+          <p:cNvCxnSpPr>
+            <a:cxnSpLocks/>
+          </p:cNvCxnSpPr>
+          <p:nvPr/>
+        </p:nvCxnSpPr>
+        <p:spPr>
+          <a:xfrm flipV="1">
+            <a:off x="8696326" y="3454461"/>
+            <a:ext cx="0" cy="1603314"/>
+          </a:xfrm>
+          <a:prstGeom prst="line">
+            <a:avLst/>
+          </a:prstGeom>
+          <a:ln w="38100" cmpd="sng">
+            <a:solidFill>
+              <a:schemeClr val="accent5">
+                <a:lumMod val="75000"/>
+              </a:schemeClr>
+            </a:solidFill>
+            <a:prstDash val="solid"/>
+            <a:round/>
+          </a:ln>
+        </p:spPr>
+        <p:style>
+          <a:lnRef idx="2">
+            <a:schemeClr val="accent1"/>
+          </a:lnRef>
+          <a:fillRef idx="0">
+            <a:schemeClr val="accent1"/>
+          </a:fillRef>
+          <a:effectRef idx="1">
+            <a:schemeClr val="accent1"/>
+          </a:effectRef>
+          <a:fontRef idx="minor">
+            <a:schemeClr val="tx1"/>
+          </a:fontRef>
+        </p:style>
+      </p:cxnSp>
+      <p:cxnSp>
+        <p:nvCxnSpPr>
+          <p:cNvPr id="1115" name="Straight Connector 1114">
+            <a:extLst>
+              <a:ext uri="{FF2B5EF4-FFF2-40B4-BE49-F238E27FC236}">
+                <a16:creationId xmlns:a16="http://schemas.microsoft.com/office/drawing/2014/main" id="{9AC671A4-4F9A-8520-4D39-2ED31BBA57CE}"/>
+              </a:ext>
+            </a:extLst>
+          </p:cNvPr>
+          <p:cNvCxnSpPr>
+            <a:cxnSpLocks/>
+          </p:cNvCxnSpPr>
+          <p:nvPr/>
+        </p:nvCxnSpPr>
+        <p:spPr>
+          <a:xfrm flipH="1">
+            <a:off x="8438804" y="5046617"/>
+            <a:ext cx="236853" cy="0"/>
+          </a:xfrm>
+          <a:prstGeom prst="line">
+            <a:avLst/>
+          </a:prstGeom>
+          <a:ln w="38100" cmpd="sng">
+            <a:solidFill>
+              <a:schemeClr val="accent5">
+                <a:lumMod val="75000"/>
+              </a:schemeClr>
+            </a:solidFill>
+            <a:prstDash val="solid"/>
+            <a:round/>
+          </a:ln>
+        </p:spPr>
+        <p:style>
+          <a:lnRef idx="2">
+            <a:schemeClr val="accent1"/>
+          </a:lnRef>
+          <a:fillRef idx="0">
+            <a:schemeClr val="accent1"/>
+          </a:fillRef>
+          <a:effectRef idx="1">
+            <a:schemeClr val="accent1"/>
+          </a:effectRef>
+          <a:fontRef idx="minor">
+            <a:schemeClr val="tx1"/>
+          </a:fontRef>
+        </p:style>
+      </p:cxnSp>
+      <p:cxnSp>
+        <p:nvCxnSpPr>
+          <p:cNvPr id="1118" name="Straight Connector 1117">
+            <a:extLst>
+              <a:ext uri="{FF2B5EF4-FFF2-40B4-BE49-F238E27FC236}">
+                <a16:creationId xmlns:a16="http://schemas.microsoft.com/office/drawing/2014/main" id="{0443605E-96C3-FFA7-59B4-7A02CE29DD34}"/>
+              </a:ext>
+            </a:extLst>
+          </p:cNvPr>
+          <p:cNvCxnSpPr>
+            <a:cxnSpLocks/>
+          </p:cNvCxnSpPr>
+          <p:nvPr/>
+        </p:nvCxnSpPr>
+        <p:spPr>
+          <a:xfrm flipH="1">
+            <a:off x="8394792" y="3613478"/>
+            <a:ext cx="387258" cy="0"/>
+          </a:xfrm>
+          <a:prstGeom prst="line">
+            <a:avLst/>
+          </a:prstGeom>
+          <a:ln w="38100" cmpd="thickThin">
+            <a:solidFill>
+              <a:schemeClr val="accent5">
+                <a:lumMod val="75000"/>
+              </a:schemeClr>
+            </a:solidFill>
+          </a:ln>
+        </p:spPr>
+        <p:style>
+          <a:lnRef idx="2">
+            <a:schemeClr val="accent1"/>
+          </a:lnRef>
+          <a:fillRef idx="0">
+            <a:schemeClr val="accent1"/>
+          </a:fillRef>
+          <a:effectRef idx="1">
+            <a:schemeClr val="accent1"/>
+          </a:effectRef>
+          <a:fontRef idx="minor">
+            <a:schemeClr val="tx1"/>
+          </a:fontRef>
+        </p:style>
+      </p:cxnSp>
+      <p:cxnSp>
+        <p:nvCxnSpPr>
+          <p:cNvPr id="1120" name="Straight Connector 1119">
+            <a:extLst>
+              <a:ext uri="{FF2B5EF4-FFF2-40B4-BE49-F238E27FC236}">
+                <a16:creationId xmlns:a16="http://schemas.microsoft.com/office/drawing/2014/main" id="{F2CC7E69-A96F-C3A2-91C5-BE485B378C9C}"/>
+              </a:ext>
+            </a:extLst>
+          </p:cNvPr>
+          <p:cNvCxnSpPr>
+            <a:cxnSpLocks/>
+          </p:cNvCxnSpPr>
+          <p:nvPr/>
+        </p:nvCxnSpPr>
+        <p:spPr>
+          <a:xfrm flipV="1">
+            <a:off x="8788005" y="3590925"/>
+            <a:ext cx="0" cy="1628775"/>
+          </a:xfrm>
+          <a:prstGeom prst="line">
+            <a:avLst/>
+          </a:prstGeom>
+          <a:ln w="38100" cmpd="thickThin">
+            <a:solidFill>
+              <a:schemeClr val="accent5">
+                <a:lumMod val="75000"/>
+              </a:schemeClr>
+            </a:solidFill>
+          </a:ln>
+        </p:spPr>
+        <p:style>
+          <a:lnRef idx="2">
+            <a:schemeClr val="accent1"/>
+          </a:lnRef>
+          <a:fillRef idx="0">
+            <a:schemeClr val="accent1"/>
+          </a:fillRef>
+          <a:effectRef idx="1">
+            <a:schemeClr val="accent1"/>
+          </a:effectRef>
+          <a:fontRef idx="minor">
+            <a:schemeClr val="tx1"/>
+          </a:fontRef>
+        </p:style>
+      </p:cxnSp>
+      <p:cxnSp>
+        <p:nvCxnSpPr>
+          <p:cNvPr id="1121" name="Straight Connector 1120">
+            <a:extLst>
+              <a:ext uri="{FF2B5EF4-FFF2-40B4-BE49-F238E27FC236}">
+                <a16:creationId xmlns:a16="http://schemas.microsoft.com/office/drawing/2014/main" id="{6F0577C7-3B3E-B0B3-076B-EF0FD0B0C45D}"/>
+              </a:ext>
+            </a:extLst>
+          </p:cNvPr>
+          <p:cNvCxnSpPr>
+            <a:cxnSpLocks/>
+          </p:cNvCxnSpPr>
+          <p:nvPr/>
+        </p:nvCxnSpPr>
+        <p:spPr>
+          <a:xfrm flipH="1">
+            <a:off x="8464231" y="5210500"/>
+            <a:ext cx="327344" cy="0"/>
+          </a:xfrm>
+          <a:prstGeom prst="line">
+            <a:avLst/>
+          </a:prstGeom>
+          <a:ln w="38100" cmpd="thickThin">
+            <a:solidFill>
+              <a:schemeClr val="accent5">
+                <a:lumMod val="75000"/>
+              </a:schemeClr>
+            </a:solidFill>
+          </a:ln>
+        </p:spPr>
+        <p:style>
+          <a:lnRef idx="2">
+            <a:schemeClr val="accent1"/>
+          </a:lnRef>
+          <a:fillRef idx="0">
+            <a:schemeClr val="accent1"/>
+          </a:fillRef>
+          <a:effectRef idx="1">
+            <a:schemeClr val="accent1"/>
+          </a:effectRef>
+          <a:fontRef idx="minor">
+            <a:schemeClr val="tx1"/>
+          </a:fontRef>
+        </p:style>
+      </p:cxnSp>
+      <p:cxnSp>
+        <p:nvCxnSpPr>
+          <p:cNvPr id="1125" name="Straight Connector 1124">
+            <a:extLst>
+              <a:ext uri="{FF2B5EF4-FFF2-40B4-BE49-F238E27FC236}">
+                <a16:creationId xmlns:a16="http://schemas.microsoft.com/office/drawing/2014/main" id="{E13949AC-F6D2-F48B-3FDF-79900A1D8DCC}"/>
+              </a:ext>
+            </a:extLst>
+          </p:cNvPr>
+          <p:cNvCxnSpPr>
+            <a:cxnSpLocks/>
+          </p:cNvCxnSpPr>
+          <p:nvPr/>
+        </p:nvCxnSpPr>
+        <p:spPr>
+          <a:xfrm flipH="1">
+            <a:off x="8394796" y="3753550"/>
+            <a:ext cx="484886" cy="0"/>
+          </a:xfrm>
+          <a:prstGeom prst="line">
+            <a:avLst/>
+          </a:prstGeom>
+          <a:ln w="38100" cmpd="dbl">
+            <a:solidFill>
+              <a:schemeClr val="accent5">
+                <a:lumMod val="75000"/>
+              </a:schemeClr>
+            </a:solidFill>
+          </a:ln>
+        </p:spPr>
+        <p:style>
+          <a:lnRef idx="2">
+            <a:schemeClr val="accent1"/>
+          </a:lnRef>
+          <a:fillRef idx="0">
+            <a:schemeClr val="accent1"/>
+          </a:fillRef>
+          <a:effectRef idx="1">
+            <a:schemeClr val="accent1"/>
+          </a:effectRef>
+          <a:fontRef idx="minor">
+            <a:schemeClr val="tx1"/>
+          </a:fontRef>
+        </p:style>
+      </p:cxnSp>
+      <p:cxnSp>
+        <p:nvCxnSpPr>
+          <p:cNvPr id="1126" name="Straight Connector 1125">
+            <a:extLst>
+              <a:ext uri="{FF2B5EF4-FFF2-40B4-BE49-F238E27FC236}">
+                <a16:creationId xmlns:a16="http://schemas.microsoft.com/office/drawing/2014/main" id="{A87DB142-59BF-0566-CC9E-8EF4EEFB0ECF}"/>
+              </a:ext>
+            </a:extLst>
+          </p:cNvPr>
+          <p:cNvCxnSpPr>
+            <a:cxnSpLocks/>
+          </p:cNvCxnSpPr>
+          <p:nvPr/>
+        </p:nvCxnSpPr>
+        <p:spPr>
+          <a:xfrm flipV="1">
+            <a:off x="8879684" y="3731431"/>
+            <a:ext cx="0" cy="1659719"/>
+          </a:xfrm>
+          <a:prstGeom prst="line">
+            <a:avLst/>
+          </a:prstGeom>
+          <a:ln w="38100" cmpd="dbl">
+            <a:solidFill>
+              <a:schemeClr val="accent5">
+                <a:lumMod val="75000"/>
+              </a:schemeClr>
+            </a:solidFill>
+          </a:ln>
+        </p:spPr>
+        <p:style>
+          <a:lnRef idx="2">
+            <a:schemeClr val="accent1"/>
+          </a:lnRef>
+          <a:fillRef idx="0">
+            <a:schemeClr val="accent1"/>
+          </a:fillRef>
+          <a:effectRef idx="1">
+            <a:schemeClr val="accent1"/>
+          </a:effectRef>
+          <a:fontRef idx="minor">
+            <a:schemeClr val="tx1"/>
+          </a:fontRef>
+        </p:style>
+      </p:cxnSp>
+      <p:cxnSp>
+        <p:nvCxnSpPr>
+          <p:cNvPr id="1127" name="Straight Connector 1126">
+            <a:extLst>
+              <a:ext uri="{FF2B5EF4-FFF2-40B4-BE49-F238E27FC236}">
+                <a16:creationId xmlns:a16="http://schemas.microsoft.com/office/drawing/2014/main" id="{FC783D8A-6C73-94A8-422B-35D5C97FE300}"/>
+              </a:ext>
+            </a:extLst>
+          </p:cNvPr>
+          <p:cNvCxnSpPr>
+            <a:cxnSpLocks/>
+          </p:cNvCxnSpPr>
+          <p:nvPr/>
+        </p:nvCxnSpPr>
+        <p:spPr>
+          <a:xfrm flipH="1">
+            <a:off x="8453438" y="5368034"/>
+            <a:ext cx="435769" cy="0"/>
+          </a:xfrm>
+          <a:prstGeom prst="line">
+            <a:avLst/>
+          </a:prstGeom>
+          <a:ln w="38100" cmpd="dbl">
+            <a:solidFill>
+              <a:schemeClr val="accent5">
+                <a:lumMod val="75000"/>
+              </a:schemeClr>
+            </a:solidFill>
+          </a:ln>
+        </p:spPr>
+        <p:style>
+          <a:lnRef idx="2">
+            <a:schemeClr val="accent1"/>
+          </a:lnRef>
+          <a:fillRef idx="0">
+            <a:schemeClr val="accent1"/>
+          </a:fillRef>
+          <a:effectRef idx="1">
+            <a:schemeClr val="accent1"/>
+          </a:effectRef>
+          <a:fontRef idx="minor">
+            <a:schemeClr val="tx1"/>
+          </a:fontRef>
+        </p:style>
+      </p:cxnSp>
+      <p:cxnSp>
+        <p:nvCxnSpPr>
+          <p:cNvPr id="1143" name="Straight Connector 1142">
+            <a:extLst>
+              <a:ext uri="{FF2B5EF4-FFF2-40B4-BE49-F238E27FC236}">
+                <a16:creationId xmlns:a16="http://schemas.microsoft.com/office/drawing/2014/main" id="{08C43701-FA0C-B39B-BAC7-65BEE8D5B834}"/>
+              </a:ext>
+            </a:extLst>
+          </p:cNvPr>
+          <p:cNvCxnSpPr>
+            <a:cxnSpLocks/>
+          </p:cNvCxnSpPr>
+          <p:nvPr/>
+        </p:nvCxnSpPr>
+        <p:spPr>
+          <a:xfrm flipH="1">
+            <a:off x="8394796" y="4299905"/>
+            <a:ext cx="611595" cy="0"/>
+          </a:xfrm>
+          <a:prstGeom prst="line">
+            <a:avLst/>
+          </a:prstGeom>
+          <a:ln w="38100">
+            <a:solidFill>
+              <a:schemeClr val="bg2">
+                <a:lumMod val="25000"/>
+              </a:schemeClr>
+            </a:solidFill>
+          </a:ln>
+        </p:spPr>
+        <p:style>
+          <a:lnRef idx="2">
+            <a:schemeClr val="accent1"/>
+          </a:lnRef>
+          <a:fillRef idx="0">
+            <a:schemeClr val="accent1"/>
+          </a:fillRef>
+          <a:effectRef idx="1">
+            <a:schemeClr val="accent1"/>
+          </a:effectRef>
+          <a:fontRef idx="minor">
+            <a:schemeClr val="tx1"/>
+          </a:fontRef>
+        </p:style>
+      </p:cxnSp>
+      <p:cxnSp>
+        <p:nvCxnSpPr>
+          <p:cNvPr id="1144" name="Straight Connector 1143">
+            <a:extLst>
+              <a:ext uri="{FF2B5EF4-FFF2-40B4-BE49-F238E27FC236}">
+                <a16:creationId xmlns:a16="http://schemas.microsoft.com/office/drawing/2014/main" id="{B9795412-6CC3-CAD4-A4BB-26AB98702FC6}"/>
+              </a:ext>
+            </a:extLst>
+          </p:cNvPr>
+          <p:cNvCxnSpPr>
+            <a:cxnSpLocks/>
+          </p:cNvCxnSpPr>
+          <p:nvPr/>
+        </p:nvCxnSpPr>
+        <p:spPr>
+          <a:xfrm flipV="1">
+            <a:off x="9001629" y="4277786"/>
+            <a:ext cx="0" cy="2830725"/>
+          </a:xfrm>
+          <a:prstGeom prst="line">
+            <a:avLst/>
+          </a:prstGeom>
+          <a:ln w="38100">
+            <a:solidFill>
+              <a:schemeClr val="bg2">
+                <a:lumMod val="25000"/>
+              </a:schemeClr>
+            </a:solidFill>
+          </a:ln>
+        </p:spPr>
+        <p:style>
+          <a:lnRef idx="2">
+            <a:schemeClr val="accent1"/>
+          </a:lnRef>
+          <a:fillRef idx="0">
+            <a:schemeClr val="accent1"/>
+          </a:fillRef>
+          <a:effectRef idx="1">
+            <a:schemeClr val="accent1"/>
+          </a:effectRef>
+          <a:fontRef idx="minor">
+            <a:schemeClr val="tx1"/>
+          </a:fontRef>
+        </p:style>
+      </p:cxnSp>
+      <p:cxnSp>
+        <p:nvCxnSpPr>
+          <p:cNvPr id="1145" name="Straight Connector 1144">
+            <a:extLst>
+              <a:ext uri="{FF2B5EF4-FFF2-40B4-BE49-F238E27FC236}">
+                <a16:creationId xmlns:a16="http://schemas.microsoft.com/office/drawing/2014/main" id="{5815556F-5658-BA4A-0D9A-6D503CE4DC9E}"/>
+              </a:ext>
+            </a:extLst>
+          </p:cNvPr>
+          <p:cNvCxnSpPr>
+            <a:cxnSpLocks/>
+          </p:cNvCxnSpPr>
+          <p:nvPr/>
+        </p:nvCxnSpPr>
+        <p:spPr>
+          <a:xfrm flipH="1">
+            <a:off x="7398799" y="7095178"/>
+            <a:ext cx="1607592" cy="0"/>
+          </a:xfrm>
+          <a:prstGeom prst="line">
+            <a:avLst/>
+          </a:prstGeom>
+          <a:ln w="38100">
+            <a:solidFill>
+              <a:schemeClr val="bg2">
+                <a:lumMod val="25000"/>
+              </a:schemeClr>
+            </a:solidFill>
+          </a:ln>
+        </p:spPr>
+        <p:style>
+          <a:lnRef idx="2">
+            <a:schemeClr val="accent1"/>
+          </a:lnRef>
+          <a:fillRef idx="0">
+            <a:schemeClr val="accent1"/>
+          </a:fillRef>
+          <a:effectRef idx="1">
+            <a:schemeClr val="accent1"/>
+          </a:effectRef>
+          <a:fontRef idx="minor">
+            <a:schemeClr val="tx1"/>
+          </a:fontRef>
+        </p:style>
+      </p:cxnSp>
+      <p:cxnSp>
+        <p:nvCxnSpPr>
+          <p:cNvPr id="1147" name="Straight Connector 1146">
+            <a:extLst>
+              <a:ext uri="{FF2B5EF4-FFF2-40B4-BE49-F238E27FC236}">
+                <a16:creationId xmlns:a16="http://schemas.microsoft.com/office/drawing/2014/main" id="{2BD7C420-B270-FEB8-B068-5076E2BE159F}"/>
+              </a:ext>
+            </a:extLst>
+          </p:cNvPr>
+          <p:cNvCxnSpPr>
+            <a:cxnSpLocks/>
+          </p:cNvCxnSpPr>
+          <p:nvPr/>
+        </p:nvCxnSpPr>
+        <p:spPr>
+          <a:xfrm flipH="1">
+            <a:off x="8401384" y="4026481"/>
+            <a:ext cx="964866" cy="0"/>
+          </a:xfrm>
+          <a:prstGeom prst="line">
+            <a:avLst/>
+          </a:prstGeom>
+          <a:ln w="38100" cmpd="dbl">
+            <a:solidFill>
+              <a:schemeClr val="bg2">
+                <a:lumMod val="25000"/>
+              </a:schemeClr>
+            </a:solidFill>
+          </a:ln>
+        </p:spPr>
+        <p:style>
+          <a:lnRef idx="2">
+            <a:schemeClr val="accent1"/>
+          </a:lnRef>
+          <a:fillRef idx="0">
+            <a:schemeClr val="accent1"/>
+          </a:fillRef>
+          <a:effectRef idx="1">
+            <a:schemeClr val="accent1"/>
+          </a:effectRef>
+          <a:fontRef idx="minor">
+            <a:schemeClr val="tx1"/>
+          </a:fontRef>
+        </p:style>
+      </p:cxnSp>
+      <p:cxnSp>
+        <p:nvCxnSpPr>
+          <p:cNvPr id="1148" name="Straight Connector 1147">
+            <a:extLst>
+              <a:ext uri="{FF2B5EF4-FFF2-40B4-BE49-F238E27FC236}">
+                <a16:creationId xmlns:a16="http://schemas.microsoft.com/office/drawing/2014/main" id="{A3DB7831-78AB-F4CB-4A2E-02051DC8E052}"/>
+              </a:ext>
+            </a:extLst>
+          </p:cNvPr>
+          <p:cNvCxnSpPr>
+            <a:cxnSpLocks/>
+          </p:cNvCxnSpPr>
+          <p:nvPr/>
+        </p:nvCxnSpPr>
+        <p:spPr>
+          <a:xfrm flipV="1">
+            <a:off x="9335558" y="4000757"/>
+            <a:ext cx="0" cy="3447234"/>
+          </a:xfrm>
+          <a:prstGeom prst="line">
+            <a:avLst/>
+          </a:prstGeom>
+          <a:ln w="38100" cmpd="dbl">
+            <a:solidFill>
+              <a:schemeClr val="bg2">
+                <a:lumMod val="25000"/>
+              </a:schemeClr>
+            </a:solidFill>
+          </a:ln>
+        </p:spPr>
+        <p:style>
+          <a:lnRef idx="2">
+            <a:schemeClr val="accent1"/>
+          </a:lnRef>
+          <a:fillRef idx="0">
+            <a:schemeClr val="accent1"/>
+          </a:fillRef>
+          <a:effectRef idx="1">
+            <a:schemeClr val="accent1"/>
+          </a:effectRef>
+          <a:fontRef idx="minor">
+            <a:schemeClr val="tx1"/>
+          </a:fontRef>
+        </p:style>
+      </p:cxnSp>
+      <p:cxnSp>
+        <p:nvCxnSpPr>
+          <p:cNvPr id="1165" name="Straight Connector 1164">
+            <a:extLst>
+              <a:ext uri="{FF2B5EF4-FFF2-40B4-BE49-F238E27FC236}">
+                <a16:creationId xmlns:a16="http://schemas.microsoft.com/office/drawing/2014/main" id="{FEF0A87C-0F7E-C80F-1AC8-B9D2A140C2E4}"/>
+              </a:ext>
+            </a:extLst>
+          </p:cNvPr>
+          <p:cNvCxnSpPr>
+            <a:cxnSpLocks/>
+          </p:cNvCxnSpPr>
+          <p:nvPr/>
+        </p:nvCxnSpPr>
+        <p:spPr>
+          <a:xfrm flipH="1">
+            <a:off x="8394796" y="4151191"/>
+            <a:ext cx="768254" cy="0"/>
+          </a:xfrm>
+          <a:prstGeom prst="line">
+            <a:avLst/>
+          </a:prstGeom>
+          <a:ln w="38100" cmpd="thickThin">
+            <a:solidFill>
+              <a:schemeClr val="bg2">
+                <a:lumMod val="25000"/>
+              </a:schemeClr>
+            </a:solidFill>
+          </a:ln>
+        </p:spPr>
+        <p:style>
+          <a:lnRef idx="2">
+            <a:schemeClr val="accent1"/>
+          </a:lnRef>
+          <a:fillRef idx="0">
+            <a:schemeClr val="accent1"/>
+          </a:fillRef>
+          <a:effectRef idx="1">
+            <a:schemeClr val="accent1"/>
+          </a:effectRef>
+          <a:fontRef idx="minor">
+            <a:schemeClr val="tx1"/>
+          </a:fontRef>
+        </p:style>
+      </p:cxnSp>
+      <p:cxnSp>
+        <p:nvCxnSpPr>
+          <p:cNvPr id="1169" name="Straight Connector 1168">
+            <a:extLst>
+              <a:ext uri="{FF2B5EF4-FFF2-40B4-BE49-F238E27FC236}">
+                <a16:creationId xmlns:a16="http://schemas.microsoft.com/office/drawing/2014/main" id="{DCECDAC3-5BE1-F093-79E8-6F531A911C63}"/>
+              </a:ext>
+            </a:extLst>
+          </p:cNvPr>
+          <p:cNvCxnSpPr>
+            <a:cxnSpLocks/>
+          </p:cNvCxnSpPr>
+          <p:nvPr/>
+        </p:nvCxnSpPr>
+        <p:spPr>
+          <a:xfrm flipH="1">
+            <a:off x="7388795" y="5058730"/>
+            <a:ext cx="190258" cy="0"/>
+          </a:xfrm>
+          <a:prstGeom prst="line">
+            <a:avLst/>
+          </a:prstGeom>
+          <a:ln w="38100">
+            <a:solidFill>
+              <a:schemeClr val="bg2">
+                <a:lumMod val="25000"/>
+              </a:schemeClr>
+            </a:solidFill>
+          </a:ln>
+        </p:spPr>
+        <p:style>
+          <a:lnRef idx="2">
+            <a:schemeClr val="accent1"/>
+          </a:lnRef>
+          <a:fillRef idx="0">
+            <a:schemeClr val="accent1"/>
+          </a:fillRef>
+          <a:effectRef idx="1">
+            <a:schemeClr val="accent1"/>
+          </a:effectRef>
+          <a:fontRef idx="minor">
+            <a:schemeClr val="tx1"/>
+          </a:fontRef>
+        </p:style>
+      </p:cxnSp>
+      <p:cxnSp>
+        <p:nvCxnSpPr>
+          <p:cNvPr id="1171" name="Straight Connector 1170">
+            <a:extLst>
+              <a:ext uri="{FF2B5EF4-FFF2-40B4-BE49-F238E27FC236}">
+                <a16:creationId xmlns:a16="http://schemas.microsoft.com/office/drawing/2014/main" id="{D17FDE0C-5D68-2DE1-23C0-7128FE15C172}"/>
+              </a:ext>
+            </a:extLst>
+          </p:cNvPr>
+          <p:cNvCxnSpPr>
+            <a:cxnSpLocks/>
+          </p:cNvCxnSpPr>
+          <p:nvPr/>
+        </p:nvCxnSpPr>
+        <p:spPr>
+          <a:xfrm flipV="1">
+            <a:off x="7377078" y="5051425"/>
+            <a:ext cx="0" cy="2057086"/>
+          </a:xfrm>
+          <a:prstGeom prst="line">
+            <a:avLst/>
+          </a:prstGeom>
+          <a:ln w="38100">
+            <a:solidFill>
+              <a:schemeClr val="bg2">
+                <a:lumMod val="25000"/>
+              </a:schemeClr>
+            </a:solidFill>
+          </a:ln>
+        </p:spPr>
+        <p:style>
+          <a:lnRef idx="2">
+            <a:schemeClr val="accent1"/>
+          </a:lnRef>
+          <a:fillRef idx="0">
+            <a:schemeClr val="accent1"/>
+          </a:fillRef>
+          <a:effectRef idx="1">
+            <a:schemeClr val="accent1"/>
+          </a:effectRef>
+          <a:fontRef idx="minor">
+            <a:schemeClr val="tx1"/>
+          </a:fontRef>
+        </p:style>
+      </p:cxnSp>
+      <p:cxnSp>
+        <p:nvCxnSpPr>
+          <p:cNvPr id="1177" name="Straight Connector 1176">
+            <a:extLst>
+              <a:ext uri="{FF2B5EF4-FFF2-40B4-BE49-F238E27FC236}">
+                <a16:creationId xmlns:a16="http://schemas.microsoft.com/office/drawing/2014/main" id="{5CD046CB-C3AD-F950-5B3A-E2DCB6C25329}"/>
+              </a:ext>
+            </a:extLst>
+          </p:cNvPr>
+          <p:cNvCxnSpPr>
+            <a:cxnSpLocks/>
+          </p:cNvCxnSpPr>
+          <p:nvPr/>
+        </p:nvCxnSpPr>
+        <p:spPr>
+          <a:xfrm flipV="1">
+            <a:off x="9168593" y="4151191"/>
+            <a:ext cx="0" cy="3114286"/>
+          </a:xfrm>
+          <a:prstGeom prst="line">
+            <a:avLst/>
+          </a:prstGeom>
+          <a:ln w="38100" cmpd="thickThin">
+            <a:solidFill>
+              <a:schemeClr val="bg2">
+                <a:lumMod val="25000"/>
+              </a:schemeClr>
+            </a:solidFill>
+          </a:ln>
+        </p:spPr>
+        <p:style>
+          <a:lnRef idx="2">
+            <a:schemeClr val="accent1"/>
+          </a:lnRef>
+          <a:fillRef idx="0">
+            <a:schemeClr val="accent1"/>
+          </a:fillRef>
+          <a:effectRef idx="1">
+            <a:schemeClr val="accent1"/>
+          </a:effectRef>
+          <a:fontRef idx="minor">
+            <a:schemeClr val="tx1"/>
+          </a:fontRef>
+        </p:style>
+      </p:cxnSp>
+      <p:cxnSp>
+        <p:nvCxnSpPr>
+          <p:cNvPr id="1182" name="Straight Connector 1181">
+            <a:extLst>
+              <a:ext uri="{FF2B5EF4-FFF2-40B4-BE49-F238E27FC236}">
+                <a16:creationId xmlns:a16="http://schemas.microsoft.com/office/drawing/2014/main" id="{BC30FF90-E2AC-C50E-E9CF-CEF09385F4FB}"/>
+              </a:ext>
+            </a:extLst>
+          </p:cNvPr>
+          <p:cNvCxnSpPr>
+            <a:cxnSpLocks/>
+          </p:cNvCxnSpPr>
+          <p:nvPr/>
+        </p:nvCxnSpPr>
+        <p:spPr>
+          <a:xfrm flipV="1">
+            <a:off x="7133943" y="5191125"/>
+            <a:ext cx="0" cy="2074352"/>
+          </a:xfrm>
+          <a:prstGeom prst="line">
+            <a:avLst/>
+          </a:prstGeom>
+          <a:ln w="38100" cmpd="thickThin">
+            <a:solidFill>
+              <a:schemeClr val="bg2">
+                <a:lumMod val="25000"/>
+              </a:schemeClr>
+            </a:solidFill>
+          </a:ln>
+        </p:spPr>
+        <p:style>
+          <a:lnRef idx="2">
+            <a:schemeClr val="accent1"/>
+          </a:lnRef>
+          <a:fillRef idx="0">
+            <a:schemeClr val="accent1"/>
+          </a:fillRef>
+          <a:effectRef idx="1">
+            <a:schemeClr val="accent1"/>
+          </a:effectRef>
+          <a:fontRef idx="minor">
+            <a:schemeClr val="tx1"/>
+          </a:fontRef>
+        </p:style>
+      </p:cxnSp>
+      <p:cxnSp>
+        <p:nvCxnSpPr>
+          <p:cNvPr id="1183" name="Straight Connector 1182">
+            <a:extLst>
+              <a:ext uri="{FF2B5EF4-FFF2-40B4-BE49-F238E27FC236}">
+                <a16:creationId xmlns:a16="http://schemas.microsoft.com/office/drawing/2014/main" id="{B1D009FE-F575-C9DF-7CE0-9D6123C82354}"/>
+              </a:ext>
+            </a:extLst>
+          </p:cNvPr>
+          <p:cNvCxnSpPr>
+            <a:cxnSpLocks/>
+          </p:cNvCxnSpPr>
+          <p:nvPr/>
+        </p:nvCxnSpPr>
+        <p:spPr>
+          <a:xfrm flipH="1">
+            <a:off x="7149291" y="5214118"/>
+            <a:ext cx="429762" cy="0"/>
+          </a:xfrm>
+          <a:prstGeom prst="line">
+            <a:avLst/>
+          </a:prstGeom>
+          <a:ln w="38100" cmpd="thickThin">
+            <a:solidFill>
+              <a:schemeClr val="bg2">
+                <a:lumMod val="25000"/>
+              </a:schemeClr>
+            </a:solidFill>
+          </a:ln>
+        </p:spPr>
+        <p:style>
+          <a:lnRef idx="2">
+            <a:schemeClr val="accent1"/>
+          </a:lnRef>
+          <a:fillRef idx="0">
+            <a:schemeClr val="accent1"/>
+          </a:fillRef>
+          <a:effectRef idx="1">
+            <a:schemeClr val="accent1"/>
+          </a:effectRef>
+          <a:fontRef idx="minor">
+            <a:schemeClr val="tx1"/>
+          </a:fontRef>
+        </p:style>
+      </p:cxnSp>
+      <p:cxnSp>
+        <p:nvCxnSpPr>
+          <p:cNvPr id="1186" name="Straight Connector 1185">
+            <a:extLst>
+              <a:ext uri="{FF2B5EF4-FFF2-40B4-BE49-F238E27FC236}">
+                <a16:creationId xmlns:a16="http://schemas.microsoft.com/office/drawing/2014/main" id="{908320B9-BDF1-1910-0D70-61E3E84C31CB}"/>
+              </a:ext>
+            </a:extLst>
+          </p:cNvPr>
+          <p:cNvCxnSpPr>
+            <a:cxnSpLocks/>
+          </p:cNvCxnSpPr>
+          <p:nvPr/>
+        </p:nvCxnSpPr>
+        <p:spPr>
+          <a:xfrm flipH="1">
+            <a:off x="7115784" y="7259175"/>
+            <a:ext cx="2072666" cy="0"/>
+          </a:xfrm>
+          <a:prstGeom prst="line">
+            <a:avLst/>
+          </a:prstGeom>
+          <a:ln w="38100" cmpd="thickThin">
+            <a:solidFill>
+              <a:schemeClr val="bg2">
+                <a:lumMod val="25000"/>
+              </a:schemeClr>
+            </a:solidFill>
+          </a:ln>
+        </p:spPr>
+        <p:style>
+          <a:lnRef idx="2">
+            <a:schemeClr val="accent1"/>
+          </a:lnRef>
+          <a:fillRef idx="0">
+            <a:schemeClr val="accent1"/>
+          </a:fillRef>
+          <a:effectRef idx="1">
+            <a:schemeClr val="accent1"/>
+          </a:effectRef>
+          <a:fontRef idx="minor">
+            <a:schemeClr val="tx1"/>
+          </a:fontRef>
+        </p:style>
+      </p:cxnSp>
+      <p:cxnSp>
+        <p:nvCxnSpPr>
+          <p:cNvPr id="1192" name="Straight Connector 1191">
+            <a:extLst>
+              <a:ext uri="{FF2B5EF4-FFF2-40B4-BE49-F238E27FC236}">
+                <a16:creationId xmlns:a16="http://schemas.microsoft.com/office/drawing/2014/main" id="{36FD166D-67EB-5C41-343C-C9B9ABCBA76D}"/>
+              </a:ext>
+            </a:extLst>
+          </p:cNvPr>
+          <p:cNvCxnSpPr>
+            <a:cxnSpLocks/>
+          </p:cNvCxnSpPr>
+          <p:nvPr/>
+        </p:nvCxnSpPr>
+        <p:spPr>
+          <a:xfrm flipH="1">
+            <a:off x="6927850" y="7423172"/>
+            <a:ext cx="2400300" cy="24819"/>
+          </a:xfrm>
+          <a:prstGeom prst="line">
+            <a:avLst/>
+          </a:prstGeom>
+          <a:ln w="38100" cmpd="dbl">
+            <a:solidFill>
+              <a:schemeClr val="bg2">
+                <a:lumMod val="25000"/>
+              </a:schemeClr>
+            </a:solidFill>
+          </a:ln>
+        </p:spPr>
+        <p:style>
+          <a:lnRef idx="2">
+            <a:schemeClr val="accent1"/>
+          </a:lnRef>
+          <a:fillRef idx="0">
+            <a:schemeClr val="accent1"/>
+          </a:fillRef>
+          <a:effectRef idx="1">
+            <a:schemeClr val="accent1"/>
+          </a:effectRef>
+          <a:fontRef idx="minor">
+            <a:schemeClr val="tx1"/>
+          </a:fontRef>
+        </p:style>
+      </p:cxnSp>
+      <p:cxnSp>
+        <p:nvCxnSpPr>
+          <p:cNvPr id="1195" name="Straight Connector 1194">
+            <a:extLst>
+              <a:ext uri="{FF2B5EF4-FFF2-40B4-BE49-F238E27FC236}">
+                <a16:creationId xmlns:a16="http://schemas.microsoft.com/office/drawing/2014/main" id="{0AE5D181-A139-E172-89B9-0D9689CDEA91}"/>
+              </a:ext>
+            </a:extLst>
+          </p:cNvPr>
+          <p:cNvCxnSpPr>
+            <a:cxnSpLocks/>
+          </p:cNvCxnSpPr>
+          <p:nvPr/>
+        </p:nvCxnSpPr>
+        <p:spPr>
+          <a:xfrm flipH="1">
+            <a:off x="6926257" y="5363156"/>
+            <a:ext cx="646126" cy="0"/>
+          </a:xfrm>
+          <a:prstGeom prst="line">
+            <a:avLst/>
+          </a:prstGeom>
+          <a:ln w="38100" cmpd="dbl">
+            <a:solidFill>
+              <a:schemeClr val="bg2">
+                <a:lumMod val="25000"/>
+              </a:schemeClr>
+            </a:solidFill>
+          </a:ln>
+        </p:spPr>
+        <p:style>
+          <a:lnRef idx="2">
+            <a:schemeClr val="accent1"/>
+          </a:lnRef>
+          <a:fillRef idx="0">
+            <a:schemeClr val="accent1"/>
+          </a:fillRef>
+          <a:effectRef idx="1">
+            <a:schemeClr val="accent1"/>
+          </a:effectRef>
+          <a:fontRef idx="minor">
+            <a:schemeClr val="tx1"/>
+          </a:fontRef>
+        </p:style>
+      </p:cxnSp>
+      <p:cxnSp>
+        <p:nvCxnSpPr>
+          <p:cNvPr id="1197" name="Straight Connector 1196">
+            <a:extLst>
+              <a:ext uri="{FF2B5EF4-FFF2-40B4-BE49-F238E27FC236}">
+                <a16:creationId xmlns:a16="http://schemas.microsoft.com/office/drawing/2014/main" id="{5B437DD7-1D52-FEB9-6A01-DBBF9E665527}"/>
+              </a:ext>
+            </a:extLst>
+          </p:cNvPr>
+          <p:cNvCxnSpPr>
+            <a:cxnSpLocks/>
+          </p:cNvCxnSpPr>
+          <p:nvPr/>
+        </p:nvCxnSpPr>
+        <p:spPr>
+          <a:xfrm flipV="1">
+            <a:off x="6928908" y="5343525"/>
+            <a:ext cx="0" cy="2114550"/>
+          </a:xfrm>
+          <a:prstGeom prst="line">
+            <a:avLst/>
+          </a:prstGeom>
+          <a:ln w="38100" cmpd="dbl">
+            <a:solidFill>
+              <a:schemeClr val="bg2">
+                <a:lumMod val="25000"/>
+              </a:schemeClr>
+            </a:solidFill>
+          </a:ln>
+        </p:spPr>
+        <p:style>
+          <a:lnRef idx="2">
+            <a:schemeClr val="accent1"/>
+          </a:lnRef>
+          <a:fillRef idx="0">
+            <a:schemeClr val="accent1"/>
+          </a:fillRef>
+          <a:effectRef idx="1">
+            <a:schemeClr val="accent1"/>
+          </a:effectRef>
+          <a:fontRef idx="minor">
+            <a:schemeClr val="tx1"/>
+          </a:fontRef>
+        </p:style>
+      </p:cxnSp>
+      <p:cxnSp>
+        <p:nvCxnSpPr>
+          <p:cNvPr id="1207" name="Straight Connector 1206">
+            <a:extLst>
+              <a:ext uri="{FF2B5EF4-FFF2-40B4-BE49-F238E27FC236}">
+                <a16:creationId xmlns:a16="http://schemas.microsoft.com/office/drawing/2014/main" id="{B31B91D0-9643-D8AF-455E-3E69F5903DE5}"/>
+              </a:ext>
+            </a:extLst>
+          </p:cNvPr>
+          <p:cNvCxnSpPr>
+            <a:cxnSpLocks/>
+          </p:cNvCxnSpPr>
+          <p:nvPr/>
+        </p:nvCxnSpPr>
+        <p:spPr>
+          <a:xfrm>
+            <a:off x="7953375" y="3899127"/>
+            <a:ext cx="423320" cy="0"/>
+          </a:xfrm>
+          <a:prstGeom prst="line">
+            <a:avLst/>
+          </a:prstGeom>
+          <a:ln w="38100">
+            <a:solidFill>
+              <a:schemeClr val="accent5">
+                <a:lumMod val="60000"/>
+                <a:lumOff val="40000"/>
+              </a:schemeClr>
+            </a:solidFill>
+          </a:ln>
+        </p:spPr>
+        <p:style>
+          <a:lnRef idx="2">
+            <a:schemeClr val="accent1"/>
+          </a:lnRef>
+          <a:fillRef idx="0">
+            <a:schemeClr val="accent1"/>
+          </a:fillRef>
+          <a:effectRef idx="1">
+            <a:schemeClr val="accent1"/>
+          </a:effectRef>
+          <a:fontRef idx="minor">
+            <a:schemeClr val="tx1"/>
+          </a:fontRef>
+        </p:style>
+      </p:cxnSp>
+      <p:cxnSp>
+        <p:nvCxnSpPr>
+          <p:cNvPr id="1209" name="Straight Connector 1208">
+            <a:extLst>
+              <a:ext uri="{FF2B5EF4-FFF2-40B4-BE49-F238E27FC236}">
+                <a16:creationId xmlns:a16="http://schemas.microsoft.com/office/drawing/2014/main" id="{FA0CDD07-29B7-F1B9-FFD0-96EC59E93EC9}"/>
+              </a:ext>
+            </a:extLst>
+          </p:cNvPr>
+          <p:cNvCxnSpPr>
+            <a:cxnSpLocks/>
+          </p:cNvCxnSpPr>
+          <p:nvPr/>
+        </p:nvCxnSpPr>
+        <p:spPr>
+          <a:xfrm>
+            <a:off x="7558820" y="5518377"/>
+            <a:ext cx="413605" cy="0"/>
+          </a:xfrm>
+          <a:prstGeom prst="line">
+            <a:avLst/>
+          </a:prstGeom>
+          <a:ln w="38100">
+            <a:solidFill>
+              <a:schemeClr val="accent5">
+                <a:lumMod val="60000"/>
+                <a:lumOff val="40000"/>
+              </a:schemeClr>
+            </a:solidFill>
+          </a:ln>
+        </p:spPr>
+        <p:style>
+          <a:lnRef idx="2">
+            <a:schemeClr val="accent1"/>
+          </a:lnRef>
+          <a:fillRef idx="0">
+            <a:schemeClr val="accent1"/>
+          </a:fillRef>
+          <a:effectRef idx="1">
+            <a:schemeClr val="accent1"/>
+          </a:effectRef>
+          <a:fontRef idx="minor">
+            <a:schemeClr val="tx1"/>
+          </a:fontRef>
+        </p:style>
+      </p:cxnSp>
+      <p:cxnSp>
+        <p:nvCxnSpPr>
+          <p:cNvPr id="1211" name="Straight Connector 1210">
+            <a:extLst>
+              <a:ext uri="{FF2B5EF4-FFF2-40B4-BE49-F238E27FC236}">
+                <a16:creationId xmlns:a16="http://schemas.microsoft.com/office/drawing/2014/main" id="{3FFA9011-4D69-744F-CDB6-F6BB185AB153}"/>
+              </a:ext>
+            </a:extLst>
+          </p:cNvPr>
+          <p:cNvCxnSpPr>
+            <a:cxnSpLocks/>
+          </p:cNvCxnSpPr>
+          <p:nvPr/>
+        </p:nvCxnSpPr>
+        <p:spPr>
+          <a:xfrm flipV="1">
+            <a:off x="7972425" y="3890142"/>
+            <a:ext cx="0" cy="1653408"/>
+          </a:xfrm>
+          <a:prstGeom prst="line">
+            <a:avLst/>
+          </a:prstGeom>
+          <a:ln w="38100">
+            <a:solidFill>
+              <a:schemeClr val="accent5">
+                <a:lumMod val="60000"/>
+                <a:lumOff val="40000"/>
+              </a:schemeClr>
+            </a:solidFill>
+          </a:ln>
+        </p:spPr>
+        <p:style>
+          <a:lnRef idx="2">
+            <a:schemeClr val="accent1"/>
+          </a:lnRef>
+          <a:fillRef idx="0">
+            <a:schemeClr val="accent1"/>
+          </a:fillRef>
+          <a:effectRef idx="1">
+            <a:schemeClr val="accent1"/>
+          </a:effectRef>
+          <a:fontRef idx="minor">
+            <a:schemeClr val="tx1"/>
+          </a:fontRef>
+        </p:style>
+      </p:cxnSp>
+      <p:cxnSp>
+        <p:nvCxnSpPr>
+          <p:cNvPr id="1222" name="Straight Connector 1221">
+            <a:extLst>
+              <a:ext uri="{FF2B5EF4-FFF2-40B4-BE49-F238E27FC236}">
+                <a16:creationId xmlns:a16="http://schemas.microsoft.com/office/drawing/2014/main" id="{C9E5D2EE-AA64-3AEA-84A5-41204DEC1A1E}"/>
+              </a:ext>
+            </a:extLst>
+          </p:cNvPr>
+          <p:cNvCxnSpPr>
+            <a:cxnSpLocks/>
+          </p:cNvCxnSpPr>
+          <p:nvPr/>
+        </p:nvCxnSpPr>
+        <p:spPr>
+          <a:xfrm>
+            <a:off x="2635250" y="3401844"/>
+            <a:ext cx="0" cy="2423300"/>
+          </a:xfrm>
+          <a:prstGeom prst="line">
+            <a:avLst/>
+          </a:prstGeom>
+          <a:ln w="38100">
+            <a:solidFill>
+              <a:schemeClr val="tx1"/>
+            </a:solidFill>
+          </a:ln>
+        </p:spPr>
+        <p:style>
+          <a:lnRef idx="2">
+            <a:schemeClr val="accent1"/>
+          </a:lnRef>
+          <a:fillRef idx="0">
+            <a:schemeClr val="accent1"/>
+          </a:fillRef>
+          <a:effectRef idx="1">
+            <a:schemeClr val="accent1"/>
+          </a:effectRef>
+          <a:fontRef idx="minor">
+            <a:schemeClr val="tx1"/>
+          </a:fontRef>
+        </p:style>
+      </p:cxnSp>
+      <p:cxnSp>
+        <p:nvCxnSpPr>
+          <p:cNvPr id="1224" name="Straight Connector 1223">
+            <a:extLst>
+              <a:ext uri="{FF2B5EF4-FFF2-40B4-BE49-F238E27FC236}">
+                <a16:creationId xmlns:a16="http://schemas.microsoft.com/office/drawing/2014/main" id="{AA8479D3-A65D-5719-F60D-48B45A3ACF6F}"/>
+              </a:ext>
+            </a:extLst>
+          </p:cNvPr>
+          <p:cNvCxnSpPr>
+            <a:cxnSpLocks/>
+          </p:cNvCxnSpPr>
+          <p:nvPr/>
+        </p:nvCxnSpPr>
+        <p:spPr>
+          <a:xfrm flipH="1">
+            <a:off x="2635250" y="5182213"/>
+            <a:ext cx="158750" cy="0"/>
+          </a:xfrm>
+          <a:prstGeom prst="line">
+            <a:avLst/>
+          </a:prstGeom>
+          <a:ln w="38100">
+            <a:solidFill>
+              <a:schemeClr val="tx1"/>
+            </a:solidFill>
+          </a:ln>
+        </p:spPr>
+        <p:style>
+          <a:lnRef idx="2">
+            <a:schemeClr val="accent1"/>
+          </a:lnRef>
+          <a:fillRef idx="0">
+            <a:schemeClr val="accent1"/>
+          </a:fillRef>
+          <a:effectRef idx="1">
+            <a:schemeClr val="accent1"/>
+          </a:effectRef>
+          <a:fontRef idx="minor">
+            <a:schemeClr val="tx1"/>
+          </a:fontRef>
+        </p:style>
+      </p:cxnSp>
+      <p:cxnSp>
+        <p:nvCxnSpPr>
+          <p:cNvPr id="1228" name="Straight Connector 1227">
+            <a:extLst>
+              <a:ext uri="{FF2B5EF4-FFF2-40B4-BE49-F238E27FC236}">
+                <a16:creationId xmlns:a16="http://schemas.microsoft.com/office/drawing/2014/main" id="{6B41C633-2B98-F4B6-B551-A58A84F5B628}"/>
+              </a:ext>
+            </a:extLst>
+          </p:cNvPr>
+          <p:cNvCxnSpPr>
+            <a:cxnSpLocks/>
+          </p:cNvCxnSpPr>
+          <p:nvPr/>
+        </p:nvCxnSpPr>
+        <p:spPr>
+          <a:xfrm>
+            <a:off x="2989789" y="3454538"/>
+            <a:ext cx="0" cy="2241412"/>
+          </a:xfrm>
+          <a:prstGeom prst="line">
+            <a:avLst/>
+          </a:prstGeom>
+          <a:ln w="38100">
+            <a:solidFill>
+              <a:schemeClr val="accent1">
+                <a:lumMod val="75000"/>
+              </a:schemeClr>
+            </a:solidFill>
+          </a:ln>
+        </p:spPr>
+        <p:style>
+          <a:lnRef idx="2">
+            <a:schemeClr val="accent1"/>
+          </a:lnRef>
+          <a:fillRef idx="0">
+            <a:schemeClr val="accent1"/>
+          </a:fillRef>
+          <a:effectRef idx="1">
+            <a:schemeClr val="accent1"/>
+          </a:effectRef>
+          <a:fontRef idx="minor">
+            <a:schemeClr val="tx1"/>
+          </a:fontRef>
+        </p:style>
+      </p:cxnSp>
+      <p:cxnSp>
+        <p:nvCxnSpPr>
+          <p:cNvPr id="1231" name="Straight Connector 1230">
+            <a:extLst>
+              <a:ext uri="{FF2B5EF4-FFF2-40B4-BE49-F238E27FC236}">
+                <a16:creationId xmlns:a16="http://schemas.microsoft.com/office/drawing/2014/main" id="{FCAE815A-6ADB-8F7F-80B2-EB8AA0D01F37}"/>
+              </a:ext>
+            </a:extLst>
+          </p:cNvPr>
+          <p:cNvCxnSpPr>
+            <a:cxnSpLocks/>
+          </p:cNvCxnSpPr>
+          <p:nvPr/>
+        </p:nvCxnSpPr>
+        <p:spPr>
+          <a:xfrm flipH="1">
+            <a:off x="2978073" y="5259496"/>
+            <a:ext cx="158750" cy="0"/>
+          </a:xfrm>
+          <a:prstGeom prst="line">
+            <a:avLst/>
+          </a:prstGeom>
+          <a:ln w="38100">
+            <a:solidFill>
+              <a:schemeClr val="accent1">
+                <a:lumMod val="75000"/>
+              </a:schemeClr>
+            </a:solidFill>
+          </a:ln>
+        </p:spPr>
+        <p:style>
+          <a:lnRef idx="2">
+            <a:schemeClr val="accent1"/>
+          </a:lnRef>
+          <a:fillRef idx="0">
+            <a:schemeClr val="accent1"/>
+          </a:fillRef>
+          <a:effectRef idx="1">
+            <a:schemeClr val="accent1"/>
+          </a:effectRef>
+          <a:fontRef idx="minor">
+            <a:schemeClr val="tx1"/>
+          </a:fontRef>
+        </p:style>
+      </p:cxnSp>
+      <p:cxnSp>
+        <p:nvCxnSpPr>
+          <p:cNvPr id="1234" name="Straight Connector 1233">
+            <a:extLst>
+              <a:ext uri="{FF2B5EF4-FFF2-40B4-BE49-F238E27FC236}">
+                <a16:creationId xmlns:a16="http://schemas.microsoft.com/office/drawing/2014/main" id="{1C08B4E7-400E-5D25-97DA-4B18AE4BBD55}"/>
+              </a:ext>
+            </a:extLst>
+          </p:cNvPr>
+          <p:cNvCxnSpPr>
+            <a:cxnSpLocks/>
+          </p:cNvCxnSpPr>
+          <p:nvPr/>
+        </p:nvCxnSpPr>
+        <p:spPr>
+          <a:xfrm flipV="1">
+            <a:off x="8469057" y="5975009"/>
+            <a:ext cx="0" cy="235102"/>
+          </a:xfrm>
+          <a:prstGeom prst="line">
+            <a:avLst/>
+          </a:prstGeom>
+          <a:ln w="38100">
+            <a:solidFill>
+              <a:srgbClr val="00B0F0"/>
+            </a:solidFill>
+          </a:ln>
+        </p:spPr>
+        <p:style>
+          <a:lnRef idx="2">
+            <a:schemeClr val="accent1"/>
+          </a:lnRef>
+          <a:fillRef idx="0">
+            <a:schemeClr val="accent1"/>
+          </a:fillRef>
+          <a:effectRef idx="1">
+            <a:schemeClr val="accent1"/>
+          </a:effectRef>
+          <a:fontRef idx="minor">
+            <a:schemeClr val="tx1"/>
+          </a:fontRef>
+        </p:style>
+      </p:cxnSp>
+      <p:cxnSp>
+        <p:nvCxnSpPr>
+          <p:cNvPr id="1236" name="Straight Connector 1235">
+            <a:extLst>
+              <a:ext uri="{FF2B5EF4-FFF2-40B4-BE49-F238E27FC236}">
+                <a16:creationId xmlns:a16="http://schemas.microsoft.com/office/drawing/2014/main" id="{66092858-2E03-3721-3BB0-6857DF640024}"/>
+              </a:ext>
+            </a:extLst>
+          </p:cNvPr>
+          <p:cNvCxnSpPr>
+            <a:cxnSpLocks/>
+          </p:cNvCxnSpPr>
+          <p:nvPr/>
+        </p:nvCxnSpPr>
+        <p:spPr>
+          <a:xfrm flipH="1">
+            <a:off x="3298825" y="6190073"/>
+            <a:ext cx="5165406" cy="0"/>
+          </a:xfrm>
+          <a:prstGeom prst="line">
+            <a:avLst/>
+          </a:prstGeom>
+          <a:ln w="38100">
+            <a:solidFill>
+              <a:srgbClr val="00B0F0"/>
+            </a:solidFill>
+          </a:ln>
+        </p:spPr>
+        <p:style>
+          <a:lnRef idx="2">
+            <a:schemeClr val="accent1"/>
+          </a:lnRef>
+          <a:fillRef idx="0">
+            <a:schemeClr val="accent1"/>
+          </a:fillRef>
+          <a:effectRef idx="1">
+            <a:schemeClr val="accent1"/>
+          </a:effectRef>
+          <a:fontRef idx="minor">
+            <a:schemeClr val="tx1"/>
+          </a:fontRef>
+        </p:style>
+      </p:cxnSp>
+      <p:cxnSp>
+        <p:nvCxnSpPr>
+          <p:cNvPr id="1239" name="Straight Connector 1238">
+            <a:extLst>
+              <a:ext uri="{FF2B5EF4-FFF2-40B4-BE49-F238E27FC236}">
+                <a16:creationId xmlns:a16="http://schemas.microsoft.com/office/drawing/2014/main" id="{03D3ADB5-D769-26F8-C7B6-82C7F8131A11}"/>
+              </a:ext>
+            </a:extLst>
+          </p:cNvPr>
+          <p:cNvCxnSpPr>
+            <a:cxnSpLocks/>
+          </p:cNvCxnSpPr>
+          <p:nvPr/>
+        </p:nvCxnSpPr>
+        <p:spPr>
+          <a:xfrm flipV="1">
+            <a:off x="3315188" y="5097796"/>
+            <a:ext cx="0" cy="1092277"/>
+          </a:xfrm>
+          <a:prstGeom prst="line">
+            <a:avLst/>
+          </a:prstGeom>
+          <a:ln w="38100">
+            <a:solidFill>
+              <a:srgbClr val="FFC000"/>
+            </a:solidFill>
+          </a:ln>
+        </p:spPr>
+        <p:style>
+          <a:lnRef idx="2">
+            <a:schemeClr val="accent1"/>
+          </a:lnRef>
+          <a:fillRef idx="0">
+            <a:schemeClr val="accent1"/>
+          </a:fillRef>
+          <a:effectRef idx="1">
+            <a:schemeClr val="accent1"/>
+          </a:effectRef>
+          <a:fontRef idx="minor">
+            <a:schemeClr val="tx1"/>
+          </a:fontRef>
+        </p:style>
+      </p:cxnSp>
+      <p:cxnSp>
+        <p:nvCxnSpPr>
+          <p:cNvPr id="1242" name="Straight Connector 1241">
+            <a:extLst>
+              <a:ext uri="{FF2B5EF4-FFF2-40B4-BE49-F238E27FC236}">
+                <a16:creationId xmlns:a16="http://schemas.microsoft.com/office/drawing/2014/main" id="{5C3101C7-7AD1-00C8-C46F-653504587C37}"/>
+              </a:ext>
+            </a:extLst>
+          </p:cNvPr>
+          <p:cNvCxnSpPr>
+            <a:cxnSpLocks/>
+          </p:cNvCxnSpPr>
+          <p:nvPr/>
+        </p:nvCxnSpPr>
+        <p:spPr>
+          <a:xfrm flipH="1">
+            <a:off x="3101588" y="5115597"/>
+            <a:ext cx="234543" cy="0"/>
+          </a:xfrm>
+          <a:prstGeom prst="line">
+            <a:avLst/>
+          </a:prstGeom>
+          <a:ln w="38100">
+            <a:solidFill>
+              <a:srgbClr val="FFC000"/>
+            </a:solidFill>
+          </a:ln>
+        </p:spPr>
+        <p:style>
+          <a:lnRef idx="2">
+            <a:schemeClr val="accent1"/>
+          </a:lnRef>
+          <a:fillRef idx="0">
+            <a:schemeClr val="accent1"/>
+          </a:fillRef>
+          <a:effectRef idx="1">
+            <a:schemeClr val="accent1"/>
+          </a:effectRef>
+          <a:fontRef idx="minor">
+            <a:schemeClr val="tx1"/>
+          </a:fontRef>
+        </p:style>
+      </p:cxnSp>
+      <p:cxnSp>
+        <p:nvCxnSpPr>
+          <p:cNvPr id="1246" name="Straight Connector 1245">
+            <a:extLst>
+              <a:ext uri="{FF2B5EF4-FFF2-40B4-BE49-F238E27FC236}">
+                <a16:creationId xmlns:a16="http://schemas.microsoft.com/office/drawing/2014/main" id="{5864A5DC-1204-D60F-824D-416BBA18C109}"/>
+              </a:ext>
+            </a:extLst>
+          </p:cNvPr>
+          <p:cNvCxnSpPr>
+            <a:cxnSpLocks/>
+          </p:cNvCxnSpPr>
+          <p:nvPr/>
+        </p:nvCxnSpPr>
+        <p:spPr>
+          <a:xfrm flipV="1">
+            <a:off x="3266502" y="3249347"/>
+            <a:ext cx="0" cy="1065965"/>
+          </a:xfrm>
+          <a:prstGeom prst="line">
+            <a:avLst/>
+          </a:prstGeom>
+          <a:ln w="38100">
+            <a:solidFill>
+              <a:srgbClr val="FFC000"/>
+            </a:solidFill>
+          </a:ln>
+        </p:spPr>
+        <p:style>
+          <a:lnRef idx="2">
+            <a:schemeClr val="accent1"/>
+          </a:lnRef>
+          <a:fillRef idx="0">
+            <a:schemeClr val="accent1"/>
+          </a:fillRef>
+          <a:effectRef idx="1">
+            <a:schemeClr val="accent1"/>
+          </a:effectRef>
+          <a:fontRef idx="minor">
+            <a:schemeClr val="tx1"/>
+          </a:fontRef>
+        </p:style>
+      </p:cxnSp>
+      <p:cxnSp>
+        <p:nvCxnSpPr>
+          <p:cNvPr id="1247" name="Straight Connector 1246">
+            <a:extLst>
+              <a:ext uri="{FF2B5EF4-FFF2-40B4-BE49-F238E27FC236}">
+                <a16:creationId xmlns:a16="http://schemas.microsoft.com/office/drawing/2014/main" id="{59DFCBBA-2139-E49D-8107-3A6536E5251A}"/>
+              </a:ext>
+            </a:extLst>
+          </p:cNvPr>
+          <p:cNvCxnSpPr>
+            <a:cxnSpLocks/>
+          </p:cNvCxnSpPr>
+          <p:nvPr/>
+        </p:nvCxnSpPr>
+        <p:spPr>
+          <a:xfrm flipH="1">
+            <a:off x="2971940" y="3254443"/>
+            <a:ext cx="304077" cy="0"/>
+          </a:xfrm>
+          <a:prstGeom prst="line">
+            <a:avLst/>
+          </a:prstGeom>
+          <a:ln w="38100">
+            <a:solidFill>
+              <a:srgbClr val="FFC000"/>
+            </a:solidFill>
+          </a:ln>
+        </p:spPr>
+        <p:style>
+          <a:lnRef idx="2">
+            <a:schemeClr val="accent1"/>
+          </a:lnRef>
+          <a:fillRef idx="0">
+            <a:schemeClr val="accent1"/>
+          </a:fillRef>
+          <a:effectRef idx="1">
+            <a:schemeClr val="accent1"/>
+          </a:effectRef>
+          <a:fontRef idx="minor">
+            <a:schemeClr val="tx1"/>
+          </a:fontRef>
+        </p:style>
+      </p:cxnSp>
+      <p:cxnSp>
+        <p:nvCxnSpPr>
+          <p:cNvPr id="1250" name="Straight Connector 1249">
+            <a:extLst>
+              <a:ext uri="{FF2B5EF4-FFF2-40B4-BE49-F238E27FC236}">
+                <a16:creationId xmlns:a16="http://schemas.microsoft.com/office/drawing/2014/main" id="{4C32E461-B9EB-46B5-0458-E41301651739}"/>
+              </a:ext>
+            </a:extLst>
+          </p:cNvPr>
+          <p:cNvCxnSpPr>
+            <a:cxnSpLocks/>
+          </p:cNvCxnSpPr>
+          <p:nvPr/>
+        </p:nvCxnSpPr>
+        <p:spPr>
+          <a:xfrm flipH="1">
+            <a:off x="1035050" y="4297241"/>
+            <a:ext cx="2238902" cy="0"/>
+          </a:xfrm>
+          <a:prstGeom prst="line">
+            <a:avLst/>
+          </a:prstGeom>
+          <a:ln w="38100">
+            <a:solidFill>
+              <a:srgbClr val="00B0F0"/>
+            </a:solidFill>
+          </a:ln>
+        </p:spPr>
+        <p:style>
+          <a:lnRef idx="2">
+            <a:schemeClr val="accent1"/>
+          </a:lnRef>
+          <a:fillRef idx="0">
+            <a:schemeClr val="accent1"/>
+          </a:fillRef>
+          <a:effectRef idx="1">
+            <a:schemeClr val="accent1"/>
+          </a:effectRef>
+          <a:fontRef idx="minor">
+            <a:schemeClr val="tx1"/>
+          </a:fontRef>
+        </p:style>
+      </p:cxnSp>
+      <p:cxnSp>
+        <p:nvCxnSpPr>
+          <p:cNvPr id="1253" name="Straight Connector 1252">
+            <a:extLst>
+              <a:ext uri="{FF2B5EF4-FFF2-40B4-BE49-F238E27FC236}">
+                <a16:creationId xmlns:a16="http://schemas.microsoft.com/office/drawing/2014/main" id="{76CB76FB-48CB-51CB-4305-DB53005E0E2D}"/>
+              </a:ext>
+            </a:extLst>
+          </p:cNvPr>
+          <p:cNvCxnSpPr>
+            <a:cxnSpLocks/>
+          </p:cNvCxnSpPr>
+          <p:nvPr/>
+        </p:nvCxnSpPr>
+        <p:spPr>
+          <a:xfrm flipV="1">
+            <a:off x="1031302" y="4281379"/>
+            <a:ext cx="0" cy="2379771"/>
+          </a:xfrm>
+          <a:prstGeom prst="line">
+            <a:avLst/>
+          </a:prstGeom>
+          <a:ln w="38100">
+            <a:solidFill>
+              <a:srgbClr val="00B0F0"/>
+            </a:solidFill>
+          </a:ln>
+        </p:spPr>
+        <p:style>
+          <a:lnRef idx="2">
+            <a:schemeClr val="accent1"/>
+          </a:lnRef>
+          <a:fillRef idx="0">
+            <a:schemeClr val="accent1"/>
+          </a:fillRef>
+          <a:effectRef idx="1">
+            <a:schemeClr val="accent1"/>
+          </a:effectRef>
+          <a:fontRef idx="minor">
+            <a:schemeClr val="tx1"/>
+          </a:fontRef>
+        </p:style>
+      </p:cxnSp>
+      <p:cxnSp>
+        <p:nvCxnSpPr>
+          <p:cNvPr id="1255" name="Straight Connector 1254">
+            <a:extLst>
+              <a:ext uri="{FF2B5EF4-FFF2-40B4-BE49-F238E27FC236}">
+                <a16:creationId xmlns:a16="http://schemas.microsoft.com/office/drawing/2014/main" id="{B8148F18-63D8-C86D-8E6C-2BD5C4E94D86}"/>
+              </a:ext>
+            </a:extLst>
+          </p:cNvPr>
+          <p:cNvCxnSpPr>
+            <a:cxnSpLocks/>
+          </p:cNvCxnSpPr>
+          <p:nvPr/>
+        </p:nvCxnSpPr>
+        <p:spPr>
+          <a:xfrm flipH="1">
+            <a:off x="8434389" y="5680196"/>
+            <a:ext cx="360361" cy="0"/>
+          </a:xfrm>
+          <a:prstGeom prst="line">
+            <a:avLst/>
+          </a:prstGeom>
+          <a:ln w="38100">
+            <a:solidFill>
+              <a:srgbClr val="00B0F0"/>
+            </a:solidFill>
+          </a:ln>
+        </p:spPr>
+        <p:style>
+          <a:lnRef idx="2">
+            <a:schemeClr val="accent1"/>
+          </a:lnRef>
+          <a:fillRef idx="0">
+            <a:schemeClr val="accent1"/>
+          </a:fillRef>
+          <a:effectRef idx="1">
+            <a:schemeClr val="accent1"/>
+          </a:effectRef>
+          <a:fontRef idx="minor">
+            <a:schemeClr val="tx1"/>
+          </a:fontRef>
+        </p:style>
+      </p:cxnSp>
+      <p:cxnSp>
+        <p:nvCxnSpPr>
+          <p:cNvPr id="1257" name="Straight Connector 1256">
+            <a:extLst>
+              <a:ext uri="{FF2B5EF4-FFF2-40B4-BE49-F238E27FC236}">
+                <a16:creationId xmlns:a16="http://schemas.microsoft.com/office/drawing/2014/main" id="{E0680223-12E6-CCCB-B1BB-71C44341D174}"/>
+              </a:ext>
+            </a:extLst>
+          </p:cNvPr>
+          <p:cNvCxnSpPr>
+            <a:cxnSpLocks/>
+          </p:cNvCxnSpPr>
+          <p:nvPr/>
+        </p:nvCxnSpPr>
+        <p:spPr>
+          <a:xfrm flipV="1">
+            <a:off x="8791585" y="5669235"/>
+            <a:ext cx="0" cy="968886"/>
+          </a:xfrm>
+          <a:prstGeom prst="line">
+            <a:avLst/>
+          </a:prstGeom>
+          <a:ln w="38100">
+            <a:solidFill>
+              <a:srgbClr val="00B0F0"/>
+            </a:solidFill>
+          </a:ln>
+        </p:spPr>
+        <p:style>
+          <a:lnRef idx="2">
+            <a:schemeClr val="accent1"/>
+          </a:lnRef>
+          <a:fillRef idx="0">
+            <a:schemeClr val="accent1"/>
+          </a:fillRef>
+          <a:effectRef idx="1">
+            <a:schemeClr val="accent1"/>
+          </a:effectRef>
+          <a:fontRef idx="minor">
+            <a:schemeClr val="tx1"/>
+          </a:fontRef>
+        </p:style>
+      </p:cxnSp>
+      <p:cxnSp>
+        <p:nvCxnSpPr>
+          <p:cNvPr id="1259" name="Straight Connector 1258">
+            <a:extLst>
+              <a:ext uri="{FF2B5EF4-FFF2-40B4-BE49-F238E27FC236}">
+                <a16:creationId xmlns:a16="http://schemas.microsoft.com/office/drawing/2014/main" id="{2601BA2A-7ACF-50B8-38E8-B15999FFAB1E}"/>
+              </a:ext>
+            </a:extLst>
+          </p:cNvPr>
+          <p:cNvCxnSpPr>
+            <a:cxnSpLocks/>
+          </p:cNvCxnSpPr>
+          <p:nvPr/>
+        </p:nvCxnSpPr>
+        <p:spPr>
+          <a:xfrm flipH="1">
+            <a:off x="1041400" y="6650821"/>
+            <a:ext cx="7770018" cy="0"/>
+          </a:xfrm>
+          <a:prstGeom prst="line">
+            <a:avLst/>
+          </a:prstGeom>
+          <a:ln w="38100">
+            <a:solidFill>
+              <a:srgbClr val="00B0F0"/>
+            </a:solidFill>
+          </a:ln>
+        </p:spPr>
+        <p:style>
+          <a:lnRef idx="2">
+            <a:schemeClr val="accent1"/>
+          </a:lnRef>
+          <a:fillRef idx="0">
+            <a:schemeClr val="accent1"/>
+          </a:fillRef>
+          <a:effectRef idx="1">
+            <a:schemeClr val="accent1"/>
+          </a:effectRef>
+          <a:fontRef idx="minor">
+            <a:schemeClr val="tx1"/>
+          </a:fontRef>
+        </p:style>
+      </p:cxnSp>
+      <p:cxnSp>
+        <p:nvCxnSpPr>
+          <p:cNvPr id="1263" name="Straight Connector 1262">
+            <a:extLst>
+              <a:ext uri="{FF2B5EF4-FFF2-40B4-BE49-F238E27FC236}">
+                <a16:creationId xmlns:a16="http://schemas.microsoft.com/office/drawing/2014/main" id="{2E1AE1E5-576E-9C5B-F857-21F2B657AD1A}"/>
+              </a:ext>
+            </a:extLst>
+          </p:cNvPr>
+          <p:cNvCxnSpPr>
+            <a:cxnSpLocks/>
+          </p:cNvCxnSpPr>
+          <p:nvPr/>
+        </p:nvCxnSpPr>
+        <p:spPr>
+          <a:xfrm flipV="1">
+            <a:off x="8645535" y="5505450"/>
+            <a:ext cx="0" cy="1428750"/>
+          </a:xfrm>
+          <a:prstGeom prst="line">
+            <a:avLst/>
+          </a:prstGeom>
+          <a:ln w="38100">
+            <a:solidFill>
               <a:schemeClr val="accent3">
                 <a:lumMod val="60000"/>
                 <a:lumOff val="40000"/>
@@ -6171,10 +8201,10 @@
       </p:cxnSp>
       <p:cxnSp>
         <p:nvCxnSpPr>
-          <p:cNvPr id="1036" name="Straight Connector 1035">
-            <a:extLst>
-              <a:ext uri="{FF2B5EF4-FFF2-40B4-BE49-F238E27FC236}">
-                <a16:creationId xmlns:a16="http://schemas.microsoft.com/office/drawing/2014/main" id="{41D34E39-8CA6-3605-D322-D66F50619FFE}"/>
+          <p:cNvPr id="1268" name="Straight Connector 1267">
+            <a:extLst>
+              <a:ext uri="{FF2B5EF4-FFF2-40B4-BE49-F238E27FC236}">
+                <a16:creationId xmlns:a16="http://schemas.microsoft.com/office/drawing/2014/main" id="{44D841F6-9BF4-4426-D9F7-4AD2E5801ED7}"/>
               </a:ext>
             </a:extLst>
           </p:cNvPr>
@@ -6185,1316 +8215,15 @@
         </p:nvCxnSpPr>
         <p:spPr>
           <a:xfrm flipH="1">
-            <a:off x="7398799" y="3890142"/>
-            <a:ext cx="180254" cy="0"/>
+            <a:off x="875682" y="6922166"/>
+            <a:ext cx="7770018" cy="0"/>
           </a:xfrm>
           <a:prstGeom prst="line">
             <a:avLst/>
           </a:prstGeom>
           <a:ln w="38100">
             <a:solidFill>
-              <a:srgbClr val="FF0000"/>
-            </a:solidFill>
-          </a:ln>
-        </p:spPr>
-        <p:style>
-          <a:lnRef idx="2">
-            <a:schemeClr val="accent1"/>
-          </a:lnRef>
-          <a:fillRef idx="0">
-            <a:schemeClr val="accent1"/>
-          </a:fillRef>
-          <a:effectRef idx="1">
-            <a:schemeClr val="accent1"/>
-          </a:effectRef>
-          <a:fontRef idx="minor">
-            <a:schemeClr val="tx1"/>
-          </a:fontRef>
-        </p:style>
-      </p:cxnSp>
-      <p:cxnSp>
-        <p:nvCxnSpPr>
-          <p:cNvPr id="1038" name="Straight Connector 1037">
-            <a:extLst>
-              <a:ext uri="{FF2B5EF4-FFF2-40B4-BE49-F238E27FC236}">
-                <a16:creationId xmlns:a16="http://schemas.microsoft.com/office/drawing/2014/main" id="{D30DCFD6-D0F0-1A56-B994-13F99BA1D425}"/>
-              </a:ext>
-            </a:extLst>
-          </p:cNvPr>
-          <p:cNvCxnSpPr>
-            <a:cxnSpLocks/>
-          </p:cNvCxnSpPr>
-          <p:nvPr/>
-        </p:nvCxnSpPr>
-        <p:spPr>
-          <a:xfrm flipH="1">
-            <a:off x="7339058" y="4022603"/>
-            <a:ext cx="233325" cy="0"/>
-          </a:xfrm>
-          <a:prstGeom prst="line">
-            <a:avLst/>
-          </a:prstGeom>
-          <a:ln w="38100">
-            <a:solidFill>
-              <a:schemeClr val="bg1"/>
-            </a:solidFill>
-          </a:ln>
-        </p:spPr>
-        <p:style>
-          <a:lnRef idx="2">
-            <a:schemeClr val="accent1"/>
-          </a:lnRef>
-          <a:fillRef idx="0">
-            <a:schemeClr val="accent1"/>
-          </a:fillRef>
-          <a:effectRef idx="1">
-            <a:schemeClr val="accent1"/>
-          </a:effectRef>
-          <a:fontRef idx="minor">
-            <a:schemeClr val="tx1"/>
-          </a:fontRef>
-        </p:style>
-      </p:cxnSp>
-      <p:cxnSp>
-        <p:nvCxnSpPr>
-          <p:cNvPr id="1045" name="Straight Connector 1044">
-            <a:extLst>
-              <a:ext uri="{FF2B5EF4-FFF2-40B4-BE49-F238E27FC236}">
-                <a16:creationId xmlns:a16="http://schemas.microsoft.com/office/drawing/2014/main" id="{F2AD5D75-D949-374C-AA8B-B5BA9155F2C6}"/>
-              </a:ext>
-            </a:extLst>
-          </p:cNvPr>
-          <p:cNvCxnSpPr>
-            <a:cxnSpLocks/>
-          </p:cNvCxnSpPr>
-          <p:nvPr/>
-        </p:nvCxnSpPr>
-        <p:spPr>
-          <a:xfrm flipV="1">
-            <a:off x="7179723" y="2330925"/>
-            <a:ext cx="0" cy="1836844"/>
-          </a:xfrm>
-          <a:prstGeom prst="line">
-            <a:avLst/>
-          </a:prstGeom>
-          <a:ln w="38100">
-            <a:solidFill>
-              <a:srgbClr val="FF0000"/>
-            </a:solidFill>
-          </a:ln>
-        </p:spPr>
-        <p:style>
-          <a:lnRef idx="2">
-            <a:schemeClr val="accent1"/>
-          </a:lnRef>
-          <a:fillRef idx="0">
-            <a:schemeClr val="accent1"/>
-          </a:fillRef>
-          <a:effectRef idx="1">
-            <a:schemeClr val="accent1"/>
-          </a:effectRef>
-          <a:fontRef idx="minor">
-            <a:schemeClr val="tx1"/>
-          </a:fontRef>
-        </p:style>
-      </p:cxnSp>
-      <p:cxnSp>
-        <p:nvCxnSpPr>
-          <p:cNvPr id="1048" name="Straight Connector 1047">
-            <a:extLst>
-              <a:ext uri="{FF2B5EF4-FFF2-40B4-BE49-F238E27FC236}">
-                <a16:creationId xmlns:a16="http://schemas.microsoft.com/office/drawing/2014/main" id="{C9A2F697-C2C9-5713-9196-199A85DC02BE}"/>
-              </a:ext>
-            </a:extLst>
-          </p:cNvPr>
-          <p:cNvCxnSpPr>
-            <a:cxnSpLocks/>
-          </p:cNvCxnSpPr>
-          <p:nvPr/>
-        </p:nvCxnSpPr>
-        <p:spPr>
-          <a:xfrm flipH="1">
-            <a:off x="7198537" y="4151191"/>
-            <a:ext cx="380516" cy="0"/>
-          </a:xfrm>
-          <a:prstGeom prst="line">
-            <a:avLst/>
-          </a:prstGeom>
-          <a:ln w="38100">
-            <a:solidFill>
-              <a:srgbClr val="FF0000"/>
-            </a:solidFill>
-          </a:ln>
-        </p:spPr>
-        <p:style>
-          <a:lnRef idx="2">
-            <a:schemeClr val="accent1"/>
-          </a:lnRef>
-          <a:fillRef idx="0">
-            <a:schemeClr val="accent1"/>
-          </a:fillRef>
-          <a:effectRef idx="1">
-            <a:schemeClr val="accent1"/>
-          </a:effectRef>
-          <a:fontRef idx="minor">
-            <a:schemeClr val="tx1"/>
-          </a:fontRef>
-        </p:style>
-      </p:cxnSp>
-      <p:cxnSp>
-        <p:nvCxnSpPr>
-          <p:cNvPr id="1072" name="Straight Connector 1071">
-            <a:extLst>
-              <a:ext uri="{FF2B5EF4-FFF2-40B4-BE49-F238E27FC236}">
-                <a16:creationId xmlns:a16="http://schemas.microsoft.com/office/drawing/2014/main" id="{D7EE408A-CA8F-7DA2-D34E-9ECF1ECC72C1}"/>
-              </a:ext>
-            </a:extLst>
-          </p:cNvPr>
-          <p:cNvCxnSpPr>
-            <a:cxnSpLocks/>
-          </p:cNvCxnSpPr>
-          <p:nvPr/>
-        </p:nvCxnSpPr>
-        <p:spPr>
-          <a:xfrm flipH="1">
-            <a:off x="7104243" y="4304966"/>
-            <a:ext cx="474810" cy="0"/>
-          </a:xfrm>
-          <a:prstGeom prst="line">
-            <a:avLst/>
-          </a:prstGeom>
-          <a:ln w="38100">
-            <a:solidFill>
-              <a:schemeClr val="bg1"/>
-            </a:solidFill>
-          </a:ln>
-        </p:spPr>
-        <p:style>
-          <a:lnRef idx="2">
-            <a:schemeClr val="accent1"/>
-          </a:lnRef>
-          <a:fillRef idx="0">
-            <a:schemeClr val="accent1"/>
-          </a:fillRef>
-          <a:effectRef idx="1">
-            <a:schemeClr val="accent1"/>
-          </a:effectRef>
-          <a:fontRef idx="minor">
-            <a:schemeClr val="tx1"/>
-          </a:fontRef>
-        </p:style>
-      </p:cxnSp>
-      <p:cxnSp>
-        <p:nvCxnSpPr>
-          <p:cNvPr id="1105" name="Straight Connector 1104">
-            <a:extLst>
-              <a:ext uri="{FF2B5EF4-FFF2-40B4-BE49-F238E27FC236}">
-                <a16:creationId xmlns:a16="http://schemas.microsoft.com/office/drawing/2014/main" id="{0E998F13-ECE2-8F2D-5471-4D165CFCFC6F}"/>
-              </a:ext>
-            </a:extLst>
-          </p:cNvPr>
-          <p:cNvCxnSpPr>
-            <a:cxnSpLocks/>
-          </p:cNvCxnSpPr>
-          <p:nvPr/>
-        </p:nvCxnSpPr>
-        <p:spPr>
-          <a:xfrm flipH="1">
-            <a:off x="8394796" y="3473405"/>
-            <a:ext cx="306292" cy="0"/>
-          </a:xfrm>
-          <a:prstGeom prst="line">
-            <a:avLst/>
-          </a:prstGeom>
-          <a:ln w="38100" cmpd="sng">
-            <a:solidFill>
-              <a:schemeClr val="accent5">
-                <a:lumMod val="75000"/>
-              </a:schemeClr>
-            </a:solidFill>
-            <a:prstDash val="solid"/>
-            <a:round/>
-          </a:ln>
-        </p:spPr>
-        <p:style>
-          <a:lnRef idx="2">
-            <a:schemeClr val="accent1"/>
-          </a:lnRef>
-          <a:fillRef idx="0">
-            <a:schemeClr val="accent1"/>
-          </a:fillRef>
-          <a:effectRef idx="1">
-            <a:schemeClr val="accent1"/>
-          </a:effectRef>
-          <a:fontRef idx="minor">
-            <a:schemeClr val="tx1"/>
-          </a:fontRef>
-        </p:style>
-      </p:cxnSp>
-      <p:cxnSp>
-        <p:nvCxnSpPr>
-          <p:cNvPr id="1109" name="Straight Connector 1108">
-            <a:extLst>
-              <a:ext uri="{FF2B5EF4-FFF2-40B4-BE49-F238E27FC236}">
-                <a16:creationId xmlns:a16="http://schemas.microsoft.com/office/drawing/2014/main" id="{1A1D4365-DBB9-D75D-E31E-87F587A7D0F3}"/>
-              </a:ext>
-            </a:extLst>
-          </p:cNvPr>
-          <p:cNvCxnSpPr>
-            <a:cxnSpLocks/>
-          </p:cNvCxnSpPr>
-          <p:nvPr/>
-        </p:nvCxnSpPr>
-        <p:spPr>
-          <a:xfrm flipV="1">
-            <a:off x="8696326" y="3454461"/>
-            <a:ext cx="0" cy="1603314"/>
-          </a:xfrm>
-          <a:prstGeom prst="line">
-            <a:avLst/>
-          </a:prstGeom>
-          <a:ln w="38100" cmpd="sng">
-            <a:solidFill>
-              <a:schemeClr val="accent5">
-                <a:lumMod val="75000"/>
-              </a:schemeClr>
-            </a:solidFill>
-            <a:prstDash val="solid"/>
-            <a:round/>
-          </a:ln>
-        </p:spPr>
-        <p:style>
-          <a:lnRef idx="2">
-            <a:schemeClr val="accent1"/>
-          </a:lnRef>
-          <a:fillRef idx="0">
-            <a:schemeClr val="accent1"/>
-          </a:fillRef>
-          <a:effectRef idx="1">
-            <a:schemeClr val="accent1"/>
-          </a:effectRef>
-          <a:fontRef idx="minor">
-            <a:schemeClr val="tx1"/>
-          </a:fontRef>
-        </p:style>
-      </p:cxnSp>
-      <p:cxnSp>
-        <p:nvCxnSpPr>
-          <p:cNvPr id="1115" name="Straight Connector 1114">
-            <a:extLst>
-              <a:ext uri="{FF2B5EF4-FFF2-40B4-BE49-F238E27FC236}">
-                <a16:creationId xmlns:a16="http://schemas.microsoft.com/office/drawing/2014/main" id="{9AC671A4-4F9A-8520-4D39-2ED31BBA57CE}"/>
-              </a:ext>
-            </a:extLst>
-          </p:cNvPr>
-          <p:cNvCxnSpPr>
-            <a:cxnSpLocks/>
-          </p:cNvCxnSpPr>
-          <p:nvPr/>
-        </p:nvCxnSpPr>
-        <p:spPr>
-          <a:xfrm flipH="1">
-            <a:off x="8438804" y="5046617"/>
-            <a:ext cx="236853" cy="0"/>
-          </a:xfrm>
-          <a:prstGeom prst="line">
-            <a:avLst/>
-          </a:prstGeom>
-          <a:ln w="38100" cmpd="sng">
-            <a:solidFill>
-              <a:schemeClr val="accent5">
-                <a:lumMod val="75000"/>
-              </a:schemeClr>
-            </a:solidFill>
-            <a:prstDash val="solid"/>
-            <a:round/>
-          </a:ln>
-        </p:spPr>
-        <p:style>
-          <a:lnRef idx="2">
-            <a:schemeClr val="accent1"/>
-          </a:lnRef>
-          <a:fillRef idx="0">
-            <a:schemeClr val="accent1"/>
-          </a:fillRef>
-          <a:effectRef idx="1">
-            <a:schemeClr val="accent1"/>
-          </a:effectRef>
-          <a:fontRef idx="minor">
-            <a:schemeClr val="tx1"/>
-          </a:fontRef>
-        </p:style>
-      </p:cxnSp>
-      <p:cxnSp>
-        <p:nvCxnSpPr>
-          <p:cNvPr id="1118" name="Straight Connector 1117">
-            <a:extLst>
-              <a:ext uri="{FF2B5EF4-FFF2-40B4-BE49-F238E27FC236}">
-                <a16:creationId xmlns:a16="http://schemas.microsoft.com/office/drawing/2014/main" id="{0443605E-96C3-FFA7-59B4-7A02CE29DD34}"/>
-              </a:ext>
-            </a:extLst>
-          </p:cNvPr>
-          <p:cNvCxnSpPr>
-            <a:cxnSpLocks/>
-          </p:cNvCxnSpPr>
-          <p:nvPr/>
-        </p:nvCxnSpPr>
-        <p:spPr>
-          <a:xfrm flipH="1">
-            <a:off x="8394792" y="3613478"/>
-            <a:ext cx="387258" cy="0"/>
-          </a:xfrm>
-          <a:prstGeom prst="line">
-            <a:avLst/>
-          </a:prstGeom>
-          <a:ln w="38100" cmpd="thickThin">
-            <a:solidFill>
-              <a:schemeClr val="accent5">
-                <a:lumMod val="75000"/>
-              </a:schemeClr>
-            </a:solidFill>
-          </a:ln>
-        </p:spPr>
-        <p:style>
-          <a:lnRef idx="2">
-            <a:schemeClr val="accent1"/>
-          </a:lnRef>
-          <a:fillRef idx="0">
-            <a:schemeClr val="accent1"/>
-          </a:fillRef>
-          <a:effectRef idx="1">
-            <a:schemeClr val="accent1"/>
-          </a:effectRef>
-          <a:fontRef idx="minor">
-            <a:schemeClr val="tx1"/>
-          </a:fontRef>
-        </p:style>
-      </p:cxnSp>
-      <p:cxnSp>
-        <p:nvCxnSpPr>
-          <p:cNvPr id="1120" name="Straight Connector 1119">
-            <a:extLst>
-              <a:ext uri="{FF2B5EF4-FFF2-40B4-BE49-F238E27FC236}">
-                <a16:creationId xmlns:a16="http://schemas.microsoft.com/office/drawing/2014/main" id="{F2CC7E69-A96F-C3A2-91C5-BE485B378C9C}"/>
-              </a:ext>
-            </a:extLst>
-          </p:cNvPr>
-          <p:cNvCxnSpPr>
-            <a:cxnSpLocks/>
-          </p:cNvCxnSpPr>
-          <p:nvPr/>
-        </p:nvCxnSpPr>
-        <p:spPr>
-          <a:xfrm flipV="1">
-            <a:off x="8788005" y="3590925"/>
-            <a:ext cx="0" cy="1628775"/>
-          </a:xfrm>
-          <a:prstGeom prst="line">
-            <a:avLst/>
-          </a:prstGeom>
-          <a:ln w="38100" cmpd="thickThin">
-            <a:solidFill>
-              <a:schemeClr val="accent5">
-                <a:lumMod val="75000"/>
-              </a:schemeClr>
-            </a:solidFill>
-          </a:ln>
-        </p:spPr>
-        <p:style>
-          <a:lnRef idx="2">
-            <a:schemeClr val="accent1"/>
-          </a:lnRef>
-          <a:fillRef idx="0">
-            <a:schemeClr val="accent1"/>
-          </a:fillRef>
-          <a:effectRef idx="1">
-            <a:schemeClr val="accent1"/>
-          </a:effectRef>
-          <a:fontRef idx="minor">
-            <a:schemeClr val="tx1"/>
-          </a:fontRef>
-        </p:style>
-      </p:cxnSp>
-      <p:cxnSp>
-        <p:nvCxnSpPr>
-          <p:cNvPr id="1121" name="Straight Connector 1120">
-            <a:extLst>
-              <a:ext uri="{FF2B5EF4-FFF2-40B4-BE49-F238E27FC236}">
-                <a16:creationId xmlns:a16="http://schemas.microsoft.com/office/drawing/2014/main" id="{6F0577C7-3B3E-B0B3-076B-EF0FD0B0C45D}"/>
-              </a:ext>
-            </a:extLst>
-          </p:cNvPr>
-          <p:cNvCxnSpPr>
-            <a:cxnSpLocks/>
-          </p:cNvCxnSpPr>
-          <p:nvPr/>
-        </p:nvCxnSpPr>
-        <p:spPr>
-          <a:xfrm flipH="1">
-            <a:off x="8464231" y="5210500"/>
-            <a:ext cx="327344" cy="0"/>
-          </a:xfrm>
-          <a:prstGeom prst="line">
-            <a:avLst/>
-          </a:prstGeom>
-          <a:ln w="38100" cmpd="thickThin">
-            <a:solidFill>
-              <a:schemeClr val="accent5">
-                <a:lumMod val="75000"/>
-              </a:schemeClr>
-            </a:solidFill>
-          </a:ln>
-        </p:spPr>
-        <p:style>
-          <a:lnRef idx="2">
-            <a:schemeClr val="accent1"/>
-          </a:lnRef>
-          <a:fillRef idx="0">
-            <a:schemeClr val="accent1"/>
-          </a:fillRef>
-          <a:effectRef idx="1">
-            <a:schemeClr val="accent1"/>
-          </a:effectRef>
-          <a:fontRef idx="minor">
-            <a:schemeClr val="tx1"/>
-          </a:fontRef>
-        </p:style>
-      </p:cxnSp>
-      <p:cxnSp>
-        <p:nvCxnSpPr>
-          <p:cNvPr id="1125" name="Straight Connector 1124">
-            <a:extLst>
-              <a:ext uri="{FF2B5EF4-FFF2-40B4-BE49-F238E27FC236}">
-                <a16:creationId xmlns:a16="http://schemas.microsoft.com/office/drawing/2014/main" id="{E13949AC-F6D2-F48B-3FDF-79900A1D8DCC}"/>
-              </a:ext>
-            </a:extLst>
-          </p:cNvPr>
-          <p:cNvCxnSpPr>
-            <a:cxnSpLocks/>
-          </p:cNvCxnSpPr>
-          <p:nvPr/>
-        </p:nvCxnSpPr>
-        <p:spPr>
-          <a:xfrm flipH="1">
-            <a:off x="8394796" y="3753550"/>
-            <a:ext cx="484886" cy="0"/>
-          </a:xfrm>
-          <a:prstGeom prst="line">
-            <a:avLst/>
-          </a:prstGeom>
-          <a:ln w="38100" cmpd="dbl">
-            <a:solidFill>
-              <a:schemeClr val="accent5">
-                <a:lumMod val="75000"/>
-              </a:schemeClr>
-            </a:solidFill>
-          </a:ln>
-        </p:spPr>
-        <p:style>
-          <a:lnRef idx="2">
-            <a:schemeClr val="accent1"/>
-          </a:lnRef>
-          <a:fillRef idx="0">
-            <a:schemeClr val="accent1"/>
-          </a:fillRef>
-          <a:effectRef idx="1">
-            <a:schemeClr val="accent1"/>
-          </a:effectRef>
-          <a:fontRef idx="minor">
-            <a:schemeClr val="tx1"/>
-          </a:fontRef>
-        </p:style>
-      </p:cxnSp>
-      <p:cxnSp>
-        <p:nvCxnSpPr>
-          <p:cNvPr id="1126" name="Straight Connector 1125">
-            <a:extLst>
-              <a:ext uri="{FF2B5EF4-FFF2-40B4-BE49-F238E27FC236}">
-                <a16:creationId xmlns:a16="http://schemas.microsoft.com/office/drawing/2014/main" id="{A87DB142-59BF-0566-CC9E-8EF4EEFB0ECF}"/>
-              </a:ext>
-            </a:extLst>
-          </p:cNvPr>
-          <p:cNvCxnSpPr>
-            <a:cxnSpLocks/>
-          </p:cNvCxnSpPr>
-          <p:nvPr/>
-        </p:nvCxnSpPr>
-        <p:spPr>
-          <a:xfrm flipV="1">
-            <a:off x="8879684" y="3731431"/>
-            <a:ext cx="0" cy="1659719"/>
-          </a:xfrm>
-          <a:prstGeom prst="line">
-            <a:avLst/>
-          </a:prstGeom>
-          <a:ln w="38100" cmpd="dbl">
-            <a:solidFill>
-              <a:schemeClr val="accent5">
-                <a:lumMod val="75000"/>
-              </a:schemeClr>
-            </a:solidFill>
-          </a:ln>
-        </p:spPr>
-        <p:style>
-          <a:lnRef idx="2">
-            <a:schemeClr val="accent1"/>
-          </a:lnRef>
-          <a:fillRef idx="0">
-            <a:schemeClr val="accent1"/>
-          </a:fillRef>
-          <a:effectRef idx="1">
-            <a:schemeClr val="accent1"/>
-          </a:effectRef>
-          <a:fontRef idx="minor">
-            <a:schemeClr val="tx1"/>
-          </a:fontRef>
-        </p:style>
-      </p:cxnSp>
-      <p:cxnSp>
-        <p:nvCxnSpPr>
-          <p:cNvPr id="1127" name="Straight Connector 1126">
-            <a:extLst>
-              <a:ext uri="{FF2B5EF4-FFF2-40B4-BE49-F238E27FC236}">
-                <a16:creationId xmlns:a16="http://schemas.microsoft.com/office/drawing/2014/main" id="{FC783D8A-6C73-94A8-422B-35D5C97FE300}"/>
-              </a:ext>
-            </a:extLst>
-          </p:cNvPr>
-          <p:cNvCxnSpPr>
-            <a:cxnSpLocks/>
-          </p:cNvCxnSpPr>
-          <p:nvPr/>
-        </p:nvCxnSpPr>
-        <p:spPr>
-          <a:xfrm flipH="1">
-            <a:off x="8453438" y="5368034"/>
-            <a:ext cx="435769" cy="0"/>
-          </a:xfrm>
-          <a:prstGeom prst="line">
-            <a:avLst/>
-          </a:prstGeom>
-          <a:ln w="38100" cmpd="dbl">
-            <a:solidFill>
-              <a:schemeClr val="accent5">
-                <a:lumMod val="75000"/>
-              </a:schemeClr>
-            </a:solidFill>
-          </a:ln>
-        </p:spPr>
-        <p:style>
-          <a:lnRef idx="2">
-            <a:schemeClr val="accent1"/>
-          </a:lnRef>
-          <a:fillRef idx="0">
-            <a:schemeClr val="accent1"/>
-          </a:fillRef>
-          <a:effectRef idx="1">
-            <a:schemeClr val="accent1"/>
-          </a:effectRef>
-          <a:fontRef idx="minor">
-            <a:schemeClr val="tx1"/>
-          </a:fontRef>
-        </p:style>
-      </p:cxnSp>
-      <p:cxnSp>
-        <p:nvCxnSpPr>
-          <p:cNvPr id="1143" name="Straight Connector 1142">
-            <a:extLst>
-              <a:ext uri="{FF2B5EF4-FFF2-40B4-BE49-F238E27FC236}">
-                <a16:creationId xmlns:a16="http://schemas.microsoft.com/office/drawing/2014/main" id="{08C43701-FA0C-B39B-BAC7-65BEE8D5B834}"/>
-              </a:ext>
-            </a:extLst>
-          </p:cNvPr>
-          <p:cNvCxnSpPr>
-            <a:cxnSpLocks/>
-          </p:cNvCxnSpPr>
-          <p:nvPr/>
-        </p:nvCxnSpPr>
-        <p:spPr>
-          <a:xfrm flipH="1">
-            <a:off x="8394796" y="4299905"/>
-            <a:ext cx="611595" cy="0"/>
-          </a:xfrm>
-          <a:prstGeom prst="line">
-            <a:avLst/>
-          </a:prstGeom>
-          <a:ln w="38100">
-            <a:solidFill>
-              <a:schemeClr val="bg2">
-                <a:lumMod val="25000"/>
-              </a:schemeClr>
-            </a:solidFill>
-          </a:ln>
-        </p:spPr>
-        <p:style>
-          <a:lnRef idx="2">
-            <a:schemeClr val="accent1"/>
-          </a:lnRef>
-          <a:fillRef idx="0">
-            <a:schemeClr val="accent1"/>
-          </a:fillRef>
-          <a:effectRef idx="1">
-            <a:schemeClr val="accent1"/>
-          </a:effectRef>
-          <a:fontRef idx="minor">
-            <a:schemeClr val="tx1"/>
-          </a:fontRef>
-        </p:style>
-      </p:cxnSp>
-      <p:cxnSp>
-        <p:nvCxnSpPr>
-          <p:cNvPr id="1144" name="Straight Connector 1143">
-            <a:extLst>
-              <a:ext uri="{FF2B5EF4-FFF2-40B4-BE49-F238E27FC236}">
-                <a16:creationId xmlns:a16="http://schemas.microsoft.com/office/drawing/2014/main" id="{B9795412-6CC3-CAD4-A4BB-26AB98702FC6}"/>
-              </a:ext>
-            </a:extLst>
-          </p:cNvPr>
-          <p:cNvCxnSpPr>
-            <a:cxnSpLocks/>
-          </p:cNvCxnSpPr>
-          <p:nvPr/>
-        </p:nvCxnSpPr>
-        <p:spPr>
-          <a:xfrm flipV="1">
-            <a:off x="9001629" y="4277786"/>
-            <a:ext cx="0" cy="2830725"/>
-          </a:xfrm>
-          <a:prstGeom prst="line">
-            <a:avLst/>
-          </a:prstGeom>
-          <a:ln w="38100">
-            <a:solidFill>
-              <a:schemeClr val="bg2">
-                <a:lumMod val="25000"/>
-              </a:schemeClr>
-            </a:solidFill>
-          </a:ln>
-        </p:spPr>
-        <p:style>
-          <a:lnRef idx="2">
-            <a:schemeClr val="accent1"/>
-          </a:lnRef>
-          <a:fillRef idx="0">
-            <a:schemeClr val="accent1"/>
-          </a:fillRef>
-          <a:effectRef idx="1">
-            <a:schemeClr val="accent1"/>
-          </a:effectRef>
-          <a:fontRef idx="minor">
-            <a:schemeClr val="tx1"/>
-          </a:fontRef>
-        </p:style>
-      </p:cxnSp>
-      <p:cxnSp>
-        <p:nvCxnSpPr>
-          <p:cNvPr id="1145" name="Straight Connector 1144">
-            <a:extLst>
-              <a:ext uri="{FF2B5EF4-FFF2-40B4-BE49-F238E27FC236}">
-                <a16:creationId xmlns:a16="http://schemas.microsoft.com/office/drawing/2014/main" id="{5815556F-5658-BA4A-0D9A-6D503CE4DC9E}"/>
-              </a:ext>
-            </a:extLst>
-          </p:cNvPr>
-          <p:cNvCxnSpPr>
-            <a:cxnSpLocks/>
-          </p:cNvCxnSpPr>
-          <p:nvPr/>
-        </p:nvCxnSpPr>
-        <p:spPr>
-          <a:xfrm flipH="1">
-            <a:off x="7398799" y="7095178"/>
-            <a:ext cx="1607592" cy="0"/>
-          </a:xfrm>
-          <a:prstGeom prst="line">
-            <a:avLst/>
-          </a:prstGeom>
-          <a:ln w="38100">
-            <a:solidFill>
-              <a:schemeClr val="bg2">
-                <a:lumMod val="25000"/>
-              </a:schemeClr>
-            </a:solidFill>
-          </a:ln>
-        </p:spPr>
-        <p:style>
-          <a:lnRef idx="2">
-            <a:schemeClr val="accent1"/>
-          </a:lnRef>
-          <a:fillRef idx="0">
-            <a:schemeClr val="accent1"/>
-          </a:fillRef>
-          <a:effectRef idx="1">
-            <a:schemeClr val="accent1"/>
-          </a:effectRef>
-          <a:fontRef idx="minor">
-            <a:schemeClr val="tx1"/>
-          </a:fontRef>
-        </p:style>
-      </p:cxnSp>
-      <p:cxnSp>
-        <p:nvCxnSpPr>
-          <p:cNvPr id="1147" name="Straight Connector 1146">
-            <a:extLst>
-              <a:ext uri="{FF2B5EF4-FFF2-40B4-BE49-F238E27FC236}">
-                <a16:creationId xmlns:a16="http://schemas.microsoft.com/office/drawing/2014/main" id="{2BD7C420-B270-FEB8-B068-5076E2BE159F}"/>
-              </a:ext>
-            </a:extLst>
-          </p:cNvPr>
-          <p:cNvCxnSpPr>
-            <a:cxnSpLocks/>
-          </p:cNvCxnSpPr>
-          <p:nvPr/>
-        </p:nvCxnSpPr>
-        <p:spPr>
-          <a:xfrm flipH="1">
-            <a:off x="8401384" y="4026481"/>
-            <a:ext cx="964866" cy="0"/>
-          </a:xfrm>
-          <a:prstGeom prst="line">
-            <a:avLst/>
-          </a:prstGeom>
-          <a:ln w="38100" cmpd="dbl">
-            <a:solidFill>
-              <a:schemeClr val="bg2">
-                <a:lumMod val="25000"/>
-              </a:schemeClr>
-            </a:solidFill>
-          </a:ln>
-        </p:spPr>
-        <p:style>
-          <a:lnRef idx="2">
-            <a:schemeClr val="accent1"/>
-          </a:lnRef>
-          <a:fillRef idx="0">
-            <a:schemeClr val="accent1"/>
-          </a:fillRef>
-          <a:effectRef idx="1">
-            <a:schemeClr val="accent1"/>
-          </a:effectRef>
-          <a:fontRef idx="minor">
-            <a:schemeClr val="tx1"/>
-          </a:fontRef>
-        </p:style>
-      </p:cxnSp>
-      <p:cxnSp>
-        <p:nvCxnSpPr>
-          <p:cNvPr id="1148" name="Straight Connector 1147">
-            <a:extLst>
-              <a:ext uri="{FF2B5EF4-FFF2-40B4-BE49-F238E27FC236}">
-                <a16:creationId xmlns:a16="http://schemas.microsoft.com/office/drawing/2014/main" id="{A3DB7831-78AB-F4CB-4A2E-02051DC8E052}"/>
-              </a:ext>
-            </a:extLst>
-          </p:cNvPr>
-          <p:cNvCxnSpPr>
-            <a:cxnSpLocks/>
-          </p:cNvCxnSpPr>
-          <p:nvPr/>
-        </p:nvCxnSpPr>
-        <p:spPr>
-          <a:xfrm flipV="1">
-            <a:off x="9335558" y="4000757"/>
-            <a:ext cx="0" cy="3447234"/>
-          </a:xfrm>
-          <a:prstGeom prst="line">
-            <a:avLst/>
-          </a:prstGeom>
-          <a:ln w="38100" cmpd="dbl">
-            <a:solidFill>
-              <a:schemeClr val="bg2">
-                <a:lumMod val="25000"/>
-              </a:schemeClr>
-            </a:solidFill>
-          </a:ln>
-        </p:spPr>
-        <p:style>
-          <a:lnRef idx="2">
-            <a:schemeClr val="accent1"/>
-          </a:lnRef>
-          <a:fillRef idx="0">
-            <a:schemeClr val="accent1"/>
-          </a:fillRef>
-          <a:effectRef idx="1">
-            <a:schemeClr val="accent1"/>
-          </a:effectRef>
-          <a:fontRef idx="minor">
-            <a:schemeClr val="tx1"/>
-          </a:fontRef>
-        </p:style>
-      </p:cxnSp>
-      <p:cxnSp>
-        <p:nvCxnSpPr>
-          <p:cNvPr id="1165" name="Straight Connector 1164">
-            <a:extLst>
-              <a:ext uri="{FF2B5EF4-FFF2-40B4-BE49-F238E27FC236}">
-                <a16:creationId xmlns:a16="http://schemas.microsoft.com/office/drawing/2014/main" id="{FEF0A87C-0F7E-C80F-1AC8-B9D2A140C2E4}"/>
-              </a:ext>
-            </a:extLst>
-          </p:cNvPr>
-          <p:cNvCxnSpPr>
-            <a:cxnSpLocks/>
-          </p:cNvCxnSpPr>
-          <p:nvPr/>
-        </p:nvCxnSpPr>
-        <p:spPr>
-          <a:xfrm flipH="1">
-            <a:off x="8394796" y="4151191"/>
-            <a:ext cx="768254" cy="0"/>
-          </a:xfrm>
-          <a:prstGeom prst="line">
-            <a:avLst/>
-          </a:prstGeom>
-          <a:ln w="38100" cmpd="thickThin">
-            <a:solidFill>
-              <a:schemeClr val="bg2">
-                <a:lumMod val="25000"/>
-              </a:schemeClr>
-            </a:solidFill>
-          </a:ln>
-        </p:spPr>
-        <p:style>
-          <a:lnRef idx="2">
-            <a:schemeClr val="accent1"/>
-          </a:lnRef>
-          <a:fillRef idx="0">
-            <a:schemeClr val="accent1"/>
-          </a:fillRef>
-          <a:effectRef idx="1">
-            <a:schemeClr val="accent1"/>
-          </a:effectRef>
-          <a:fontRef idx="minor">
-            <a:schemeClr val="tx1"/>
-          </a:fontRef>
-        </p:style>
-      </p:cxnSp>
-      <p:cxnSp>
-        <p:nvCxnSpPr>
-          <p:cNvPr id="1169" name="Straight Connector 1168">
-            <a:extLst>
-              <a:ext uri="{FF2B5EF4-FFF2-40B4-BE49-F238E27FC236}">
-                <a16:creationId xmlns:a16="http://schemas.microsoft.com/office/drawing/2014/main" id="{DCECDAC3-5BE1-F093-79E8-6F531A911C63}"/>
-              </a:ext>
-            </a:extLst>
-          </p:cNvPr>
-          <p:cNvCxnSpPr>
-            <a:cxnSpLocks/>
-          </p:cNvCxnSpPr>
-          <p:nvPr/>
-        </p:nvCxnSpPr>
-        <p:spPr>
-          <a:xfrm flipH="1">
-            <a:off x="7388795" y="5058730"/>
-            <a:ext cx="190258" cy="0"/>
-          </a:xfrm>
-          <a:prstGeom prst="line">
-            <a:avLst/>
-          </a:prstGeom>
-          <a:ln w="38100">
-            <a:solidFill>
-              <a:schemeClr val="bg2">
-                <a:lumMod val="25000"/>
-              </a:schemeClr>
-            </a:solidFill>
-          </a:ln>
-        </p:spPr>
-        <p:style>
-          <a:lnRef idx="2">
-            <a:schemeClr val="accent1"/>
-          </a:lnRef>
-          <a:fillRef idx="0">
-            <a:schemeClr val="accent1"/>
-          </a:fillRef>
-          <a:effectRef idx="1">
-            <a:schemeClr val="accent1"/>
-          </a:effectRef>
-          <a:fontRef idx="minor">
-            <a:schemeClr val="tx1"/>
-          </a:fontRef>
-        </p:style>
-      </p:cxnSp>
-      <p:cxnSp>
-        <p:nvCxnSpPr>
-          <p:cNvPr id="1171" name="Straight Connector 1170">
-            <a:extLst>
-              <a:ext uri="{FF2B5EF4-FFF2-40B4-BE49-F238E27FC236}">
-                <a16:creationId xmlns:a16="http://schemas.microsoft.com/office/drawing/2014/main" id="{D17FDE0C-5D68-2DE1-23C0-7128FE15C172}"/>
-              </a:ext>
-            </a:extLst>
-          </p:cNvPr>
-          <p:cNvCxnSpPr>
-            <a:cxnSpLocks/>
-          </p:cNvCxnSpPr>
-          <p:nvPr/>
-        </p:nvCxnSpPr>
-        <p:spPr>
-          <a:xfrm flipV="1">
-            <a:off x="7377078" y="5051425"/>
-            <a:ext cx="0" cy="2057086"/>
-          </a:xfrm>
-          <a:prstGeom prst="line">
-            <a:avLst/>
-          </a:prstGeom>
-          <a:ln w="38100">
-            <a:solidFill>
-              <a:schemeClr val="bg2">
-                <a:lumMod val="25000"/>
-              </a:schemeClr>
-            </a:solidFill>
-          </a:ln>
-        </p:spPr>
-        <p:style>
-          <a:lnRef idx="2">
-            <a:schemeClr val="accent1"/>
-          </a:lnRef>
-          <a:fillRef idx="0">
-            <a:schemeClr val="accent1"/>
-          </a:fillRef>
-          <a:effectRef idx="1">
-            <a:schemeClr val="accent1"/>
-          </a:effectRef>
-          <a:fontRef idx="minor">
-            <a:schemeClr val="tx1"/>
-          </a:fontRef>
-        </p:style>
-      </p:cxnSp>
-      <p:cxnSp>
-        <p:nvCxnSpPr>
-          <p:cNvPr id="1177" name="Straight Connector 1176">
-            <a:extLst>
-              <a:ext uri="{FF2B5EF4-FFF2-40B4-BE49-F238E27FC236}">
-                <a16:creationId xmlns:a16="http://schemas.microsoft.com/office/drawing/2014/main" id="{5CD046CB-C3AD-F950-5B3A-E2DCB6C25329}"/>
-              </a:ext>
-            </a:extLst>
-          </p:cNvPr>
-          <p:cNvCxnSpPr>
-            <a:cxnSpLocks/>
-          </p:cNvCxnSpPr>
-          <p:nvPr/>
-        </p:nvCxnSpPr>
-        <p:spPr>
-          <a:xfrm flipV="1">
-            <a:off x="9168593" y="4151191"/>
-            <a:ext cx="0" cy="3114286"/>
-          </a:xfrm>
-          <a:prstGeom prst="line">
-            <a:avLst/>
-          </a:prstGeom>
-          <a:ln w="38100" cmpd="thickThin">
-            <a:solidFill>
-              <a:schemeClr val="bg2">
-                <a:lumMod val="25000"/>
-              </a:schemeClr>
-            </a:solidFill>
-          </a:ln>
-        </p:spPr>
-        <p:style>
-          <a:lnRef idx="2">
-            <a:schemeClr val="accent1"/>
-          </a:lnRef>
-          <a:fillRef idx="0">
-            <a:schemeClr val="accent1"/>
-          </a:fillRef>
-          <a:effectRef idx="1">
-            <a:schemeClr val="accent1"/>
-          </a:effectRef>
-          <a:fontRef idx="minor">
-            <a:schemeClr val="tx1"/>
-          </a:fontRef>
-        </p:style>
-      </p:cxnSp>
-      <p:cxnSp>
-        <p:nvCxnSpPr>
-          <p:cNvPr id="1182" name="Straight Connector 1181">
-            <a:extLst>
-              <a:ext uri="{FF2B5EF4-FFF2-40B4-BE49-F238E27FC236}">
-                <a16:creationId xmlns:a16="http://schemas.microsoft.com/office/drawing/2014/main" id="{BC30FF90-E2AC-C50E-E9CF-CEF09385F4FB}"/>
-              </a:ext>
-            </a:extLst>
-          </p:cNvPr>
-          <p:cNvCxnSpPr>
-            <a:cxnSpLocks/>
-          </p:cNvCxnSpPr>
-          <p:nvPr/>
-        </p:nvCxnSpPr>
-        <p:spPr>
-          <a:xfrm flipV="1">
-            <a:off x="7133943" y="5191125"/>
-            <a:ext cx="0" cy="2074352"/>
-          </a:xfrm>
-          <a:prstGeom prst="line">
-            <a:avLst/>
-          </a:prstGeom>
-          <a:ln w="38100" cmpd="thickThin">
-            <a:solidFill>
-              <a:schemeClr val="bg2">
-                <a:lumMod val="25000"/>
-              </a:schemeClr>
-            </a:solidFill>
-          </a:ln>
-        </p:spPr>
-        <p:style>
-          <a:lnRef idx="2">
-            <a:schemeClr val="accent1"/>
-          </a:lnRef>
-          <a:fillRef idx="0">
-            <a:schemeClr val="accent1"/>
-          </a:fillRef>
-          <a:effectRef idx="1">
-            <a:schemeClr val="accent1"/>
-          </a:effectRef>
-          <a:fontRef idx="minor">
-            <a:schemeClr val="tx1"/>
-          </a:fontRef>
-        </p:style>
-      </p:cxnSp>
-      <p:cxnSp>
-        <p:nvCxnSpPr>
-          <p:cNvPr id="1183" name="Straight Connector 1182">
-            <a:extLst>
-              <a:ext uri="{FF2B5EF4-FFF2-40B4-BE49-F238E27FC236}">
-                <a16:creationId xmlns:a16="http://schemas.microsoft.com/office/drawing/2014/main" id="{B1D009FE-F575-C9DF-7CE0-9D6123C82354}"/>
-              </a:ext>
-            </a:extLst>
-          </p:cNvPr>
-          <p:cNvCxnSpPr>
-            <a:cxnSpLocks/>
-          </p:cNvCxnSpPr>
-          <p:nvPr/>
-        </p:nvCxnSpPr>
-        <p:spPr>
-          <a:xfrm flipH="1">
-            <a:off x="7149291" y="5214118"/>
-            <a:ext cx="429762" cy="0"/>
-          </a:xfrm>
-          <a:prstGeom prst="line">
-            <a:avLst/>
-          </a:prstGeom>
-          <a:ln w="38100" cmpd="thickThin">
-            <a:solidFill>
-              <a:schemeClr val="bg2">
-                <a:lumMod val="25000"/>
-              </a:schemeClr>
-            </a:solidFill>
-          </a:ln>
-        </p:spPr>
-        <p:style>
-          <a:lnRef idx="2">
-            <a:schemeClr val="accent1"/>
-          </a:lnRef>
-          <a:fillRef idx="0">
-            <a:schemeClr val="accent1"/>
-          </a:fillRef>
-          <a:effectRef idx="1">
-            <a:schemeClr val="accent1"/>
-          </a:effectRef>
-          <a:fontRef idx="minor">
-            <a:schemeClr val="tx1"/>
-          </a:fontRef>
-        </p:style>
-      </p:cxnSp>
-      <p:cxnSp>
-        <p:nvCxnSpPr>
-          <p:cNvPr id="1186" name="Straight Connector 1185">
-            <a:extLst>
-              <a:ext uri="{FF2B5EF4-FFF2-40B4-BE49-F238E27FC236}">
-                <a16:creationId xmlns:a16="http://schemas.microsoft.com/office/drawing/2014/main" id="{908320B9-BDF1-1910-0D70-61E3E84C31CB}"/>
-              </a:ext>
-            </a:extLst>
-          </p:cNvPr>
-          <p:cNvCxnSpPr>
-            <a:cxnSpLocks/>
-          </p:cNvCxnSpPr>
-          <p:nvPr/>
-        </p:nvCxnSpPr>
-        <p:spPr>
-          <a:xfrm flipH="1">
-            <a:off x="7115784" y="7259175"/>
-            <a:ext cx="2072666" cy="0"/>
-          </a:xfrm>
-          <a:prstGeom prst="line">
-            <a:avLst/>
-          </a:prstGeom>
-          <a:ln w="38100" cmpd="thickThin">
-            <a:solidFill>
-              <a:schemeClr val="bg2">
-                <a:lumMod val="25000"/>
-              </a:schemeClr>
-            </a:solidFill>
-          </a:ln>
-        </p:spPr>
-        <p:style>
-          <a:lnRef idx="2">
-            <a:schemeClr val="accent1"/>
-          </a:lnRef>
-          <a:fillRef idx="0">
-            <a:schemeClr val="accent1"/>
-          </a:fillRef>
-          <a:effectRef idx="1">
-            <a:schemeClr val="accent1"/>
-          </a:effectRef>
-          <a:fontRef idx="minor">
-            <a:schemeClr val="tx1"/>
-          </a:fontRef>
-        </p:style>
-      </p:cxnSp>
-      <p:cxnSp>
-        <p:nvCxnSpPr>
-          <p:cNvPr id="1192" name="Straight Connector 1191">
-            <a:extLst>
-              <a:ext uri="{FF2B5EF4-FFF2-40B4-BE49-F238E27FC236}">
-                <a16:creationId xmlns:a16="http://schemas.microsoft.com/office/drawing/2014/main" id="{36FD166D-67EB-5C41-343C-C9B9ABCBA76D}"/>
-              </a:ext>
-            </a:extLst>
-          </p:cNvPr>
-          <p:cNvCxnSpPr>
-            <a:cxnSpLocks/>
-          </p:cNvCxnSpPr>
-          <p:nvPr/>
-        </p:nvCxnSpPr>
-        <p:spPr>
-          <a:xfrm flipH="1">
-            <a:off x="6927850" y="7423172"/>
-            <a:ext cx="2400300" cy="24819"/>
-          </a:xfrm>
-          <a:prstGeom prst="line">
-            <a:avLst/>
-          </a:prstGeom>
-          <a:ln w="38100" cmpd="dbl">
-            <a:solidFill>
-              <a:schemeClr val="bg2">
-                <a:lumMod val="25000"/>
-              </a:schemeClr>
-            </a:solidFill>
-          </a:ln>
-        </p:spPr>
-        <p:style>
-          <a:lnRef idx="2">
-            <a:schemeClr val="accent1"/>
-          </a:lnRef>
-          <a:fillRef idx="0">
-            <a:schemeClr val="accent1"/>
-          </a:fillRef>
-          <a:effectRef idx="1">
-            <a:schemeClr val="accent1"/>
-          </a:effectRef>
-          <a:fontRef idx="minor">
-            <a:schemeClr val="tx1"/>
-          </a:fontRef>
-        </p:style>
-      </p:cxnSp>
-      <p:cxnSp>
-        <p:nvCxnSpPr>
-          <p:cNvPr id="1195" name="Straight Connector 1194">
-            <a:extLst>
-              <a:ext uri="{FF2B5EF4-FFF2-40B4-BE49-F238E27FC236}">
-                <a16:creationId xmlns:a16="http://schemas.microsoft.com/office/drawing/2014/main" id="{0AE5D181-A139-E172-89B9-0D9689CDEA91}"/>
-              </a:ext>
-            </a:extLst>
-          </p:cNvPr>
-          <p:cNvCxnSpPr>
-            <a:cxnSpLocks/>
-          </p:cNvCxnSpPr>
-          <p:nvPr/>
-        </p:nvCxnSpPr>
-        <p:spPr>
-          <a:xfrm flipH="1">
-            <a:off x="6926257" y="5363156"/>
-            <a:ext cx="646126" cy="0"/>
-          </a:xfrm>
-          <a:prstGeom prst="line">
-            <a:avLst/>
-          </a:prstGeom>
-          <a:ln w="38100" cmpd="dbl">
-            <a:solidFill>
-              <a:schemeClr val="bg2">
-                <a:lumMod val="25000"/>
-              </a:schemeClr>
-            </a:solidFill>
-          </a:ln>
-        </p:spPr>
-        <p:style>
-          <a:lnRef idx="2">
-            <a:schemeClr val="accent1"/>
-          </a:lnRef>
-          <a:fillRef idx="0">
-            <a:schemeClr val="accent1"/>
-          </a:fillRef>
-          <a:effectRef idx="1">
-            <a:schemeClr val="accent1"/>
-          </a:effectRef>
-          <a:fontRef idx="minor">
-            <a:schemeClr val="tx1"/>
-          </a:fontRef>
-        </p:style>
-      </p:cxnSp>
-      <p:cxnSp>
-        <p:nvCxnSpPr>
-          <p:cNvPr id="1197" name="Straight Connector 1196">
-            <a:extLst>
-              <a:ext uri="{FF2B5EF4-FFF2-40B4-BE49-F238E27FC236}">
-                <a16:creationId xmlns:a16="http://schemas.microsoft.com/office/drawing/2014/main" id="{5B437DD7-1D52-FEB9-6A01-DBBF9E665527}"/>
-              </a:ext>
-            </a:extLst>
-          </p:cNvPr>
-          <p:cNvCxnSpPr>
-            <a:cxnSpLocks/>
-          </p:cNvCxnSpPr>
-          <p:nvPr/>
-        </p:nvCxnSpPr>
-        <p:spPr>
-          <a:xfrm flipV="1">
-            <a:off x="6928908" y="5343525"/>
-            <a:ext cx="0" cy="2114550"/>
-          </a:xfrm>
-          <a:prstGeom prst="line">
-            <a:avLst/>
-          </a:prstGeom>
-          <a:ln w="38100" cmpd="dbl">
-            <a:solidFill>
-              <a:schemeClr val="bg2">
-                <a:lumMod val="25000"/>
-              </a:schemeClr>
-            </a:solidFill>
-          </a:ln>
-        </p:spPr>
-        <p:style>
-          <a:lnRef idx="2">
-            <a:schemeClr val="accent1"/>
-          </a:lnRef>
-          <a:fillRef idx="0">
-            <a:schemeClr val="accent1"/>
-          </a:fillRef>
-          <a:effectRef idx="1">
-            <a:schemeClr val="accent1"/>
-          </a:effectRef>
-          <a:fontRef idx="minor">
-            <a:schemeClr val="tx1"/>
-          </a:fontRef>
-        </p:style>
-      </p:cxnSp>
-      <p:cxnSp>
-        <p:nvCxnSpPr>
-          <p:cNvPr id="1207" name="Straight Connector 1206">
-            <a:extLst>
-              <a:ext uri="{FF2B5EF4-FFF2-40B4-BE49-F238E27FC236}">
-                <a16:creationId xmlns:a16="http://schemas.microsoft.com/office/drawing/2014/main" id="{B31B91D0-9643-D8AF-455E-3E69F5903DE5}"/>
-              </a:ext>
-            </a:extLst>
-          </p:cNvPr>
-          <p:cNvCxnSpPr>
-            <a:cxnSpLocks/>
-          </p:cNvCxnSpPr>
-          <p:nvPr/>
-        </p:nvCxnSpPr>
-        <p:spPr>
-          <a:xfrm>
-            <a:off x="7953375" y="3899127"/>
-            <a:ext cx="423320" cy="0"/>
-          </a:xfrm>
-          <a:prstGeom prst="line">
-            <a:avLst/>
-          </a:prstGeom>
-          <a:ln w="38100">
-            <a:solidFill>
-              <a:schemeClr val="accent5">
+              <a:schemeClr val="accent3">
                 <a:lumMod val="60000"/>
                 <a:lumOff val="40000"/>
               </a:schemeClr>
@@ -7518,29 +8247,29 @@
       </p:cxnSp>
       <p:cxnSp>
         <p:nvCxnSpPr>
-          <p:cNvPr id="1209" name="Straight Connector 1208">
-            <a:extLst>
-              <a:ext uri="{FF2B5EF4-FFF2-40B4-BE49-F238E27FC236}">
-                <a16:creationId xmlns:a16="http://schemas.microsoft.com/office/drawing/2014/main" id="{FA0CDD07-29B7-F1B9-FFD0-96EC59E93EC9}"/>
-              </a:ext>
-            </a:extLst>
-          </p:cNvPr>
-          <p:cNvCxnSpPr>
-            <a:cxnSpLocks/>
-          </p:cNvCxnSpPr>
-          <p:nvPr/>
-        </p:nvCxnSpPr>
-        <p:spPr>
-          <a:xfrm>
-            <a:off x="7558820" y="5518377"/>
-            <a:ext cx="413605" cy="0"/>
+          <p:cNvPr id="1269" name="Straight Connector 1268">
+            <a:extLst>
+              <a:ext uri="{FF2B5EF4-FFF2-40B4-BE49-F238E27FC236}">
+                <a16:creationId xmlns:a16="http://schemas.microsoft.com/office/drawing/2014/main" id="{96014400-274D-11F2-A939-B7D2838AE68A}"/>
+              </a:ext>
+            </a:extLst>
+          </p:cNvPr>
+          <p:cNvCxnSpPr>
+            <a:cxnSpLocks/>
+          </p:cNvCxnSpPr>
+          <p:nvPr/>
+        </p:nvCxnSpPr>
+        <p:spPr>
+          <a:xfrm flipV="1">
+            <a:off x="881888" y="4167769"/>
+            <a:ext cx="0" cy="2770668"/>
           </a:xfrm>
           <a:prstGeom prst="line">
             <a:avLst/>
           </a:prstGeom>
           <a:ln w="38100">
             <a:solidFill>
-              <a:schemeClr val="accent5">
+              <a:schemeClr val="accent3">
                 <a:lumMod val="60000"/>
                 <a:lumOff val="40000"/>
               </a:schemeClr>
@@ -7564,29 +8293,29 @@
       </p:cxnSp>
       <p:cxnSp>
         <p:nvCxnSpPr>
-          <p:cNvPr id="1211" name="Straight Connector 1210">
-            <a:extLst>
-              <a:ext uri="{FF2B5EF4-FFF2-40B4-BE49-F238E27FC236}">
-                <a16:creationId xmlns:a16="http://schemas.microsoft.com/office/drawing/2014/main" id="{3FFA9011-4D69-744F-CDB6-F6BB185AB153}"/>
-              </a:ext>
-            </a:extLst>
-          </p:cNvPr>
-          <p:cNvCxnSpPr>
-            <a:cxnSpLocks/>
-          </p:cNvCxnSpPr>
-          <p:nvPr/>
-        </p:nvCxnSpPr>
-        <p:spPr>
-          <a:xfrm flipV="1">
-            <a:off x="7972425" y="3890142"/>
-            <a:ext cx="0" cy="1653408"/>
+          <p:cNvPr id="1271" name="Straight Connector 1270">
+            <a:extLst>
+              <a:ext uri="{FF2B5EF4-FFF2-40B4-BE49-F238E27FC236}">
+                <a16:creationId xmlns:a16="http://schemas.microsoft.com/office/drawing/2014/main" id="{53C14AC3-0E8D-266F-F606-2800919F2CA9}"/>
+              </a:ext>
+            </a:extLst>
+          </p:cNvPr>
+          <p:cNvCxnSpPr>
+            <a:cxnSpLocks/>
+          </p:cNvCxnSpPr>
+          <p:nvPr/>
+        </p:nvCxnSpPr>
+        <p:spPr>
+          <a:xfrm flipH="1">
+            <a:off x="869188" y="4157541"/>
+            <a:ext cx="2238902" cy="0"/>
           </a:xfrm>
           <a:prstGeom prst="line">
             <a:avLst/>
           </a:prstGeom>
           <a:ln w="38100">
             <a:solidFill>
-              <a:schemeClr val="accent5">
+              <a:schemeClr val="accent3">
                 <a:lumMod val="60000"/>
                 <a:lumOff val="40000"/>
               </a:schemeClr>
@@ -7610,870 +8339,6 @@
       </p:cxnSp>
       <p:cxnSp>
         <p:nvCxnSpPr>
-          <p:cNvPr id="1222" name="Straight Connector 1221">
-            <a:extLst>
-              <a:ext uri="{FF2B5EF4-FFF2-40B4-BE49-F238E27FC236}">
-                <a16:creationId xmlns:a16="http://schemas.microsoft.com/office/drawing/2014/main" id="{C9E5D2EE-AA64-3AEA-84A5-41204DEC1A1E}"/>
-              </a:ext>
-            </a:extLst>
-          </p:cNvPr>
-          <p:cNvCxnSpPr>
-            <a:cxnSpLocks/>
-          </p:cNvCxnSpPr>
-          <p:nvPr/>
-        </p:nvCxnSpPr>
-        <p:spPr>
-          <a:xfrm>
-            <a:off x="2635250" y="3401844"/>
-            <a:ext cx="0" cy="3140077"/>
-          </a:xfrm>
-          <a:prstGeom prst="line">
-            <a:avLst/>
-          </a:prstGeom>
-          <a:ln w="38100">
-            <a:solidFill>
-              <a:schemeClr val="tx1"/>
-            </a:solidFill>
-          </a:ln>
-        </p:spPr>
-        <p:style>
-          <a:lnRef idx="2">
-            <a:schemeClr val="accent1"/>
-          </a:lnRef>
-          <a:fillRef idx="0">
-            <a:schemeClr val="accent1"/>
-          </a:fillRef>
-          <a:effectRef idx="1">
-            <a:schemeClr val="accent1"/>
-          </a:effectRef>
-          <a:fontRef idx="minor">
-            <a:schemeClr val="tx1"/>
-          </a:fontRef>
-        </p:style>
-      </p:cxnSp>
-      <p:cxnSp>
-        <p:nvCxnSpPr>
-          <p:cNvPr id="1224" name="Straight Connector 1223">
-            <a:extLst>
-              <a:ext uri="{FF2B5EF4-FFF2-40B4-BE49-F238E27FC236}">
-                <a16:creationId xmlns:a16="http://schemas.microsoft.com/office/drawing/2014/main" id="{AA8479D3-A65D-5719-F60D-48B45A3ACF6F}"/>
-              </a:ext>
-            </a:extLst>
-          </p:cNvPr>
-          <p:cNvCxnSpPr>
-            <a:cxnSpLocks/>
-          </p:cNvCxnSpPr>
-          <p:nvPr/>
-        </p:nvCxnSpPr>
-        <p:spPr>
-          <a:xfrm flipH="1">
-            <a:off x="2635250" y="5182213"/>
-            <a:ext cx="158750" cy="0"/>
-          </a:xfrm>
-          <a:prstGeom prst="line">
-            <a:avLst/>
-          </a:prstGeom>
-          <a:ln w="38100">
-            <a:solidFill>
-              <a:schemeClr val="tx1"/>
-            </a:solidFill>
-          </a:ln>
-        </p:spPr>
-        <p:style>
-          <a:lnRef idx="2">
-            <a:schemeClr val="accent1"/>
-          </a:lnRef>
-          <a:fillRef idx="0">
-            <a:schemeClr val="accent1"/>
-          </a:fillRef>
-          <a:effectRef idx="1">
-            <a:schemeClr val="accent1"/>
-          </a:effectRef>
-          <a:fontRef idx="minor">
-            <a:schemeClr val="tx1"/>
-          </a:fontRef>
-        </p:style>
-      </p:cxnSp>
-      <p:cxnSp>
-        <p:nvCxnSpPr>
-          <p:cNvPr id="1228" name="Straight Connector 1227">
-            <a:extLst>
-              <a:ext uri="{FF2B5EF4-FFF2-40B4-BE49-F238E27FC236}">
-                <a16:creationId xmlns:a16="http://schemas.microsoft.com/office/drawing/2014/main" id="{6B41C633-2B98-F4B6-B551-A58A84F5B628}"/>
-              </a:ext>
-            </a:extLst>
-          </p:cNvPr>
-          <p:cNvCxnSpPr>
-            <a:cxnSpLocks/>
-          </p:cNvCxnSpPr>
-          <p:nvPr/>
-        </p:nvCxnSpPr>
-        <p:spPr>
-          <a:xfrm>
-            <a:off x="2989789" y="3454538"/>
-            <a:ext cx="0" cy="2918986"/>
-          </a:xfrm>
-          <a:prstGeom prst="line">
-            <a:avLst/>
-          </a:prstGeom>
-          <a:ln w="38100">
-            <a:solidFill>
-              <a:schemeClr val="accent1">
-                <a:lumMod val="75000"/>
-              </a:schemeClr>
-            </a:solidFill>
-          </a:ln>
-        </p:spPr>
-        <p:style>
-          <a:lnRef idx="2">
-            <a:schemeClr val="accent1"/>
-          </a:lnRef>
-          <a:fillRef idx="0">
-            <a:schemeClr val="accent1"/>
-          </a:fillRef>
-          <a:effectRef idx="1">
-            <a:schemeClr val="accent1"/>
-          </a:effectRef>
-          <a:fontRef idx="minor">
-            <a:schemeClr val="tx1"/>
-          </a:fontRef>
-        </p:style>
-      </p:cxnSp>
-      <p:cxnSp>
-        <p:nvCxnSpPr>
-          <p:cNvPr id="1231" name="Straight Connector 1230">
-            <a:extLst>
-              <a:ext uri="{FF2B5EF4-FFF2-40B4-BE49-F238E27FC236}">
-                <a16:creationId xmlns:a16="http://schemas.microsoft.com/office/drawing/2014/main" id="{FCAE815A-6ADB-8F7F-80B2-EB8AA0D01F37}"/>
-              </a:ext>
-            </a:extLst>
-          </p:cNvPr>
-          <p:cNvCxnSpPr>
-            <a:cxnSpLocks/>
-          </p:cNvCxnSpPr>
-          <p:nvPr/>
-        </p:nvCxnSpPr>
-        <p:spPr>
-          <a:xfrm flipH="1">
-            <a:off x="2978073" y="5259496"/>
-            <a:ext cx="158750" cy="0"/>
-          </a:xfrm>
-          <a:prstGeom prst="line">
-            <a:avLst/>
-          </a:prstGeom>
-          <a:ln w="38100">
-            <a:solidFill>
-              <a:schemeClr val="accent1">
-                <a:lumMod val="75000"/>
-              </a:schemeClr>
-            </a:solidFill>
-          </a:ln>
-        </p:spPr>
-        <p:style>
-          <a:lnRef idx="2">
-            <a:schemeClr val="accent1"/>
-          </a:lnRef>
-          <a:fillRef idx="0">
-            <a:schemeClr val="accent1"/>
-          </a:fillRef>
-          <a:effectRef idx="1">
-            <a:schemeClr val="accent1"/>
-          </a:effectRef>
-          <a:fontRef idx="minor">
-            <a:schemeClr val="tx1"/>
-          </a:fontRef>
-        </p:style>
-      </p:cxnSp>
-      <p:cxnSp>
-        <p:nvCxnSpPr>
-          <p:cNvPr id="1232" name="Straight Connector 1231">
-            <a:extLst>
-              <a:ext uri="{FF2B5EF4-FFF2-40B4-BE49-F238E27FC236}">
-                <a16:creationId xmlns:a16="http://schemas.microsoft.com/office/drawing/2014/main" id="{66A2E19E-DC7A-8C8B-A064-DCC7FAEB1469}"/>
-              </a:ext>
-            </a:extLst>
-          </p:cNvPr>
-          <p:cNvCxnSpPr>
-            <a:cxnSpLocks/>
-          </p:cNvCxnSpPr>
-          <p:nvPr/>
-        </p:nvCxnSpPr>
-        <p:spPr>
-          <a:xfrm flipH="1">
-            <a:off x="7915275" y="5975009"/>
-            <a:ext cx="557943" cy="0"/>
-          </a:xfrm>
-          <a:prstGeom prst="line">
-            <a:avLst/>
-          </a:prstGeom>
-          <a:ln w="38100">
-            <a:solidFill>
-              <a:srgbClr val="00B0F0"/>
-            </a:solidFill>
-          </a:ln>
-        </p:spPr>
-        <p:style>
-          <a:lnRef idx="2">
-            <a:schemeClr val="accent1"/>
-          </a:lnRef>
-          <a:fillRef idx="0">
-            <a:schemeClr val="accent1"/>
-          </a:fillRef>
-          <a:effectRef idx="1">
-            <a:schemeClr val="accent1"/>
-          </a:effectRef>
-          <a:fontRef idx="minor">
-            <a:schemeClr val="tx1"/>
-          </a:fontRef>
-        </p:style>
-      </p:cxnSp>
-      <p:cxnSp>
-        <p:nvCxnSpPr>
-          <p:cNvPr id="1234" name="Straight Connector 1233">
-            <a:extLst>
-              <a:ext uri="{FF2B5EF4-FFF2-40B4-BE49-F238E27FC236}">
-                <a16:creationId xmlns:a16="http://schemas.microsoft.com/office/drawing/2014/main" id="{1C08B4E7-400E-5D25-97DA-4B18AE4BBD55}"/>
-              </a:ext>
-            </a:extLst>
-          </p:cNvPr>
-          <p:cNvCxnSpPr>
-            <a:cxnSpLocks/>
-          </p:cNvCxnSpPr>
-          <p:nvPr/>
-        </p:nvCxnSpPr>
-        <p:spPr>
-          <a:xfrm flipV="1">
-            <a:off x="7926929" y="5954971"/>
-            <a:ext cx="0" cy="235102"/>
-          </a:xfrm>
-          <a:prstGeom prst="line">
-            <a:avLst/>
-          </a:prstGeom>
-          <a:ln w="38100">
-            <a:solidFill>
-              <a:srgbClr val="00B0F0"/>
-            </a:solidFill>
-          </a:ln>
-        </p:spPr>
-        <p:style>
-          <a:lnRef idx="2">
-            <a:schemeClr val="accent1"/>
-          </a:lnRef>
-          <a:fillRef idx="0">
-            <a:schemeClr val="accent1"/>
-          </a:fillRef>
-          <a:effectRef idx="1">
-            <a:schemeClr val="accent1"/>
-          </a:effectRef>
-          <a:fontRef idx="minor">
-            <a:schemeClr val="tx1"/>
-          </a:fontRef>
-        </p:style>
-      </p:cxnSp>
-      <p:cxnSp>
-        <p:nvCxnSpPr>
-          <p:cNvPr id="1236" name="Straight Connector 1235">
-            <a:extLst>
-              <a:ext uri="{FF2B5EF4-FFF2-40B4-BE49-F238E27FC236}">
-                <a16:creationId xmlns:a16="http://schemas.microsoft.com/office/drawing/2014/main" id="{66092858-2E03-3721-3BB0-6857DF640024}"/>
-              </a:ext>
-            </a:extLst>
-          </p:cNvPr>
-          <p:cNvCxnSpPr>
-            <a:cxnSpLocks/>
-          </p:cNvCxnSpPr>
-          <p:nvPr/>
-        </p:nvCxnSpPr>
-        <p:spPr>
-          <a:xfrm flipH="1">
-            <a:off x="3298825" y="6190073"/>
-            <a:ext cx="4645091" cy="0"/>
-          </a:xfrm>
-          <a:prstGeom prst="line">
-            <a:avLst/>
-          </a:prstGeom>
-          <a:ln w="38100">
-            <a:solidFill>
-              <a:srgbClr val="00B0F0"/>
-            </a:solidFill>
-          </a:ln>
-        </p:spPr>
-        <p:style>
-          <a:lnRef idx="2">
-            <a:schemeClr val="accent1"/>
-          </a:lnRef>
-          <a:fillRef idx="0">
-            <a:schemeClr val="accent1"/>
-          </a:fillRef>
-          <a:effectRef idx="1">
-            <a:schemeClr val="accent1"/>
-          </a:effectRef>
-          <a:fontRef idx="minor">
-            <a:schemeClr val="tx1"/>
-          </a:fontRef>
-        </p:style>
-      </p:cxnSp>
-      <p:cxnSp>
-        <p:nvCxnSpPr>
-          <p:cNvPr id="1239" name="Straight Connector 1238">
-            <a:extLst>
-              <a:ext uri="{FF2B5EF4-FFF2-40B4-BE49-F238E27FC236}">
-                <a16:creationId xmlns:a16="http://schemas.microsoft.com/office/drawing/2014/main" id="{03D3ADB5-D769-26F8-C7B6-82C7F8131A11}"/>
-              </a:ext>
-            </a:extLst>
-          </p:cNvPr>
-          <p:cNvCxnSpPr>
-            <a:cxnSpLocks/>
-          </p:cNvCxnSpPr>
-          <p:nvPr/>
-        </p:nvCxnSpPr>
-        <p:spPr>
-          <a:xfrm flipV="1">
-            <a:off x="3315188" y="5097796"/>
-            <a:ext cx="0" cy="1092277"/>
-          </a:xfrm>
-          <a:prstGeom prst="line">
-            <a:avLst/>
-          </a:prstGeom>
-          <a:ln w="38100">
-            <a:solidFill>
-              <a:srgbClr val="FFC000"/>
-            </a:solidFill>
-          </a:ln>
-        </p:spPr>
-        <p:style>
-          <a:lnRef idx="2">
-            <a:schemeClr val="accent1"/>
-          </a:lnRef>
-          <a:fillRef idx="0">
-            <a:schemeClr val="accent1"/>
-          </a:fillRef>
-          <a:effectRef idx="1">
-            <a:schemeClr val="accent1"/>
-          </a:effectRef>
-          <a:fontRef idx="minor">
-            <a:schemeClr val="tx1"/>
-          </a:fontRef>
-        </p:style>
-      </p:cxnSp>
-      <p:cxnSp>
-        <p:nvCxnSpPr>
-          <p:cNvPr id="1242" name="Straight Connector 1241">
-            <a:extLst>
-              <a:ext uri="{FF2B5EF4-FFF2-40B4-BE49-F238E27FC236}">
-                <a16:creationId xmlns:a16="http://schemas.microsoft.com/office/drawing/2014/main" id="{5C3101C7-7AD1-00C8-C46F-653504587C37}"/>
-              </a:ext>
-            </a:extLst>
-          </p:cNvPr>
-          <p:cNvCxnSpPr>
-            <a:cxnSpLocks/>
-          </p:cNvCxnSpPr>
-          <p:nvPr/>
-        </p:nvCxnSpPr>
-        <p:spPr>
-          <a:xfrm flipH="1">
-            <a:off x="3101588" y="5115597"/>
-            <a:ext cx="234543" cy="0"/>
-          </a:xfrm>
-          <a:prstGeom prst="line">
-            <a:avLst/>
-          </a:prstGeom>
-          <a:ln w="38100">
-            <a:solidFill>
-              <a:srgbClr val="FFC000"/>
-            </a:solidFill>
-          </a:ln>
-        </p:spPr>
-        <p:style>
-          <a:lnRef idx="2">
-            <a:schemeClr val="accent1"/>
-          </a:lnRef>
-          <a:fillRef idx="0">
-            <a:schemeClr val="accent1"/>
-          </a:fillRef>
-          <a:effectRef idx="1">
-            <a:schemeClr val="accent1"/>
-          </a:effectRef>
-          <a:fontRef idx="minor">
-            <a:schemeClr val="tx1"/>
-          </a:fontRef>
-        </p:style>
-      </p:cxnSp>
-      <p:cxnSp>
-        <p:nvCxnSpPr>
-          <p:cNvPr id="1246" name="Straight Connector 1245">
-            <a:extLst>
-              <a:ext uri="{FF2B5EF4-FFF2-40B4-BE49-F238E27FC236}">
-                <a16:creationId xmlns:a16="http://schemas.microsoft.com/office/drawing/2014/main" id="{5864A5DC-1204-D60F-824D-416BBA18C109}"/>
-              </a:ext>
-            </a:extLst>
-          </p:cNvPr>
-          <p:cNvCxnSpPr>
-            <a:cxnSpLocks/>
-          </p:cNvCxnSpPr>
-          <p:nvPr/>
-        </p:nvCxnSpPr>
-        <p:spPr>
-          <a:xfrm flipV="1">
-            <a:off x="3266502" y="3249347"/>
-            <a:ext cx="0" cy="1065965"/>
-          </a:xfrm>
-          <a:prstGeom prst="line">
-            <a:avLst/>
-          </a:prstGeom>
-          <a:ln w="38100">
-            <a:solidFill>
-              <a:srgbClr val="FFC000"/>
-            </a:solidFill>
-          </a:ln>
-        </p:spPr>
-        <p:style>
-          <a:lnRef idx="2">
-            <a:schemeClr val="accent1"/>
-          </a:lnRef>
-          <a:fillRef idx="0">
-            <a:schemeClr val="accent1"/>
-          </a:fillRef>
-          <a:effectRef idx="1">
-            <a:schemeClr val="accent1"/>
-          </a:effectRef>
-          <a:fontRef idx="minor">
-            <a:schemeClr val="tx1"/>
-          </a:fontRef>
-        </p:style>
-      </p:cxnSp>
-      <p:cxnSp>
-        <p:nvCxnSpPr>
-          <p:cNvPr id="1247" name="Straight Connector 1246">
-            <a:extLst>
-              <a:ext uri="{FF2B5EF4-FFF2-40B4-BE49-F238E27FC236}">
-                <a16:creationId xmlns:a16="http://schemas.microsoft.com/office/drawing/2014/main" id="{59DFCBBA-2139-E49D-8107-3A6536E5251A}"/>
-              </a:ext>
-            </a:extLst>
-          </p:cNvPr>
-          <p:cNvCxnSpPr>
-            <a:cxnSpLocks/>
-          </p:cNvCxnSpPr>
-          <p:nvPr/>
-        </p:nvCxnSpPr>
-        <p:spPr>
-          <a:xfrm flipH="1">
-            <a:off x="2971940" y="3254443"/>
-            <a:ext cx="304077" cy="0"/>
-          </a:xfrm>
-          <a:prstGeom prst="line">
-            <a:avLst/>
-          </a:prstGeom>
-          <a:ln w="38100">
-            <a:solidFill>
-              <a:srgbClr val="FFC000"/>
-            </a:solidFill>
-          </a:ln>
-        </p:spPr>
-        <p:style>
-          <a:lnRef idx="2">
-            <a:schemeClr val="accent1"/>
-          </a:lnRef>
-          <a:fillRef idx="0">
-            <a:schemeClr val="accent1"/>
-          </a:fillRef>
-          <a:effectRef idx="1">
-            <a:schemeClr val="accent1"/>
-          </a:effectRef>
-          <a:fontRef idx="minor">
-            <a:schemeClr val="tx1"/>
-          </a:fontRef>
-        </p:style>
-      </p:cxnSp>
-      <p:cxnSp>
-        <p:nvCxnSpPr>
-          <p:cNvPr id="1250" name="Straight Connector 1249">
-            <a:extLst>
-              <a:ext uri="{FF2B5EF4-FFF2-40B4-BE49-F238E27FC236}">
-                <a16:creationId xmlns:a16="http://schemas.microsoft.com/office/drawing/2014/main" id="{4C32E461-B9EB-46B5-0458-E41301651739}"/>
-              </a:ext>
-            </a:extLst>
-          </p:cNvPr>
-          <p:cNvCxnSpPr>
-            <a:cxnSpLocks/>
-          </p:cNvCxnSpPr>
-          <p:nvPr/>
-        </p:nvCxnSpPr>
-        <p:spPr>
-          <a:xfrm flipH="1">
-            <a:off x="1035050" y="4297241"/>
-            <a:ext cx="2238902" cy="0"/>
-          </a:xfrm>
-          <a:prstGeom prst="line">
-            <a:avLst/>
-          </a:prstGeom>
-          <a:ln w="38100">
-            <a:solidFill>
-              <a:srgbClr val="00B0F0"/>
-            </a:solidFill>
-          </a:ln>
-        </p:spPr>
-        <p:style>
-          <a:lnRef idx="2">
-            <a:schemeClr val="accent1"/>
-          </a:lnRef>
-          <a:fillRef idx="0">
-            <a:schemeClr val="accent1"/>
-          </a:fillRef>
-          <a:effectRef idx="1">
-            <a:schemeClr val="accent1"/>
-          </a:effectRef>
-          <a:fontRef idx="minor">
-            <a:schemeClr val="tx1"/>
-          </a:fontRef>
-        </p:style>
-      </p:cxnSp>
-      <p:cxnSp>
-        <p:nvCxnSpPr>
-          <p:cNvPr id="1253" name="Straight Connector 1252">
-            <a:extLst>
-              <a:ext uri="{FF2B5EF4-FFF2-40B4-BE49-F238E27FC236}">
-                <a16:creationId xmlns:a16="http://schemas.microsoft.com/office/drawing/2014/main" id="{76CB76FB-48CB-51CB-4305-DB53005E0E2D}"/>
-              </a:ext>
-            </a:extLst>
-          </p:cNvPr>
-          <p:cNvCxnSpPr>
-            <a:cxnSpLocks/>
-          </p:cNvCxnSpPr>
-          <p:nvPr/>
-        </p:nvCxnSpPr>
-        <p:spPr>
-          <a:xfrm flipV="1">
-            <a:off x="1031302" y="4281379"/>
-            <a:ext cx="0" cy="2379771"/>
-          </a:xfrm>
-          <a:prstGeom prst="line">
-            <a:avLst/>
-          </a:prstGeom>
-          <a:ln w="38100">
-            <a:solidFill>
-              <a:srgbClr val="00B0F0"/>
-            </a:solidFill>
-          </a:ln>
-        </p:spPr>
-        <p:style>
-          <a:lnRef idx="2">
-            <a:schemeClr val="accent1"/>
-          </a:lnRef>
-          <a:fillRef idx="0">
-            <a:schemeClr val="accent1"/>
-          </a:fillRef>
-          <a:effectRef idx="1">
-            <a:schemeClr val="accent1"/>
-          </a:effectRef>
-          <a:fontRef idx="minor">
-            <a:schemeClr val="tx1"/>
-          </a:fontRef>
-        </p:style>
-      </p:cxnSp>
-      <p:cxnSp>
-        <p:nvCxnSpPr>
-          <p:cNvPr id="1255" name="Straight Connector 1254">
-            <a:extLst>
-              <a:ext uri="{FF2B5EF4-FFF2-40B4-BE49-F238E27FC236}">
-                <a16:creationId xmlns:a16="http://schemas.microsoft.com/office/drawing/2014/main" id="{B8148F18-63D8-C86D-8E6C-2BD5C4E94D86}"/>
-              </a:ext>
-            </a:extLst>
-          </p:cNvPr>
-          <p:cNvCxnSpPr>
-            <a:cxnSpLocks/>
-          </p:cNvCxnSpPr>
-          <p:nvPr/>
-        </p:nvCxnSpPr>
-        <p:spPr>
-          <a:xfrm flipH="1">
-            <a:off x="8434389" y="5680196"/>
-            <a:ext cx="360361" cy="0"/>
-          </a:xfrm>
-          <a:prstGeom prst="line">
-            <a:avLst/>
-          </a:prstGeom>
-          <a:ln w="38100">
-            <a:solidFill>
-              <a:srgbClr val="00B0F0"/>
-            </a:solidFill>
-          </a:ln>
-        </p:spPr>
-        <p:style>
-          <a:lnRef idx="2">
-            <a:schemeClr val="accent1"/>
-          </a:lnRef>
-          <a:fillRef idx="0">
-            <a:schemeClr val="accent1"/>
-          </a:fillRef>
-          <a:effectRef idx="1">
-            <a:schemeClr val="accent1"/>
-          </a:effectRef>
-          <a:fontRef idx="minor">
-            <a:schemeClr val="tx1"/>
-          </a:fontRef>
-        </p:style>
-      </p:cxnSp>
-      <p:cxnSp>
-        <p:nvCxnSpPr>
-          <p:cNvPr id="1257" name="Straight Connector 1256">
-            <a:extLst>
-              <a:ext uri="{FF2B5EF4-FFF2-40B4-BE49-F238E27FC236}">
-                <a16:creationId xmlns:a16="http://schemas.microsoft.com/office/drawing/2014/main" id="{E0680223-12E6-CCCB-B1BB-71C44341D174}"/>
-              </a:ext>
-            </a:extLst>
-          </p:cNvPr>
-          <p:cNvCxnSpPr>
-            <a:cxnSpLocks/>
-          </p:cNvCxnSpPr>
-          <p:nvPr/>
-        </p:nvCxnSpPr>
-        <p:spPr>
-          <a:xfrm flipV="1">
-            <a:off x="8791585" y="5669235"/>
-            <a:ext cx="0" cy="968886"/>
-          </a:xfrm>
-          <a:prstGeom prst="line">
-            <a:avLst/>
-          </a:prstGeom>
-          <a:ln w="38100">
-            <a:solidFill>
-              <a:srgbClr val="00B0F0"/>
-            </a:solidFill>
-          </a:ln>
-        </p:spPr>
-        <p:style>
-          <a:lnRef idx="2">
-            <a:schemeClr val="accent1"/>
-          </a:lnRef>
-          <a:fillRef idx="0">
-            <a:schemeClr val="accent1"/>
-          </a:fillRef>
-          <a:effectRef idx="1">
-            <a:schemeClr val="accent1"/>
-          </a:effectRef>
-          <a:fontRef idx="minor">
-            <a:schemeClr val="tx1"/>
-          </a:fontRef>
-        </p:style>
-      </p:cxnSp>
-      <p:cxnSp>
-        <p:nvCxnSpPr>
-          <p:cNvPr id="1259" name="Straight Connector 1258">
-            <a:extLst>
-              <a:ext uri="{FF2B5EF4-FFF2-40B4-BE49-F238E27FC236}">
-                <a16:creationId xmlns:a16="http://schemas.microsoft.com/office/drawing/2014/main" id="{2601BA2A-7ACF-50B8-38E8-B15999FFAB1E}"/>
-              </a:ext>
-            </a:extLst>
-          </p:cNvPr>
-          <p:cNvCxnSpPr>
-            <a:cxnSpLocks/>
-          </p:cNvCxnSpPr>
-          <p:nvPr/>
-        </p:nvCxnSpPr>
-        <p:spPr>
-          <a:xfrm flipH="1">
-            <a:off x="1041400" y="6650821"/>
-            <a:ext cx="7770018" cy="0"/>
-          </a:xfrm>
-          <a:prstGeom prst="line">
-            <a:avLst/>
-          </a:prstGeom>
-          <a:ln w="38100">
-            <a:solidFill>
-              <a:srgbClr val="00B0F0"/>
-            </a:solidFill>
-          </a:ln>
-        </p:spPr>
-        <p:style>
-          <a:lnRef idx="2">
-            <a:schemeClr val="accent1"/>
-          </a:lnRef>
-          <a:fillRef idx="0">
-            <a:schemeClr val="accent1"/>
-          </a:fillRef>
-          <a:effectRef idx="1">
-            <a:schemeClr val="accent1"/>
-          </a:effectRef>
-          <a:fontRef idx="minor">
-            <a:schemeClr val="tx1"/>
-          </a:fontRef>
-        </p:style>
-      </p:cxnSp>
-      <p:cxnSp>
-        <p:nvCxnSpPr>
-          <p:cNvPr id="1263" name="Straight Connector 1262">
-            <a:extLst>
-              <a:ext uri="{FF2B5EF4-FFF2-40B4-BE49-F238E27FC236}">
-                <a16:creationId xmlns:a16="http://schemas.microsoft.com/office/drawing/2014/main" id="{2E1AE1E5-576E-9C5B-F857-21F2B657AD1A}"/>
-              </a:ext>
-            </a:extLst>
-          </p:cNvPr>
-          <p:cNvCxnSpPr>
-            <a:cxnSpLocks/>
-          </p:cNvCxnSpPr>
-          <p:nvPr/>
-        </p:nvCxnSpPr>
-        <p:spPr>
-          <a:xfrm flipV="1">
-            <a:off x="8645535" y="5505450"/>
-            <a:ext cx="0" cy="1428750"/>
-          </a:xfrm>
-          <a:prstGeom prst="line">
-            <a:avLst/>
-          </a:prstGeom>
-          <a:ln w="38100">
-            <a:solidFill>
-              <a:srgbClr val="006020"/>
-            </a:solidFill>
-          </a:ln>
-        </p:spPr>
-        <p:style>
-          <a:lnRef idx="2">
-            <a:schemeClr val="accent1"/>
-          </a:lnRef>
-          <a:fillRef idx="0">
-            <a:schemeClr val="accent1"/>
-          </a:fillRef>
-          <a:effectRef idx="1">
-            <a:schemeClr val="accent1"/>
-          </a:effectRef>
-          <a:fontRef idx="minor">
-            <a:schemeClr val="tx1"/>
-          </a:fontRef>
-        </p:style>
-      </p:cxnSp>
-      <p:cxnSp>
-        <p:nvCxnSpPr>
-          <p:cNvPr id="1268" name="Straight Connector 1267">
-            <a:extLst>
-              <a:ext uri="{FF2B5EF4-FFF2-40B4-BE49-F238E27FC236}">
-                <a16:creationId xmlns:a16="http://schemas.microsoft.com/office/drawing/2014/main" id="{44D841F6-9BF4-4426-D9F7-4AD2E5801ED7}"/>
-              </a:ext>
-            </a:extLst>
-          </p:cNvPr>
-          <p:cNvCxnSpPr>
-            <a:cxnSpLocks/>
-          </p:cNvCxnSpPr>
-          <p:nvPr/>
-        </p:nvCxnSpPr>
-        <p:spPr>
-          <a:xfrm flipH="1">
-            <a:off x="875682" y="6922166"/>
-            <a:ext cx="7770018" cy="0"/>
-          </a:xfrm>
-          <a:prstGeom prst="line">
-            <a:avLst/>
-          </a:prstGeom>
-          <a:ln w="38100">
-            <a:solidFill>
-              <a:srgbClr val="006020"/>
-            </a:solidFill>
-          </a:ln>
-        </p:spPr>
-        <p:style>
-          <a:lnRef idx="2">
-            <a:schemeClr val="accent1"/>
-          </a:lnRef>
-          <a:fillRef idx="0">
-            <a:schemeClr val="accent1"/>
-          </a:fillRef>
-          <a:effectRef idx="1">
-            <a:schemeClr val="accent1"/>
-          </a:effectRef>
-          <a:fontRef idx="minor">
-            <a:schemeClr val="tx1"/>
-          </a:fontRef>
-        </p:style>
-      </p:cxnSp>
-      <p:cxnSp>
-        <p:nvCxnSpPr>
-          <p:cNvPr id="1269" name="Straight Connector 1268">
-            <a:extLst>
-              <a:ext uri="{FF2B5EF4-FFF2-40B4-BE49-F238E27FC236}">
-                <a16:creationId xmlns:a16="http://schemas.microsoft.com/office/drawing/2014/main" id="{96014400-274D-11F2-A939-B7D2838AE68A}"/>
-              </a:ext>
-            </a:extLst>
-          </p:cNvPr>
-          <p:cNvCxnSpPr>
-            <a:cxnSpLocks/>
-          </p:cNvCxnSpPr>
-          <p:nvPr/>
-        </p:nvCxnSpPr>
-        <p:spPr>
-          <a:xfrm flipV="1">
-            <a:off x="881888" y="4167769"/>
-            <a:ext cx="0" cy="2770668"/>
-          </a:xfrm>
-          <a:prstGeom prst="line">
-            <a:avLst/>
-          </a:prstGeom>
-          <a:ln w="38100">
-            <a:solidFill>
-              <a:srgbClr val="006020"/>
-            </a:solidFill>
-          </a:ln>
-        </p:spPr>
-        <p:style>
-          <a:lnRef idx="2">
-            <a:schemeClr val="accent1"/>
-          </a:lnRef>
-          <a:fillRef idx="0">
-            <a:schemeClr val="accent1"/>
-          </a:fillRef>
-          <a:effectRef idx="1">
-            <a:schemeClr val="accent1"/>
-          </a:effectRef>
-          <a:fontRef idx="minor">
-            <a:schemeClr val="tx1"/>
-          </a:fontRef>
-        </p:style>
-      </p:cxnSp>
-      <p:cxnSp>
-        <p:nvCxnSpPr>
-          <p:cNvPr id="1271" name="Straight Connector 1270">
-            <a:extLst>
-              <a:ext uri="{FF2B5EF4-FFF2-40B4-BE49-F238E27FC236}">
-                <a16:creationId xmlns:a16="http://schemas.microsoft.com/office/drawing/2014/main" id="{53C14AC3-0E8D-266F-F606-2800919F2CA9}"/>
-              </a:ext>
-            </a:extLst>
-          </p:cNvPr>
-          <p:cNvCxnSpPr>
-            <a:cxnSpLocks/>
-          </p:cNvCxnSpPr>
-          <p:nvPr/>
-        </p:nvCxnSpPr>
-        <p:spPr>
-          <a:xfrm flipH="1">
-            <a:off x="869188" y="4157541"/>
-            <a:ext cx="2238902" cy="0"/>
-          </a:xfrm>
-          <a:prstGeom prst="line">
-            <a:avLst/>
-          </a:prstGeom>
-          <a:ln w="38100">
-            <a:solidFill>
-              <a:srgbClr val="006020"/>
-            </a:solidFill>
-          </a:ln>
-        </p:spPr>
-        <p:style>
-          <a:lnRef idx="2">
-            <a:schemeClr val="accent1"/>
-          </a:lnRef>
-          <a:fillRef idx="0">
-            <a:schemeClr val="accent1"/>
-          </a:fillRef>
-          <a:effectRef idx="1">
-            <a:schemeClr val="accent1"/>
-          </a:effectRef>
-          <a:fontRef idx="minor">
-            <a:schemeClr val="tx1"/>
-          </a:fontRef>
-        </p:style>
-      </p:cxnSp>
-      <p:cxnSp>
-        <p:nvCxnSpPr>
           <p:cNvPr id="1272" name="Straight Connector 1271">
             <a:extLst>
               <a:ext uri="{FF2B5EF4-FFF2-40B4-BE49-F238E27FC236}">
@@ -8533,15 +8398,18 @@
         </p:nvCxnSpPr>
         <p:spPr>
           <a:xfrm flipH="1">
-            <a:off x="7804150" y="5825144"/>
-            <a:ext cx="654050" cy="0"/>
+            <a:off x="7994931" y="5825144"/>
+            <a:ext cx="463269" cy="0"/>
           </a:xfrm>
           <a:prstGeom prst="line">
             <a:avLst/>
           </a:prstGeom>
           <a:ln w="38100">
             <a:solidFill>
-              <a:srgbClr val="006020"/>
+              <a:schemeClr val="accent3">
+                <a:lumMod val="60000"/>
+                <a:lumOff val="40000"/>
+              </a:schemeClr>
             </a:solidFill>
           </a:ln>
         </p:spPr>
@@ -8576,15 +8444,18 @@
         </p:nvCxnSpPr>
         <p:spPr>
           <a:xfrm flipV="1">
-            <a:off x="7823742" y="5807444"/>
-            <a:ext cx="0" cy="317131"/>
+            <a:off x="8011777" y="5825144"/>
+            <a:ext cx="0" cy="294669"/>
           </a:xfrm>
           <a:prstGeom prst="line">
             <a:avLst/>
           </a:prstGeom>
           <a:ln w="38100">
             <a:solidFill>
-              <a:srgbClr val="006020"/>
+              <a:schemeClr val="accent3">
+                <a:lumMod val="60000"/>
+                <a:lumOff val="40000"/>
+              </a:schemeClr>
             </a:solidFill>
           </a:ln>
         </p:spPr>
@@ -8620,14 +8491,17 @@
         <p:spPr>
           <a:xfrm flipH="1">
             <a:off x="3482975" y="6104854"/>
-            <a:ext cx="4348339" cy="0"/>
+            <a:ext cx="4539456" cy="0"/>
           </a:xfrm>
           <a:prstGeom prst="line">
             <a:avLst/>
           </a:prstGeom>
           <a:ln w="38100">
             <a:solidFill>
-              <a:srgbClr val="006020"/>
+              <a:schemeClr val="accent3">
+                <a:lumMod val="60000"/>
+                <a:lumOff val="40000"/>
+              </a:schemeClr>
             </a:solidFill>
           </a:ln>
         </p:spPr>
@@ -8760,7 +8634,96 @@
           </a:prstGeom>
           <a:ln w="38100">
             <a:solidFill>
-              <a:srgbClr val="006020"/>
+              <a:schemeClr val="accent3">
+                <a:lumMod val="60000"/>
+                <a:lumOff val="40000"/>
+              </a:schemeClr>
+            </a:solidFill>
+          </a:ln>
+        </p:spPr>
+        <p:style>
+          <a:lnRef idx="2">
+            <a:schemeClr val="accent1"/>
+          </a:lnRef>
+          <a:fillRef idx="0">
+            <a:schemeClr val="accent1"/>
+          </a:fillRef>
+          <a:effectRef idx="1">
+            <a:schemeClr val="accent1"/>
+          </a:effectRef>
+          <a:fontRef idx="minor">
+            <a:schemeClr val="tx1"/>
+          </a:fontRef>
+        </p:style>
+      </p:cxnSp>
+      <p:cxnSp>
+        <p:nvCxnSpPr>
+          <p:cNvPr id="2" name="Straight Connector 1">
+            <a:extLst>
+              <a:ext uri="{FF2B5EF4-FFF2-40B4-BE49-F238E27FC236}">
+                <a16:creationId xmlns:a16="http://schemas.microsoft.com/office/drawing/2014/main" id="{F9EB1C9F-9FB1-A58F-1180-9EB99DF952A5}"/>
+              </a:ext>
+            </a:extLst>
+          </p:cNvPr>
+          <p:cNvCxnSpPr>
+            <a:cxnSpLocks/>
+          </p:cNvCxnSpPr>
+          <p:nvPr/>
+        </p:nvCxnSpPr>
+        <p:spPr>
+          <a:xfrm flipH="1">
+            <a:off x="2978073" y="5667375"/>
+            <a:ext cx="4274992" cy="0"/>
+          </a:xfrm>
+          <a:prstGeom prst="line">
+            <a:avLst/>
+          </a:prstGeom>
+          <a:ln w="38100">
+            <a:solidFill>
+              <a:srgbClr val="FFFF00"/>
+            </a:solidFill>
+          </a:ln>
+        </p:spPr>
+        <p:style>
+          <a:lnRef idx="2">
+            <a:schemeClr val="accent1"/>
+          </a:lnRef>
+          <a:fillRef idx="0">
+            <a:schemeClr val="accent1"/>
+          </a:fillRef>
+          <a:effectRef idx="1">
+            <a:schemeClr val="accent1"/>
+          </a:effectRef>
+          <a:fontRef idx="minor">
+            <a:schemeClr val="tx1"/>
+          </a:fontRef>
+        </p:style>
+      </p:cxnSp>
+      <p:cxnSp>
+        <p:nvCxnSpPr>
+          <p:cNvPr id="7" name="Straight Connector 6">
+            <a:extLst>
+              <a:ext uri="{FF2B5EF4-FFF2-40B4-BE49-F238E27FC236}">
+                <a16:creationId xmlns:a16="http://schemas.microsoft.com/office/drawing/2014/main" id="{CBD084FD-2405-4778-51FE-92334AA8EC19}"/>
+              </a:ext>
+            </a:extLst>
+          </p:cNvPr>
+          <p:cNvCxnSpPr>
+            <a:cxnSpLocks/>
+          </p:cNvCxnSpPr>
+          <p:nvPr/>
+        </p:nvCxnSpPr>
+        <p:spPr>
+          <a:xfrm flipH="1">
+            <a:off x="2624138" y="5825757"/>
+            <a:ext cx="4480105" cy="0"/>
+          </a:xfrm>
+          <a:prstGeom prst="line">
+            <a:avLst/>
+          </a:prstGeom>
+          <a:ln w="38100">
+            <a:solidFill>
+              <a:srgbClr val="002060"/>
             </a:solidFill>
           </a:ln>
         </p:spPr>
